--- a/mid_term/mid_term.pptx
+++ b/mid_term/mid_term.pptx
@@ -205,7 +205,7 @@
           <a:p>
             <a:fld id="{7A0339F4-D5E1-4040-BE44-F79A45E1785F}" type="datetimeFigureOut">
               <a:rPr lang="en-AU" smtClean="0"/>
-              <a:t>22/02/2021</a:t>
+              <a:t>23/02/2021</a:t>
             </a:fld>
             <a:endParaRPr lang="en-AU"/>
           </a:p>
@@ -507,7 +507,7 @@
           <a:p>
             <a:fld id="{DF8BEA47-A580-4C57-9357-8816B33422CD}" type="datetime1">
               <a:rPr lang="en-AU" smtClean="0"/>
-              <a:t>22/02/2021</a:t>
+              <a:t>23/02/2021</a:t>
             </a:fld>
             <a:endParaRPr lang="en-AU"/>
           </a:p>
@@ -975,7 +975,7 @@
           <a:p>
             <a:fld id="{8F6B76D1-50F8-47E8-82F7-C2CE95E07DA4}" type="datetime1">
               <a:rPr lang="en-AU" smtClean="0"/>
-              <a:t>22/02/2021</a:t>
+              <a:t>23/02/2021</a:t>
             </a:fld>
             <a:endParaRPr lang="en-AU"/>
           </a:p>
@@ -1235,7 +1235,7 @@
           <a:p>
             <a:fld id="{3B22A50C-D5E8-4C27-9226-2EF83F9CFEA4}" type="datetime1">
               <a:rPr lang="en-AU" smtClean="0"/>
-              <a:t>22/02/2021</a:t>
+              <a:t>23/02/2021</a:t>
             </a:fld>
             <a:endParaRPr lang="en-AU"/>
           </a:p>
@@ -1334,7 +1334,7 @@
           <a:p>
             <a:fld id="{94AA41C5-75B3-4713-BCF2-0B206D818701}" type="datetime1">
               <a:rPr lang="en-AU" smtClean="0"/>
-              <a:t>22/02/2021</a:t>
+              <a:t>23/02/2021</a:t>
             </a:fld>
             <a:endParaRPr lang="en-AU"/>
           </a:p>
@@ -1700,7 +1700,7 @@
           <a:p>
             <a:fld id="{B9FF62A3-BE55-482B-85D0-BE1BA1FF8614}" type="datetime1">
               <a:rPr lang="en-AU" smtClean="0"/>
-              <a:t>22/02/2021</a:t>
+              <a:t>23/02/2021</a:t>
             </a:fld>
             <a:endParaRPr lang="en-AU"/>
           </a:p>
@@ -1822,7 +1822,7 @@
           <a:p>
             <a:fld id="{47ED8A6B-39E1-4A77-9A59-E83F7B313A42}" type="datetime1">
               <a:rPr lang="en-AU" smtClean="0"/>
-              <a:t>22/02/2021</a:t>
+              <a:t>23/02/2021</a:t>
             </a:fld>
             <a:endParaRPr lang="en-AU"/>
           </a:p>
@@ -2380,7 +2380,7 @@
           <a:p>
             <a:fld id="{39362F8A-2C01-46C7-BE7F-82945AC89E07}" type="datetime1">
               <a:rPr lang="en-AU" smtClean="0"/>
-              <a:t>22/02/2021</a:t>
+              <a:t>23/02/2021</a:t>
             </a:fld>
             <a:endParaRPr lang="en-AU"/>
           </a:p>
@@ -2624,7 +2624,7 @@
           <a:p>
             <a:fld id="{0ADFC286-7923-438C-A035-80075811B15D}" type="datetime1">
               <a:rPr lang="en-AU" smtClean="0"/>
-              <a:t>22/02/2021</a:t>
+              <a:t>23/02/2021</a:t>
             </a:fld>
             <a:endParaRPr lang="en-AU"/>
           </a:p>
@@ -2998,7 +2998,7 @@
           <a:p>
             <a:fld id="{EABE809E-782A-49BA-B60E-94A76A75CFB8}" type="datetime1">
               <a:rPr lang="en-AU" smtClean="0"/>
-              <a:t>22/02/2021</a:t>
+              <a:t>23/02/2021</a:t>
             </a:fld>
             <a:endParaRPr lang="en-AU"/>
           </a:p>
@@ -3128,7 +3128,7 @@
           <a:p>
             <a:fld id="{073669BC-CC2F-42F8-8B5C-2F02C552A8EE}" type="datetime1">
               <a:rPr lang="en-AU" smtClean="0"/>
-              <a:t>22/02/2021</a:t>
+              <a:t>23/02/2021</a:t>
             </a:fld>
             <a:endParaRPr lang="en-AU"/>
           </a:p>
@@ -3227,7 +3227,7 @@
           <a:p>
             <a:fld id="{CD0F2E40-F34B-477A-A300-5EE15F6219B3}" type="datetime1">
               <a:rPr lang="en-AU" smtClean="0"/>
-              <a:t>22/02/2021</a:t>
+              <a:t>23/02/2021</a:t>
             </a:fld>
             <a:endParaRPr lang="en-AU"/>
           </a:p>
@@ -3411,7 +3411,7 @@
           <a:p>
             <a:fld id="{43FDF7FE-EC28-4E28-ABA7-1ECFC5736BCC}" type="datetime1">
               <a:rPr lang="en-AU" smtClean="0"/>
-              <a:t>22/02/2021</a:t>
+              <a:t>23/02/2021</a:t>
             </a:fld>
             <a:endParaRPr lang="en-AU"/>
           </a:p>
@@ -5694,6 +5694,56 @@
               <a:buFontTx/>
               <a:buChar char="-"/>
             </a:pPr>
+            <a:r>
+              <a:rPr lang="en-US" dirty="0"/>
+              <a:t>Loss function: </a:t>
+            </a:r>
+            <a:r>
+              <a:rPr lang="en-US" dirty="0" err="1"/>
+              <a:t>CrossEntropy</a:t>
+            </a:r>
+            <a:endParaRPr lang="en-US" dirty="0"/>
+          </a:p>
+          <a:p>
+            <a:pPr lvl="1">
+              <a:buFontTx/>
+              <a:buChar char="-"/>
+            </a:pPr>
+            <a:r>
+              <a:rPr lang="en-US" dirty="0"/>
+              <a:t>Lr: 1e-2</a:t>
+            </a:r>
+          </a:p>
+          <a:p>
+            <a:pPr lvl="1">
+              <a:buFontTx/>
+              <a:buChar char="-"/>
+            </a:pPr>
+            <a:r>
+              <a:rPr lang="en-US" dirty="0"/>
+              <a:t>Lr-scheduler: </a:t>
+            </a:r>
+            <a:r>
+              <a:rPr lang="en-US" dirty="0" err="1"/>
+              <a:t>LRStep</a:t>
+            </a:r>
+            <a:endParaRPr lang="en-US" dirty="0"/>
+          </a:p>
+          <a:p>
+            <a:pPr>
+              <a:buFontTx/>
+              <a:buChar char="-"/>
+            </a:pPr>
+            <a:r>
+              <a:rPr lang="en-US" dirty="0"/>
+              <a:t>Results:</a:t>
+            </a:r>
+          </a:p>
+          <a:p>
+            <a:pPr>
+              <a:buFontTx/>
+              <a:buChar char="-"/>
+            </a:pPr>
             <a:endParaRPr lang="vi-VN" dirty="0"/>
           </a:p>
           <a:p>
@@ -5740,6 +5790,247 @@
           </a:p>
         </p:txBody>
       </p:sp>
+      <p:graphicFrame>
+        <p:nvGraphicFramePr>
+          <p:cNvPr id="5" name="Table 5">
+            <a:extLst>
+              <a:ext uri="{FF2B5EF4-FFF2-40B4-BE49-F238E27FC236}">
+                <a16:creationId xmlns:a16="http://schemas.microsoft.com/office/drawing/2014/main" id="{D0871ED5-0368-4A15-B015-4829B063E4E1}"/>
+              </a:ext>
+            </a:extLst>
+          </p:cNvPr>
+          <p:cNvGraphicFramePr>
+            <a:graphicFrameLocks noGrp="1"/>
+          </p:cNvGraphicFramePr>
+          <p:nvPr>
+            <p:extLst>
+              <p:ext uri="{D42A27DB-BD31-4B8C-83A1-F6EECF244321}">
+                <p14:modId xmlns:p14="http://schemas.microsoft.com/office/powerpoint/2010/main" val="4140356043"/>
+              </p:ext>
+            </p:extLst>
+          </p:nvPr>
+        </p:nvGraphicFramePr>
+        <p:xfrm>
+          <a:off x="1369392" y="4223207"/>
+          <a:ext cx="8127999" cy="1483360"/>
+        </p:xfrm>
+        <a:graphic>
+          <a:graphicData uri="http://schemas.openxmlformats.org/drawingml/2006/table">
+            <a:tbl>
+              <a:tblPr firstRow="1" bandRow="1">
+                <a:tableStyleId>{5C22544A-7EE6-4342-B048-85BDC9FD1C3A}</a:tableStyleId>
+              </a:tblPr>
+              <a:tblGrid>
+                <a:gridCol w="2709333">
+                  <a:extLst>
+                    <a:ext uri="{9D8B030D-6E8A-4147-A177-3AD203B41FA5}">
+                      <a16:colId xmlns:a16="http://schemas.microsoft.com/office/drawing/2014/main" val="513575297"/>
+                    </a:ext>
+                  </a:extLst>
+                </a:gridCol>
+                <a:gridCol w="2709333">
+                  <a:extLst>
+                    <a:ext uri="{9D8B030D-6E8A-4147-A177-3AD203B41FA5}">
+                      <a16:colId xmlns:a16="http://schemas.microsoft.com/office/drawing/2014/main" val="510886131"/>
+                    </a:ext>
+                  </a:extLst>
+                </a:gridCol>
+                <a:gridCol w="2709333">
+                  <a:extLst>
+                    <a:ext uri="{9D8B030D-6E8A-4147-A177-3AD203B41FA5}">
+                      <a16:colId xmlns:a16="http://schemas.microsoft.com/office/drawing/2014/main" val="518169098"/>
+                    </a:ext>
+                  </a:extLst>
+                </a:gridCol>
+              </a:tblGrid>
+              <a:tr h="370840">
+                <a:tc>
+                  <a:txBody>
+                    <a:bodyPr/>
+                    <a:lstStyle/>
+                    <a:p>
+                      <a:r>
+                        <a:rPr lang="en-US" dirty="0"/>
+                        <a:t>Model</a:t>
+                      </a:r>
+                    </a:p>
+                  </a:txBody>
+                  <a:tcPr/>
+                </a:tc>
+                <a:tc>
+                  <a:txBody>
+                    <a:bodyPr/>
+                    <a:lstStyle/>
+                    <a:p>
+                      <a:r>
+                        <a:rPr lang="en-US" dirty="0"/>
+                        <a:t>Parameters</a:t>
+                      </a:r>
+                    </a:p>
+                  </a:txBody>
+                  <a:tcPr/>
+                </a:tc>
+                <a:tc>
+                  <a:txBody>
+                    <a:bodyPr/>
+                    <a:lstStyle/>
+                    <a:p>
+                      <a:r>
+                        <a:rPr lang="en-US" dirty="0"/>
+                        <a:t>Acc</a:t>
+                      </a:r>
+                    </a:p>
+                  </a:txBody>
+                  <a:tcPr/>
+                </a:tc>
+                <a:extLst>
+                  <a:ext uri="{0D108BD9-81ED-4DB2-BD59-A6C34878D82A}">
+                    <a16:rowId xmlns:a16="http://schemas.microsoft.com/office/drawing/2014/main" val="1474850668"/>
+                  </a:ext>
+                </a:extLst>
+              </a:tr>
+              <a:tr h="370840">
+                <a:tc>
+                  <a:txBody>
+                    <a:bodyPr/>
+                    <a:lstStyle/>
+                    <a:p>
+                      <a:r>
+                        <a:rPr lang="en-US" dirty="0"/>
+                        <a:t>CNN</a:t>
+                      </a:r>
+                    </a:p>
+                  </a:txBody>
+                  <a:tcPr/>
+                </a:tc>
+                <a:tc>
+                  <a:txBody>
+                    <a:bodyPr/>
+                    <a:lstStyle/>
+                    <a:p>
+                      <a:r>
+                        <a:rPr lang="en-US" sz="1800" b="0" i="0" kern="1200" dirty="0">
+                          <a:solidFill>
+                            <a:schemeClr val="dk1"/>
+                          </a:solidFill>
+                          <a:effectLst/>
+                          <a:latin typeface="+mn-lt"/>
+                          <a:ea typeface="+mn-ea"/>
+                          <a:cs typeface="+mn-cs"/>
+                        </a:rPr>
+                        <a:t>62006</a:t>
+                      </a:r>
+                      <a:endParaRPr lang="en-US" dirty="0"/>
+                    </a:p>
+                  </a:txBody>
+                  <a:tcPr/>
+                </a:tc>
+                <a:tc>
+                  <a:txBody>
+                    <a:bodyPr/>
+                    <a:lstStyle/>
+                    <a:p>
+                      <a:r>
+                        <a:rPr lang="en-US" sz="1800" b="0" i="0" kern="1200" dirty="0">
+                          <a:solidFill>
+                            <a:schemeClr val="dk1"/>
+                          </a:solidFill>
+                          <a:effectLst/>
+                          <a:latin typeface="+mn-lt"/>
+                          <a:ea typeface="+mn-ea"/>
+                          <a:cs typeface="+mn-cs"/>
+                        </a:rPr>
+                        <a:t>0.4880</a:t>
+                      </a:r>
+                      <a:endParaRPr lang="en-US" dirty="0"/>
+                    </a:p>
+                  </a:txBody>
+                  <a:tcPr/>
+                </a:tc>
+                <a:extLst>
+                  <a:ext uri="{0D108BD9-81ED-4DB2-BD59-A6C34878D82A}">
+                    <a16:rowId xmlns:a16="http://schemas.microsoft.com/office/drawing/2014/main" val="4050722517"/>
+                  </a:ext>
+                </a:extLst>
+              </a:tr>
+              <a:tr h="370840">
+                <a:tc>
+                  <a:txBody>
+                    <a:bodyPr/>
+                    <a:lstStyle/>
+                    <a:p>
+                      <a:endParaRPr lang="en-US" dirty="0"/>
+                    </a:p>
+                  </a:txBody>
+                  <a:tcPr/>
+                </a:tc>
+                <a:tc>
+                  <a:txBody>
+                    <a:bodyPr/>
+                    <a:lstStyle/>
+                    <a:p>
+                      <a:endParaRPr lang="en-US"/>
+                    </a:p>
+                  </a:txBody>
+                  <a:tcPr/>
+                </a:tc>
+                <a:tc>
+                  <a:txBody>
+                    <a:bodyPr/>
+                    <a:lstStyle/>
+                    <a:p>
+                      <a:endParaRPr lang="en-US" dirty="0"/>
+                    </a:p>
+                  </a:txBody>
+                  <a:tcPr/>
+                </a:tc>
+                <a:extLst>
+                  <a:ext uri="{0D108BD9-81ED-4DB2-BD59-A6C34878D82A}">
+                    <a16:rowId xmlns:a16="http://schemas.microsoft.com/office/drawing/2014/main" val="2501741653"/>
+                  </a:ext>
+                </a:extLst>
+              </a:tr>
+              <a:tr h="370840">
+                <a:tc>
+                  <a:txBody>
+                    <a:bodyPr/>
+                    <a:lstStyle/>
+                    <a:p>
+                      <a:endParaRPr lang="en-US"/>
+                    </a:p>
+                  </a:txBody>
+                  <a:tcPr/>
+                </a:tc>
+                <a:tc>
+                  <a:txBody>
+                    <a:bodyPr/>
+                    <a:lstStyle/>
+                    <a:p>
+                      <a:endParaRPr lang="en-US"/>
+                    </a:p>
+                  </a:txBody>
+                  <a:tcPr/>
+                </a:tc>
+                <a:tc>
+                  <a:txBody>
+                    <a:bodyPr/>
+                    <a:lstStyle/>
+                    <a:p>
+                      <a:endParaRPr lang="en-US" dirty="0"/>
+                    </a:p>
+                  </a:txBody>
+                  <a:tcPr/>
+                </a:tc>
+                <a:extLst>
+                  <a:ext uri="{0D108BD9-81ED-4DB2-BD59-A6C34878D82A}">
+                    <a16:rowId xmlns:a16="http://schemas.microsoft.com/office/drawing/2014/main" val="4102775327"/>
+                  </a:ext>
+                </a:extLst>
+              </a:tr>
+            </a:tbl>
+          </a:graphicData>
+        </a:graphic>
+      </p:graphicFrame>
     </p:spTree>
     <p:extLst>
       <p:ext uri="{BB962C8B-B14F-4D97-AF65-F5344CB8AC3E}">
@@ -6883,21 +7174,6 @@
 </file>
 
 <file path=customXml/item1.xml><?xml version="1.0" encoding="utf-8"?>
-<?mso-contentType ?>
-<FormTemplates xmlns="http://schemas.microsoft.com/sharepoint/v3/contenttype/forms">
-  <Display>DocumentLibraryForm</Display>
-  <Edit>DocumentLibraryForm</Edit>
-  <New>DocumentLibraryForm</New>
-</FormTemplates>
-</file>
-
-<file path=customXml/item2.xml><?xml version="1.0" encoding="utf-8"?>
-<p:properties xmlns:p="http://schemas.microsoft.com/office/2006/metadata/properties" xmlns:xsi="http://www.w3.org/2001/XMLSchema-instance" xmlns:pc="http://schemas.microsoft.com/office/infopath/2007/PartnerControls">
-  <documentManagement/>
-</p:properties>
-</file>
-
-<file path=customXml/item3.xml><?xml version="1.0" encoding="utf-8"?>
 <ct:contentTypeSchema xmlns:ct="http://schemas.microsoft.com/office/2006/metadata/contentType" xmlns:ma="http://schemas.microsoft.com/office/2006/metadata/properties/metaAttributes" ct:_="" ma:_="" ma:contentTypeName="Document" ma:contentTypeID="0x010100CC9BB778C3ED994E9CF1DEB6485FADD8" ma:contentTypeVersion="13" ma:contentTypeDescription="Create a new document." ma:contentTypeScope="" ma:versionID="23a755765a2e15a7a45c4ef215dd2561">
   <xsd:schema xmlns:xsd="http://www.w3.org/2001/XMLSchema" xmlns:xs="http://www.w3.org/2001/XMLSchema" xmlns:p="http://schemas.microsoft.com/office/2006/metadata/properties" xmlns:ns3="f6771b06-986a-45d1-8bbc-0c4ebdddf3cc" xmlns:ns4="4437091e-0f9d-4737-ae57-4b535994870f" targetNamespace="http://schemas.microsoft.com/office/2006/metadata/properties" ma:root="true" ma:fieldsID="e14b1f6b541e2fe00d8243a17e866edb" ns3:_="" ns4:_="">
     <xsd:import namespace="f6771b06-986a-45d1-8bbc-0c4ebdddf3cc"/>
@@ -7120,10 +7396,36 @@
 </ct:contentTypeSchema>
 </file>
 
+<file path=customXml/item2.xml><?xml version="1.0" encoding="utf-8"?>
+<p:properties xmlns:p="http://schemas.microsoft.com/office/2006/metadata/properties" xmlns:xsi="http://www.w3.org/2001/XMLSchema-instance" xmlns:pc="http://schemas.microsoft.com/office/infopath/2007/PartnerControls">
+  <documentManagement/>
+</p:properties>
+</file>
+
+<file path=customXml/item3.xml><?xml version="1.0" encoding="utf-8"?>
+<?mso-contentType ?>
+<FormTemplates xmlns="http://schemas.microsoft.com/sharepoint/v3/contenttype/forms">
+  <Display>DocumentLibraryForm</Display>
+  <Edit>DocumentLibraryForm</Edit>
+  <New>DocumentLibraryForm</New>
+</FormTemplates>
+</file>
+
 <file path=customXml/itemProps1.xml><?xml version="1.0" encoding="utf-8"?>
-<ds:datastoreItem xmlns:ds="http://schemas.openxmlformats.org/officeDocument/2006/customXml" ds:itemID="{B1C738DB-F8D5-400E-A5D8-1494CFB71B4A}">
+<ds:datastoreItem xmlns:ds="http://schemas.openxmlformats.org/officeDocument/2006/customXml" ds:itemID="{65DF6A79-0FFB-46A7-8D75-DBA9A890873F}">
   <ds:schemaRefs>
-    <ds:schemaRef ds:uri="http://schemas.microsoft.com/sharepoint/v3/contenttype/forms"/>
+    <ds:schemaRef ds:uri="http://schemas.microsoft.com/office/2006/metadata/contentType"/>
+    <ds:schemaRef ds:uri="http://schemas.microsoft.com/office/2006/metadata/properties/metaAttributes"/>
+    <ds:schemaRef ds:uri="http://www.w3.org/2001/XMLSchema"/>
+    <ds:schemaRef ds:uri="http://schemas.microsoft.com/office/2006/metadata/properties"/>
+    <ds:schemaRef ds:uri="f6771b06-986a-45d1-8bbc-0c4ebdddf3cc"/>
+    <ds:schemaRef ds:uri="4437091e-0f9d-4737-ae57-4b535994870f"/>
+    <ds:schemaRef ds:uri="http://schemas.microsoft.com/office/2006/documentManagement/types"/>
+    <ds:schemaRef ds:uri="http://schemas.microsoft.com/office/infopath/2007/PartnerControls"/>
+    <ds:schemaRef ds:uri="http://schemas.openxmlformats.org/package/2006/metadata/core-properties"/>
+    <ds:schemaRef ds:uri="http://purl.org/dc/elements/1.1/"/>
+    <ds:schemaRef ds:uri="http://purl.org/dc/terms/"/>
+    <ds:schemaRef ds:uri="http://schemas.microsoft.com/internal/obd"/>
   </ds:schemaRefs>
 </ds:datastoreItem>
 </file>
@@ -7146,20 +7448,9 @@
 </file>
 
 <file path=customXml/itemProps3.xml><?xml version="1.0" encoding="utf-8"?>
-<ds:datastoreItem xmlns:ds="http://schemas.openxmlformats.org/officeDocument/2006/customXml" ds:itemID="{65DF6A79-0FFB-46A7-8D75-DBA9A890873F}">
+<ds:datastoreItem xmlns:ds="http://schemas.openxmlformats.org/officeDocument/2006/customXml" ds:itemID="{B1C738DB-F8D5-400E-A5D8-1494CFB71B4A}">
   <ds:schemaRefs>
-    <ds:schemaRef ds:uri="http://schemas.microsoft.com/office/2006/metadata/contentType"/>
-    <ds:schemaRef ds:uri="http://schemas.microsoft.com/office/2006/metadata/properties/metaAttributes"/>
-    <ds:schemaRef ds:uri="http://www.w3.org/2001/XMLSchema"/>
-    <ds:schemaRef ds:uri="http://schemas.microsoft.com/office/2006/metadata/properties"/>
-    <ds:schemaRef ds:uri="f6771b06-986a-45d1-8bbc-0c4ebdddf3cc"/>
-    <ds:schemaRef ds:uri="4437091e-0f9d-4737-ae57-4b535994870f"/>
-    <ds:schemaRef ds:uri="http://schemas.microsoft.com/office/2006/documentManagement/types"/>
-    <ds:schemaRef ds:uri="http://schemas.microsoft.com/office/infopath/2007/PartnerControls"/>
-    <ds:schemaRef ds:uri="http://schemas.openxmlformats.org/package/2006/metadata/core-properties"/>
-    <ds:schemaRef ds:uri="http://purl.org/dc/elements/1.1/"/>
-    <ds:schemaRef ds:uri="http://purl.org/dc/terms/"/>
-    <ds:schemaRef ds:uri="http://schemas.microsoft.com/internal/obd"/>
+    <ds:schemaRef ds:uri="http://schemas.microsoft.com/sharepoint/v3/contenttype/forms"/>
   </ds:schemaRefs>
 </ds:datastoreItem>
 </file>
--- a/mid_term/mid_term.pptx
+++ b/mid_term/mid_term.pptx
@@ -5678,56 +5678,28 @@
               <a:rPr lang="vi-VN" dirty="0"/>
               <a:t>Configs:</a:t>
             </a:r>
-          </a:p>
-          <a:p>
-            <a:pPr lvl="1">
+            <a:endParaRPr lang="en-US" dirty="0"/>
+          </a:p>
+          <a:p>
+            <a:pPr>
               <a:buFontTx/>
               <a:buChar char="-"/>
             </a:pPr>
-            <a:r>
-              <a:rPr lang="vi-VN" dirty="0"/>
-              <a:t>Dataset: Cifar 10 </a:t>
-            </a:r>
-          </a:p>
-          <a:p>
-            <a:pPr lvl="1">
+            <a:endParaRPr lang="en-US" dirty="0"/>
+          </a:p>
+          <a:p>
+            <a:pPr>
               <a:buFontTx/>
               <a:buChar char="-"/>
             </a:pPr>
-            <a:r>
-              <a:rPr lang="en-US" dirty="0"/>
-              <a:t>Loss function: </a:t>
-            </a:r>
-            <a:r>
-              <a:rPr lang="en-US" dirty="0" err="1"/>
-              <a:t>CrossEntropy</a:t>
-            </a:r>
             <a:endParaRPr lang="en-US" dirty="0"/>
           </a:p>
           <a:p>
-            <a:pPr lvl="1">
+            <a:pPr>
               <a:buFontTx/>
               <a:buChar char="-"/>
             </a:pPr>
-            <a:r>
-              <a:rPr lang="en-US" dirty="0"/>
-              <a:t>Lr: 1e-2</a:t>
-            </a:r>
-          </a:p>
-          <a:p>
-            <a:pPr lvl="1">
-              <a:buFontTx/>
-              <a:buChar char="-"/>
-            </a:pPr>
-            <a:r>
-              <a:rPr lang="en-US" dirty="0"/>
-              <a:t>Lr-scheduler: </a:t>
-            </a:r>
-            <a:r>
-              <a:rPr lang="en-US" dirty="0" err="1"/>
-              <a:t>LRStep</a:t>
-            </a:r>
-            <a:endParaRPr lang="en-US" dirty="0"/>
+            <a:endParaRPr lang="vi-VN" dirty="0"/>
           </a:p>
           <a:p>
             <a:pPr>
@@ -5805,14 +5777,14 @@
           <p:nvPr>
             <p:extLst>
               <p:ext uri="{D42A27DB-BD31-4B8C-83A1-F6EECF244321}">
-                <p14:modId xmlns:p14="http://schemas.microsoft.com/office/powerpoint/2010/main" val="4140356043"/>
+                <p14:modId xmlns:p14="http://schemas.microsoft.com/office/powerpoint/2010/main" val="595068972"/>
               </p:ext>
             </p:extLst>
           </p:nvPr>
         </p:nvGraphicFramePr>
         <p:xfrm>
-          <a:off x="1369392" y="4223207"/>
-          <a:ext cx="8127999" cy="1483360"/>
+          <a:off x="2694609" y="3813629"/>
+          <a:ext cx="8127999" cy="2225040"/>
         </p:xfrm>
         <a:graphic>
           <a:graphicData uri="http://schemas.openxmlformats.org/drawingml/2006/table">
@@ -5959,7 +5931,10 @@
                     <a:bodyPr/>
                     <a:lstStyle/>
                     <a:p>
-                      <a:endParaRPr lang="en-US" dirty="0"/>
+                      <a:r>
+                        <a:rPr lang="en-US" dirty="0"/>
+                        <a:t>Resnet18</a:t>
+                      </a:r>
                     </a:p>
                   </a:txBody>
                   <a:tcPr/>
@@ -5969,7 +5944,152 @@
                     <a:bodyPr/>
                     <a:lstStyle/>
                     <a:p>
-                      <a:endParaRPr lang="en-US"/>
+                      <a:pPr algn="l" rtl="0" fontAlgn="ctr"/>
+                      <a:r>
+                        <a:rPr lang="en-US" sz="1800" b="0" i="0" u="none" strike="noStrike" dirty="0">
+                          <a:solidFill>
+                            <a:srgbClr val="000000"/>
+                          </a:solidFill>
+                          <a:effectLst/>
+                          <a:latin typeface="Calibri" panose="020F0502020204030204" pitchFamily="34" charset="0"/>
+                        </a:rPr>
+                        <a:t>11,181,642</a:t>
+                      </a:r>
+                    </a:p>
+                  </a:txBody>
+                  <a:tcPr marL="9525" marR="9525" marT="9525" marB="0" anchor="ctr"/>
+                </a:tc>
+                <a:tc>
+                  <a:txBody>
+                    <a:bodyPr/>
+                    <a:lstStyle/>
+                    <a:p>
+                      <a:r>
+                        <a:rPr lang="en-US" dirty="0"/>
+                        <a:t>0.77</a:t>
+                      </a:r>
+                    </a:p>
+                  </a:txBody>
+                  <a:tcPr/>
+                </a:tc>
+                <a:extLst>
+                  <a:ext uri="{0D108BD9-81ED-4DB2-BD59-A6C34878D82A}">
+                    <a16:rowId xmlns:a16="http://schemas.microsoft.com/office/drawing/2014/main" val="2501741653"/>
+                  </a:ext>
+                </a:extLst>
+              </a:tr>
+              <a:tr h="370840">
+                <a:tc>
+                  <a:txBody>
+                    <a:bodyPr/>
+                    <a:lstStyle/>
+                    <a:p>
+                      <a:r>
+                        <a:rPr lang="en-US" dirty="0"/>
+                        <a:t>Resnet18-pretrained</a:t>
+                      </a:r>
+                    </a:p>
+                  </a:txBody>
+                  <a:tcPr/>
+                </a:tc>
+                <a:tc>
+                  <a:txBody>
+                    <a:bodyPr/>
+                    <a:lstStyle/>
+                    <a:p>
+                      <a:pPr marL="0" marR="0" lvl="0" indent="0" algn="l" defTabSz="914400" rtl="0" eaLnBrk="1" fontAlgn="auto" latinLnBrk="0" hangingPunct="1">
+                        <a:lnSpc>
+                          <a:spcPct val="100000"/>
+                        </a:lnSpc>
+                        <a:spcBef>
+                          <a:spcPts val="0"/>
+                        </a:spcBef>
+                        <a:spcAft>
+                          <a:spcPts val="0"/>
+                        </a:spcAft>
+                        <a:buClrTx/>
+                        <a:buSzTx/>
+                        <a:buFontTx/>
+                        <a:buNone/>
+                        <a:tabLst/>
+                        <a:defRPr/>
+                      </a:pPr>
+                      <a:r>
+                        <a:rPr lang="en-US" sz="1800" b="0" i="0" u="none" strike="noStrike" dirty="0">
+                          <a:solidFill>
+                            <a:srgbClr val="000000"/>
+                          </a:solidFill>
+                          <a:effectLst/>
+                          <a:latin typeface="Calibri" panose="020F0502020204030204" pitchFamily="34" charset="0"/>
+                        </a:rPr>
+                        <a:t>11,181,642</a:t>
+                      </a:r>
+                    </a:p>
+                  </a:txBody>
+                  <a:tcPr/>
+                </a:tc>
+                <a:tc>
+                  <a:txBody>
+                    <a:bodyPr/>
+                    <a:lstStyle/>
+                    <a:p>
+                      <a:r>
+                        <a:rPr lang="en-US" dirty="0"/>
+                        <a:t>0.82</a:t>
+                      </a:r>
+                    </a:p>
+                  </a:txBody>
+                  <a:tcPr/>
+                </a:tc>
+                <a:extLst>
+                  <a:ext uri="{0D108BD9-81ED-4DB2-BD59-A6C34878D82A}">
+                    <a16:rowId xmlns:a16="http://schemas.microsoft.com/office/drawing/2014/main" val="4102775327"/>
+                  </a:ext>
+                </a:extLst>
+              </a:tr>
+              <a:tr h="370840">
+                <a:tc>
+                  <a:txBody>
+                    <a:bodyPr/>
+                    <a:lstStyle/>
+                    <a:p>
+                      <a:r>
+                        <a:rPr lang="en-US" dirty="0"/>
+                        <a:t>VGG16-pretrained</a:t>
+                      </a:r>
+                    </a:p>
+                  </a:txBody>
+                  <a:tcPr/>
+                </a:tc>
+                <a:tc>
+                  <a:txBody>
+                    <a:bodyPr/>
+                    <a:lstStyle/>
+                    <a:p>
+                      <a:pPr marL="0" marR="0" lvl="0" indent="0" algn="l" defTabSz="914400" rtl="0" eaLnBrk="1" fontAlgn="auto" latinLnBrk="0" hangingPunct="1">
+                        <a:lnSpc>
+                          <a:spcPct val="100000"/>
+                        </a:lnSpc>
+                        <a:spcBef>
+                          <a:spcPts val="0"/>
+                        </a:spcBef>
+                        <a:spcAft>
+                          <a:spcPts val="0"/>
+                        </a:spcAft>
+                        <a:buClrTx/>
+                        <a:buSzTx/>
+                        <a:buFontTx/>
+                        <a:buNone/>
+                        <a:tabLst/>
+                        <a:defRPr/>
+                      </a:pPr>
+                      <a:endParaRPr lang="en-US" sz="1800" b="0" i="0" u="none" strike="noStrike" dirty="0">
+                        <a:solidFill>
+                          <a:srgbClr val="000000"/>
+                        </a:solidFill>
+                        <a:effectLst/>
+                        <a:latin typeface="Calibri" panose="020F0502020204030204" pitchFamily="34" charset="0"/>
+                      </a:endParaRPr>
                     </a:p>
                   </a:txBody>
                   <a:tcPr/>
@@ -5986,7 +6106,7 @@
                 </a:tc>
                 <a:extLst>
                   <a:ext uri="{0D108BD9-81ED-4DB2-BD59-A6C34878D82A}">
-                    <a16:rowId xmlns:a16="http://schemas.microsoft.com/office/drawing/2014/main" val="2501741653"/>
+                    <a16:rowId xmlns:a16="http://schemas.microsoft.com/office/drawing/2014/main" val="269212674"/>
                   </a:ext>
                 </a:extLst>
               </a:tr>
@@ -5996,7 +6116,10 @@
                     <a:bodyPr/>
                     <a:lstStyle/>
                     <a:p>
-                      <a:endParaRPr lang="en-US"/>
+                      <a:r>
+                        <a:rPr lang="en-US" dirty="0"/>
+                        <a:t>Resnet34-pretrained</a:t>
+                      </a:r>
                     </a:p>
                   </a:txBody>
                   <a:tcPr/>
@@ -6006,10 +6129,20 @@
                     <a:bodyPr/>
                     <a:lstStyle/>
                     <a:p>
-                      <a:endParaRPr lang="en-US"/>
+                      <a:pPr algn="l" rtl="0" fontAlgn="ctr"/>
+                      <a:r>
+                        <a:rPr lang="en-US" sz="1800" b="0" i="0" u="none" strike="noStrike" dirty="0">
+                          <a:solidFill>
+                            <a:srgbClr val="000000"/>
+                          </a:solidFill>
+                          <a:effectLst/>
+                          <a:latin typeface="Calibri" panose="020F0502020204030204" pitchFamily="34" charset="0"/>
+                        </a:rPr>
+                        <a:t>21,289,802</a:t>
+                      </a:r>
                     </a:p>
                   </a:txBody>
-                  <a:tcPr/>
+                  <a:tcPr marL="9525" marR="9525" marT="9525" marB="0" anchor="ctr"/>
                 </a:tc>
                 <a:tc>
                   <a:txBody>
@@ -6023,7 +6156,199 @@
                 </a:tc>
                 <a:extLst>
                   <a:ext uri="{0D108BD9-81ED-4DB2-BD59-A6C34878D82A}">
-                    <a16:rowId xmlns:a16="http://schemas.microsoft.com/office/drawing/2014/main" val="4102775327"/>
+                    <a16:rowId xmlns:a16="http://schemas.microsoft.com/office/drawing/2014/main" val="3645663653"/>
+                  </a:ext>
+                </a:extLst>
+              </a:tr>
+            </a:tbl>
+          </a:graphicData>
+        </a:graphic>
+      </p:graphicFrame>
+      <p:graphicFrame>
+        <p:nvGraphicFramePr>
+          <p:cNvPr id="6" name="Table 6">
+            <a:extLst>
+              <a:ext uri="{FF2B5EF4-FFF2-40B4-BE49-F238E27FC236}">
+                <a16:creationId xmlns:a16="http://schemas.microsoft.com/office/drawing/2014/main" id="{1BBBD0FF-FFCB-4840-86C7-B1D2D242BD9E}"/>
+              </a:ext>
+            </a:extLst>
+          </p:cNvPr>
+          <p:cNvGraphicFramePr>
+            <a:graphicFrameLocks noGrp="1"/>
+          </p:cNvGraphicFramePr>
+          <p:nvPr>
+            <p:extLst>
+              <p:ext uri="{D42A27DB-BD31-4B8C-83A1-F6EECF244321}">
+                <p14:modId xmlns:p14="http://schemas.microsoft.com/office/powerpoint/2010/main" val="3753113342"/>
+              </p:ext>
+            </p:extLst>
+          </p:nvPr>
+        </p:nvGraphicFramePr>
+        <p:xfrm>
+          <a:off x="2694609" y="1621177"/>
+          <a:ext cx="8128000" cy="1483360"/>
+        </p:xfrm>
+        <a:graphic>
+          <a:graphicData uri="http://schemas.openxmlformats.org/drawingml/2006/table">
+            <a:tbl>
+              <a:tblPr bandRow="1">
+                <a:tableStyleId>{5C22544A-7EE6-4342-B048-85BDC9FD1C3A}</a:tableStyleId>
+              </a:tblPr>
+              <a:tblGrid>
+                <a:gridCol w="4064000">
+                  <a:extLst>
+                    <a:ext uri="{9D8B030D-6E8A-4147-A177-3AD203B41FA5}">
+                      <a16:colId xmlns:a16="http://schemas.microsoft.com/office/drawing/2014/main" val="3034186728"/>
+                    </a:ext>
+                  </a:extLst>
+                </a:gridCol>
+                <a:gridCol w="4064000">
+                  <a:extLst>
+                    <a:ext uri="{9D8B030D-6E8A-4147-A177-3AD203B41FA5}">
+                      <a16:colId xmlns:a16="http://schemas.microsoft.com/office/drawing/2014/main" val="81547844"/>
+                    </a:ext>
+                  </a:extLst>
+                </a:gridCol>
+              </a:tblGrid>
+              <a:tr h="370840">
+                <a:tc>
+                  <a:txBody>
+                    <a:bodyPr/>
+                    <a:lstStyle/>
+                    <a:p>
+                      <a:pPr lvl="0">
+                        <a:buFontTx/>
+                        <a:buNone/>
+                      </a:pPr>
+                      <a:r>
+                        <a:rPr lang="vi-VN" dirty="0"/>
+                        <a:t>Dataset: 10 </a:t>
+                      </a:r>
+                    </a:p>
+                  </a:txBody>
+                  <a:tcPr/>
+                </a:tc>
+                <a:tc>
+                  <a:txBody>
+                    <a:bodyPr/>
+                    <a:lstStyle/>
+                    <a:p>
+                      <a:r>
+                        <a:rPr lang="vi-VN" dirty="0"/>
+                        <a:t>Cifar</a:t>
+                      </a:r>
+                      <a:endParaRPr lang="en-US" dirty="0"/>
+                    </a:p>
+                  </a:txBody>
+                  <a:tcPr/>
+                </a:tc>
+                <a:extLst>
+                  <a:ext uri="{0D108BD9-81ED-4DB2-BD59-A6C34878D82A}">
+                    <a16:rowId xmlns:a16="http://schemas.microsoft.com/office/drawing/2014/main" val="3885764556"/>
+                  </a:ext>
+                </a:extLst>
+              </a:tr>
+              <a:tr h="370840">
+                <a:tc>
+                  <a:txBody>
+                    <a:bodyPr/>
+                    <a:lstStyle/>
+                    <a:p>
+                      <a:r>
+                        <a:rPr lang="en-US" dirty="0"/>
+                        <a:t>Loss function</a:t>
+                      </a:r>
+                    </a:p>
+                  </a:txBody>
+                  <a:tcPr/>
+                </a:tc>
+                <a:tc>
+                  <a:txBody>
+                    <a:bodyPr/>
+                    <a:lstStyle/>
+                    <a:p>
+                      <a:r>
+                        <a:rPr lang="en-US" dirty="0" err="1"/>
+                        <a:t>CrossEntropy</a:t>
+                      </a:r>
+                      <a:endParaRPr lang="en-US" dirty="0"/>
+                    </a:p>
+                  </a:txBody>
+                  <a:tcPr/>
+                </a:tc>
+                <a:extLst>
+                  <a:ext uri="{0D108BD9-81ED-4DB2-BD59-A6C34878D82A}">
+                    <a16:rowId xmlns:a16="http://schemas.microsoft.com/office/drawing/2014/main" val="3781261324"/>
+                  </a:ext>
+                </a:extLst>
+              </a:tr>
+              <a:tr h="370840">
+                <a:tc>
+                  <a:txBody>
+                    <a:bodyPr/>
+                    <a:lstStyle/>
+                    <a:p>
+                      <a:r>
+                        <a:rPr lang="en-US" dirty="0"/>
+                        <a:t>Lr-scheduler</a:t>
+                      </a:r>
+                    </a:p>
+                  </a:txBody>
+                  <a:tcPr/>
+                </a:tc>
+                <a:tc>
+                  <a:txBody>
+                    <a:bodyPr/>
+                    <a:lstStyle/>
+                    <a:p>
+                      <a:r>
+                        <a:rPr lang="en-US" dirty="0" err="1"/>
+                        <a:t>LRStep</a:t>
+                      </a:r>
+                      <a:r>
+                        <a:rPr lang="en-US" dirty="0"/>
+                        <a:t> </a:t>
+                      </a:r>
+                    </a:p>
+                  </a:txBody>
+                  <a:tcPr/>
+                </a:tc>
+                <a:extLst>
+                  <a:ext uri="{0D108BD9-81ED-4DB2-BD59-A6C34878D82A}">
+                    <a16:rowId xmlns:a16="http://schemas.microsoft.com/office/drawing/2014/main" val="2385582500"/>
+                  </a:ext>
+                </a:extLst>
+              </a:tr>
+              <a:tr h="370840">
+                <a:tc>
+                  <a:txBody>
+                    <a:bodyPr/>
+                    <a:lstStyle/>
+                    <a:p>
+                      <a:r>
+                        <a:rPr lang="en-US" dirty="0"/>
+                        <a:t>Optimizer</a:t>
+                      </a:r>
+                    </a:p>
+                  </a:txBody>
+                  <a:tcPr/>
+                </a:tc>
+                <a:tc>
+                  <a:txBody>
+                    <a:bodyPr/>
+                    <a:lstStyle/>
+                    <a:p>
+                      <a:r>
+                        <a:rPr lang="en-US" dirty="0"/>
+                        <a:t>SGD – lr:1e-2</a:t>
+                      </a:r>
+                    </a:p>
+                  </a:txBody>
+                  <a:tcPr/>
+                </a:tc>
+                <a:extLst>
+                  <a:ext uri="{0D108BD9-81ED-4DB2-BD59-A6C34878D82A}">
+                    <a16:rowId xmlns:a16="http://schemas.microsoft.com/office/drawing/2014/main" val="249842114"/>
                   </a:ext>
                 </a:extLst>
               </a:tr>
@@ -6120,13 +6445,20 @@
             </a:r>
           </a:p>
           <a:p>
-            <a:pPr marL="0" indent="0">
-              <a:buNone/>
+            <a:pPr>
+              <a:buFontTx/>
+              <a:buChar char="-"/>
             </a:pPr>
             <a:r>
-              <a:rPr lang="vi-VN" dirty="0"/>
-              <a:t>- Rada</a:t>
-            </a:r>
+              <a:rPr lang="en-US" dirty="0"/>
+              <a:t>SGD</a:t>
+            </a:r>
+          </a:p>
+          <a:p>
+            <a:pPr>
+              <a:buFontTx/>
+              <a:buChar char="-"/>
+            </a:pPr>
             <a:endParaRPr lang="en-US" dirty="0"/>
           </a:p>
         </p:txBody>
@@ -7174,6 +7506,21 @@
 </file>
 
 <file path=customXml/item1.xml><?xml version="1.0" encoding="utf-8"?>
+<?mso-contentType ?>
+<FormTemplates xmlns="http://schemas.microsoft.com/sharepoint/v3/contenttype/forms">
+  <Display>DocumentLibraryForm</Display>
+  <Edit>DocumentLibraryForm</Edit>
+  <New>DocumentLibraryForm</New>
+</FormTemplates>
+</file>
+
+<file path=customXml/item2.xml><?xml version="1.0" encoding="utf-8"?>
+<p:properties xmlns:p="http://schemas.microsoft.com/office/2006/metadata/properties" xmlns:xsi="http://www.w3.org/2001/XMLSchema-instance" xmlns:pc="http://schemas.microsoft.com/office/infopath/2007/PartnerControls">
+  <documentManagement/>
+</p:properties>
+</file>
+
+<file path=customXml/item3.xml><?xml version="1.0" encoding="utf-8"?>
 <ct:contentTypeSchema xmlns:ct="http://schemas.microsoft.com/office/2006/metadata/contentType" xmlns:ma="http://schemas.microsoft.com/office/2006/metadata/properties/metaAttributes" ct:_="" ma:_="" ma:contentTypeName="Document" ma:contentTypeID="0x010100CC9BB778C3ED994E9CF1DEB6485FADD8" ma:contentTypeVersion="13" ma:contentTypeDescription="Create a new document." ma:contentTypeScope="" ma:versionID="23a755765a2e15a7a45c4ef215dd2561">
   <xsd:schema xmlns:xsd="http://www.w3.org/2001/XMLSchema" xmlns:xs="http://www.w3.org/2001/XMLSchema" xmlns:p="http://schemas.microsoft.com/office/2006/metadata/properties" xmlns:ns3="f6771b06-986a-45d1-8bbc-0c4ebdddf3cc" xmlns:ns4="4437091e-0f9d-4737-ae57-4b535994870f" targetNamespace="http://schemas.microsoft.com/office/2006/metadata/properties" ma:root="true" ma:fieldsID="e14b1f6b541e2fe00d8243a17e866edb" ns3:_="" ns4:_="">
     <xsd:import namespace="f6771b06-986a-45d1-8bbc-0c4ebdddf3cc"/>
@@ -7396,36 +7743,10 @@
 </ct:contentTypeSchema>
 </file>
 
-<file path=customXml/item2.xml><?xml version="1.0" encoding="utf-8"?>
-<p:properties xmlns:p="http://schemas.microsoft.com/office/2006/metadata/properties" xmlns:xsi="http://www.w3.org/2001/XMLSchema-instance" xmlns:pc="http://schemas.microsoft.com/office/infopath/2007/PartnerControls">
-  <documentManagement/>
-</p:properties>
-</file>
-
-<file path=customXml/item3.xml><?xml version="1.0" encoding="utf-8"?>
-<?mso-contentType ?>
-<FormTemplates xmlns="http://schemas.microsoft.com/sharepoint/v3/contenttype/forms">
-  <Display>DocumentLibraryForm</Display>
-  <Edit>DocumentLibraryForm</Edit>
-  <New>DocumentLibraryForm</New>
-</FormTemplates>
-</file>
-
 <file path=customXml/itemProps1.xml><?xml version="1.0" encoding="utf-8"?>
-<ds:datastoreItem xmlns:ds="http://schemas.openxmlformats.org/officeDocument/2006/customXml" ds:itemID="{65DF6A79-0FFB-46A7-8D75-DBA9A890873F}">
+<ds:datastoreItem xmlns:ds="http://schemas.openxmlformats.org/officeDocument/2006/customXml" ds:itemID="{B1C738DB-F8D5-400E-A5D8-1494CFB71B4A}">
   <ds:schemaRefs>
-    <ds:schemaRef ds:uri="http://schemas.microsoft.com/office/2006/metadata/contentType"/>
-    <ds:schemaRef ds:uri="http://schemas.microsoft.com/office/2006/metadata/properties/metaAttributes"/>
-    <ds:schemaRef ds:uri="http://www.w3.org/2001/XMLSchema"/>
-    <ds:schemaRef ds:uri="http://schemas.microsoft.com/office/2006/metadata/properties"/>
-    <ds:schemaRef ds:uri="f6771b06-986a-45d1-8bbc-0c4ebdddf3cc"/>
-    <ds:schemaRef ds:uri="4437091e-0f9d-4737-ae57-4b535994870f"/>
-    <ds:schemaRef ds:uri="http://schemas.microsoft.com/office/2006/documentManagement/types"/>
-    <ds:schemaRef ds:uri="http://schemas.microsoft.com/office/infopath/2007/PartnerControls"/>
-    <ds:schemaRef ds:uri="http://schemas.openxmlformats.org/package/2006/metadata/core-properties"/>
-    <ds:schemaRef ds:uri="http://purl.org/dc/elements/1.1/"/>
-    <ds:schemaRef ds:uri="http://purl.org/dc/terms/"/>
-    <ds:schemaRef ds:uri="http://schemas.microsoft.com/internal/obd"/>
+    <ds:schemaRef ds:uri="http://schemas.microsoft.com/sharepoint/v3/contenttype/forms"/>
   </ds:schemaRefs>
 </ds:datastoreItem>
 </file>
@@ -7448,9 +7769,20 @@
 </file>
 
 <file path=customXml/itemProps3.xml><?xml version="1.0" encoding="utf-8"?>
-<ds:datastoreItem xmlns:ds="http://schemas.openxmlformats.org/officeDocument/2006/customXml" ds:itemID="{B1C738DB-F8D5-400E-A5D8-1494CFB71B4A}">
+<ds:datastoreItem xmlns:ds="http://schemas.openxmlformats.org/officeDocument/2006/customXml" ds:itemID="{65DF6A79-0FFB-46A7-8D75-DBA9A890873F}">
   <ds:schemaRefs>
-    <ds:schemaRef ds:uri="http://schemas.microsoft.com/sharepoint/v3/contenttype/forms"/>
+    <ds:schemaRef ds:uri="http://schemas.microsoft.com/office/2006/metadata/contentType"/>
+    <ds:schemaRef ds:uri="http://schemas.microsoft.com/office/2006/metadata/properties/metaAttributes"/>
+    <ds:schemaRef ds:uri="http://www.w3.org/2001/XMLSchema"/>
+    <ds:schemaRef ds:uri="http://schemas.microsoft.com/office/2006/metadata/properties"/>
+    <ds:schemaRef ds:uri="f6771b06-986a-45d1-8bbc-0c4ebdddf3cc"/>
+    <ds:schemaRef ds:uri="4437091e-0f9d-4737-ae57-4b535994870f"/>
+    <ds:schemaRef ds:uri="http://schemas.microsoft.com/office/2006/documentManagement/types"/>
+    <ds:schemaRef ds:uri="http://schemas.microsoft.com/office/infopath/2007/PartnerControls"/>
+    <ds:schemaRef ds:uri="http://schemas.openxmlformats.org/package/2006/metadata/core-properties"/>
+    <ds:schemaRef ds:uri="http://purl.org/dc/elements/1.1/"/>
+    <ds:schemaRef ds:uri="http://purl.org/dc/terms/"/>
+    <ds:schemaRef ds:uri="http://schemas.microsoft.com/internal/obd"/>
   </ds:schemaRefs>
 </ds:datastoreItem>
 </file>
--- a/mid_term/mid_term.pptx
+++ b/mid_term/mid_term.pptx
@@ -5777,14 +5777,14 @@
           <p:nvPr>
             <p:extLst>
               <p:ext uri="{D42A27DB-BD31-4B8C-83A1-F6EECF244321}">
-                <p14:modId xmlns:p14="http://schemas.microsoft.com/office/powerpoint/2010/main" val="595068972"/>
+                <p14:modId xmlns:p14="http://schemas.microsoft.com/office/powerpoint/2010/main" val="332918326"/>
               </p:ext>
             </p:extLst>
           </p:nvPr>
         </p:nvGraphicFramePr>
         <p:xfrm>
           <a:off x="2694609" y="3813629"/>
-          <a:ext cx="8127999" cy="2225040"/>
+          <a:ext cx="8127999" cy="2595880"/>
         </p:xfrm>
         <a:graphic>
           <a:graphicData uri="http://schemas.openxmlformats.org/drawingml/2006/table">
@@ -6066,40 +6066,30 @@
                     <a:bodyPr/>
                     <a:lstStyle/>
                     <a:p>
-                      <a:pPr marL="0" marR="0" lvl="0" indent="0" algn="l" defTabSz="914400" rtl="0" eaLnBrk="1" fontAlgn="auto" latinLnBrk="0" hangingPunct="1">
-                        <a:lnSpc>
-                          <a:spcPct val="100000"/>
-                        </a:lnSpc>
-                        <a:spcBef>
-                          <a:spcPts val="0"/>
-                        </a:spcBef>
-                        <a:spcAft>
-                          <a:spcPts val="0"/>
-                        </a:spcAft>
-                        <a:buClrTx/>
-                        <a:buSzTx/>
-                        <a:buFontTx/>
-                        <a:buNone/>
-                        <a:tabLst/>
-                        <a:defRPr/>
-                      </a:pPr>
-                      <a:endParaRPr lang="en-US" sz="1800" b="0" i="0" u="none" strike="noStrike" dirty="0">
-                        <a:solidFill>
-                          <a:srgbClr val="000000"/>
-                        </a:solidFill>
-                        <a:effectLst/>
-                        <a:latin typeface="Calibri" panose="020F0502020204030204" pitchFamily="34" charset="0"/>
-                      </a:endParaRPr>
+                      <a:pPr algn="l" rtl="0" fontAlgn="ctr"/>
+                      <a:r>
+                        <a:rPr lang="en-US" sz="1800" b="0" i="0" u="none" strike="noStrike" dirty="0">
+                          <a:solidFill>
+                            <a:srgbClr val="000000"/>
+                          </a:solidFill>
+                          <a:effectLst/>
+                          <a:latin typeface="Calibri" panose="020F0502020204030204" pitchFamily="34" charset="0"/>
+                        </a:rPr>
+                        <a:t>134,301,514</a:t>
+                      </a:r>
                     </a:p>
                   </a:txBody>
-                  <a:tcPr/>
+                  <a:tcPr marL="9525" marR="9525" marT="9525" marB="0" anchor="ctr"/>
                 </a:tc>
                 <a:tc>
                   <a:txBody>
                     <a:bodyPr/>
                     <a:lstStyle/>
                     <a:p>
-                      <a:endParaRPr lang="en-US" dirty="0"/>
+                      <a:r>
+                        <a:rPr lang="en-US" b="1" dirty="0"/>
+                        <a:t>0.88</a:t>
+                      </a:r>
                     </a:p>
                   </a:txBody>
                   <a:tcPr/>
@@ -6118,7 +6108,7 @@
                     <a:p>
                       <a:r>
                         <a:rPr lang="en-US" dirty="0"/>
-                        <a:t>Resnet34-pretrained</a:t>
+                        <a:t>Resnet50-pretrained</a:t>
                       </a:r>
                     </a:p>
                   </a:txBody>
@@ -6138,7 +6128,7 @@
                           <a:effectLst/>
                           <a:latin typeface="Calibri" panose="020F0502020204030204" pitchFamily="34" charset="0"/>
                         </a:rPr>
-                        <a:t>21,289,802</a:t>
+                        <a:t>25,567,042</a:t>
                       </a:r>
                     </a:p>
                   </a:txBody>
@@ -6149,14 +6139,70 @@
                     <a:bodyPr/>
                     <a:lstStyle/>
                     <a:p>
-                      <a:endParaRPr lang="en-US" dirty="0"/>
+                      <a:r>
+                        <a:rPr lang="en-US" dirty="0"/>
+                        <a:t>0.85</a:t>
+                      </a:r>
                     </a:p>
                   </a:txBody>
                   <a:tcPr/>
                 </a:tc>
                 <a:extLst>
                   <a:ext uri="{0D108BD9-81ED-4DB2-BD59-A6C34878D82A}">
-                    <a16:rowId xmlns:a16="http://schemas.microsoft.com/office/drawing/2014/main" val="3645663653"/>
+                    <a16:rowId xmlns:a16="http://schemas.microsoft.com/office/drawing/2014/main" val="2210897157"/>
+                  </a:ext>
+                </a:extLst>
+              </a:tr>
+              <a:tr h="370840">
+                <a:tc>
+                  <a:txBody>
+                    <a:bodyPr/>
+                    <a:lstStyle/>
+                    <a:p>
+                      <a:r>
+                        <a:rPr lang="en-US" dirty="0"/>
+                        <a:t>Densenet121-pretrained</a:t>
+                      </a:r>
+                    </a:p>
+                  </a:txBody>
+                  <a:tcPr/>
+                </a:tc>
+                <a:tc>
+                  <a:txBody>
+                    <a:bodyPr/>
+                    <a:lstStyle/>
+                    <a:p>
+                      <a:pPr algn="l" rtl="0" fontAlgn="ctr"/>
+                      <a:r>
+                        <a:rPr lang="en-US" sz="1800" b="0" i="0" u="none" strike="noStrike" dirty="0">
+                          <a:solidFill>
+                            <a:srgbClr val="000000"/>
+                          </a:solidFill>
+                          <a:effectLst/>
+                          <a:latin typeface="Calibri" panose="020F0502020204030204" pitchFamily="34" charset="0"/>
+                        </a:rPr>
+                        <a:t>6,964,106</a:t>
+                      </a:r>
+                    </a:p>
+                  </a:txBody>
+                  <a:tcPr marL="9525" marR="9525" marT="9525" marB="0" anchor="ctr"/>
+                </a:tc>
+                <a:tc>
+                  <a:txBody>
+                    <a:bodyPr/>
+                    <a:lstStyle/>
+                    <a:p>
+                      <a:r>
+                        <a:rPr lang="en-US" dirty="0"/>
+                        <a:t>0.82</a:t>
+                      </a:r>
+                    </a:p>
+                  </a:txBody>
+                  <a:tcPr/>
+                </a:tc>
+                <a:extLst>
+                  <a:ext uri="{0D108BD9-81ED-4DB2-BD59-A6C34878D82A}">
+                    <a16:rowId xmlns:a16="http://schemas.microsoft.com/office/drawing/2014/main" val="1415138621"/>
                   </a:ext>
                 </a:extLst>
               </a:tr>
@@ -6179,7 +6225,7 @@
           <p:nvPr>
             <p:extLst>
               <p:ext uri="{D42A27DB-BD31-4B8C-83A1-F6EECF244321}">
-                <p14:modId xmlns:p14="http://schemas.microsoft.com/office/powerpoint/2010/main" val="3753113342"/>
+                <p14:modId xmlns:p14="http://schemas.microsoft.com/office/powerpoint/2010/main" val="1255443537"/>
               </p:ext>
             </p:extLst>
           </p:nvPr>
@@ -6222,7 +6268,7 @@
                       </a:pPr>
                       <a:r>
                         <a:rPr lang="vi-VN" dirty="0"/>
-                        <a:t>Dataset: 10 </a:t>
+                        <a:t>Dataset:</a:t>
                       </a:r>
                     </a:p>
                   </a:txBody>
@@ -6237,7 +6283,10 @@
                         <a:rPr lang="vi-VN" dirty="0"/>
                         <a:t>Cifar</a:t>
                       </a:r>
-                      <a:endParaRPr lang="en-US" dirty="0"/>
+                      <a:r>
+                        <a:rPr lang="en-US" dirty="0"/>
+                        <a:t>10</a:t>
+                      </a:r>
                     </a:p>
                   </a:txBody>
                   <a:tcPr/>
@@ -6443,6 +6492,7 @@
               <a:rPr lang="vi-VN" dirty="0"/>
               <a:t>Optimizer</a:t>
             </a:r>
+            <a:endParaRPr lang="en-US" dirty="0"/>
           </a:p>
           <a:p>
             <a:pPr>
@@ -6451,7 +6501,7 @@
             </a:pPr>
             <a:r>
               <a:rPr lang="en-US" dirty="0"/>
-              <a:t>SGD</a:t>
+              <a:t>Config:</a:t>
             </a:r>
           </a:p>
           <a:p>
@@ -6460,6 +6510,12 @@
               <a:buChar char="-"/>
             </a:pPr>
             <a:endParaRPr lang="en-US" dirty="0"/>
+          </a:p>
+          <a:p>
+            <a:pPr marL="0" indent="0">
+              <a:buNone/>
+            </a:pPr>
+            <a:endParaRPr lang="vi-VN" dirty="0"/>
           </a:p>
         </p:txBody>
       </p:sp>
@@ -6492,6 +6548,1766 @@
           </a:p>
         </p:txBody>
       </p:sp>
+      <mc:AlternateContent xmlns:mc="http://schemas.openxmlformats.org/markup-compatibility/2006">
+        <mc:Choice xmlns:a14="http://schemas.microsoft.com/office/drawing/2010/main" Requires="a14">
+          <p:graphicFrame>
+            <p:nvGraphicFramePr>
+              <p:cNvPr id="6" name="Table 6">
+                <a:extLst>
+                  <a:ext uri="{FF2B5EF4-FFF2-40B4-BE49-F238E27FC236}">
+                    <a16:creationId xmlns:a16="http://schemas.microsoft.com/office/drawing/2014/main" id="{A3CB9A89-6C9B-43FB-9BF1-E465A84F76E7}"/>
+                  </a:ext>
+                </a:extLst>
+              </p:cNvPr>
+              <p:cNvGraphicFramePr>
+                <a:graphicFrameLocks noGrp="1"/>
+              </p:cNvGraphicFramePr>
+              <p:nvPr>
+                <p:extLst>
+                  <p:ext uri="{D42A27DB-BD31-4B8C-83A1-F6EECF244321}">
+                    <p14:modId xmlns:p14="http://schemas.microsoft.com/office/powerpoint/2010/main" val="3393461101"/>
+                  </p:ext>
+                </p:extLst>
+              </p:nvPr>
+            </p:nvGraphicFramePr>
+            <p:xfrm>
+              <a:off x="659295" y="2186606"/>
+              <a:ext cx="10515599" cy="4124555"/>
+            </p:xfrm>
+            <a:graphic>
+              <a:graphicData uri="http://schemas.openxmlformats.org/drawingml/2006/table">
+                <a:tbl>
+                  <a:tblPr firstCol="1" bandRow="1">
+                    <a:tableStyleId>{5C22544A-7EE6-4342-B048-85BDC9FD1C3A}</a:tableStyleId>
+                  </a:tblPr>
+                  <a:tblGrid>
+                    <a:gridCol w="2217183">
+                      <a:extLst>
+                        <a:ext uri="{9D8B030D-6E8A-4147-A177-3AD203B41FA5}">
+                          <a16:colId xmlns:a16="http://schemas.microsoft.com/office/drawing/2014/main" val="3260499319"/>
+                        </a:ext>
+                      </a:extLst>
+                    </a:gridCol>
+                    <a:gridCol w="4650757">
+                      <a:extLst>
+                        <a:ext uri="{9D8B030D-6E8A-4147-A177-3AD203B41FA5}">
+                          <a16:colId xmlns:a16="http://schemas.microsoft.com/office/drawing/2014/main" val="1498540713"/>
+                        </a:ext>
+                      </a:extLst>
+                    </a:gridCol>
+                    <a:gridCol w="3647659">
+                      <a:extLst>
+                        <a:ext uri="{9D8B030D-6E8A-4147-A177-3AD203B41FA5}">
+                          <a16:colId xmlns:a16="http://schemas.microsoft.com/office/drawing/2014/main" val="2916445189"/>
+                        </a:ext>
+                      </a:extLst>
+                    </a:gridCol>
+                  </a:tblGrid>
+                  <a:tr h="951690">
+                    <a:tc>
+                      <a:txBody>
+                        <a:bodyPr/>
+                        <a:lstStyle/>
+                        <a:p>
+                          <a:r>
+                            <a:rPr lang="en-US" dirty="0"/>
+                            <a:t>Optimizer</a:t>
+                          </a:r>
+                        </a:p>
+                      </a:txBody>
+                      <a:tcPr/>
+                    </a:tc>
+                    <a:tc>
+                      <a:txBody>
+                        <a:bodyPr/>
+                        <a:lstStyle/>
+                        <a:p>
+                          <a:r>
+                            <a:rPr lang="en-US" dirty="0"/>
+                            <a:t>Description</a:t>
+                          </a:r>
+                        </a:p>
+                      </a:txBody>
+                      <a:tcPr/>
+                    </a:tc>
+                    <a:tc>
+                      <a:txBody>
+                        <a:bodyPr/>
+                        <a:lstStyle/>
+                        <a:p>
+                          <a:r>
+                            <a:rPr lang="en-US" dirty="0"/>
+                            <a:t>Result</a:t>
+                          </a:r>
+                        </a:p>
+                        <a:p>
+                          <a:pPr marL="285750" indent="-285750">
+                            <a:buFontTx/>
+                            <a:buChar char="-"/>
+                          </a:pPr>
+                          <a:r>
+                            <a:rPr lang="en-US" dirty="0" err="1"/>
+                            <a:t>MenWomanDataset</a:t>
+                          </a:r>
+                          <a:endParaRPr lang="en-US" dirty="0"/>
+                        </a:p>
+                        <a:p>
+                          <a:pPr marL="285750" indent="-285750">
+                            <a:buFontTx/>
+                            <a:buChar char="-"/>
+                          </a:pPr>
+                          <a:r>
+                            <a:rPr lang="en-US" dirty="0"/>
+                            <a:t>Dense121</a:t>
+                          </a:r>
+                        </a:p>
+                      </a:txBody>
+                      <a:tcPr/>
+                    </a:tc>
+                    <a:extLst>
+                      <a:ext uri="{0D108BD9-81ED-4DB2-BD59-A6C34878D82A}">
+                        <a16:rowId xmlns:a16="http://schemas.microsoft.com/office/drawing/2014/main" val="1504969892"/>
+                      </a:ext>
+                    </a:extLst>
+                  </a:tr>
+                  <a:tr h="612069">
+                    <a:tc>
+                      <a:txBody>
+                        <a:bodyPr/>
+                        <a:lstStyle/>
+                        <a:p>
+                          <a:r>
+                            <a:rPr lang="en-US" dirty="0"/>
+                            <a:t>SGD</a:t>
+                          </a:r>
+                        </a:p>
+                      </a:txBody>
+                      <a:tcPr/>
+                    </a:tc>
+                    <a:tc>
+                      <a:txBody>
+                        <a:bodyPr/>
+                        <a:lstStyle/>
+                        <a:p>
+                          <a:pPr marL="285750" indent="-285750">
+                            <a:buFont typeface="Arial" panose="020B0604020202020204" pitchFamily="34" charset="0"/>
+                            <a:buChar char="•"/>
+                          </a:pPr>
+                          <a14:m>
+                            <m:oMath xmlns:m="http://schemas.openxmlformats.org/officeDocument/2006/math">
+                              <m:sSub>
+                                <m:sSubPr>
+                                  <m:ctrlPr>
+                                    <a:rPr lang="en-US" b="0" i="1" smtClean="0">
+                                      <a:latin typeface="Cambria Math" panose="02040503050406030204" pitchFamily="18" charset="0"/>
+                                    </a:rPr>
+                                  </m:ctrlPr>
+                                </m:sSubPr>
+                                <m:e>
+                                  <m:r>
+                                    <a:rPr lang="en-US" b="0" i="1" smtClean="0">
+                                      <a:latin typeface="Cambria Math" panose="02040503050406030204" pitchFamily="18" charset="0"/>
+                                    </a:rPr>
+                                    <m:t>𝑊</m:t>
+                                  </m:r>
+                                </m:e>
+                                <m:sub>
+                                  <m:r>
+                                    <a:rPr lang="en-US" b="0" i="1" smtClean="0">
+                                      <a:latin typeface="Cambria Math" panose="02040503050406030204" pitchFamily="18" charset="0"/>
+                                    </a:rPr>
+                                    <m:t>𝑡</m:t>
+                                  </m:r>
+                                  <m:r>
+                                    <a:rPr lang="en-US" b="0" i="1" smtClean="0">
+                                      <a:latin typeface="Cambria Math" panose="02040503050406030204" pitchFamily="18" charset="0"/>
+                                    </a:rPr>
+                                    <m:t>+1</m:t>
+                                  </m:r>
+                                </m:sub>
+                              </m:sSub>
+                              <m:r>
+                                <a:rPr lang="en-US" b="0" i="1" smtClean="0">
+                                  <a:latin typeface="Cambria Math" panose="02040503050406030204" pitchFamily="18" charset="0"/>
+                                </a:rPr>
+                                <m:t>=</m:t>
+                              </m:r>
+                              <m:sSub>
+                                <m:sSubPr>
+                                  <m:ctrlPr>
+                                    <a:rPr lang="en-US" b="0" i="1" smtClean="0">
+                                      <a:latin typeface="Cambria Math" panose="02040503050406030204" pitchFamily="18" charset="0"/>
+                                    </a:rPr>
+                                  </m:ctrlPr>
+                                </m:sSubPr>
+                                <m:e>
+                                  <m:r>
+                                    <a:rPr lang="en-US" b="0" i="1" smtClean="0">
+                                      <a:latin typeface="Cambria Math" panose="02040503050406030204" pitchFamily="18" charset="0"/>
+                                    </a:rPr>
+                                    <m:t>𝑊</m:t>
+                                  </m:r>
+                                </m:e>
+                                <m:sub>
+                                  <m:r>
+                                    <a:rPr lang="en-US" b="0" i="1" smtClean="0">
+                                      <a:latin typeface="Cambria Math" panose="02040503050406030204" pitchFamily="18" charset="0"/>
+                                    </a:rPr>
+                                    <m:t>𝑡</m:t>
+                                  </m:r>
+                                </m:sub>
+                              </m:sSub>
+                              <m:r>
+                                <a:rPr lang="en-US" b="0" i="1" smtClean="0">
+                                  <a:latin typeface="Cambria Math" panose="02040503050406030204" pitchFamily="18" charset="0"/>
+                                </a:rPr>
+                                <m:t>−</m:t>
+                              </m:r>
+                              <m:r>
+                                <a:rPr lang="en-US" b="0" i="1" smtClean="0">
+                                  <a:latin typeface="Cambria Math" panose="02040503050406030204" pitchFamily="18" charset="0"/>
+                                </a:rPr>
+                                <m:t>𝑙𝑟</m:t>
+                              </m:r>
+                              <m:r>
+                                <a:rPr lang="en-US" b="0" i="1" smtClean="0">
+                                  <a:latin typeface="Cambria Math" panose="02040503050406030204" pitchFamily="18" charset="0"/>
+                                </a:rPr>
+                                <m:t>∗</m:t>
+                              </m:r>
+                              <m:r>
+                                <a:rPr lang="en-US" b="0" i="1" smtClean="0">
+                                  <a:latin typeface="Cambria Math" panose="02040503050406030204" pitchFamily="18" charset="0"/>
+                                </a:rPr>
+                                <m:t>𝑑𝑊</m:t>
+                              </m:r>
+                            </m:oMath>
+                          </a14:m>
+                          <a:endParaRPr lang="en-US" dirty="0"/>
+                        </a:p>
+                      </a:txBody>
+                      <a:tcPr/>
+                    </a:tc>
+                    <a:tc>
+                      <a:txBody>
+                        <a:bodyPr/>
+                        <a:lstStyle/>
+                        <a:p>
+                          <a:endParaRPr lang="en-US" dirty="0"/>
+                        </a:p>
+                      </a:txBody>
+                      <a:tcPr/>
+                    </a:tc>
+                    <a:extLst>
+                      <a:ext uri="{0D108BD9-81ED-4DB2-BD59-A6C34878D82A}">
+                        <a16:rowId xmlns:a16="http://schemas.microsoft.com/office/drawing/2014/main" val="3351530658"/>
+                      </a:ext>
+                    </a:extLst>
+                  </a:tr>
+                  <a:tr h="653256">
+                    <a:tc>
+                      <a:txBody>
+                        <a:bodyPr/>
+                        <a:lstStyle/>
+                        <a:p>
+                          <a:r>
+                            <a:rPr lang="en-US" dirty="0"/>
+                            <a:t>SGD Momentum</a:t>
+                          </a:r>
+                        </a:p>
+                      </a:txBody>
+                      <a:tcPr/>
+                    </a:tc>
+                    <a:tc>
+                      <a:txBody>
+                        <a:bodyPr/>
+                        <a:lstStyle/>
+                        <a:p>
+                          <a:pPr marL="285750" marR="0" lvl="0" indent="-285750" algn="dist" defTabSz="914400" rtl="0" eaLnBrk="1" fontAlgn="auto" latinLnBrk="0" hangingPunct="1">
+                            <a:lnSpc>
+                              <a:spcPct val="100000"/>
+                            </a:lnSpc>
+                            <a:spcBef>
+                              <a:spcPts val="0"/>
+                            </a:spcBef>
+                            <a:spcAft>
+                              <a:spcPts val="0"/>
+                            </a:spcAft>
+                            <a:buClrTx/>
+                            <a:buSzTx/>
+                            <a:buFont typeface="Arial" panose="020B0604020202020204" pitchFamily="34" charset="0"/>
+                            <a:buChar char="•"/>
+                            <a:tabLst/>
+                            <a:defRPr/>
+                          </a:pPr>
+                          <a14:m>
+                            <m:oMath xmlns:m="http://schemas.openxmlformats.org/officeDocument/2006/math">
+                              <m:sSub>
+                                <m:sSubPr>
+                                  <m:ctrlPr>
+                                    <a:rPr lang="en-US" b="0" i="1" smtClean="0">
+                                      <a:latin typeface="Cambria Math" panose="02040503050406030204" pitchFamily="18" charset="0"/>
+                                    </a:rPr>
+                                  </m:ctrlPr>
+                                </m:sSubPr>
+                                <m:e>
+                                  <m:r>
+                                    <a:rPr lang="en-US" b="0" i="1" smtClean="0">
+                                      <a:latin typeface="Cambria Math" panose="02040503050406030204" pitchFamily="18" charset="0"/>
+                                    </a:rPr>
+                                    <m:t>𝑉</m:t>
+                                  </m:r>
+                                </m:e>
+                                <m:sub>
+                                  <m:r>
+                                    <a:rPr lang="en-US" b="0" i="1" smtClean="0">
+                                      <a:latin typeface="Cambria Math" panose="02040503050406030204" pitchFamily="18" charset="0"/>
+                                    </a:rPr>
+                                    <m:t>𝑡</m:t>
+                                  </m:r>
+                                  <m:r>
+                                    <a:rPr lang="en-US" b="0" i="1" smtClean="0">
+                                      <a:latin typeface="Cambria Math" panose="02040503050406030204" pitchFamily="18" charset="0"/>
+                                    </a:rPr>
+                                    <m:t>+1</m:t>
+                                  </m:r>
+                                </m:sub>
+                              </m:sSub>
+                              <m:r>
+                                <a:rPr lang="en-US" b="0" i="1" dirty="0" smtClean="0">
+                                  <a:latin typeface="Cambria Math" panose="02040503050406030204" pitchFamily="18" charset="0"/>
+                                </a:rPr>
+                                <m:t>=</m:t>
+                              </m:r>
+                              <m:r>
+                                <a:rPr lang="en-US" b="0" i="1" dirty="0" smtClean="0">
+                                  <a:latin typeface="Cambria Math" panose="02040503050406030204" pitchFamily="18" charset="0"/>
+                                  <a:ea typeface="Cambria Math" panose="02040503050406030204" pitchFamily="18" charset="0"/>
+                                </a:rPr>
+                                <m:t>𝛽</m:t>
+                              </m:r>
+                              <m:r>
+                                <a:rPr lang="en-US" b="0" i="1" dirty="0" smtClean="0">
+                                  <a:latin typeface="Cambria Math" panose="02040503050406030204" pitchFamily="18" charset="0"/>
+                                  <a:ea typeface="Cambria Math" panose="02040503050406030204" pitchFamily="18" charset="0"/>
+                                </a:rPr>
+                                <m:t>∗</m:t>
+                              </m:r>
+                              <m:sSub>
+                                <m:sSubPr>
+                                  <m:ctrlPr>
+                                    <a:rPr lang="en-US" b="0" i="1" dirty="0" err="1" smtClean="0">
+                                      <a:latin typeface="Cambria Math" panose="02040503050406030204" pitchFamily="18" charset="0"/>
+                                    </a:rPr>
+                                  </m:ctrlPr>
+                                </m:sSubPr>
+                                <m:e>
+                                  <m:r>
+                                    <a:rPr lang="en-US" b="0" i="1" dirty="0" smtClean="0">
+                                      <a:latin typeface="Cambria Math" panose="02040503050406030204" pitchFamily="18" charset="0"/>
+                                    </a:rPr>
+                                    <m:t>𝑉</m:t>
+                                  </m:r>
+                                </m:e>
+                                <m:sub>
+                                  <m:r>
+                                    <a:rPr lang="en-US" b="0" i="1" dirty="0" err="1" smtClean="0">
+                                      <a:latin typeface="Cambria Math" panose="02040503050406030204" pitchFamily="18" charset="0"/>
+                                    </a:rPr>
+                                    <m:t>𝑡</m:t>
+                                  </m:r>
+                                </m:sub>
+                              </m:sSub>
+                              <m:r>
+                                <a:rPr lang="en-US" b="0" i="1" dirty="0" smtClean="0">
+                                  <a:latin typeface="Cambria Math" panose="02040503050406030204" pitchFamily="18" charset="0"/>
+                                </a:rPr>
+                                <m:t>+(1−</m:t>
+                              </m:r>
+                              <m:r>
+                                <a:rPr lang="en-US" b="0" i="1" dirty="0" smtClean="0">
+                                  <a:latin typeface="Cambria Math" panose="02040503050406030204" pitchFamily="18" charset="0"/>
+                                  <a:ea typeface="Cambria Math" panose="02040503050406030204" pitchFamily="18" charset="0"/>
+                                </a:rPr>
+                                <m:t>𝛽</m:t>
+                              </m:r>
+                              <m:r>
+                                <a:rPr lang="en-US" b="0" i="1" dirty="0" smtClean="0">
+                                  <a:latin typeface="Cambria Math" panose="02040503050406030204" pitchFamily="18" charset="0"/>
+                                  <a:ea typeface="Cambria Math" panose="02040503050406030204" pitchFamily="18" charset="0"/>
+                                </a:rPr>
+                                <m:t>)∗</m:t>
+                              </m:r>
+                              <m:r>
+                                <a:rPr lang="en-US" b="0" i="1" dirty="0" err="1" smtClean="0">
+                                  <a:latin typeface="Cambria Math" panose="02040503050406030204" pitchFamily="18" charset="0"/>
+                                </a:rPr>
+                                <m:t>𝑑𝑊</m:t>
+                              </m:r>
+                            </m:oMath>
+                          </a14:m>
+                          <a:endParaRPr lang="en-US" dirty="0"/>
+                        </a:p>
+                        <a:p>
+                          <a:pPr marL="285750" marR="0" lvl="0" indent="-285750" algn="dist" defTabSz="914400" rtl="0" eaLnBrk="1" fontAlgn="auto" latinLnBrk="0" hangingPunct="1">
+                            <a:lnSpc>
+                              <a:spcPct val="100000"/>
+                            </a:lnSpc>
+                            <a:spcBef>
+                              <a:spcPts val="0"/>
+                            </a:spcBef>
+                            <a:spcAft>
+                              <a:spcPts val="0"/>
+                            </a:spcAft>
+                            <a:buClrTx/>
+                            <a:buSzTx/>
+                            <a:buFont typeface="Arial" panose="020B0604020202020204" pitchFamily="34" charset="0"/>
+                            <a:buChar char="•"/>
+                            <a:tabLst/>
+                            <a:defRPr/>
+                          </a:pPr>
+                          <a14:m>
+                            <m:oMath xmlns:m="http://schemas.openxmlformats.org/officeDocument/2006/math">
+                              <m:sSub>
+                                <m:sSubPr>
+                                  <m:ctrlPr>
+                                    <a:rPr lang="en-US" b="0" i="1" smtClean="0">
+                                      <a:latin typeface="Cambria Math" panose="02040503050406030204" pitchFamily="18" charset="0"/>
+                                    </a:rPr>
+                                  </m:ctrlPr>
+                                </m:sSubPr>
+                                <m:e>
+                                  <m:r>
+                                    <a:rPr lang="en-US" b="0" i="1" smtClean="0">
+                                      <a:latin typeface="Cambria Math" panose="02040503050406030204" pitchFamily="18" charset="0"/>
+                                    </a:rPr>
+                                    <m:t>𝑊</m:t>
+                                  </m:r>
+                                </m:e>
+                                <m:sub>
+                                  <m:r>
+                                    <a:rPr lang="en-US" b="0" i="1" smtClean="0">
+                                      <a:latin typeface="Cambria Math" panose="02040503050406030204" pitchFamily="18" charset="0"/>
+                                    </a:rPr>
+                                    <m:t>𝑡</m:t>
+                                  </m:r>
+                                  <m:r>
+                                    <a:rPr lang="en-US" b="0" i="1" smtClean="0">
+                                      <a:latin typeface="Cambria Math" panose="02040503050406030204" pitchFamily="18" charset="0"/>
+                                    </a:rPr>
+                                    <m:t>+1</m:t>
+                                  </m:r>
+                                </m:sub>
+                              </m:sSub>
+                              <m:r>
+                                <a:rPr lang="en-US" b="0" i="1" smtClean="0">
+                                  <a:latin typeface="Cambria Math" panose="02040503050406030204" pitchFamily="18" charset="0"/>
+                                </a:rPr>
+                                <m:t>=</m:t>
+                              </m:r>
+                              <m:sSub>
+                                <m:sSubPr>
+                                  <m:ctrlPr>
+                                    <a:rPr lang="en-US" b="0" i="1" smtClean="0">
+                                      <a:latin typeface="Cambria Math" panose="02040503050406030204" pitchFamily="18" charset="0"/>
+                                    </a:rPr>
+                                  </m:ctrlPr>
+                                </m:sSubPr>
+                                <m:e>
+                                  <m:r>
+                                    <a:rPr lang="en-US" b="0" i="1" smtClean="0">
+                                      <a:latin typeface="Cambria Math" panose="02040503050406030204" pitchFamily="18" charset="0"/>
+                                    </a:rPr>
+                                    <m:t>𝑊</m:t>
+                                  </m:r>
+                                </m:e>
+                                <m:sub>
+                                  <m:r>
+                                    <a:rPr lang="en-US" b="0" i="1" smtClean="0">
+                                      <a:latin typeface="Cambria Math" panose="02040503050406030204" pitchFamily="18" charset="0"/>
+                                    </a:rPr>
+                                    <m:t>𝑡</m:t>
+                                  </m:r>
+                                </m:sub>
+                              </m:sSub>
+                              <m:r>
+                                <a:rPr lang="en-US" b="0" i="1" smtClean="0">
+                                  <a:latin typeface="Cambria Math" panose="02040503050406030204" pitchFamily="18" charset="0"/>
+                                </a:rPr>
+                                <m:t>−</m:t>
+                              </m:r>
+                              <m:r>
+                                <a:rPr lang="en-US" b="0" i="1" smtClean="0">
+                                  <a:latin typeface="Cambria Math" panose="02040503050406030204" pitchFamily="18" charset="0"/>
+                                  <a:ea typeface="Cambria Math" panose="02040503050406030204" pitchFamily="18" charset="0"/>
+                                </a:rPr>
+                                <m:t>𝛼</m:t>
+                              </m:r>
+                              <m:r>
+                                <a:rPr lang="en-US" b="0" i="1" smtClean="0">
+                                  <a:latin typeface="Cambria Math" panose="02040503050406030204" pitchFamily="18" charset="0"/>
+                                </a:rPr>
+                                <m:t>∗</m:t>
+                              </m:r>
+                              <m:sSub>
+                                <m:sSubPr>
+                                  <m:ctrlPr>
+                                    <a:rPr lang="en-US" b="0" i="1" smtClean="0">
+                                      <a:latin typeface="Cambria Math" panose="02040503050406030204" pitchFamily="18" charset="0"/>
+                                    </a:rPr>
+                                  </m:ctrlPr>
+                                </m:sSubPr>
+                                <m:e>
+                                  <m:r>
+                                    <a:rPr lang="en-US" b="0" i="1" smtClean="0">
+                                      <a:latin typeface="Cambria Math" panose="02040503050406030204" pitchFamily="18" charset="0"/>
+                                    </a:rPr>
+                                    <m:t>𝑉</m:t>
+                                  </m:r>
+                                </m:e>
+                                <m:sub>
+                                  <m:r>
+                                    <a:rPr lang="en-US" b="0" i="1" smtClean="0">
+                                      <a:latin typeface="Cambria Math" panose="02040503050406030204" pitchFamily="18" charset="0"/>
+                                    </a:rPr>
+                                    <m:t>𝑡</m:t>
+                                  </m:r>
+                                  <m:r>
+                                    <a:rPr lang="en-US" b="0" i="1" smtClean="0">
+                                      <a:latin typeface="Cambria Math" panose="02040503050406030204" pitchFamily="18" charset="0"/>
+                                    </a:rPr>
+                                    <m:t>+1</m:t>
+                                  </m:r>
+                                </m:sub>
+                              </m:sSub>
+                            </m:oMath>
+                          </a14:m>
+                          <a:endParaRPr lang="en-US" dirty="0"/>
+                        </a:p>
+                      </a:txBody>
+                      <a:tcPr/>
+                    </a:tc>
+                    <a:tc>
+                      <a:txBody>
+                        <a:bodyPr/>
+                        <a:lstStyle/>
+                        <a:p>
+                          <a:endParaRPr lang="en-US" dirty="0"/>
+                        </a:p>
+                      </a:txBody>
+                      <a:tcPr/>
+                    </a:tc>
+                    <a:extLst>
+                      <a:ext uri="{0D108BD9-81ED-4DB2-BD59-A6C34878D82A}">
+                        <a16:rowId xmlns:a16="http://schemas.microsoft.com/office/drawing/2014/main" val="2401624614"/>
+                      </a:ext>
+                    </a:extLst>
+                  </a:tr>
+                  <a:tr h="510726">
+                    <a:tc>
+                      <a:txBody>
+                        <a:bodyPr/>
+                        <a:lstStyle/>
+                        <a:p>
+                          <a:r>
+                            <a:rPr lang="en-US" dirty="0" err="1"/>
+                            <a:t>RMSProp</a:t>
+                          </a:r>
+                          <a:endParaRPr lang="en-US" dirty="0"/>
+                        </a:p>
+                      </a:txBody>
+                      <a:tcPr/>
+                    </a:tc>
+                    <a:tc>
+                      <a:txBody>
+                        <a:bodyPr/>
+                        <a:lstStyle/>
+                        <a:p>
+                          <a:pPr marL="285750" marR="0" lvl="0" indent="-285750" algn="dist" defTabSz="914400" rtl="0" eaLnBrk="1" fontAlgn="auto" latinLnBrk="0" hangingPunct="1">
+                            <a:lnSpc>
+                              <a:spcPct val="100000"/>
+                            </a:lnSpc>
+                            <a:spcBef>
+                              <a:spcPts val="0"/>
+                            </a:spcBef>
+                            <a:spcAft>
+                              <a:spcPts val="0"/>
+                            </a:spcAft>
+                            <a:buClrTx/>
+                            <a:buSzTx/>
+                            <a:buFont typeface="Arial" panose="020B0604020202020204" pitchFamily="34" charset="0"/>
+                            <a:buChar char="•"/>
+                            <a:tabLst/>
+                            <a:defRPr/>
+                          </a:pPr>
+                          <a14:m>
+                            <m:oMath xmlns:m="http://schemas.openxmlformats.org/officeDocument/2006/math">
+                              <m:sSub>
+                                <m:sSubPr>
+                                  <m:ctrlPr>
+                                    <a:rPr lang="en-US" b="0" i="1" smtClean="0">
+                                      <a:latin typeface="Cambria Math" panose="02040503050406030204" pitchFamily="18" charset="0"/>
+                                    </a:rPr>
+                                  </m:ctrlPr>
+                                </m:sSubPr>
+                                <m:e>
+                                  <m:r>
+                                    <a:rPr lang="en-US" b="0" i="1" smtClean="0">
+                                      <a:latin typeface="Cambria Math" panose="02040503050406030204" pitchFamily="18" charset="0"/>
+                                    </a:rPr>
+                                    <m:t>𝑆</m:t>
+                                  </m:r>
+                                </m:e>
+                                <m:sub>
+                                  <m:r>
+                                    <a:rPr lang="en-US" b="0" i="1" smtClean="0">
+                                      <a:latin typeface="Cambria Math" panose="02040503050406030204" pitchFamily="18" charset="0"/>
+                                    </a:rPr>
+                                    <m:t>𝑡</m:t>
+                                  </m:r>
+                                  <m:r>
+                                    <a:rPr lang="en-US" b="0" i="1" smtClean="0">
+                                      <a:latin typeface="Cambria Math" panose="02040503050406030204" pitchFamily="18" charset="0"/>
+                                    </a:rPr>
+                                    <m:t>+1</m:t>
+                                  </m:r>
+                                </m:sub>
+                              </m:sSub>
+                              <m:r>
+                                <a:rPr lang="en-US" b="0" i="1" dirty="0" smtClean="0">
+                                  <a:latin typeface="Cambria Math" panose="02040503050406030204" pitchFamily="18" charset="0"/>
+                                </a:rPr>
+                                <m:t>=</m:t>
+                              </m:r>
+                              <m:r>
+                                <a:rPr lang="en-US" b="0" i="1" dirty="0" smtClean="0">
+                                  <a:latin typeface="Cambria Math" panose="02040503050406030204" pitchFamily="18" charset="0"/>
+                                  <a:ea typeface="Cambria Math" panose="02040503050406030204" pitchFamily="18" charset="0"/>
+                                </a:rPr>
+                                <m:t>𝛾</m:t>
+                              </m:r>
+                              <m:r>
+                                <a:rPr lang="en-US" b="0" i="1" dirty="0" smtClean="0">
+                                  <a:latin typeface="Cambria Math" panose="02040503050406030204" pitchFamily="18" charset="0"/>
+                                  <a:ea typeface="Cambria Math" panose="02040503050406030204" pitchFamily="18" charset="0"/>
+                                </a:rPr>
+                                <m:t>∗</m:t>
+                              </m:r>
+                              <m:sSub>
+                                <m:sSubPr>
+                                  <m:ctrlPr>
+                                    <a:rPr lang="en-US" b="0" i="1" dirty="0" err="1" smtClean="0">
+                                      <a:latin typeface="Cambria Math" panose="02040503050406030204" pitchFamily="18" charset="0"/>
+                                    </a:rPr>
+                                  </m:ctrlPr>
+                                </m:sSubPr>
+                                <m:e>
+                                  <m:r>
+                                    <a:rPr lang="en-US" b="0" i="1" dirty="0" smtClean="0">
+                                      <a:latin typeface="Cambria Math" panose="02040503050406030204" pitchFamily="18" charset="0"/>
+                                    </a:rPr>
+                                    <m:t>𝑆</m:t>
+                                  </m:r>
+                                </m:e>
+                                <m:sub>
+                                  <m:r>
+                                    <a:rPr lang="en-US" b="0" i="1" dirty="0" err="1" smtClean="0">
+                                      <a:latin typeface="Cambria Math" panose="02040503050406030204" pitchFamily="18" charset="0"/>
+                                    </a:rPr>
+                                    <m:t>𝑡</m:t>
+                                  </m:r>
+                                </m:sub>
+                              </m:sSub>
+                              <m:r>
+                                <a:rPr lang="en-US" b="0" i="1" dirty="0" smtClean="0">
+                                  <a:latin typeface="Cambria Math" panose="02040503050406030204" pitchFamily="18" charset="0"/>
+                                </a:rPr>
+                                <m:t>+(1−</m:t>
+                              </m:r>
+                              <m:r>
+                                <a:rPr lang="en-US" b="0" i="1" dirty="0" smtClean="0">
+                                  <a:latin typeface="Cambria Math" panose="02040503050406030204" pitchFamily="18" charset="0"/>
+                                  <a:ea typeface="Cambria Math" panose="02040503050406030204" pitchFamily="18" charset="0"/>
+                                </a:rPr>
+                                <m:t>𝛾</m:t>
+                              </m:r>
+                              <m:r>
+                                <a:rPr lang="en-US" b="0" i="1" dirty="0" smtClean="0">
+                                  <a:latin typeface="Cambria Math" panose="02040503050406030204" pitchFamily="18" charset="0"/>
+                                  <a:ea typeface="Cambria Math" panose="02040503050406030204" pitchFamily="18" charset="0"/>
+                                </a:rPr>
+                                <m:t>)∗</m:t>
+                              </m:r>
+                              <m:sSup>
+                                <m:sSupPr>
+                                  <m:ctrlPr>
+                                    <a:rPr lang="en-US" b="0" i="1" dirty="0" smtClean="0">
+                                      <a:latin typeface="Cambria Math" panose="02040503050406030204" pitchFamily="18" charset="0"/>
+                                      <a:ea typeface="Cambria Math" panose="02040503050406030204" pitchFamily="18" charset="0"/>
+                                    </a:rPr>
+                                  </m:ctrlPr>
+                                </m:sSupPr>
+                                <m:e>
+                                  <m:r>
+                                    <a:rPr lang="en-US" b="0" i="1" dirty="0" smtClean="0">
+                                      <a:latin typeface="Cambria Math" panose="02040503050406030204" pitchFamily="18" charset="0"/>
+                                    </a:rPr>
+                                    <m:t>𝑑𝑊</m:t>
+                                  </m:r>
+                                </m:e>
+                                <m:sup>
+                                  <m:r>
+                                    <a:rPr lang="en-US" b="0" i="1" dirty="0" smtClean="0">
+                                      <a:latin typeface="Cambria Math" panose="02040503050406030204" pitchFamily="18" charset="0"/>
+                                      <a:ea typeface="Cambria Math" panose="02040503050406030204" pitchFamily="18" charset="0"/>
+                                    </a:rPr>
+                                    <m:t>2</m:t>
+                                  </m:r>
+                                </m:sup>
+                              </m:sSup>
+                            </m:oMath>
+                          </a14:m>
+                          <a:endParaRPr lang="en-US" dirty="0"/>
+                        </a:p>
+                        <a:p>
+                          <a:pPr marL="285750" marR="0" lvl="0" indent="-285750" algn="dist" defTabSz="914400" rtl="0" eaLnBrk="1" fontAlgn="auto" latinLnBrk="0" hangingPunct="1">
+                            <a:lnSpc>
+                              <a:spcPct val="100000"/>
+                            </a:lnSpc>
+                            <a:spcBef>
+                              <a:spcPts val="0"/>
+                            </a:spcBef>
+                            <a:spcAft>
+                              <a:spcPts val="0"/>
+                            </a:spcAft>
+                            <a:buClrTx/>
+                            <a:buSzTx/>
+                            <a:buFont typeface="Arial" panose="020B0604020202020204" pitchFamily="34" charset="0"/>
+                            <a:buChar char="•"/>
+                            <a:tabLst/>
+                            <a:defRPr/>
+                          </a:pPr>
+                          <a14:m>
+                            <m:oMath xmlns:m="http://schemas.openxmlformats.org/officeDocument/2006/math">
+                              <m:sSub>
+                                <m:sSubPr>
+                                  <m:ctrlPr>
+                                    <a:rPr lang="en-US" b="0" i="1" smtClean="0">
+                                      <a:latin typeface="Cambria Math" panose="02040503050406030204" pitchFamily="18" charset="0"/>
+                                    </a:rPr>
+                                  </m:ctrlPr>
+                                </m:sSubPr>
+                                <m:e>
+                                  <m:r>
+                                    <a:rPr lang="en-US" b="0" i="1" smtClean="0">
+                                      <a:latin typeface="Cambria Math" panose="02040503050406030204" pitchFamily="18" charset="0"/>
+                                    </a:rPr>
+                                    <m:t>𝑊</m:t>
+                                  </m:r>
+                                </m:e>
+                                <m:sub>
+                                  <m:r>
+                                    <a:rPr lang="en-US" b="0" i="1" smtClean="0">
+                                      <a:latin typeface="Cambria Math" panose="02040503050406030204" pitchFamily="18" charset="0"/>
+                                    </a:rPr>
+                                    <m:t>𝑡</m:t>
+                                  </m:r>
+                                  <m:r>
+                                    <a:rPr lang="en-US" b="0" i="1" smtClean="0">
+                                      <a:latin typeface="Cambria Math" panose="02040503050406030204" pitchFamily="18" charset="0"/>
+                                    </a:rPr>
+                                    <m:t>+1</m:t>
+                                  </m:r>
+                                </m:sub>
+                              </m:sSub>
+                              <m:r>
+                                <a:rPr lang="en-US" b="0" i="1" smtClean="0">
+                                  <a:latin typeface="Cambria Math" panose="02040503050406030204" pitchFamily="18" charset="0"/>
+                                </a:rPr>
+                                <m:t>=</m:t>
+                              </m:r>
+                              <m:sSub>
+                                <m:sSubPr>
+                                  <m:ctrlPr>
+                                    <a:rPr lang="en-US" b="0" i="1" smtClean="0">
+                                      <a:latin typeface="Cambria Math" panose="02040503050406030204" pitchFamily="18" charset="0"/>
+                                    </a:rPr>
+                                  </m:ctrlPr>
+                                </m:sSubPr>
+                                <m:e>
+                                  <m:r>
+                                    <a:rPr lang="en-US" b="0" i="1" smtClean="0">
+                                      <a:latin typeface="Cambria Math" panose="02040503050406030204" pitchFamily="18" charset="0"/>
+                                    </a:rPr>
+                                    <m:t>𝑊</m:t>
+                                  </m:r>
+                                </m:e>
+                                <m:sub>
+                                  <m:r>
+                                    <a:rPr lang="en-US" b="0" i="1" smtClean="0">
+                                      <a:latin typeface="Cambria Math" panose="02040503050406030204" pitchFamily="18" charset="0"/>
+                                    </a:rPr>
+                                    <m:t>𝑡</m:t>
+                                  </m:r>
+                                </m:sub>
+                              </m:sSub>
+                              <m:r>
+                                <a:rPr lang="en-US" b="0" i="1" smtClean="0">
+                                  <a:latin typeface="Cambria Math" panose="02040503050406030204" pitchFamily="18" charset="0"/>
+                                </a:rPr>
+                                <m:t>−</m:t>
+                              </m:r>
+                              <m:r>
+                                <a:rPr lang="en-US" b="0" i="1" smtClean="0">
+                                  <a:latin typeface="Cambria Math" panose="02040503050406030204" pitchFamily="18" charset="0"/>
+                                  <a:ea typeface="Cambria Math" panose="02040503050406030204" pitchFamily="18" charset="0"/>
+                                </a:rPr>
+                                <m:t>𝛼</m:t>
+                              </m:r>
+                              <m:r>
+                                <a:rPr lang="en-US" b="0" i="1" smtClean="0">
+                                  <a:latin typeface="Cambria Math" panose="02040503050406030204" pitchFamily="18" charset="0"/>
+                                </a:rPr>
+                                <m:t>∗</m:t>
+                              </m:r>
+                              <m:f>
+                                <m:fPr>
+                                  <m:ctrlPr>
+                                    <a:rPr lang="en-US" b="0" i="1" smtClean="0">
+                                      <a:latin typeface="Cambria Math" panose="02040503050406030204" pitchFamily="18" charset="0"/>
+                                    </a:rPr>
+                                  </m:ctrlPr>
+                                </m:fPr>
+                                <m:num>
+                                  <m:r>
+                                    <a:rPr lang="en-US" b="0" i="1" smtClean="0">
+                                      <a:latin typeface="Cambria Math" panose="02040503050406030204" pitchFamily="18" charset="0"/>
+                                    </a:rPr>
+                                    <m:t>𝑑𝑊</m:t>
+                                  </m:r>
+                                </m:num>
+                                <m:den>
+                                  <m:rad>
+                                    <m:radPr>
+                                      <m:degHide m:val="on"/>
+                                      <m:ctrlPr>
+                                        <a:rPr lang="en-US" b="0" i="1" smtClean="0">
+                                          <a:latin typeface="Cambria Math" panose="02040503050406030204" pitchFamily="18" charset="0"/>
+                                        </a:rPr>
+                                      </m:ctrlPr>
+                                    </m:radPr>
+                                    <m:deg/>
+                                    <m:e>
+                                      <m:sSub>
+                                        <m:sSubPr>
+                                          <m:ctrlPr>
+                                            <a:rPr lang="en-US" b="0" i="1" smtClean="0">
+                                              <a:latin typeface="Cambria Math" panose="02040503050406030204" pitchFamily="18" charset="0"/>
+                                            </a:rPr>
+                                          </m:ctrlPr>
+                                        </m:sSubPr>
+                                        <m:e>
+                                          <m:r>
+                                            <a:rPr lang="en-US" b="0" i="1" smtClean="0">
+                                              <a:latin typeface="Cambria Math" panose="02040503050406030204" pitchFamily="18" charset="0"/>
+                                            </a:rPr>
+                                            <m:t>𝑆</m:t>
+                                          </m:r>
+                                        </m:e>
+                                        <m:sub>
+                                          <m:r>
+                                            <a:rPr lang="en-US" b="0" i="1" smtClean="0">
+                                              <a:latin typeface="Cambria Math" panose="02040503050406030204" pitchFamily="18" charset="0"/>
+                                            </a:rPr>
+                                            <m:t>𝑡</m:t>
+                                          </m:r>
+                                          <m:r>
+                                            <a:rPr lang="en-US" b="0" i="1" smtClean="0">
+                                              <a:latin typeface="Cambria Math" panose="02040503050406030204" pitchFamily="18" charset="0"/>
+                                            </a:rPr>
+                                            <m:t>+1</m:t>
+                                          </m:r>
+                                        </m:sub>
+                                      </m:sSub>
+                                      <m:r>
+                                        <a:rPr lang="en-US" b="0" i="1" smtClean="0">
+                                          <a:latin typeface="Cambria Math" panose="02040503050406030204" pitchFamily="18" charset="0"/>
+                                        </a:rPr>
+                                        <m:t>+</m:t>
+                                      </m:r>
+                                      <m:r>
+                                        <a:rPr lang="en-US" b="0" i="1" smtClean="0">
+                                          <a:latin typeface="Cambria Math" panose="02040503050406030204" pitchFamily="18" charset="0"/>
+                                          <a:ea typeface="Cambria Math" panose="02040503050406030204" pitchFamily="18" charset="0"/>
+                                        </a:rPr>
+                                        <m:t>𝜀</m:t>
+                                      </m:r>
+                                    </m:e>
+                                  </m:rad>
+                                </m:den>
+                              </m:f>
+                            </m:oMath>
+                          </a14:m>
+                          <a:endParaRPr lang="en-US" dirty="0"/>
+                        </a:p>
+                      </a:txBody>
+                      <a:tcPr/>
+                    </a:tc>
+                    <a:tc>
+                      <a:txBody>
+                        <a:bodyPr/>
+                        <a:lstStyle/>
+                        <a:p>
+                          <a:endParaRPr lang="en-US" dirty="0"/>
+                        </a:p>
+                      </a:txBody>
+                      <a:tcPr/>
+                    </a:tc>
+                    <a:extLst>
+                      <a:ext uri="{0D108BD9-81ED-4DB2-BD59-A6C34878D82A}">
+                        <a16:rowId xmlns:a16="http://schemas.microsoft.com/office/drawing/2014/main" val="2748839980"/>
+                      </a:ext>
+                    </a:extLst>
+                  </a:tr>
+                  <a:tr h="510726">
+                    <a:tc>
+                      <a:txBody>
+                        <a:bodyPr/>
+                        <a:lstStyle/>
+                        <a:p>
+                          <a:r>
+                            <a:rPr lang="en-US" dirty="0"/>
+                            <a:t>Adam</a:t>
+                          </a:r>
+                        </a:p>
+                      </a:txBody>
+                      <a:tcPr/>
+                    </a:tc>
+                    <a:tc>
+                      <a:txBody>
+                        <a:bodyPr/>
+                        <a:lstStyle/>
+                        <a:p>
+                          <a:pPr marL="285750" marR="0" lvl="0" indent="-285750" algn="dist" defTabSz="914400" rtl="0" eaLnBrk="1" fontAlgn="auto" latinLnBrk="0" hangingPunct="1">
+                            <a:lnSpc>
+                              <a:spcPct val="100000"/>
+                            </a:lnSpc>
+                            <a:spcBef>
+                              <a:spcPts val="0"/>
+                            </a:spcBef>
+                            <a:spcAft>
+                              <a:spcPts val="0"/>
+                            </a:spcAft>
+                            <a:buClrTx/>
+                            <a:buSzTx/>
+                            <a:buFont typeface="Arial" panose="020B0604020202020204" pitchFamily="34" charset="0"/>
+                            <a:buChar char="•"/>
+                            <a:tabLst/>
+                            <a:defRPr/>
+                          </a:pPr>
+                          <a14:m>
+                            <m:oMath xmlns:m="http://schemas.openxmlformats.org/officeDocument/2006/math">
+                              <m:sSub>
+                                <m:sSubPr>
+                                  <m:ctrlPr>
+                                    <a:rPr lang="en-US" b="0" i="1" smtClean="0">
+                                      <a:latin typeface="Cambria Math" panose="02040503050406030204" pitchFamily="18" charset="0"/>
+                                    </a:rPr>
+                                  </m:ctrlPr>
+                                </m:sSubPr>
+                                <m:e>
+                                  <m:r>
+                                    <a:rPr lang="en-US" b="0" i="1" smtClean="0">
+                                      <a:latin typeface="Cambria Math" panose="02040503050406030204" pitchFamily="18" charset="0"/>
+                                    </a:rPr>
+                                    <m:t>𝑉</m:t>
+                                  </m:r>
+                                </m:e>
+                                <m:sub>
+                                  <m:r>
+                                    <a:rPr lang="en-US" b="0" i="1" smtClean="0">
+                                      <a:latin typeface="Cambria Math" panose="02040503050406030204" pitchFamily="18" charset="0"/>
+                                    </a:rPr>
+                                    <m:t>𝑡</m:t>
+                                  </m:r>
+                                  <m:r>
+                                    <a:rPr lang="en-US" b="0" i="1" smtClean="0">
+                                      <a:latin typeface="Cambria Math" panose="02040503050406030204" pitchFamily="18" charset="0"/>
+                                    </a:rPr>
+                                    <m:t>+1</m:t>
+                                  </m:r>
+                                </m:sub>
+                              </m:sSub>
+                              <m:r>
+                                <a:rPr lang="en-US" b="0" i="1" dirty="0" smtClean="0">
+                                  <a:latin typeface="Cambria Math" panose="02040503050406030204" pitchFamily="18" charset="0"/>
+                                </a:rPr>
+                                <m:t>=</m:t>
+                              </m:r>
+                              <m:r>
+                                <a:rPr lang="en-US" b="0" i="1" dirty="0" smtClean="0">
+                                  <a:latin typeface="Cambria Math" panose="02040503050406030204" pitchFamily="18" charset="0"/>
+                                  <a:ea typeface="Cambria Math" panose="02040503050406030204" pitchFamily="18" charset="0"/>
+                                </a:rPr>
+                                <m:t>𝛽</m:t>
+                              </m:r>
+                              <m:r>
+                                <a:rPr lang="en-US" b="0" i="1" dirty="0" smtClean="0">
+                                  <a:latin typeface="Cambria Math" panose="02040503050406030204" pitchFamily="18" charset="0"/>
+                                  <a:ea typeface="Cambria Math" panose="02040503050406030204" pitchFamily="18" charset="0"/>
+                                </a:rPr>
+                                <m:t>∗</m:t>
+                              </m:r>
+                              <m:sSub>
+                                <m:sSubPr>
+                                  <m:ctrlPr>
+                                    <a:rPr lang="en-US" b="0" i="1" dirty="0" err="1" smtClean="0">
+                                      <a:latin typeface="Cambria Math" panose="02040503050406030204" pitchFamily="18" charset="0"/>
+                                    </a:rPr>
+                                  </m:ctrlPr>
+                                </m:sSubPr>
+                                <m:e>
+                                  <m:r>
+                                    <a:rPr lang="en-US" b="0" i="1" dirty="0" smtClean="0">
+                                      <a:latin typeface="Cambria Math" panose="02040503050406030204" pitchFamily="18" charset="0"/>
+                                    </a:rPr>
+                                    <m:t>𝑉</m:t>
+                                  </m:r>
+                                </m:e>
+                                <m:sub>
+                                  <m:r>
+                                    <a:rPr lang="en-US" b="0" i="1" dirty="0" err="1" smtClean="0">
+                                      <a:latin typeface="Cambria Math" panose="02040503050406030204" pitchFamily="18" charset="0"/>
+                                    </a:rPr>
+                                    <m:t>𝑡</m:t>
+                                  </m:r>
+                                </m:sub>
+                              </m:sSub>
+                              <m:r>
+                                <a:rPr lang="en-US" b="0" i="1" dirty="0" smtClean="0">
+                                  <a:latin typeface="Cambria Math" panose="02040503050406030204" pitchFamily="18" charset="0"/>
+                                </a:rPr>
+                                <m:t>+(1−</m:t>
+                              </m:r>
+                              <m:r>
+                                <a:rPr lang="en-US" b="0" i="1" dirty="0" smtClean="0">
+                                  <a:latin typeface="Cambria Math" panose="02040503050406030204" pitchFamily="18" charset="0"/>
+                                  <a:ea typeface="Cambria Math" panose="02040503050406030204" pitchFamily="18" charset="0"/>
+                                </a:rPr>
+                                <m:t>𝛽</m:t>
+                              </m:r>
+                              <m:r>
+                                <a:rPr lang="en-US" b="0" i="1" dirty="0" smtClean="0">
+                                  <a:latin typeface="Cambria Math" panose="02040503050406030204" pitchFamily="18" charset="0"/>
+                                  <a:ea typeface="Cambria Math" panose="02040503050406030204" pitchFamily="18" charset="0"/>
+                                </a:rPr>
+                                <m:t>)∗</m:t>
+                              </m:r>
+                              <m:r>
+                                <a:rPr lang="en-US" b="0" i="1" dirty="0" err="1" smtClean="0">
+                                  <a:latin typeface="Cambria Math" panose="02040503050406030204" pitchFamily="18" charset="0"/>
+                                </a:rPr>
+                                <m:t>𝑑𝑊</m:t>
+                              </m:r>
+                            </m:oMath>
+                          </a14:m>
+                          <a:endParaRPr lang="en-US" b="0" i="1" dirty="0">
+                            <a:latin typeface="Cambria Math" panose="02040503050406030204" pitchFamily="18" charset="0"/>
+                          </a:endParaRPr>
+                        </a:p>
+                        <a:p>
+                          <a:pPr marL="285750" marR="0" lvl="0" indent="-285750" algn="dist" defTabSz="914400" rtl="0" eaLnBrk="1" fontAlgn="auto" latinLnBrk="0" hangingPunct="1">
+                            <a:lnSpc>
+                              <a:spcPct val="100000"/>
+                            </a:lnSpc>
+                            <a:spcBef>
+                              <a:spcPts val="0"/>
+                            </a:spcBef>
+                            <a:spcAft>
+                              <a:spcPts val="0"/>
+                            </a:spcAft>
+                            <a:buClrTx/>
+                            <a:buSzTx/>
+                            <a:buFont typeface="Arial" panose="020B0604020202020204" pitchFamily="34" charset="0"/>
+                            <a:buChar char="•"/>
+                            <a:tabLst/>
+                            <a:defRPr/>
+                          </a:pPr>
+                          <a14:m>
+                            <m:oMath xmlns:m="http://schemas.openxmlformats.org/officeDocument/2006/math">
+                              <m:sSub>
+                                <m:sSubPr>
+                                  <m:ctrlPr>
+                                    <a:rPr lang="en-US" b="0" i="1" smtClean="0">
+                                      <a:latin typeface="Cambria Math" panose="02040503050406030204" pitchFamily="18" charset="0"/>
+                                    </a:rPr>
+                                  </m:ctrlPr>
+                                </m:sSubPr>
+                                <m:e>
+                                  <m:r>
+                                    <a:rPr lang="en-US" b="0" i="1" smtClean="0">
+                                      <a:latin typeface="Cambria Math" panose="02040503050406030204" pitchFamily="18" charset="0"/>
+                                    </a:rPr>
+                                    <m:t>𝑆</m:t>
+                                  </m:r>
+                                </m:e>
+                                <m:sub>
+                                  <m:r>
+                                    <a:rPr lang="en-US" b="0" i="1" smtClean="0">
+                                      <a:latin typeface="Cambria Math" panose="02040503050406030204" pitchFamily="18" charset="0"/>
+                                    </a:rPr>
+                                    <m:t>𝑡</m:t>
+                                  </m:r>
+                                  <m:r>
+                                    <a:rPr lang="en-US" b="0" i="1" smtClean="0">
+                                      <a:latin typeface="Cambria Math" panose="02040503050406030204" pitchFamily="18" charset="0"/>
+                                    </a:rPr>
+                                    <m:t>+1</m:t>
+                                  </m:r>
+                                </m:sub>
+                              </m:sSub>
+                              <m:r>
+                                <a:rPr lang="en-US" b="0" i="1" dirty="0" smtClean="0">
+                                  <a:latin typeface="Cambria Math" panose="02040503050406030204" pitchFamily="18" charset="0"/>
+                                </a:rPr>
+                                <m:t>=</m:t>
+                              </m:r>
+                              <m:r>
+                                <a:rPr lang="en-US" b="0" i="1" dirty="0" smtClean="0">
+                                  <a:latin typeface="Cambria Math" panose="02040503050406030204" pitchFamily="18" charset="0"/>
+                                  <a:ea typeface="Cambria Math" panose="02040503050406030204" pitchFamily="18" charset="0"/>
+                                </a:rPr>
+                                <m:t>𝛾</m:t>
+                              </m:r>
+                              <m:r>
+                                <a:rPr lang="en-US" b="0" i="1" dirty="0" smtClean="0">
+                                  <a:latin typeface="Cambria Math" panose="02040503050406030204" pitchFamily="18" charset="0"/>
+                                  <a:ea typeface="Cambria Math" panose="02040503050406030204" pitchFamily="18" charset="0"/>
+                                </a:rPr>
+                                <m:t>∗</m:t>
+                              </m:r>
+                              <m:sSub>
+                                <m:sSubPr>
+                                  <m:ctrlPr>
+                                    <a:rPr lang="en-US" b="0" i="1" dirty="0" err="1" smtClean="0">
+                                      <a:latin typeface="Cambria Math" panose="02040503050406030204" pitchFamily="18" charset="0"/>
+                                    </a:rPr>
+                                  </m:ctrlPr>
+                                </m:sSubPr>
+                                <m:e>
+                                  <m:r>
+                                    <a:rPr lang="en-US" b="0" i="1" dirty="0" smtClean="0">
+                                      <a:latin typeface="Cambria Math" panose="02040503050406030204" pitchFamily="18" charset="0"/>
+                                    </a:rPr>
+                                    <m:t>𝑆</m:t>
+                                  </m:r>
+                                </m:e>
+                                <m:sub>
+                                  <m:r>
+                                    <a:rPr lang="en-US" b="0" i="1" dirty="0" err="1" smtClean="0">
+                                      <a:latin typeface="Cambria Math" panose="02040503050406030204" pitchFamily="18" charset="0"/>
+                                    </a:rPr>
+                                    <m:t>𝑡</m:t>
+                                  </m:r>
+                                </m:sub>
+                              </m:sSub>
+                              <m:r>
+                                <a:rPr lang="en-US" b="0" i="1" dirty="0" smtClean="0">
+                                  <a:latin typeface="Cambria Math" panose="02040503050406030204" pitchFamily="18" charset="0"/>
+                                </a:rPr>
+                                <m:t>+(1−</m:t>
+                              </m:r>
+                              <m:r>
+                                <a:rPr lang="en-US" b="0" i="1" dirty="0" smtClean="0">
+                                  <a:latin typeface="Cambria Math" panose="02040503050406030204" pitchFamily="18" charset="0"/>
+                                  <a:ea typeface="Cambria Math" panose="02040503050406030204" pitchFamily="18" charset="0"/>
+                                </a:rPr>
+                                <m:t>𝛾</m:t>
+                              </m:r>
+                              <m:r>
+                                <a:rPr lang="en-US" b="0" i="1" dirty="0" smtClean="0">
+                                  <a:latin typeface="Cambria Math" panose="02040503050406030204" pitchFamily="18" charset="0"/>
+                                  <a:ea typeface="Cambria Math" panose="02040503050406030204" pitchFamily="18" charset="0"/>
+                                </a:rPr>
+                                <m:t>)∗</m:t>
+                              </m:r>
+                              <m:sSup>
+                                <m:sSupPr>
+                                  <m:ctrlPr>
+                                    <a:rPr lang="en-US" b="0" i="1" dirty="0" smtClean="0">
+                                      <a:latin typeface="Cambria Math" panose="02040503050406030204" pitchFamily="18" charset="0"/>
+                                      <a:ea typeface="Cambria Math" panose="02040503050406030204" pitchFamily="18" charset="0"/>
+                                    </a:rPr>
+                                  </m:ctrlPr>
+                                </m:sSupPr>
+                                <m:e>
+                                  <m:r>
+                                    <a:rPr lang="en-US" b="0" i="1" dirty="0" smtClean="0">
+                                      <a:latin typeface="Cambria Math" panose="02040503050406030204" pitchFamily="18" charset="0"/>
+                                    </a:rPr>
+                                    <m:t>𝑑𝑊</m:t>
+                                  </m:r>
+                                </m:e>
+                                <m:sup>
+                                  <m:r>
+                                    <a:rPr lang="en-US" b="0" i="1" dirty="0" smtClean="0">
+                                      <a:latin typeface="Cambria Math" panose="02040503050406030204" pitchFamily="18" charset="0"/>
+                                      <a:ea typeface="Cambria Math" panose="02040503050406030204" pitchFamily="18" charset="0"/>
+                                    </a:rPr>
+                                    <m:t>2</m:t>
+                                  </m:r>
+                                </m:sup>
+                              </m:sSup>
+                            </m:oMath>
+                          </a14:m>
+                          <a:endParaRPr lang="en-US" dirty="0"/>
+                        </a:p>
+                        <a:p>
+                          <a:pPr marL="285750" marR="0" lvl="0" indent="-285750" algn="dist" defTabSz="914400" rtl="0" eaLnBrk="1" fontAlgn="auto" latinLnBrk="0" hangingPunct="1">
+                            <a:lnSpc>
+                              <a:spcPct val="100000"/>
+                            </a:lnSpc>
+                            <a:spcBef>
+                              <a:spcPts val="0"/>
+                            </a:spcBef>
+                            <a:spcAft>
+                              <a:spcPts val="0"/>
+                            </a:spcAft>
+                            <a:buClrTx/>
+                            <a:buSzTx/>
+                            <a:buFont typeface="Arial" panose="020B0604020202020204" pitchFamily="34" charset="0"/>
+                            <a:buChar char="•"/>
+                            <a:tabLst/>
+                            <a:defRPr/>
+                          </a:pPr>
+                          <a14:m>
+                            <m:oMath xmlns:m="http://schemas.openxmlformats.org/officeDocument/2006/math">
+                              <m:sSub>
+                                <m:sSubPr>
+                                  <m:ctrlPr>
+                                    <a:rPr lang="en-US" b="0" i="1" smtClean="0">
+                                      <a:latin typeface="Cambria Math" panose="02040503050406030204" pitchFamily="18" charset="0"/>
+                                    </a:rPr>
+                                  </m:ctrlPr>
+                                </m:sSubPr>
+                                <m:e>
+                                  <m:r>
+                                    <a:rPr lang="en-US" b="0" i="1" smtClean="0">
+                                      <a:latin typeface="Cambria Math" panose="02040503050406030204" pitchFamily="18" charset="0"/>
+                                    </a:rPr>
+                                    <m:t>𝑊</m:t>
+                                  </m:r>
+                                </m:e>
+                                <m:sub>
+                                  <m:r>
+                                    <a:rPr lang="en-US" b="0" i="1" smtClean="0">
+                                      <a:latin typeface="Cambria Math" panose="02040503050406030204" pitchFamily="18" charset="0"/>
+                                    </a:rPr>
+                                    <m:t>𝑡</m:t>
+                                  </m:r>
+                                  <m:r>
+                                    <a:rPr lang="en-US" b="0" i="1" smtClean="0">
+                                      <a:latin typeface="Cambria Math" panose="02040503050406030204" pitchFamily="18" charset="0"/>
+                                    </a:rPr>
+                                    <m:t>+1</m:t>
+                                  </m:r>
+                                </m:sub>
+                              </m:sSub>
+                              <m:r>
+                                <a:rPr lang="en-US" b="0" i="1" smtClean="0">
+                                  <a:latin typeface="Cambria Math" panose="02040503050406030204" pitchFamily="18" charset="0"/>
+                                </a:rPr>
+                                <m:t>=</m:t>
+                              </m:r>
+                              <m:sSub>
+                                <m:sSubPr>
+                                  <m:ctrlPr>
+                                    <a:rPr lang="en-US" b="0" i="1" smtClean="0">
+                                      <a:latin typeface="Cambria Math" panose="02040503050406030204" pitchFamily="18" charset="0"/>
+                                    </a:rPr>
+                                  </m:ctrlPr>
+                                </m:sSubPr>
+                                <m:e>
+                                  <m:r>
+                                    <a:rPr lang="en-US" b="0" i="1" smtClean="0">
+                                      <a:latin typeface="Cambria Math" panose="02040503050406030204" pitchFamily="18" charset="0"/>
+                                    </a:rPr>
+                                    <m:t>𝑊</m:t>
+                                  </m:r>
+                                </m:e>
+                                <m:sub>
+                                  <m:r>
+                                    <a:rPr lang="en-US" b="0" i="1" smtClean="0">
+                                      <a:latin typeface="Cambria Math" panose="02040503050406030204" pitchFamily="18" charset="0"/>
+                                    </a:rPr>
+                                    <m:t>𝑡</m:t>
+                                  </m:r>
+                                </m:sub>
+                              </m:sSub>
+                              <m:r>
+                                <a:rPr lang="en-US" b="0" i="1" smtClean="0">
+                                  <a:latin typeface="Cambria Math" panose="02040503050406030204" pitchFamily="18" charset="0"/>
+                                </a:rPr>
+                                <m:t>−</m:t>
+                              </m:r>
+                              <m:r>
+                                <a:rPr lang="en-US" b="0" i="1" smtClean="0">
+                                  <a:latin typeface="Cambria Math" panose="02040503050406030204" pitchFamily="18" charset="0"/>
+                                  <a:ea typeface="Cambria Math" panose="02040503050406030204" pitchFamily="18" charset="0"/>
+                                </a:rPr>
+                                <m:t>𝛼</m:t>
+                              </m:r>
+                              <m:r>
+                                <a:rPr lang="en-US" b="0" i="1" smtClean="0">
+                                  <a:latin typeface="Cambria Math" panose="02040503050406030204" pitchFamily="18" charset="0"/>
+                                </a:rPr>
+                                <m:t>∗</m:t>
+                              </m:r>
+                              <m:f>
+                                <m:fPr>
+                                  <m:ctrlPr>
+                                    <a:rPr lang="en-US" b="0" i="1" smtClean="0">
+                                      <a:latin typeface="Cambria Math" panose="02040503050406030204" pitchFamily="18" charset="0"/>
+                                    </a:rPr>
+                                  </m:ctrlPr>
+                                </m:fPr>
+                                <m:num>
+                                  <m:sSub>
+                                    <m:sSubPr>
+                                      <m:ctrlPr>
+                                        <a:rPr lang="en-US" b="0" i="1" smtClean="0">
+                                          <a:latin typeface="Cambria Math" panose="02040503050406030204" pitchFamily="18" charset="0"/>
+                                        </a:rPr>
+                                      </m:ctrlPr>
+                                    </m:sSubPr>
+                                    <m:e>
+                                      <m:r>
+                                        <a:rPr lang="en-US" b="0" i="1" smtClean="0">
+                                          <a:latin typeface="Cambria Math" panose="02040503050406030204" pitchFamily="18" charset="0"/>
+                                        </a:rPr>
+                                        <m:t>𝑉</m:t>
+                                      </m:r>
+                                    </m:e>
+                                    <m:sub>
+                                      <m:r>
+                                        <a:rPr lang="en-US" b="0" i="1" smtClean="0">
+                                          <a:latin typeface="Cambria Math" panose="02040503050406030204" pitchFamily="18" charset="0"/>
+                                        </a:rPr>
+                                        <m:t>𝑡</m:t>
+                                      </m:r>
+                                      <m:r>
+                                        <a:rPr lang="en-US" b="0" i="1" smtClean="0">
+                                          <a:latin typeface="Cambria Math" panose="02040503050406030204" pitchFamily="18" charset="0"/>
+                                        </a:rPr>
+                                        <m:t>+1</m:t>
+                                      </m:r>
+                                    </m:sub>
+                                  </m:sSub>
+                                </m:num>
+                                <m:den>
+                                  <m:rad>
+                                    <m:radPr>
+                                      <m:degHide m:val="on"/>
+                                      <m:ctrlPr>
+                                        <a:rPr lang="en-US" b="0" i="1" smtClean="0">
+                                          <a:latin typeface="Cambria Math" panose="02040503050406030204" pitchFamily="18" charset="0"/>
+                                        </a:rPr>
+                                      </m:ctrlPr>
+                                    </m:radPr>
+                                    <m:deg/>
+                                    <m:e>
+                                      <m:sSub>
+                                        <m:sSubPr>
+                                          <m:ctrlPr>
+                                            <a:rPr lang="en-US" b="0" i="1" smtClean="0">
+                                              <a:latin typeface="Cambria Math" panose="02040503050406030204" pitchFamily="18" charset="0"/>
+                                            </a:rPr>
+                                          </m:ctrlPr>
+                                        </m:sSubPr>
+                                        <m:e>
+                                          <m:r>
+                                            <a:rPr lang="en-US" b="0" i="1" smtClean="0">
+                                              <a:latin typeface="Cambria Math" panose="02040503050406030204" pitchFamily="18" charset="0"/>
+                                            </a:rPr>
+                                            <m:t>𝑆</m:t>
+                                          </m:r>
+                                        </m:e>
+                                        <m:sub>
+                                          <m:r>
+                                            <a:rPr lang="en-US" b="0" i="1" smtClean="0">
+                                              <a:latin typeface="Cambria Math" panose="02040503050406030204" pitchFamily="18" charset="0"/>
+                                            </a:rPr>
+                                            <m:t>𝑡</m:t>
+                                          </m:r>
+                                          <m:r>
+                                            <a:rPr lang="en-US" b="0" i="1" smtClean="0">
+                                              <a:latin typeface="Cambria Math" panose="02040503050406030204" pitchFamily="18" charset="0"/>
+                                            </a:rPr>
+                                            <m:t>+1</m:t>
+                                          </m:r>
+                                        </m:sub>
+                                      </m:sSub>
+                                      <m:r>
+                                        <a:rPr lang="en-US" b="0" i="1" smtClean="0">
+                                          <a:latin typeface="Cambria Math" panose="02040503050406030204" pitchFamily="18" charset="0"/>
+                                        </a:rPr>
+                                        <m:t>+</m:t>
+                                      </m:r>
+                                      <m:r>
+                                        <a:rPr lang="en-US" b="0" i="1" smtClean="0">
+                                          <a:latin typeface="Cambria Math" panose="02040503050406030204" pitchFamily="18" charset="0"/>
+                                          <a:ea typeface="Cambria Math" panose="02040503050406030204" pitchFamily="18" charset="0"/>
+                                        </a:rPr>
+                                        <m:t>𝜀</m:t>
+                                      </m:r>
+                                    </m:e>
+                                  </m:rad>
+                                </m:den>
+                              </m:f>
+                            </m:oMath>
+                          </a14:m>
+                          <a:endParaRPr lang="en-US" dirty="0"/>
+                        </a:p>
+                      </a:txBody>
+                      <a:tcPr/>
+                    </a:tc>
+                    <a:tc>
+                      <a:txBody>
+                        <a:bodyPr/>
+                        <a:lstStyle/>
+                        <a:p>
+                          <a:endParaRPr lang="en-US" dirty="0"/>
+                        </a:p>
+                      </a:txBody>
+                      <a:tcPr/>
+                    </a:tc>
+                    <a:extLst>
+                      <a:ext uri="{0D108BD9-81ED-4DB2-BD59-A6C34878D82A}">
+                        <a16:rowId xmlns:a16="http://schemas.microsoft.com/office/drawing/2014/main" val="2333451268"/>
+                      </a:ext>
+                    </a:extLst>
+                  </a:tr>
+                </a:tbl>
+              </a:graphicData>
+            </a:graphic>
+          </p:graphicFrame>
+        </mc:Choice>
+        <mc:Fallback>
+          <p:graphicFrame>
+            <p:nvGraphicFramePr>
+              <p:cNvPr id="6" name="Table 6">
+                <a:extLst>
+                  <a:ext uri="{FF2B5EF4-FFF2-40B4-BE49-F238E27FC236}">
+                    <a16:creationId xmlns:a16="http://schemas.microsoft.com/office/drawing/2014/main" id="{A3CB9A89-6C9B-43FB-9BF1-E465A84F76E7}"/>
+                  </a:ext>
+                </a:extLst>
+              </p:cNvPr>
+              <p:cNvGraphicFramePr>
+                <a:graphicFrameLocks noGrp="1"/>
+              </p:cNvGraphicFramePr>
+              <p:nvPr>
+                <p:extLst>
+                  <p:ext uri="{D42A27DB-BD31-4B8C-83A1-F6EECF244321}">
+                    <p14:modId xmlns:p14="http://schemas.microsoft.com/office/powerpoint/2010/main" val="3393461101"/>
+                  </p:ext>
+                </p:extLst>
+              </p:nvPr>
+            </p:nvGraphicFramePr>
+            <p:xfrm>
+              <a:off x="659295" y="2186606"/>
+              <a:ext cx="10515599" cy="4124555"/>
+            </p:xfrm>
+            <a:graphic>
+              <a:graphicData uri="http://schemas.openxmlformats.org/drawingml/2006/table">
+                <a:tbl>
+                  <a:tblPr firstCol="1" bandRow="1">
+                    <a:tableStyleId>{5C22544A-7EE6-4342-B048-85BDC9FD1C3A}</a:tableStyleId>
+                  </a:tblPr>
+                  <a:tblGrid>
+                    <a:gridCol w="2217183">
+                      <a:extLst>
+                        <a:ext uri="{9D8B030D-6E8A-4147-A177-3AD203B41FA5}">
+                          <a16:colId xmlns:a16="http://schemas.microsoft.com/office/drawing/2014/main" val="3260499319"/>
+                        </a:ext>
+                      </a:extLst>
+                    </a:gridCol>
+                    <a:gridCol w="4650757">
+                      <a:extLst>
+                        <a:ext uri="{9D8B030D-6E8A-4147-A177-3AD203B41FA5}">
+                          <a16:colId xmlns:a16="http://schemas.microsoft.com/office/drawing/2014/main" val="1498540713"/>
+                        </a:ext>
+                      </a:extLst>
+                    </a:gridCol>
+                    <a:gridCol w="3647659">
+                      <a:extLst>
+                        <a:ext uri="{9D8B030D-6E8A-4147-A177-3AD203B41FA5}">
+                          <a16:colId xmlns:a16="http://schemas.microsoft.com/office/drawing/2014/main" val="2916445189"/>
+                        </a:ext>
+                      </a:extLst>
+                    </a:gridCol>
+                  </a:tblGrid>
+                  <a:tr h="951690">
+                    <a:tc>
+                      <a:txBody>
+                        <a:bodyPr/>
+                        <a:lstStyle/>
+                        <a:p>
+                          <a:r>
+                            <a:rPr lang="en-US" dirty="0"/>
+                            <a:t>Optimizer</a:t>
+                          </a:r>
+                        </a:p>
+                      </a:txBody>
+                      <a:tcPr/>
+                    </a:tc>
+                    <a:tc>
+                      <a:txBody>
+                        <a:bodyPr/>
+                        <a:lstStyle/>
+                        <a:p>
+                          <a:r>
+                            <a:rPr lang="en-US" dirty="0"/>
+                            <a:t>Description</a:t>
+                          </a:r>
+                        </a:p>
+                      </a:txBody>
+                      <a:tcPr/>
+                    </a:tc>
+                    <a:tc>
+                      <a:txBody>
+                        <a:bodyPr/>
+                        <a:lstStyle/>
+                        <a:p>
+                          <a:r>
+                            <a:rPr lang="en-US" dirty="0"/>
+                            <a:t>Result</a:t>
+                          </a:r>
+                        </a:p>
+                        <a:p>
+                          <a:pPr marL="285750" indent="-285750">
+                            <a:buFontTx/>
+                            <a:buChar char="-"/>
+                          </a:pPr>
+                          <a:r>
+                            <a:rPr lang="en-US" dirty="0" err="1"/>
+                            <a:t>MenWomanDataset</a:t>
+                          </a:r>
+                          <a:endParaRPr lang="en-US" dirty="0"/>
+                        </a:p>
+                        <a:p>
+                          <a:pPr marL="285750" indent="-285750">
+                            <a:buFontTx/>
+                            <a:buChar char="-"/>
+                          </a:pPr>
+                          <a:r>
+                            <a:rPr lang="en-US" dirty="0"/>
+                            <a:t>Dense121</a:t>
+                          </a:r>
+                        </a:p>
+                      </a:txBody>
+                      <a:tcPr/>
+                    </a:tc>
+                    <a:extLst>
+                      <a:ext uri="{0D108BD9-81ED-4DB2-BD59-A6C34878D82A}">
+                        <a16:rowId xmlns:a16="http://schemas.microsoft.com/office/drawing/2014/main" val="1504969892"/>
+                      </a:ext>
+                    </a:extLst>
+                  </a:tr>
+                  <a:tr h="612069">
+                    <a:tc>
+                      <a:txBody>
+                        <a:bodyPr/>
+                        <a:lstStyle/>
+                        <a:p>
+                          <a:r>
+                            <a:rPr lang="en-US" dirty="0"/>
+                            <a:t>SGD</a:t>
+                          </a:r>
+                        </a:p>
+                      </a:txBody>
+                      <a:tcPr/>
+                    </a:tc>
+                    <a:tc>
+                      <a:txBody>
+                        <a:bodyPr/>
+                        <a:lstStyle/>
+                        <a:p>
+                          <a:endParaRPr lang="en-US"/>
+                        </a:p>
+                      </a:txBody>
+                      <a:tcPr>
+                        <a:blipFill>
+                          <a:blip r:embed="rId2"/>
+                          <a:stretch>
+                            <a:fillRect l="-47837" t="-159406" r="-78768" b="-418812"/>
+                          </a:stretch>
+                        </a:blipFill>
+                      </a:tcPr>
+                    </a:tc>
+                    <a:tc>
+                      <a:txBody>
+                        <a:bodyPr/>
+                        <a:lstStyle/>
+                        <a:p>
+                          <a:endParaRPr lang="en-US" dirty="0"/>
+                        </a:p>
+                      </a:txBody>
+                      <a:tcPr/>
+                    </a:tc>
+                    <a:extLst>
+                      <a:ext uri="{0D108BD9-81ED-4DB2-BD59-A6C34878D82A}">
+                        <a16:rowId xmlns:a16="http://schemas.microsoft.com/office/drawing/2014/main" val="3351530658"/>
+                      </a:ext>
+                    </a:extLst>
+                  </a:tr>
+                  <a:tr h="653256">
+                    <a:tc>
+                      <a:txBody>
+                        <a:bodyPr/>
+                        <a:lstStyle/>
+                        <a:p>
+                          <a:r>
+                            <a:rPr lang="en-US" dirty="0"/>
+                            <a:t>SGD Momentum</a:t>
+                          </a:r>
+                        </a:p>
+                      </a:txBody>
+                      <a:tcPr/>
+                    </a:tc>
+                    <a:tc>
+                      <a:txBody>
+                        <a:bodyPr/>
+                        <a:lstStyle/>
+                        <a:p>
+                          <a:endParaRPr lang="en-US"/>
+                        </a:p>
+                      </a:txBody>
+                      <a:tcPr>
+                        <a:blipFill>
+                          <a:blip r:embed="rId2"/>
+                          <a:stretch>
+                            <a:fillRect l="-47837" t="-244860" r="-78768" b="-295327"/>
+                          </a:stretch>
+                        </a:blipFill>
+                      </a:tcPr>
+                    </a:tc>
+                    <a:tc>
+                      <a:txBody>
+                        <a:bodyPr/>
+                        <a:lstStyle/>
+                        <a:p>
+                          <a:endParaRPr lang="en-US" dirty="0"/>
+                        </a:p>
+                      </a:txBody>
+                      <a:tcPr/>
+                    </a:tc>
+                    <a:extLst>
+                      <a:ext uri="{0D108BD9-81ED-4DB2-BD59-A6C34878D82A}">
+                        <a16:rowId xmlns:a16="http://schemas.microsoft.com/office/drawing/2014/main" val="2401624614"/>
+                      </a:ext>
+                    </a:extLst>
+                  </a:tr>
+                  <a:tr h="819404">
+                    <a:tc>
+                      <a:txBody>
+                        <a:bodyPr/>
+                        <a:lstStyle/>
+                        <a:p>
+                          <a:r>
+                            <a:rPr lang="en-US" dirty="0" err="1"/>
+                            <a:t>RMSProp</a:t>
+                          </a:r>
+                          <a:endParaRPr lang="en-US" dirty="0"/>
+                        </a:p>
+                      </a:txBody>
+                      <a:tcPr/>
+                    </a:tc>
+                    <a:tc>
+                      <a:txBody>
+                        <a:bodyPr/>
+                        <a:lstStyle/>
+                        <a:p>
+                          <a:endParaRPr lang="en-US"/>
+                        </a:p>
+                      </a:txBody>
+                      <a:tcPr>
+                        <a:blipFill>
+                          <a:blip r:embed="rId2"/>
+                          <a:stretch>
+                            <a:fillRect l="-47837" t="-273333" r="-78768" b="-134074"/>
+                          </a:stretch>
+                        </a:blipFill>
+                      </a:tcPr>
+                    </a:tc>
+                    <a:tc>
+                      <a:txBody>
+                        <a:bodyPr/>
+                        <a:lstStyle/>
+                        <a:p>
+                          <a:endParaRPr lang="en-US" dirty="0"/>
+                        </a:p>
+                      </a:txBody>
+                      <a:tcPr/>
+                    </a:tc>
+                    <a:extLst>
+                      <a:ext uri="{0D108BD9-81ED-4DB2-BD59-A6C34878D82A}">
+                        <a16:rowId xmlns:a16="http://schemas.microsoft.com/office/drawing/2014/main" val="2748839980"/>
+                      </a:ext>
+                    </a:extLst>
+                  </a:tr>
+                  <a:tr h="1088136">
+                    <a:tc>
+                      <a:txBody>
+                        <a:bodyPr/>
+                        <a:lstStyle/>
+                        <a:p>
+                          <a:r>
+                            <a:rPr lang="en-US" dirty="0"/>
+                            <a:t>Adam</a:t>
+                          </a:r>
+                        </a:p>
+                      </a:txBody>
+                      <a:tcPr/>
+                    </a:tc>
+                    <a:tc>
+                      <a:txBody>
+                        <a:bodyPr/>
+                        <a:lstStyle/>
+                        <a:p>
+                          <a:endParaRPr lang="en-US"/>
+                        </a:p>
+                      </a:txBody>
+                      <a:tcPr>
+                        <a:blipFill>
+                          <a:blip r:embed="rId2"/>
+                          <a:stretch>
+                            <a:fillRect l="-47837" t="-281564" r="-78768" b="-1117"/>
+                          </a:stretch>
+                        </a:blipFill>
+                      </a:tcPr>
+                    </a:tc>
+                    <a:tc>
+                      <a:txBody>
+                        <a:bodyPr/>
+                        <a:lstStyle/>
+                        <a:p>
+                          <a:endParaRPr lang="en-US" dirty="0"/>
+                        </a:p>
+                      </a:txBody>
+                      <a:tcPr/>
+                    </a:tc>
+                    <a:extLst>
+                      <a:ext uri="{0D108BD9-81ED-4DB2-BD59-A6C34878D82A}">
+                        <a16:rowId xmlns:a16="http://schemas.microsoft.com/office/drawing/2014/main" val="2333451268"/>
+                      </a:ext>
+                    </a:extLst>
+                  </a:tr>
+                </a:tbl>
+              </a:graphicData>
+            </a:graphic>
+          </p:graphicFrame>
+        </mc:Fallback>
+      </mc:AlternateContent>
     </p:spTree>
     <p:extLst>
       <p:ext uri="{BB962C8B-B14F-4D97-AF65-F5344CB8AC3E}">
@@ -7506,21 +9322,6 @@
 </file>
 
 <file path=customXml/item1.xml><?xml version="1.0" encoding="utf-8"?>
-<?mso-contentType ?>
-<FormTemplates xmlns="http://schemas.microsoft.com/sharepoint/v3/contenttype/forms">
-  <Display>DocumentLibraryForm</Display>
-  <Edit>DocumentLibraryForm</Edit>
-  <New>DocumentLibraryForm</New>
-</FormTemplates>
-</file>
-
-<file path=customXml/item2.xml><?xml version="1.0" encoding="utf-8"?>
-<p:properties xmlns:p="http://schemas.microsoft.com/office/2006/metadata/properties" xmlns:xsi="http://www.w3.org/2001/XMLSchema-instance" xmlns:pc="http://schemas.microsoft.com/office/infopath/2007/PartnerControls">
-  <documentManagement/>
-</p:properties>
-</file>
-
-<file path=customXml/item3.xml><?xml version="1.0" encoding="utf-8"?>
 <ct:contentTypeSchema xmlns:ct="http://schemas.microsoft.com/office/2006/metadata/contentType" xmlns:ma="http://schemas.microsoft.com/office/2006/metadata/properties/metaAttributes" ct:_="" ma:_="" ma:contentTypeName="Document" ma:contentTypeID="0x010100CC9BB778C3ED994E9CF1DEB6485FADD8" ma:contentTypeVersion="13" ma:contentTypeDescription="Create a new document." ma:contentTypeScope="" ma:versionID="23a755765a2e15a7a45c4ef215dd2561">
   <xsd:schema xmlns:xsd="http://www.w3.org/2001/XMLSchema" xmlns:xs="http://www.w3.org/2001/XMLSchema" xmlns:p="http://schemas.microsoft.com/office/2006/metadata/properties" xmlns:ns3="f6771b06-986a-45d1-8bbc-0c4ebdddf3cc" xmlns:ns4="4437091e-0f9d-4737-ae57-4b535994870f" targetNamespace="http://schemas.microsoft.com/office/2006/metadata/properties" ma:root="true" ma:fieldsID="e14b1f6b541e2fe00d8243a17e866edb" ns3:_="" ns4:_="">
     <xsd:import namespace="f6771b06-986a-45d1-8bbc-0c4ebdddf3cc"/>
@@ -7743,10 +9544,36 @@
 </ct:contentTypeSchema>
 </file>
 
+<file path=customXml/item2.xml><?xml version="1.0" encoding="utf-8"?>
+<p:properties xmlns:p="http://schemas.microsoft.com/office/2006/metadata/properties" xmlns:xsi="http://www.w3.org/2001/XMLSchema-instance" xmlns:pc="http://schemas.microsoft.com/office/infopath/2007/PartnerControls">
+  <documentManagement/>
+</p:properties>
+</file>
+
+<file path=customXml/item3.xml><?xml version="1.0" encoding="utf-8"?>
+<?mso-contentType ?>
+<FormTemplates xmlns="http://schemas.microsoft.com/sharepoint/v3/contenttype/forms">
+  <Display>DocumentLibraryForm</Display>
+  <Edit>DocumentLibraryForm</Edit>
+  <New>DocumentLibraryForm</New>
+</FormTemplates>
+</file>
+
 <file path=customXml/itemProps1.xml><?xml version="1.0" encoding="utf-8"?>
-<ds:datastoreItem xmlns:ds="http://schemas.openxmlformats.org/officeDocument/2006/customXml" ds:itemID="{B1C738DB-F8D5-400E-A5D8-1494CFB71B4A}">
+<ds:datastoreItem xmlns:ds="http://schemas.openxmlformats.org/officeDocument/2006/customXml" ds:itemID="{65DF6A79-0FFB-46A7-8D75-DBA9A890873F}">
   <ds:schemaRefs>
-    <ds:schemaRef ds:uri="http://schemas.microsoft.com/sharepoint/v3/contenttype/forms"/>
+    <ds:schemaRef ds:uri="http://schemas.microsoft.com/office/2006/metadata/contentType"/>
+    <ds:schemaRef ds:uri="http://schemas.microsoft.com/office/2006/metadata/properties/metaAttributes"/>
+    <ds:schemaRef ds:uri="http://www.w3.org/2001/XMLSchema"/>
+    <ds:schemaRef ds:uri="http://schemas.microsoft.com/office/2006/metadata/properties"/>
+    <ds:schemaRef ds:uri="f6771b06-986a-45d1-8bbc-0c4ebdddf3cc"/>
+    <ds:schemaRef ds:uri="4437091e-0f9d-4737-ae57-4b535994870f"/>
+    <ds:schemaRef ds:uri="http://schemas.microsoft.com/office/2006/documentManagement/types"/>
+    <ds:schemaRef ds:uri="http://schemas.microsoft.com/office/infopath/2007/PartnerControls"/>
+    <ds:schemaRef ds:uri="http://schemas.openxmlformats.org/package/2006/metadata/core-properties"/>
+    <ds:schemaRef ds:uri="http://purl.org/dc/elements/1.1/"/>
+    <ds:schemaRef ds:uri="http://purl.org/dc/terms/"/>
+    <ds:schemaRef ds:uri="http://schemas.microsoft.com/internal/obd"/>
   </ds:schemaRefs>
 </ds:datastoreItem>
 </file>
@@ -7769,20 +9596,9 @@
 </file>
 
 <file path=customXml/itemProps3.xml><?xml version="1.0" encoding="utf-8"?>
-<ds:datastoreItem xmlns:ds="http://schemas.openxmlformats.org/officeDocument/2006/customXml" ds:itemID="{65DF6A79-0FFB-46A7-8D75-DBA9A890873F}">
+<ds:datastoreItem xmlns:ds="http://schemas.openxmlformats.org/officeDocument/2006/customXml" ds:itemID="{B1C738DB-F8D5-400E-A5D8-1494CFB71B4A}">
   <ds:schemaRefs>
-    <ds:schemaRef ds:uri="http://schemas.microsoft.com/office/2006/metadata/contentType"/>
-    <ds:schemaRef ds:uri="http://schemas.microsoft.com/office/2006/metadata/properties/metaAttributes"/>
-    <ds:schemaRef ds:uri="http://www.w3.org/2001/XMLSchema"/>
-    <ds:schemaRef ds:uri="http://schemas.microsoft.com/office/2006/metadata/properties"/>
-    <ds:schemaRef ds:uri="f6771b06-986a-45d1-8bbc-0c4ebdddf3cc"/>
-    <ds:schemaRef ds:uri="4437091e-0f9d-4737-ae57-4b535994870f"/>
-    <ds:schemaRef ds:uri="http://schemas.microsoft.com/office/2006/documentManagement/types"/>
-    <ds:schemaRef ds:uri="http://schemas.microsoft.com/office/infopath/2007/PartnerControls"/>
-    <ds:schemaRef ds:uri="http://schemas.openxmlformats.org/package/2006/metadata/core-properties"/>
-    <ds:schemaRef ds:uri="http://purl.org/dc/elements/1.1/"/>
-    <ds:schemaRef ds:uri="http://purl.org/dc/terms/"/>
-    <ds:schemaRef ds:uri="http://schemas.microsoft.com/internal/obd"/>
+    <ds:schemaRef ds:uri="http://schemas.microsoft.com/sharepoint/v3/contenttype/forms"/>
   </ds:schemaRefs>
 </ds:datastoreItem>
 </file>
--- a/mid_term/mid_term.pptx
+++ b/mid_term/mid_term.pptx
@@ -5,18 +5,24 @@
     <p:sldMasterId id="2147483648" r:id="rId4"/>
   </p:sldMasterIdLst>
   <p:notesMasterIdLst>
-    <p:notesMasterId r:id="rId14"/>
+    <p:notesMasterId r:id="rId20"/>
   </p:notesMasterIdLst>
   <p:sldIdLst>
     <p:sldId id="256" r:id="rId5"/>
     <p:sldId id="257" r:id="rId6"/>
     <p:sldId id="259" r:id="rId7"/>
     <p:sldId id="263" r:id="rId8"/>
-    <p:sldId id="266" r:id="rId9"/>
-    <p:sldId id="261" r:id="rId10"/>
-    <p:sldId id="262" r:id="rId11"/>
-    <p:sldId id="264" r:id="rId12"/>
-    <p:sldId id="265" r:id="rId13"/>
+    <p:sldId id="267" r:id="rId9"/>
+    <p:sldId id="266" r:id="rId10"/>
+    <p:sldId id="261" r:id="rId11"/>
+    <p:sldId id="271" r:id="rId12"/>
+    <p:sldId id="272" r:id="rId13"/>
+    <p:sldId id="275" r:id="rId14"/>
+    <p:sldId id="262" r:id="rId15"/>
+    <p:sldId id="273" r:id="rId16"/>
+    <p:sldId id="264" r:id="rId17"/>
+    <p:sldId id="269" r:id="rId18"/>
+    <p:sldId id="277" r:id="rId19"/>
   </p:sldIdLst>
   <p:sldSz cx="12192000" cy="6858000"/>
   <p:notesSz cx="6858000" cy="9144000"/>
@@ -205,7 +211,7 @@
           <a:p>
             <a:fld id="{7A0339F4-D5E1-4040-BE44-F79A45E1785F}" type="datetimeFigureOut">
               <a:rPr lang="en-AU" smtClean="0"/>
-              <a:t>23/02/2021</a:t>
+              <a:t>24/02/2021</a:t>
             </a:fld>
             <a:endParaRPr lang="en-AU"/>
           </a:p>
@@ -507,7 +513,7 @@
           <a:p>
             <a:fld id="{DF8BEA47-A580-4C57-9357-8816B33422CD}" type="datetime1">
               <a:rPr lang="en-AU" smtClean="0"/>
-              <a:t>23/02/2021</a:t>
+              <a:t>24/02/2021</a:t>
             </a:fld>
             <a:endParaRPr lang="en-AU"/>
           </a:p>
@@ -975,7 +981,7 @@
           <a:p>
             <a:fld id="{8F6B76D1-50F8-47E8-82F7-C2CE95E07DA4}" type="datetime1">
               <a:rPr lang="en-AU" smtClean="0"/>
-              <a:t>23/02/2021</a:t>
+              <a:t>24/02/2021</a:t>
             </a:fld>
             <a:endParaRPr lang="en-AU"/>
           </a:p>
@@ -1235,7 +1241,7 @@
           <a:p>
             <a:fld id="{3B22A50C-D5E8-4C27-9226-2EF83F9CFEA4}" type="datetime1">
               <a:rPr lang="en-AU" smtClean="0"/>
-              <a:t>23/02/2021</a:t>
+              <a:t>24/02/2021</a:t>
             </a:fld>
             <a:endParaRPr lang="en-AU"/>
           </a:p>
@@ -1334,7 +1340,7 @@
           <a:p>
             <a:fld id="{94AA41C5-75B3-4713-BCF2-0B206D818701}" type="datetime1">
               <a:rPr lang="en-AU" smtClean="0"/>
-              <a:t>23/02/2021</a:t>
+              <a:t>24/02/2021</a:t>
             </a:fld>
             <a:endParaRPr lang="en-AU"/>
           </a:p>
@@ -1700,7 +1706,7 @@
           <a:p>
             <a:fld id="{B9FF62A3-BE55-482B-85D0-BE1BA1FF8614}" type="datetime1">
               <a:rPr lang="en-AU" smtClean="0"/>
-              <a:t>23/02/2021</a:t>
+              <a:t>24/02/2021</a:t>
             </a:fld>
             <a:endParaRPr lang="en-AU"/>
           </a:p>
@@ -1822,7 +1828,7 @@
           <a:p>
             <a:fld id="{47ED8A6B-39E1-4A77-9A59-E83F7B313A42}" type="datetime1">
               <a:rPr lang="en-AU" smtClean="0"/>
-              <a:t>23/02/2021</a:t>
+              <a:t>24/02/2021</a:t>
             </a:fld>
             <a:endParaRPr lang="en-AU"/>
           </a:p>
@@ -2380,7 +2386,7 @@
           <a:p>
             <a:fld id="{39362F8A-2C01-46C7-BE7F-82945AC89E07}" type="datetime1">
               <a:rPr lang="en-AU" smtClean="0"/>
-              <a:t>23/02/2021</a:t>
+              <a:t>24/02/2021</a:t>
             </a:fld>
             <a:endParaRPr lang="en-AU"/>
           </a:p>
@@ -2624,7 +2630,7 @@
           <a:p>
             <a:fld id="{0ADFC286-7923-438C-A035-80075811B15D}" type="datetime1">
               <a:rPr lang="en-AU" smtClean="0"/>
-              <a:t>23/02/2021</a:t>
+              <a:t>24/02/2021</a:t>
             </a:fld>
             <a:endParaRPr lang="en-AU"/>
           </a:p>
@@ -2998,7 +3004,7 @@
           <a:p>
             <a:fld id="{EABE809E-782A-49BA-B60E-94A76A75CFB8}" type="datetime1">
               <a:rPr lang="en-AU" smtClean="0"/>
-              <a:t>23/02/2021</a:t>
+              <a:t>24/02/2021</a:t>
             </a:fld>
             <a:endParaRPr lang="en-AU"/>
           </a:p>
@@ -3128,7 +3134,7 @@
           <a:p>
             <a:fld id="{073669BC-CC2F-42F8-8B5C-2F02C552A8EE}" type="datetime1">
               <a:rPr lang="en-AU" smtClean="0"/>
-              <a:t>23/02/2021</a:t>
+              <a:t>24/02/2021</a:t>
             </a:fld>
             <a:endParaRPr lang="en-AU"/>
           </a:p>
@@ -3227,7 +3233,7 @@
           <a:p>
             <a:fld id="{CD0F2E40-F34B-477A-A300-5EE15F6219B3}" type="datetime1">
               <a:rPr lang="en-AU" smtClean="0"/>
-              <a:t>23/02/2021</a:t>
+              <a:t>24/02/2021</a:t>
             </a:fld>
             <a:endParaRPr lang="en-AU"/>
           </a:p>
@@ -3411,7 +3417,7 @@
           <a:p>
             <a:fld id="{43FDF7FE-EC28-4E28-ABA7-1ECFC5736BCC}" type="datetime1">
               <a:rPr lang="en-AU" smtClean="0"/>
-              <a:t>23/02/2021</a:t>
+              <a:t>24/02/2021</a:t>
             </a:fld>
             <a:endParaRPr lang="en-AU"/>
           </a:p>
@@ -4014,6 +4020,4377 @@
 </p:sld>
 </file>
 
+<file path=ppt/slides/slide10.xml><?xml version="1.0" encoding="utf-8"?>
+<p:sld xmlns:a="http://schemas.openxmlformats.org/drawingml/2006/main" xmlns:r="http://schemas.openxmlformats.org/officeDocument/2006/relationships" xmlns:p="http://schemas.openxmlformats.org/presentationml/2006/main">
+  <p:cSld>
+    <p:spTree>
+      <p:nvGrpSpPr>
+        <p:cNvPr id="1" name=""/>
+        <p:cNvGrpSpPr/>
+        <p:nvPr/>
+      </p:nvGrpSpPr>
+      <p:grpSpPr>
+        <a:xfrm>
+          <a:off x="0" y="0"/>
+          <a:ext cx="0" cy="0"/>
+          <a:chOff x="0" y="0"/>
+          <a:chExt cx="0" cy="0"/>
+        </a:xfrm>
+      </p:grpSpPr>
+      <p:sp>
+        <p:nvSpPr>
+          <p:cNvPr id="2" name="Title 1">
+            <a:extLst>
+              <a:ext uri="{FF2B5EF4-FFF2-40B4-BE49-F238E27FC236}">
+                <a16:creationId xmlns:a16="http://schemas.microsoft.com/office/drawing/2014/main" id="{68A8E0B3-4EB6-472D-8E42-063DB692BE5A}"/>
+              </a:ext>
+            </a:extLst>
+          </p:cNvPr>
+          <p:cNvSpPr>
+            <a:spLocks noGrp="1"/>
+          </p:cNvSpPr>
+          <p:nvPr>
+            <p:ph type="title"/>
+          </p:nvPr>
+        </p:nvSpPr>
+        <p:spPr/>
+        <p:txBody>
+          <a:bodyPr/>
+          <a:lstStyle/>
+          <a:p>
+            <a:r>
+              <a:rPr lang="vi-VN" dirty="0"/>
+              <a:t>Classification problem</a:t>
+            </a:r>
+            <a:endParaRPr lang="en-US" dirty="0"/>
+          </a:p>
+        </p:txBody>
+      </p:sp>
+      <p:sp>
+        <p:nvSpPr>
+          <p:cNvPr id="3" name="Content Placeholder 2">
+            <a:extLst>
+              <a:ext uri="{FF2B5EF4-FFF2-40B4-BE49-F238E27FC236}">
+                <a16:creationId xmlns:a16="http://schemas.microsoft.com/office/drawing/2014/main" id="{AA6234FD-62E4-495D-8273-3FF712D363E6}"/>
+              </a:ext>
+            </a:extLst>
+          </p:cNvPr>
+          <p:cNvSpPr>
+            <a:spLocks noGrp="1"/>
+          </p:cNvSpPr>
+          <p:nvPr>
+            <p:ph idx="1"/>
+          </p:nvPr>
+        </p:nvSpPr>
+        <p:spPr/>
+        <p:txBody>
+          <a:bodyPr>
+            <a:normAutofit fontScale="92500" lnSpcReduction="20000"/>
+          </a:bodyPr>
+          <a:lstStyle/>
+          <a:p>
+            <a:pPr marL="0" indent="0">
+              <a:lnSpc>
+                <a:spcPct val="160000"/>
+              </a:lnSpc>
+              <a:buNone/>
+            </a:pPr>
+            <a:r>
+              <a:rPr lang="en-US" dirty="0"/>
+              <a:t>Pneumothorax Dataset - Imbalance data</a:t>
+            </a:r>
+          </a:p>
+          <a:p>
+            <a:pPr marL="0" lvl="0">
+              <a:lnSpc>
+                <a:spcPct val="160000"/>
+              </a:lnSpc>
+              <a:spcBef>
+                <a:spcPts val="0"/>
+              </a:spcBef>
+              <a:buNone/>
+              <a:defRPr/>
+            </a:pPr>
+            <a:r>
+              <a:rPr lang="en-US" dirty="0"/>
+              <a:t>- Training: 10672 images</a:t>
+            </a:r>
+          </a:p>
+          <a:p>
+            <a:pPr marL="457200" lvl="1">
+              <a:lnSpc>
+                <a:spcPct val="160000"/>
+              </a:lnSpc>
+              <a:spcBef>
+                <a:spcPts val="0"/>
+              </a:spcBef>
+              <a:buNone/>
+              <a:defRPr/>
+            </a:pPr>
+            <a:r>
+              <a:rPr lang="en-US" dirty="0"/>
+              <a:t>- 2379 positive</a:t>
+            </a:r>
+          </a:p>
+          <a:p>
+            <a:pPr marL="571500" lvl="1" indent="-342900">
+              <a:lnSpc>
+                <a:spcPct val="160000"/>
+              </a:lnSpc>
+              <a:spcBef>
+                <a:spcPts val="0"/>
+              </a:spcBef>
+              <a:buFontTx/>
+              <a:buChar char="-"/>
+              <a:defRPr/>
+            </a:pPr>
+            <a:r>
+              <a:rPr lang="en-US" dirty="0"/>
+              <a:t>8296 negative</a:t>
+            </a:r>
+          </a:p>
+          <a:p>
+            <a:pPr marL="114300" indent="-342900">
+              <a:lnSpc>
+                <a:spcPct val="160000"/>
+              </a:lnSpc>
+              <a:spcBef>
+                <a:spcPts val="0"/>
+              </a:spcBef>
+              <a:buFontTx/>
+              <a:buChar char="-"/>
+              <a:defRPr/>
+            </a:pPr>
+            <a:r>
+              <a:rPr lang="en-US" dirty="0"/>
+              <a:t>Testing: 1372 images</a:t>
+            </a:r>
+          </a:p>
+          <a:p>
+            <a:pPr marL="457200" lvl="1">
+              <a:lnSpc>
+                <a:spcPct val="160000"/>
+              </a:lnSpc>
+              <a:spcBef>
+                <a:spcPts val="0"/>
+              </a:spcBef>
+              <a:buNone/>
+              <a:defRPr/>
+            </a:pPr>
+            <a:r>
+              <a:rPr lang="en-US" dirty="0"/>
+              <a:t>- 290 positive</a:t>
+            </a:r>
+          </a:p>
+          <a:p>
+            <a:pPr marL="457200" lvl="1">
+              <a:lnSpc>
+                <a:spcPct val="160000"/>
+              </a:lnSpc>
+              <a:spcBef>
+                <a:spcPts val="0"/>
+              </a:spcBef>
+              <a:buNone/>
+              <a:defRPr/>
+            </a:pPr>
+            <a:r>
+              <a:rPr lang="en-US" dirty="0"/>
+              <a:t>- 1082 negative</a:t>
+            </a:r>
+          </a:p>
+          <a:p>
+            <a:pPr>
+              <a:lnSpc>
+                <a:spcPct val="160000"/>
+              </a:lnSpc>
+              <a:buFontTx/>
+              <a:buChar char="-"/>
+            </a:pPr>
+            <a:r>
+              <a:rPr lang="en-US" dirty="0"/>
+              <a:t>Training method:</a:t>
+            </a:r>
+          </a:p>
+          <a:p>
+            <a:pPr lvl="1">
+              <a:lnSpc>
+                <a:spcPct val="160000"/>
+              </a:lnSpc>
+            </a:pPr>
+            <a:r>
+              <a:rPr lang="en-US" dirty="0"/>
+              <a:t>First phases training with small positive rate</a:t>
+            </a:r>
+          </a:p>
+          <a:p>
+            <a:pPr lvl="1">
+              <a:lnSpc>
+                <a:spcPct val="160000"/>
+              </a:lnSpc>
+            </a:pPr>
+            <a:r>
+              <a:rPr lang="en-US" dirty="0"/>
+              <a:t>Next phases training with larger positive rate</a:t>
+            </a:r>
+          </a:p>
+          <a:p>
+            <a:pPr lvl="1">
+              <a:lnSpc>
+                <a:spcPct val="160000"/>
+              </a:lnSpc>
+            </a:pPr>
+            <a:endParaRPr lang="vi-VN" dirty="0"/>
+          </a:p>
+          <a:p>
+            <a:pPr>
+              <a:lnSpc>
+                <a:spcPct val="160000"/>
+              </a:lnSpc>
+              <a:buFontTx/>
+              <a:buChar char="-"/>
+            </a:pPr>
+            <a:endParaRPr lang="en-US" dirty="0"/>
+          </a:p>
+          <a:p>
+            <a:pPr>
+              <a:lnSpc>
+                <a:spcPct val="160000"/>
+              </a:lnSpc>
+              <a:buFontTx/>
+              <a:buChar char="-"/>
+            </a:pPr>
+            <a:endParaRPr lang="vi-VN" dirty="0"/>
+          </a:p>
+          <a:p>
+            <a:pPr marL="0" indent="0">
+              <a:lnSpc>
+                <a:spcPct val="160000"/>
+              </a:lnSpc>
+              <a:buNone/>
+            </a:pPr>
+            <a:endParaRPr lang="vi-VN" dirty="0"/>
+          </a:p>
+          <a:p>
+            <a:pPr lvl="1">
+              <a:lnSpc>
+                <a:spcPct val="160000"/>
+              </a:lnSpc>
+              <a:buFontTx/>
+              <a:buChar char="-"/>
+            </a:pPr>
+            <a:endParaRPr lang="vi-VN" dirty="0"/>
+          </a:p>
+          <a:p>
+            <a:pPr marL="0" indent="0">
+              <a:lnSpc>
+                <a:spcPct val="160000"/>
+              </a:lnSpc>
+              <a:buNone/>
+            </a:pPr>
+            <a:endParaRPr lang="vi-VN" dirty="0"/>
+          </a:p>
+        </p:txBody>
+      </p:sp>
+      <p:sp>
+        <p:nvSpPr>
+          <p:cNvPr id="4" name="Footer Placeholder 3">
+            <a:extLst>
+              <a:ext uri="{FF2B5EF4-FFF2-40B4-BE49-F238E27FC236}">
+                <a16:creationId xmlns:a16="http://schemas.microsoft.com/office/drawing/2014/main" id="{3B26542C-4623-445E-AF92-C0B5043AE483}"/>
+              </a:ext>
+            </a:extLst>
+          </p:cNvPr>
+          <p:cNvSpPr>
+            <a:spLocks noGrp="1"/>
+          </p:cNvSpPr>
+          <p:nvPr>
+            <p:ph type="ftr" sz="quarter" idx="11"/>
+          </p:nvPr>
+        </p:nvSpPr>
+        <p:spPr/>
+        <p:txBody>
+          <a:bodyPr/>
+          <a:lstStyle/>
+          <a:p>
+            <a:r>
+              <a:rPr lang="en-US"/>
+              <a:t>Copyright©2020  VinBrain-Vingroup. All rights reserved.</a:t>
+            </a:r>
+            <a:endParaRPr lang="en-AU"/>
+          </a:p>
+        </p:txBody>
+      </p:sp>
+      <p:pic>
+        <p:nvPicPr>
+          <p:cNvPr id="7" name="Picture 6">
+            <a:extLst>
+              <a:ext uri="{FF2B5EF4-FFF2-40B4-BE49-F238E27FC236}">
+                <a16:creationId xmlns:a16="http://schemas.microsoft.com/office/drawing/2014/main" id="{9A875AFB-D4C5-4B87-939A-EF0CDFE2184D}"/>
+              </a:ext>
+            </a:extLst>
+          </p:cNvPr>
+          <p:cNvPicPr>
+            <a:picLocks noChangeAspect="1"/>
+          </p:cNvPicPr>
+          <p:nvPr/>
+        </p:nvPicPr>
+        <p:blipFill>
+          <a:blip r:embed="rId2">
+            <a:extLst>
+              <a:ext uri="{28A0092B-C50C-407E-A947-70E740481C1C}">
+                <a14:useLocalDpi xmlns:a14="http://schemas.microsoft.com/office/drawing/2010/main" val="0"/>
+              </a:ext>
+            </a:extLst>
+          </a:blip>
+          <a:stretch>
+            <a:fillRect/>
+          </a:stretch>
+        </p:blipFill>
+        <p:spPr>
+          <a:xfrm>
+            <a:off x="9858511" y="1749582"/>
+            <a:ext cx="2400887" cy="2400887"/>
+          </a:xfrm>
+          <a:prstGeom prst="rect">
+            <a:avLst/>
+          </a:prstGeom>
+        </p:spPr>
+      </p:pic>
+      <p:pic>
+        <p:nvPicPr>
+          <p:cNvPr id="8" name="Picture 7">
+            <a:extLst>
+              <a:ext uri="{FF2B5EF4-FFF2-40B4-BE49-F238E27FC236}">
+                <a16:creationId xmlns:a16="http://schemas.microsoft.com/office/drawing/2014/main" id="{34D4DEB2-1D20-4418-BF16-6C59ACD9A583}"/>
+              </a:ext>
+            </a:extLst>
+          </p:cNvPr>
+          <p:cNvPicPr>
+            <a:picLocks noChangeAspect="1"/>
+          </p:cNvPicPr>
+          <p:nvPr/>
+        </p:nvPicPr>
+        <p:blipFill>
+          <a:blip r:embed="rId3">
+            <a:extLst>
+              <a:ext uri="{28A0092B-C50C-407E-A947-70E740481C1C}">
+                <a14:useLocalDpi xmlns:a14="http://schemas.microsoft.com/office/drawing/2010/main" val="0"/>
+              </a:ext>
+            </a:extLst>
+          </a:blip>
+          <a:stretch>
+            <a:fillRect/>
+          </a:stretch>
+        </p:blipFill>
+        <p:spPr>
+          <a:xfrm>
+            <a:off x="7282394" y="1749582"/>
+            <a:ext cx="2400887" cy="2400887"/>
+          </a:xfrm>
+          <a:prstGeom prst="rect">
+            <a:avLst/>
+          </a:prstGeom>
+        </p:spPr>
+      </p:pic>
+      <p:pic>
+        <p:nvPicPr>
+          <p:cNvPr id="10" name="Picture 9">
+            <a:extLst>
+              <a:ext uri="{FF2B5EF4-FFF2-40B4-BE49-F238E27FC236}">
+                <a16:creationId xmlns:a16="http://schemas.microsoft.com/office/drawing/2014/main" id="{606A5259-B918-4821-AF11-3F683D69ABFD}"/>
+              </a:ext>
+            </a:extLst>
+          </p:cNvPr>
+          <p:cNvPicPr>
+            <a:picLocks noChangeAspect="1"/>
+          </p:cNvPicPr>
+          <p:nvPr/>
+        </p:nvPicPr>
+        <p:blipFill>
+          <a:blip r:embed="rId4">
+            <a:extLst>
+              <a:ext uri="{28A0092B-C50C-407E-A947-70E740481C1C}">
+                <a14:useLocalDpi xmlns:a14="http://schemas.microsoft.com/office/drawing/2010/main" val="0"/>
+              </a:ext>
+            </a:extLst>
+          </a:blip>
+          <a:stretch>
+            <a:fillRect/>
+          </a:stretch>
+        </p:blipFill>
+        <p:spPr>
+          <a:xfrm>
+            <a:off x="9851136" y="4328683"/>
+            <a:ext cx="2340864" cy="2340864"/>
+          </a:xfrm>
+          <a:prstGeom prst="rect">
+            <a:avLst/>
+          </a:prstGeom>
+        </p:spPr>
+      </p:pic>
+      <p:pic>
+        <p:nvPicPr>
+          <p:cNvPr id="12" name="Picture 11">
+            <a:extLst>
+              <a:ext uri="{FF2B5EF4-FFF2-40B4-BE49-F238E27FC236}">
+                <a16:creationId xmlns:a16="http://schemas.microsoft.com/office/drawing/2014/main" id="{11488550-AB4C-41CA-A754-4ED330251C4F}"/>
+              </a:ext>
+            </a:extLst>
+          </p:cNvPr>
+          <p:cNvPicPr>
+            <a:picLocks noChangeAspect="1"/>
+          </p:cNvPicPr>
+          <p:nvPr/>
+        </p:nvPicPr>
+        <p:blipFill>
+          <a:blip r:embed="rId5">
+            <a:extLst>
+              <a:ext uri="{28A0092B-C50C-407E-A947-70E740481C1C}">
+                <a14:useLocalDpi xmlns:a14="http://schemas.microsoft.com/office/drawing/2010/main" val="0"/>
+              </a:ext>
+            </a:extLst>
+          </a:blip>
+          <a:stretch>
+            <a:fillRect/>
+          </a:stretch>
+        </p:blipFill>
+        <p:spPr>
+          <a:xfrm>
+            <a:off x="7282394" y="4416078"/>
+            <a:ext cx="2340864" cy="2340864"/>
+          </a:xfrm>
+          <a:prstGeom prst="rect">
+            <a:avLst/>
+          </a:prstGeom>
+        </p:spPr>
+      </p:pic>
+    </p:spTree>
+    <p:extLst>
+      <p:ext uri="{BB962C8B-B14F-4D97-AF65-F5344CB8AC3E}">
+        <p14:creationId xmlns:p14="http://schemas.microsoft.com/office/powerpoint/2010/main" val="223693617"/>
+      </p:ext>
+    </p:extLst>
+  </p:cSld>
+  <p:clrMapOvr>
+    <a:masterClrMapping/>
+  </p:clrMapOvr>
+</p:sld>
+</file>
+
+<file path=ppt/slides/slide11.xml><?xml version="1.0" encoding="utf-8"?>
+<p:sld xmlns:a="http://schemas.openxmlformats.org/drawingml/2006/main" xmlns:r="http://schemas.openxmlformats.org/officeDocument/2006/relationships" xmlns:p="http://schemas.openxmlformats.org/presentationml/2006/main">
+  <p:cSld>
+    <p:spTree>
+      <p:nvGrpSpPr>
+        <p:cNvPr id="1" name=""/>
+        <p:cNvGrpSpPr/>
+        <p:nvPr/>
+      </p:nvGrpSpPr>
+      <p:grpSpPr>
+        <a:xfrm>
+          <a:off x="0" y="0"/>
+          <a:ext cx="0" cy="0"/>
+          <a:chOff x="0" y="0"/>
+          <a:chExt cx="0" cy="0"/>
+        </a:xfrm>
+      </p:grpSpPr>
+      <p:sp>
+        <p:nvSpPr>
+          <p:cNvPr id="2" name="Title 1">
+            <a:extLst>
+              <a:ext uri="{FF2B5EF4-FFF2-40B4-BE49-F238E27FC236}">
+                <a16:creationId xmlns:a16="http://schemas.microsoft.com/office/drawing/2014/main" id="{DDF789BF-FED4-4DEC-B318-9D244E602799}"/>
+              </a:ext>
+            </a:extLst>
+          </p:cNvPr>
+          <p:cNvSpPr>
+            <a:spLocks noGrp="1"/>
+          </p:cNvSpPr>
+          <p:nvPr>
+            <p:ph type="title"/>
+          </p:nvPr>
+        </p:nvSpPr>
+        <p:spPr/>
+        <p:txBody>
+          <a:bodyPr/>
+          <a:lstStyle/>
+          <a:p>
+            <a:r>
+              <a:rPr lang="vi-VN" dirty="0"/>
+              <a:t>Segmentation problem</a:t>
+            </a:r>
+            <a:endParaRPr lang="en-US" dirty="0"/>
+          </a:p>
+        </p:txBody>
+      </p:sp>
+      <p:sp>
+        <p:nvSpPr>
+          <p:cNvPr id="3" name="Content Placeholder 2">
+            <a:extLst>
+              <a:ext uri="{FF2B5EF4-FFF2-40B4-BE49-F238E27FC236}">
+                <a16:creationId xmlns:a16="http://schemas.microsoft.com/office/drawing/2014/main" id="{0E136A1A-BAEE-4F9F-8398-73997E5295B4}"/>
+              </a:ext>
+            </a:extLst>
+          </p:cNvPr>
+          <p:cNvSpPr>
+            <a:spLocks noGrp="1"/>
+          </p:cNvSpPr>
+          <p:nvPr>
+            <p:ph idx="1"/>
+          </p:nvPr>
+        </p:nvSpPr>
+        <p:spPr/>
+        <p:txBody>
+          <a:bodyPr/>
+          <a:lstStyle/>
+          <a:p>
+            <a:pPr marL="0" indent="0">
+              <a:buNone/>
+            </a:pPr>
+            <a:r>
+              <a:rPr lang="en-US" dirty="0"/>
+              <a:t>Loss function:</a:t>
+            </a:r>
+          </a:p>
+          <a:p>
+            <a:pPr marL="0" indent="0">
+              <a:buNone/>
+            </a:pPr>
+            <a:endParaRPr lang="en-US" dirty="0"/>
+          </a:p>
+        </p:txBody>
+      </p:sp>
+      <p:sp>
+        <p:nvSpPr>
+          <p:cNvPr id="4" name="Footer Placeholder 3">
+            <a:extLst>
+              <a:ext uri="{FF2B5EF4-FFF2-40B4-BE49-F238E27FC236}">
+                <a16:creationId xmlns:a16="http://schemas.microsoft.com/office/drawing/2014/main" id="{2B0C34DB-DE1A-4582-B96E-1BC98DBDC3E5}"/>
+              </a:ext>
+            </a:extLst>
+          </p:cNvPr>
+          <p:cNvSpPr>
+            <a:spLocks noGrp="1"/>
+          </p:cNvSpPr>
+          <p:nvPr>
+            <p:ph type="ftr" sz="quarter" idx="11"/>
+          </p:nvPr>
+        </p:nvSpPr>
+        <p:spPr/>
+        <p:txBody>
+          <a:bodyPr/>
+          <a:lstStyle/>
+          <a:p>
+            <a:r>
+              <a:rPr lang="en-US"/>
+              <a:t>Copyright©2020  VinBrain-Vingroup. All rights reserved.</a:t>
+            </a:r>
+            <a:endParaRPr lang="en-AU"/>
+          </a:p>
+        </p:txBody>
+      </p:sp>
+      <mc:AlternateContent xmlns:mc="http://schemas.openxmlformats.org/markup-compatibility/2006">
+        <mc:Choice xmlns:a14="http://schemas.microsoft.com/office/drawing/2010/main" Requires="a14">
+          <p:graphicFrame>
+            <p:nvGraphicFramePr>
+              <p:cNvPr id="5" name="Table 6">
+                <a:extLst>
+                  <a:ext uri="{FF2B5EF4-FFF2-40B4-BE49-F238E27FC236}">
+                    <a16:creationId xmlns:a16="http://schemas.microsoft.com/office/drawing/2014/main" id="{BD34C04D-E145-4C62-8968-DE38AEA4A8A7}"/>
+                  </a:ext>
+                </a:extLst>
+              </p:cNvPr>
+              <p:cNvGraphicFramePr>
+                <a:graphicFrameLocks noGrp="1"/>
+              </p:cNvGraphicFramePr>
+              <p:nvPr>
+                <p:extLst>
+                  <p:ext uri="{D42A27DB-BD31-4B8C-83A1-F6EECF244321}">
+                    <p14:modId xmlns:p14="http://schemas.microsoft.com/office/powerpoint/2010/main" val="2710711036"/>
+                  </p:ext>
+                </p:extLst>
+              </p:nvPr>
+            </p:nvGraphicFramePr>
+            <p:xfrm>
+              <a:off x="442291" y="1992274"/>
+              <a:ext cx="11511170" cy="4043248"/>
+            </p:xfrm>
+            <a:graphic>
+              <a:graphicData uri="http://schemas.openxmlformats.org/drawingml/2006/table">
+                <a:tbl>
+                  <a:tblPr bandRow="1">
+                    <a:tableStyleId>{5C22544A-7EE6-4342-B048-85BDC9FD1C3A}</a:tableStyleId>
+                  </a:tblPr>
+                  <a:tblGrid>
+                    <a:gridCol w="2700341">
+                      <a:extLst>
+                        <a:ext uri="{9D8B030D-6E8A-4147-A177-3AD203B41FA5}">
+                          <a16:colId xmlns:a16="http://schemas.microsoft.com/office/drawing/2014/main" val="3416681741"/>
+                        </a:ext>
+                      </a:extLst>
+                    </a:gridCol>
+                    <a:gridCol w="1522133">
+                      <a:extLst>
+                        <a:ext uri="{9D8B030D-6E8A-4147-A177-3AD203B41FA5}">
+                          <a16:colId xmlns:a16="http://schemas.microsoft.com/office/drawing/2014/main" val="3260499319"/>
+                        </a:ext>
+                      </a:extLst>
+                    </a:gridCol>
+                    <a:gridCol w="4009128">
+                      <a:extLst>
+                        <a:ext uri="{9D8B030D-6E8A-4147-A177-3AD203B41FA5}">
+                          <a16:colId xmlns:a16="http://schemas.microsoft.com/office/drawing/2014/main" val="1498540713"/>
+                        </a:ext>
+                      </a:extLst>
+                    </a:gridCol>
+                    <a:gridCol w="1553574">
+                      <a:extLst>
+                        <a:ext uri="{9D8B030D-6E8A-4147-A177-3AD203B41FA5}">
+                          <a16:colId xmlns:a16="http://schemas.microsoft.com/office/drawing/2014/main" val="2916445189"/>
+                        </a:ext>
+                      </a:extLst>
+                    </a:gridCol>
+                    <a:gridCol w="1725994">
+                      <a:extLst>
+                        <a:ext uri="{9D8B030D-6E8A-4147-A177-3AD203B41FA5}">
+                          <a16:colId xmlns:a16="http://schemas.microsoft.com/office/drawing/2014/main" val="2948990329"/>
+                        </a:ext>
+                      </a:extLst>
+                    </a:gridCol>
+                  </a:tblGrid>
+                  <a:tr h="630461">
+                    <a:tc rowSpan="4">
+                      <a:txBody>
+                        <a:bodyPr/>
+                        <a:lstStyle/>
+                        <a:p>
+                          <a:r>
+                            <a:rPr lang="en-US" b="1" dirty="0"/>
+                            <a:t>Config:</a:t>
+                          </a:r>
+                        </a:p>
+                        <a:p>
+                          <a:pPr marL="285750" indent="-285750">
+                            <a:lnSpc>
+                              <a:spcPct val="150000"/>
+                            </a:lnSpc>
+                            <a:buFontTx/>
+                            <a:buChar char="-"/>
+                          </a:pPr>
+                          <a:r>
+                            <a:rPr lang="en-US" dirty="0"/>
+                            <a:t>Adam optimizer</a:t>
+                          </a:r>
+                        </a:p>
+                        <a:p>
+                          <a:pPr marL="285750" indent="-285750">
+                            <a:lnSpc>
+                              <a:spcPct val="150000"/>
+                            </a:lnSpc>
+                            <a:buFontTx/>
+                            <a:buChar char="-"/>
+                          </a:pPr>
+                          <a:r>
+                            <a:rPr lang="en-US" dirty="0"/>
+                            <a:t>EfficientnetB0</a:t>
+                          </a:r>
+                        </a:p>
+                        <a:p>
+                          <a:pPr marL="285750" indent="-285750">
+                            <a:lnSpc>
+                              <a:spcPct val="150000"/>
+                            </a:lnSpc>
+                            <a:buFontTx/>
+                            <a:buChar char="-"/>
+                          </a:pPr>
+                          <a:r>
+                            <a:rPr lang="en-US" dirty="0"/>
+                            <a:t>ReduceLROnPlateau-1e-4</a:t>
+                          </a:r>
+                        </a:p>
+                      </a:txBody>
+                      <a:tcPr/>
+                    </a:tc>
+                    <a:tc>
+                      <a:txBody>
+                        <a:bodyPr/>
+                        <a:lstStyle/>
+                        <a:p>
+                          <a:r>
+                            <a:rPr lang="en-US" b="1" dirty="0"/>
+                            <a:t>Loss Function</a:t>
+                          </a:r>
+                        </a:p>
+                      </a:txBody>
+                      <a:tcPr/>
+                    </a:tc>
+                    <a:tc>
+                      <a:txBody>
+                        <a:bodyPr/>
+                        <a:lstStyle/>
+                        <a:p>
+                          <a:r>
+                            <a:rPr lang="en-US" b="1" dirty="0"/>
+                            <a:t>Formula (binary segmentation)</a:t>
+                          </a:r>
+                        </a:p>
+                      </a:txBody>
+                      <a:tcPr/>
+                    </a:tc>
+                    <a:tc>
+                      <a:txBody>
+                        <a:bodyPr/>
+                        <a:lstStyle/>
+                        <a:p>
+                          <a:pPr marL="0" marR="0" lvl="0" indent="0" algn="l" defTabSz="914400" rtl="0" eaLnBrk="1" fontAlgn="auto" latinLnBrk="0" hangingPunct="1">
+                            <a:lnSpc>
+                              <a:spcPct val="100000"/>
+                            </a:lnSpc>
+                            <a:spcBef>
+                              <a:spcPts val="0"/>
+                            </a:spcBef>
+                            <a:spcAft>
+                              <a:spcPts val="0"/>
+                            </a:spcAft>
+                            <a:buClrTx/>
+                            <a:buSzTx/>
+                            <a:buFontTx/>
+                            <a:buNone/>
+                            <a:tabLst/>
+                            <a:defRPr/>
+                          </a:pPr>
+                          <a:r>
+                            <a:rPr lang="en-US" b="1" dirty="0" err="1"/>
+                            <a:t>BrainTumor</a:t>
+                          </a:r>
+                          <a:r>
+                            <a:rPr lang="en-US" b="1" dirty="0"/>
+                            <a:t> Dataset:</a:t>
+                          </a:r>
+                        </a:p>
+                        <a:p>
+                          <a:endParaRPr lang="en-US" b="1" dirty="0"/>
+                        </a:p>
+                      </a:txBody>
+                      <a:tcPr/>
+                    </a:tc>
+                    <a:tc>
+                      <a:txBody>
+                        <a:bodyPr/>
+                        <a:lstStyle/>
+                        <a:p>
+                          <a:pPr marL="0" marR="0" lvl="0" indent="0" algn="l" defTabSz="914400" rtl="0" eaLnBrk="1" fontAlgn="auto" latinLnBrk="0" hangingPunct="1">
+                            <a:lnSpc>
+                              <a:spcPct val="100000"/>
+                            </a:lnSpc>
+                            <a:spcBef>
+                              <a:spcPts val="0"/>
+                            </a:spcBef>
+                            <a:spcAft>
+                              <a:spcPts val="0"/>
+                            </a:spcAft>
+                            <a:buClrTx/>
+                            <a:buSzTx/>
+                            <a:buFontTx/>
+                            <a:buNone/>
+                            <a:tabLst/>
+                            <a:defRPr/>
+                          </a:pPr>
+                          <a:r>
+                            <a:rPr lang="en-US" b="1" dirty="0"/>
+                            <a:t>Pneumothorax Dataset</a:t>
+                          </a:r>
+                        </a:p>
+                        <a:p>
+                          <a:endParaRPr lang="en-US" b="1" dirty="0"/>
+                        </a:p>
+                      </a:txBody>
+                      <a:tcPr/>
+                    </a:tc>
+                    <a:extLst>
+                      <a:ext uri="{0D108BD9-81ED-4DB2-BD59-A6C34878D82A}">
+                        <a16:rowId xmlns:a16="http://schemas.microsoft.com/office/drawing/2014/main" val="1504969892"/>
+                      </a:ext>
+                    </a:extLst>
+                  </a:tr>
+                  <a:tr h="1379318">
+                    <a:tc vMerge="1">
+                      <a:txBody>
+                        <a:bodyPr/>
+                        <a:lstStyle/>
+                        <a:p>
+                          <a:endParaRPr lang="en-US" dirty="0"/>
+                        </a:p>
+                      </a:txBody>
+                      <a:tcPr/>
+                    </a:tc>
+                    <a:tc>
+                      <a:txBody>
+                        <a:bodyPr/>
+                        <a:lstStyle/>
+                        <a:p>
+                          <a:r>
+                            <a:rPr lang="en-US" dirty="0" err="1"/>
+                            <a:t>CrossEntropy</a:t>
+                          </a:r>
+                          <a:endParaRPr lang="en-US" dirty="0"/>
+                        </a:p>
+                      </a:txBody>
+                      <a:tcPr/>
+                    </a:tc>
+                    <a:tc>
+                      <a:txBody>
+                        <a:bodyPr/>
+                        <a:lstStyle/>
+                        <a:p>
+                          <a:pPr marL="0" indent="0">
+                            <a:lnSpc>
+                              <a:spcPct val="150000"/>
+                            </a:lnSpc>
+                            <a:buFont typeface="Arial" panose="020B0604020202020204" pitchFamily="34" charset="0"/>
+                            <a:buNone/>
+                          </a:pPr>
+                          <a14:m>
+                            <m:oMathPara xmlns:m="http://schemas.openxmlformats.org/officeDocument/2006/math">
+                              <m:oMathParaPr>
+                                <m:jc m:val="centerGroup"/>
+                              </m:oMathParaPr>
+                              <m:oMath xmlns:m="http://schemas.openxmlformats.org/officeDocument/2006/math">
+                                <m:sSub>
+                                  <m:sSubPr>
+                                    <m:ctrlPr>
+                                      <a:rPr lang="en-US" i="1" smtClean="0">
+                                        <a:latin typeface="Cambria Math" panose="02040503050406030204" pitchFamily="18" charset="0"/>
+                                      </a:rPr>
+                                    </m:ctrlPr>
+                                  </m:sSubPr>
+                                  <m:e>
+                                    <m:r>
+                                      <a:rPr lang="en-US" b="0" i="1" smtClean="0">
+                                        <a:latin typeface="Cambria Math" panose="02040503050406030204" pitchFamily="18" charset="0"/>
+                                      </a:rPr>
+                                      <m:t>𝑝</m:t>
+                                    </m:r>
+                                  </m:e>
+                                  <m:sub>
+                                    <m:r>
+                                      <a:rPr lang="en-US" b="0" i="1" smtClean="0">
+                                        <a:latin typeface="Cambria Math" panose="02040503050406030204" pitchFamily="18" charset="0"/>
+                                      </a:rPr>
+                                      <m:t>𝑡</m:t>
+                                    </m:r>
+                                  </m:sub>
+                                </m:sSub>
+                                <m:r>
+                                  <a:rPr lang="en-US" b="0" i="1" smtClean="0">
+                                    <a:latin typeface="Cambria Math" panose="02040503050406030204" pitchFamily="18" charset="0"/>
+                                  </a:rPr>
+                                  <m:t>=</m:t>
+                                </m:r>
+                                <m:d>
+                                  <m:dPr>
+                                    <m:begChr m:val="{"/>
+                                    <m:endChr m:val=""/>
+                                    <m:ctrlPr>
+                                      <a:rPr lang="en-US" b="0" i="1" smtClean="0">
+                                        <a:latin typeface="Cambria Math" panose="02040503050406030204" pitchFamily="18" charset="0"/>
+                                      </a:rPr>
+                                    </m:ctrlPr>
+                                  </m:dPr>
+                                  <m:e>
+                                    <m:eqArr>
+                                      <m:eqArrPr>
+                                        <m:ctrlPr>
+                                          <a:rPr lang="en-US" b="0" i="1" smtClean="0">
+                                            <a:latin typeface="Cambria Math" panose="02040503050406030204" pitchFamily="18" charset="0"/>
+                                          </a:rPr>
+                                        </m:ctrlPr>
+                                      </m:eqArrPr>
+                                      <m:e>
+                                        <m:r>
+                                          <a:rPr lang="en-US" b="0" i="1" smtClean="0">
+                                            <a:latin typeface="Cambria Math" panose="02040503050406030204" pitchFamily="18" charset="0"/>
+                                          </a:rPr>
+                                          <m:t>𝑝</m:t>
+                                        </m:r>
+                                        <m:r>
+                                          <a:rPr lang="en-US" b="0" i="1" smtClean="0">
+                                            <a:latin typeface="Cambria Math" panose="02040503050406030204" pitchFamily="18" charset="0"/>
+                                          </a:rPr>
+                                          <m:t> </m:t>
+                                        </m:r>
+                                        <m:r>
+                                          <a:rPr lang="en-US" b="0" i="1" smtClean="0">
+                                            <a:latin typeface="Cambria Math" panose="02040503050406030204" pitchFamily="18" charset="0"/>
+                                          </a:rPr>
+                                          <m:t>𝑖𝑓</m:t>
+                                        </m:r>
+                                        <m:r>
+                                          <a:rPr lang="en-US" b="0" i="1" smtClean="0">
+                                            <a:latin typeface="Cambria Math" panose="02040503050406030204" pitchFamily="18" charset="0"/>
+                                          </a:rPr>
+                                          <m:t> </m:t>
+                                        </m:r>
+                                        <m:r>
+                                          <a:rPr lang="en-US" b="0" i="1" smtClean="0">
+                                            <a:latin typeface="Cambria Math" panose="02040503050406030204" pitchFamily="18" charset="0"/>
+                                          </a:rPr>
+                                          <m:t>𝑦</m:t>
+                                        </m:r>
+                                        <m:r>
+                                          <a:rPr lang="en-US" b="0" i="1" smtClean="0">
+                                            <a:latin typeface="Cambria Math" panose="02040503050406030204" pitchFamily="18" charset="0"/>
+                                          </a:rPr>
+                                          <m:t>=1</m:t>
+                                        </m:r>
+                                      </m:e>
+                                      <m:e>
+                                        <m:r>
+                                          <a:rPr lang="en-US" b="0" i="1" smtClean="0">
+                                            <a:latin typeface="Cambria Math" panose="02040503050406030204" pitchFamily="18" charset="0"/>
+                                          </a:rPr>
+                                          <m:t>1−</m:t>
+                                        </m:r>
+                                        <m:r>
+                                          <a:rPr lang="en-US" b="0" i="1" smtClean="0">
+                                            <a:latin typeface="Cambria Math" panose="02040503050406030204" pitchFamily="18" charset="0"/>
+                                          </a:rPr>
+                                          <m:t>𝑝</m:t>
+                                        </m:r>
+                                        <m:r>
+                                          <a:rPr lang="en-US" b="0" i="1" smtClean="0">
+                                            <a:latin typeface="Cambria Math" panose="02040503050406030204" pitchFamily="18" charset="0"/>
+                                          </a:rPr>
+                                          <m:t> </m:t>
+                                        </m:r>
+                                        <m:r>
+                                          <a:rPr lang="en-US" b="0" i="1" smtClean="0">
+                                            <a:latin typeface="Cambria Math" panose="02040503050406030204" pitchFamily="18" charset="0"/>
+                                          </a:rPr>
+                                          <m:t>𝑜𝑡h𝑒𝑟𝑤𝑖𝑠𝑒</m:t>
+                                        </m:r>
+                                      </m:e>
+                                    </m:eqArr>
+                                  </m:e>
+                                </m:d>
+                              </m:oMath>
+                            </m:oMathPara>
+                          </a14:m>
+                          <a:endParaRPr lang="en-US" dirty="0"/>
+                        </a:p>
+                        <a:p>
+                          <a:pPr marL="0" indent="0" algn="ctr">
+                            <a:lnSpc>
+                              <a:spcPct val="150000"/>
+                            </a:lnSpc>
+                            <a:buFont typeface="Arial" panose="020B0604020202020204" pitchFamily="34" charset="0"/>
+                            <a:buNone/>
+                          </a:pPr>
+                          <a14:m>
+                            <m:oMath xmlns:m="http://schemas.openxmlformats.org/officeDocument/2006/math">
+                              <m:r>
+                                <a:rPr lang="en-US" b="0" i="1" smtClean="0">
+                                  <a:latin typeface="Cambria Math" panose="02040503050406030204" pitchFamily="18" charset="0"/>
+                                </a:rPr>
+                                <m:t>𝐶𝐸</m:t>
+                              </m:r>
+                              <m:d>
+                                <m:dPr>
+                                  <m:ctrlPr>
+                                    <a:rPr lang="en-US" b="0" i="1" smtClean="0">
+                                      <a:latin typeface="Cambria Math" panose="02040503050406030204" pitchFamily="18" charset="0"/>
+                                    </a:rPr>
+                                  </m:ctrlPr>
+                                </m:dPr>
+                                <m:e>
+                                  <m:r>
+                                    <a:rPr lang="en-US" b="0" i="1" smtClean="0">
+                                      <a:latin typeface="Cambria Math" panose="02040503050406030204" pitchFamily="18" charset="0"/>
+                                    </a:rPr>
+                                    <m:t>𝑝</m:t>
+                                  </m:r>
+                                  <m:r>
+                                    <a:rPr lang="en-US" b="0" i="1" smtClean="0">
+                                      <a:latin typeface="Cambria Math" panose="02040503050406030204" pitchFamily="18" charset="0"/>
+                                    </a:rPr>
+                                    <m:t>, </m:t>
+                                  </m:r>
+                                  <m:r>
+                                    <a:rPr lang="en-US" b="0" i="1" smtClean="0">
+                                      <a:latin typeface="Cambria Math" panose="02040503050406030204" pitchFamily="18" charset="0"/>
+                                    </a:rPr>
+                                    <m:t>𝑦</m:t>
+                                  </m:r>
+                                </m:e>
+                              </m:d>
+                              <m:r>
+                                <a:rPr lang="en-US" b="0" i="1" smtClean="0">
+                                  <a:latin typeface="Cambria Math" panose="02040503050406030204" pitchFamily="18" charset="0"/>
+                                </a:rPr>
+                                <m:t>=</m:t>
+                              </m:r>
+                              <m:r>
+                                <a:rPr lang="en-US" b="0" i="1" smtClean="0">
+                                  <a:latin typeface="Cambria Math" panose="02040503050406030204" pitchFamily="18" charset="0"/>
+                                </a:rPr>
+                                <m:t>𝐶𝐸</m:t>
+                              </m:r>
+                              <m:r>
+                                <a:rPr lang="en-US" b="0" i="1" smtClean="0">
+                                  <a:latin typeface="Cambria Math" panose="02040503050406030204" pitchFamily="18" charset="0"/>
+                                </a:rPr>
+                                <m:t>(</m:t>
+                              </m:r>
+                              <m:sSub>
+                                <m:sSubPr>
+                                  <m:ctrlPr>
+                                    <a:rPr lang="en-US" i="1" smtClean="0">
+                                      <a:latin typeface="Cambria Math" panose="02040503050406030204" pitchFamily="18" charset="0"/>
+                                    </a:rPr>
+                                  </m:ctrlPr>
+                                </m:sSubPr>
+                                <m:e>
+                                  <m:r>
+                                    <a:rPr lang="en-US" b="0" i="1" smtClean="0">
+                                      <a:latin typeface="Cambria Math" panose="02040503050406030204" pitchFamily="18" charset="0"/>
+                                    </a:rPr>
+                                    <m:t>𝑝</m:t>
+                                  </m:r>
+                                </m:e>
+                                <m:sub>
+                                  <m:r>
+                                    <a:rPr lang="en-US" b="0" i="1" smtClean="0">
+                                      <a:latin typeface="Cambria Math" panose="02040503050406030204" pitchFamily="18" charset="0"/>
+                                    </a:rPr>
+                                    <m:t>𝑡</m:t>
+                                  </m:r>
+                                </m:sub>
+                              </m:sSub>
+                            </m:oMath>
+                          </a14:m>
+                          <a:r>
+                            <a:rPr lang="en-US" dirty="0"/>
+                            <a:t>)</a:t>
+                          </a:r>
+                          <a14:m>
+                            <m:oMath xmlns:m="http://schemas.openxmlformats.org/officeDocument/2006/math">
+                              <m:r>
+                                <a:rPr lang="en-US" b="0" i="1" smtClean="0">
+                                  <a:latin typeface="Cambria Math" panose="02040503050406030204" pitchFamily="18" charset="0"/>
+                                </a:rPr>
+                                <m:t>=−</m:t>
+                              </m:r>
+                              <m:r>
+                                <m:rPr>
+                                  <m:sty m:val="p"/>
+                                </m:rPr>
+                                <a:rPr lang="en-US" b="0" i="0" smtClean="0">
+                                  <a:latin typeface="Cambria Math" panose="02040503050406030204" pitchFamily="18" charset="0"/>
+                                </a:rPr>
+                                <m:t>log</m:t>
+                              </m:r>
+                              <m:r>
+                                <a:rPr lang="en-US" b="0" i="1" smtClean="0">
+                                  <a:latin typeface="Cambria Math" panose="02040503050406030204" pitchFamily="18" charset="0"/>
+                                </a:rPr>
+                                <m:t>⁡(</m:t>
+                              </m:r>
+                              <m:sSub>
+                                <m:sSubPr>
+                                  <m:ctrlPr>
+                                    <a:rPr lang="en-US" i="1" smtClean="0">
+                                      <a:latin typeface="Cambria Math" panose="02040503050406030204" pitchFamily="18" charset="0"/>
+                                    </a:rPr>
+                                  </m:ctrlPr>
+                                </m:sSubPr>
+                                <m:e>
+                                  <m:r>
+                                    <a:rPr lang="en-US" b="0" i="1" smtClean="0">
+                                      <a:latin typeface="Cambria Math" panose="02040503050406030204" pitchFamily="18" charset="0"/>
+                                    </a:rPr>
+                                    <m:t>𝑝</m:t>
+                                  </m:r>
+                                </m:e>
+                                <m:sub>
+                                  <m:r>
+                                    <a:rPr lang="en-US" b="0" i="1" smtClean="0">
+                                      <a:latin typeface="Cambria Math" panose="02040503050406030204" pitchFamily="18" charset="0"/>
+                                    </a:rPr>
+                                    <m:t>𝑡</m:t>
+                                  </m:r>
+                                </m:sub>
+                              </m:sSub>
+                            </m:oMath>
+                          </a14:m>
+                          <a:r>
+                            <a:rPr lang="en-US" dirty="0"/>
+                            <a:t>)</a:t>
+                          </a:r>
+                        </a:p>
+                      </a:txBody>
+                      <a:tcPr/>
+                    </a:tc>
+                    <a:tc>
+                      <a:txBody>
+                        <a:bodyPr/>
+                        <a:lstStyle/>
+                        <a:p>
+                          <a:pPr marL="0" marR="0" lvl="0" indent="0" algn="l" defTabSz="914400" rtl="0" eaLnBrk="1" fontAlgn="auto" latinLnBrk="0" hangingPunct="1">
+                            <a:lnSpc>
+                              <a:spcPct val="100000"/>
+                            </a:lnSpc>
+                            <a:spcBef>
+                              <a:spcPts val="0"/>
+                            </a:spcBef>
+                            <a:spcAft>
+                              <a:spcPts val="0"/>
+                            </a:spcAft>
+                            <a:buClrTx/>
+                            <a:buSzTx/>
+                            <a:buFontTx/>
+                            <a:buNone/>
+                            <a:tabLst/>
+                            <a:defRPr/>
+                          </a:pPr>
+                          <a:r>
+                            <a:rPr lang="en-US" dirty="0"/>
+                            <a:t>0.8015</a:t>
+                          </a:r>
+                        </a:p>
+                        <a:p>
+                          <a:endParaRPr lang="en-US" dirty="0"/>
+                        </a:p>
+                      </a:txBody>
+                      <a:tcPr/>
+                    </a:tc>
+                    <a:tc>
+                      <a:txBody>
+                        <a:bodyPr/>
+                        <a:lstStyle/>
+                        <a:p>
+                          <a:endParaRPr lang="en-US" dirty="0"/>
+                        </a:p>
+                      </a:txBody>
+                      <a:tcPr/>
+                    </a:tc>
+                    <a:extLst>
+                      <a:ext uri="{0D108BD9-81ED-4DB2-BD59-A6C34878D82A}">
+                        <a16:rowId xmlns:a16="http://schemas.microsoft.com/office/drawing/2014/main" val="3351530658"/>
+                      </a:ext>
+                    </a:extLst>
+                  </a:tr>
+                  <a:tr h="776073">
+                    <a:tc vMerge="1">
+                      <a:txBody>
+                        <a:bodyPr/>
+                        <a:lstStyle/>
+                        <a:p>
+                          <a:endParaRPr lang="en-US" dirty="0"/>
+                        </a:p>
+                      </a:txBody>
+                      <a:tcPr/>
+                    </a:tc>
+                    <a:tc>
+                      <a:txBody>
+                        <a:bodyPr/>
+                        <a:lstStyle/>
+                        <a:p>
+                          <a:r>
+                            <a:rPr lang="en-US" dirty="0"/>
+                            <a:t>Focal loss</a:t>
+                          </a:r>
+                        </a:p>
+                      </a:txBody>
+                      <a:tcPr/>
+                    </a:tc>
+                    <a:tc>
+                      <a:txBody>
+                        <a:bodyPr/>
+                        <a:lstStyle/>
+                        <a:p>
+                          <a:pPr marL="0" marR="0" lvl="0" indent="0" algn="dist" defTabSz="914400" rtl="0" eaLnBrk="1" fontAlgn="auto" latinLnBrk="0" hangingPunct="1">
+                            <a:lnSpc>
+                              <a:spcPct val="150000"/>
+                            </a:lnSpc>
+                            <a:spcBef>
+                              <a:spcPts val="0"/>
+                            </a:spcBef>
+                            <a:spcAft>
+                              <a:spcPts val="0"/>
+                            </a:spcAft>
+                            <a:buClrTx/>
+                            <a:buSzTx/>
+                            <a:buFont typeface="Arial" panose="020B0604020202020204" pitchFamily="34" charset="0"/>
+                            <a:buNone/>
+                            <a:tabLst/>
+                            <a:defRPr/>
+                          </a:pPr>
+                          <a14:m>
+                            <m:oMathPara xmlns:m="http://schemas.openxmlformats.org/officeDocument/2006/math">
+                              <m:oMathParaPr>
+                                <m:jc m:val="centerGroup"/>
+                              </m:oMathParaPr>
+                              <m:oMath xmlns:m="http://schemas.openxmlformats.org/officeDocument/2006/math">
+                                <m:r>
+                                  <a:rPr lang="en-US" b="0" i="1" smtClean="0">
+                                    <a:latin typeface="Cambria Math" panose="02040503050406030204" pitchFamily="18" charset="0"/>
+                                  </a:rPr>
+                                  <m:t>𝐹𝐿</m:t>
+                                </m:r>
+                                <m:d>
+                                  <m:dPr>
+                                    <m:ctrlPr>
+                                      <a:rPr lang="en-US" b="0" i="1" smtClean="0">
+                                        <a:latin typeface="Cambria Math" panose="02040503050406030204" pitchFamily="18" charset="0"/>
+                                      </a:rPr>
+                                    </m:ctrlPr>
+                                  </m:dPr>
+                                  <m:e>
+                                    <m:sSub>
+                                      <m:sSubPr>
+                                        <m:ctrlPr>
+                                          <a:rPr lang="en-US" i="1" smtClean="0">
+                                            <a:latin typeface="Cambria Math" panose="02040503050406030204" pitchFamily="18" charset="0"/>
+                                          </a:rPr>
+                                        </m:ctrlPr>
+                                      </m:sSubPr>
+                                      <m:e>
+                                        <m:r>
+                                          <a:rPr lang="en-US" b="0" i="1" smtClean="0">
+                                            <a:latin typeface="Cambria Math" panose="02040503050406030204" pitchFamily="18" charset="0"/>
+                                          </a:rPr>
+                                          <m:t>𝑝</m:t>
+                                        </m:r>
+                                      </m:e>
+                                      <m:sub>
+                                        <m:r>
+                                          <a:rPr lang="en-US" b="0" i="1" smtClean="0">
+                                            <a:latin typeface="Cambria Math" panose="02040503050406030204" pitchFamily="18" charset="0"/>
+                                          </a:rPr>
+                                          <m:t>𝑡</m:t>
+                                        </m:r>
+                                      </m:sub>
+                                    </m:sSub>
+                                  </m:e>
+                                </m:d>
+                                <m:r>
+                                  <a:rPr lang="en-US" b="0" i="1" smtClean="0">
+                                    <a:latin typeface="Cambria Math" panose="02040503050406030204" pitchFamily="18" charset="0"/>
+                                  </a:rPr>
+                                  <m:t>=− </m:t>
+                                </m:r>
+                                <m:sSup>
+                                  <m:sSupPr>
+                                    <m:ctrlPr>
+                                      <a:rPr lang="en-US" b="0" i="1" smtClean="0">
+                                        <a:latin typeface="Cambria Math" panose="02040503050406030204" pitchFamily="18" charset="0"/>
+                                      </a:rPr>
+                                    </m:ctrlPr>
+                                  </m:sSupPr>
+                                  <m:e>
+                                    <m:d>
+                                      <m:dPr>
+                                        <m:ctrlPr>
+                                          <a:rPr lang="en-US" b="0" i="1" smtClean="0">
+                                            <a:latin typeface="Cambria Math" panose="02040503050406030204" pitchFamily="18" charset="0"/>
+                                          </a:rPr>
+                                        </m:ctrlPr>
+                                      </m:dPr>
+                                      <m:e>
+                                        <m:sSub>
+                                          <m:sSubPr>
+                                            <m:ctrlPr>
+                                              <a:rPr lang="en-US" i="1" smtClean="0">
+                                                <a:latin typeface="Cambria Math" panose="02040503050406030204" pitchFamily="18" charset="0"/>
+                                              </a:rPr>
+                                            </m:ctrlPr>
+                                          </m:sSubPr>
+                                          <m:e>
+                                            <m:r>
+                                              <a:rPr lang="en-US" b="0" i="1" smtClean="0">
+                                                <a:latin typeface="Cambria Math" panose="02040503050406030204" pitchFamily="18" charset="0"/>
+                                              </a:rPr>
+                                              <m:t>1 − </m:t>
+                                            </m:r>
+                                            <m:r>
+                                              <a:rPr lang="en-US" b="0" i="1" smtClean="0">
+                                                <a:latin typeface="Cambria Math" panose="02040503050406030204" pitchFamily="18" charset="0"/>
+                                              </a:rPr>
+                                              <m:t>𝑝</m:t>
+                                            </m:r>
+                                          </m:e>
+                                          <m:sub>
+                                            <m:r>
+                                              <a:rPr lang="en-US" b="0" i="1" smtClean="0">
+                                                <a:latin typeface="Cambria Math" panose="02040503050406030204" pitchFamily="18" charset="0"/>
+                                              </a:rPr>
+                                              <m:t>𝑡</m:t>
+                                            </m:r>
+                                          </m:sub>
+                                        </m:sSub>
+                                      </m:e>
+                                    </m:d>
+                                  </m:e>
+                                  <m:sup>
+                                    <m:r>
+                                      <a:rPr lang="en-US" b="0" i="1" smtClean="0">
+                                        <a:latin typeface="Cambria Math" panose="02040503050406030204" pitchFamily="18" charset="0"/>
+                                        <a:ea typeface="Cambria Math" panose="02040503050406030204" pitchFamily="18" charset="0"/>
+                                      </a:rPr>
+                                      <m:t>𝛾</m:t>
+                                    </m:r>
+                                  </m:sup>
+                                </m:sSup>
+                                <m:r>
+                                  <m:rPr>
+                                    <m:sty m:val="p"/>
+                                  </m:rPr>
+                                  <a:rPr lang="en-US" b="0" i="0" smtClean="0">
+                                    <a:latin typeface="Cambria Math" panose="02040503050406030204" pitchFamily="18" charset="0"/>
+                                  </a:rPr>
+                                  <m:t>log</m:t>
+                                </m:r>
+                                <m:r>
+                                  <a:rPr lang="en-US" b="0" i="1" smtClean="0">
+                                    <a:latin typeface="Cambria Math" panose="02040503050406030204" pitchFamily="18" charset="0"/>
+                                  </a:rPr>
+                                  <m:t>⁡(</m:t>
+                                </m:r>
+                                <m:sSub>
+                                  <m:sSubPr>
+                                    <m:ctrlPr>
+                                      <a:rPr lang="en-US" i="1" smtClean="0">
+                                        <a:latin typeface="Cambria Math" panose="02040503050406030204" pitchFamily="18" charset="0"/>
+                                      </a:rPr>
+                                    </m:ctrlPr>
+                                  </m:sSubPr>
+                                  <m:e>
+                                    <m:r>
+                                      <a:rPr lang="en-US" b="0" i="1" smtClean="0">
+                                        <a:latin typeface="Cambria Math" panose="02040503050406030204" pitchFamily="18" charset="0"/>
+                                      </a:rPr>
+                                      <m:t>𝑝</m:t>
+                                    </m:r>
+                                  </m:e>
+                                  <m:sub>
+                                    <m:r>
+                                      <a:rPr lang="en-US" b="0" i="1" smtClean="0">
+                                        <a:latin typeface="Cambria Math" panose="02040503050406030204" pitchFamily="18" charset="0"/>
+                                      </a:rPr>
+                                      <m:t>𝑡</m:t>
+                                    </m:r>
+                                  </m:sub>
+                                </m:sSub>
+                                <m:r>
+                                  <a:rPr lang="en-US" b="0" i="1" smtClean="0">
+                                    <a:latin typeface="Cambria Math" panose="02040503050406030204" pitchFamily="18" charset="0"/>
+                                  </a:rPr>
+                                  <m:t>)</m:t>
+                                </m:r>
+                              </m:oMath>
+                            </m:oMathPara>
+                          </a14:m>
+                          <a:endParaRPr lang="en-US" dirty="0"/>
+                        </a:p>
+                      </a:txBody>
+                      <a:tcPr/>
+                    </a:tc>
+                    <a:tc>
+                      <a:txBody>
+                        <a:bodyPr/>
+                        <a:lstStyle/>
+                        <a:p>
+                          <a:pPr marL="0" marR="0" lvl="0" indent="0" algn="l" defTabSz="914400" rtl="0" eaLnBrk="1" fontAlgn="auto" latinLnBrk="0" hangingPunct="1">
+                            <a:lnSpc>
+                              <a:spcPct val="100000"/>
+                            </a:lnSpc>
+                            <a:spcBef>
+                              <a:spcPts val="0"/>
+                            </a:spcBef>
+                            <a:spcAft>
+                              <a:spcPts val="0"/>
+                            </a:spcAft>
+                            <a:buClrTx/>
+                            <a:buSzTx/>
+                            <a:buFontTx/>
+                            <a:buNone/>
+                            <a:tabLst/>
+                            <a:defRPr/>
+                          </a:pPr>
+                          <a:r>
+                            <a:rPr lang="en-US" dirty="0"/>
+                            <a:t>0.7939</a:t>
+                          </a:r>
+                        </a:p>
+                        <a:p>
+                          <a:endParaRPr lang="en-US" dirty="0"/>
+                        </a:p>
+                      </a:txBody>
+                      <a:tcPr/>
+                    </a:tc>
+                    <a:tc>
+                      <a:txBody>
+                        <a:bodyPr/>
+                        <a:lstStyle/>
+                        <a:p>
+                          <a:r>
+                            <a:rPr lang="en-US" dirty="0"/>
+                            <a:t>0.7969</a:t>
+                          </a:r>
+                        </a:p>
+                        <a:p>
+                          <a:endParaRPr lang="en-US" dirty="0"/>
+                        </a:p>
+                      </a:txBody>
+                      <a:tcPr/>
+                    </a:tc>
+                    <a:extLst>
+                      <a:ext uri="{0D108BD9-81ED-4DB2-BD59-A6C34878D82A}">
+                        <a16:rowId xmlns:a16="http://schemas.microsoft.com/office/drawing/2014/main" val="2401624614"/>
+                      </a:ext>
+                    </a:extLst>
+                  </a:tr>
+                  <a:tr h="973457">
+                    <a:tc vMerge="1">
+                      <a:txBody>
+                        <a:bodyPr/>
+                        <a:lstStyle/>
+                        <a:p>
+                          <a:endParaRPr lang="en-US" dirty="0"/>
+                        </a:p>
+                      </a:txBody>
+                      <a:tcPr/>
+                    </a:tc>
+                    <a:tc>
+                      <a:txBody>
+                        <a:bodyPr/>
+                        <a:lstStyle/>
+                        <a:p>
+                          <a:r>
+                            <a:rPr lang="en-US" dirty="0"/>
+                            <a:t>Dice loss</a:t>
+                          </a:r>
+                        </a:p>
+                      </a:txBody>
+                      <a:tcPr/>
+                    </a:tc>
+                    <a:tc>
+                      <a:txBody>
+                        <a:bodyPr/>
+                        <a:lstStyle/>
+                        <a:p>
+                          <a:pPr marL="0" marR="0" lvl="0" indent="0" algn="l" defTabSz="914400" rtl="0" eaLnBrk="1" fontAlgn="auto" latinLnBrk="0" hangingPunct="1">
+                            <a:lnSpc>
+                              <a:spcPct val="150000"/>
+                            </a:lnSpc>
+                            <a:spcBef>
+                              <a:spcPts val="0"/>
+                            </a:spcBef>
+                            <a:spcAft>
+                              <a:spcPts val="0"/>
+                            </a:spcAft>
+                            <a:buClrTx/>
+                            <a:buSzTx/>
+                            <a:buFont typeface="Arial" panose="020B0604020202020204" pitchFamily="34" charset="0"/>
+                            <a:buNone/>
+                            <a:tabLst/>
+                            <a:defRPr/>
+                          </a:pPr>
+                          <a14:m>
+                            <m:oMathPara xmlns:m="http://schemas.openxmlformats.org/officeDocument/2006/math">
+                              <m:oMathParaPr>
+                                <m:jc m:val="centerGroup"/>
+                              </m:oMathParaPr>
+                              <m:oMath xmlns:m="http://schemas.openxmlformats.org/officeDocument/2006/math">
+                                <m:r>
+                                  <a:rPr lang="en-US" b="0" i="1" smtClean="0">
+                                    <a:latin typeface="Cambria Math" panose="02040503050406030204" pitchFamily="18" charset="0"/>
+                                  </a:rPr>
+                                  <m:t>𝐷𝑖𝑐𝑒</m:t>
+                                </m:r>
+                                <m:d>
+                                  <m:dPr>
+                                    <m:ctrlPr>
+                                      <a:rPr lang="en-US" b="0" i="1" smtClean="0">
+                                        <a:latin typeface="Cambria Math" panose="02040503050406030204" pitchFamily="18" charset="0"/>
+                                      </a:rPr>
+                                    </m:ctrlPr>
+                                  </m:dPr>
+                                  <m:e>
+                                    <m:r>
+                                      <a:rPr lang="en-US" b="0" i="1" smtClean="0">
+                                        <a:latin typeface="Cambria Math" panose="02040503050406030204" pitchFamily="18" charset="0"/>
+                                      </a:rPr>
+                                      <m:t>𝑝</m:t>
+                                    </m:r>
+                                    <m:r>
+                                      <a:rPr lang="en-US" b="0" i="1" smtClean="0">
+                                        <a:latin typeface="Cambria Math" panose="02040503050406030204" pitchFamily="18" charset="0"/>
+                                      </a:rPr>
+                                      <m:t>, </m:t>
+                                    </m:r>
+                                    <m:r>
+                                      <a:rPr lang="en-US" b="0" i="1" smtClean="0">
+                                        <a:latin typeface="Cambria Math" panose="02040503050406030204" pitchFamily="18" charset="0"/>
+                                      </a:rPr>
+                                      <m:t>𝑦</m:t>
+                                    </m:r>
+                                  </m:e>
+                                </m:d>
+                                <m:r>
+                                  <a:rPr lang="en-US" b="0" i="1" smtClean="0">
+                                    <a:latin typeface="Cambria Math" panose="02040503050406030204" pitchFamily="18" charset="0"/>
+                                  </a:rPr>
+                                  <m:t>=1 −</m:t>
+                                </m:r>
+                                <m:f>
+                                  <m:fPr>
+                                    <m:ctrlPr>
+                                      <a:rPr lang="en-US" b="0" i="1" smtClean="0">
+                                        <a:latin typeface="Cambria Math" panose="02040503050406030204" pitchFamily="18" charset="0"/>
+                                      </a:rPr>
+                                    </m:ctrlPr>
+                                  </m:fPr>
+                                  <m:num>
+                                    <m:r>
+                                      <a:rPr lang="en-US" b="0" i="1" smtClean="0">
+                                        <a:latin typeface="Cambria Math" panose="02040503050406030204" pitchFamily="18" charset="0"/>
+                                      </a:rPr>
+                                      <m:t>2∗</m:t>
+                                    </m:r>
+                                    <m:r>
+                                      <a:rPr lang="en-US" b="0" i="1" smtClean="0">
+                                        <a:latin typeface="Cambria Math" panose="02040503050406030204" pitchFamily="18" charset="0"/>
+                                      </a:rPr>
+                                      <m:t>𝑝</m:t>
+                                    </m:r>
+                                    <m:r>
+                                      <a:rPr lang="en-US" b="0" i="1" smtClean="0">
+                                        <a:latin typeface="Cambria Math" panose="02040503050406030204" pitchFamily="18" charset="0"/>
+                                      </a:rPr>
+                                      <m:t>∗</m:t>
+                                    </m:r>
+                                    <m:r>
+                                      <a:rPr lang="en-US" b="0" i="1" smtClean="0">
+                                        <a:latin typeface="Cambria Math" panose="02040503050406030204" pitchFamily="18" charset="0"/>
+                                      </a:rPr>
+                                      <m:t>𝑦</m:t>
+                                    </m:r>
+                                  </m:num>
+                                  <m:den>
+                                    <m:d>
+                                      <m:dPr>
+                                        <m:begChr m:val="|"/>
+                                        <m:endChr m:val="|"/>
+                                        <m:ctrlPr>
+                                          <a:rPr lang="en-US" b="0" i="1" smtClean="0">
+                                            <a:latin typeface="Cambria Math" panose="02040503050406030204" pitchFamily="18" charset="0"/>
+                                          </a:rPr>
+                                        </m:ctrlPr>
+                                      </m:dPr>
+                                      <m:e>
+                                        <m:r>
+                                          <a:rPr lang="en-US" b="0" i="1" smtClean="0">
+                                            <a:latin typeface="Cambria Math" panose="02040503050406030204" pitchFamily="18" charset="0"/>
+                                          </a:rPr>
+                                          <m:t>𝑝</m:t>
+                                        </m:r>
+                                      </m:e>
+                                    </m:d>
+                                    <m:r>
+                                      <a:rPr lang="en-US" b="0" i="1" smtClean="0">
+                                        <a:latin typeface="Cambria Math" panose="02040503050406030204" pitchFamily="18" charset="0"/>
+                                      </a:rPr>
+                                      <m:t>+</m:t>
+                                    </m:r>
+                                    <m:d>
+                                      <m:dPr>
+                                        <m:begChr m:val="|"/>
+                                        <m:endChr m:val="|"/>
+                                        <m:ctrlPr>
+                                          <a:rPr lang="en-US" b="0" i="1" smtClean="0">
+                                            <a:latin typeface="Cambria Math" panose="02040503050406030204" pitchFamily="18" charset="0"/>
+                                          </a:rPr>
+                                        </m:ctrlPr>
+                                      </m:dPr>
+                                      <m:e>
+                                        <m:r>
+                                          <a:rPr lang="en-US" b="0" i="1" smtClean="0">
+                                            <a:latin typeface="Cambria Math" panose="02040503050406030204" pitchFamily="18" charset="0"/>
+                                          </a:rPr>
+                                          <m:t>𝑦</m:t>
+                                        </m:r>
+                                      </m:e>
+                                    </m:d>
+                                    <m:r>
+                                      <a:rPr lang="en-US" b="0" i="1" smtClean="0">
+                                        <a:latin typeface="Cambria Math" panose="02040503050406030204" pitchFamily="18" charset="0"/>
+                                      </a:rPr>
+                                      <m:t>+</m:t>
+                                    </m:r>
+                                    <m:r>
+                                      <a:rPr lang="en-US" b="0" i="1" smtClean="0">
+                                        <a:latin typeface="Cambria Math" panose="02040503050406030204" pitchFamily="18" charset="0"/>
+                                        <a:ea typeface="Cambria Math" panose="02040503050406030204" pitchFamily="18" charset="0"/>
+                                      </a:rPr>
+                                      <m:t>𝜀</m:t>
+                                    </m:r>
+                                  </m:den>
+                                </m:f>
+                              </m:oMath>
+                            </m:oMathPara>
+                          </a14:m>
+                          <a:endParaRPr lang="en-US" dirty="0"/>
+                        </a:p>
+                      </a:txBody>
+                      <a:tcPr/>
+                    </a:tc>
+                    <a:tc>
+                      <a:txBody>
+                        <a:bodyPr/>
+                        <a:lstStyle/>
+                        <a:p>
+                          <a:pPr marL="0" marR="0" lvl="0" indent="0" algn="l" defTabSz="914400" rtl="0" eaLnBrk="1" fontAlgn="auto" latinLnBrk="0" hangingPunct="1">
+                            <a:lnSpc>
+                              <a:spcPct val="100000"/>
+                            </a:lnSpc>
+                            <a:spcBef>
+                              <a:spcPts val="0"/>
+                            </a:spcBef>
+                            <a:spcAft>
+                              <a:spcPts val="0"/>
+                            </a:spcAft>
+                            <a:buClrTx/>
+                            <a:buSzTx/>
+                            <a:buFontTx/>
+                            <a:buNone/>
+                            <a:tabLst/>
+                            <a:defRPr/>
+                          </a:pPr>
+                          <a:r>
+                            <a:rPr lang="en-US" dirty="0"/>
+                            <a:t>0.8073</a:t>
+                          </a:r>
+                        </a:p>
+                        <a:p>
+                          <a:pPr marL="0" marR="0" lvl="0" indent="0" algn="l" defTabSz="914400" rtl="0" eaLnBrk="1" fontAlgn="auto" latinLnBrk="0" hangingPunct="1">
+                            <a:lnSpc>
+                              <a:spcPct val="100000"/>
+                            </a:lnSpc>
+                            <a:spcBef>
+                              <a:spcPts val="0"/>
+                            </a:spcBef>
+                            <a:spcAft>
+                              <a:spcPts val="0"/>
+                            </a:spcAft>
+                            <a:buClrTx/>
+                            <a:buSzTx/>
+                            <a:buFontTx/>
+                            <a:buNone/>
+                            <a:tabLst/>
+                            <a:defRPr/>
+                          </a:pPr>
+                          <a:endParaRPr lang="en-US" dirty="0"/>
+                        </a:p>
+                      </a:txBody>
+                      <a:tcPr/>
+                    </a:tc>
+                    <a:tc>
+                      <a:txBody>
+                        <a:bodyPr/>
+                        <a:lstStyle/>
+                        <a:p>
+                          <a:pPr marL="0" marR="0" lvl="0" indent="0" algn="l" defTabSz="914400" rtl="0" eaLnBrk="1" fontAlgn="auto" latinLnBrk="0" hangingPunct="1">
+                            <a:lnSpc>
+                              <a:spcPct val="100000"/>
+                            </a:lnSpc>
+                            <a:spcBef>
+                              <a:spcPts val="0"/>
+                            </a:spcBef>
+                            <a:spcAft>
+                              <a:spcPts val="0"/>
+                            </a:spcAft>
+                            <a:buClrTx/>
+                            <a:buSzTx/>
+                            <a:buFontTx/>
+                            <a:buNone/>
+                            <a:tabLst/>
+                            <a:defRPr/>
+                          </a:pPr>
+                          <a:r>
+                            <a:rPr lang="en-US" dirty="0"/>
+                            <a:t>0.8091</a:t>
+                          </a:r>
+                        </a:p>
+                      </a:txBody>
+                      <a:tcPr/>
+                    </a:tc>
+                    <a:extLst>
+                      <a:ext uri="{0D108BD9-81ED-4DB2-BD59-A6C34878D82A}">
+                        <a16:rowId xmlns:a16="http://schemas.microsoft.com/office/drawing/2014/main" val="2748839980"/>
+                      </a:ext>
+                    </a:extLst>
+                  </a:tr>
+                </a:tbl>
+              </a:graphicData>
+            </a:graphic>
+          </p:graphicFrame>
+        </mc:Choice>
+        <mc:Fallback>
+          <p:graphicFrame>
+            <p:nvGraphicFramePr>
+              <p:cNvPr id="5" name="Table 6">
+                <a:extLst>
+                  <a:ext uri="{FF2B5EF4-FFF2-40B4-BE49-F238E27FC236}">
+                    <a16:creationId xmlns:a16="http://schemas.microsoft.com/office/drawing/2014/main" id="{BD34C04D-E145-4C62-8968-DE38AEA4A8A7}"/>
+                  </a:ext>
+                </a:extLst>
+              </p:cNvPr>
+              <p:cNvGraphicFramePr>
+                <a:graphicFrameLocks noGrp="1"/>
+              </p:cNvGraphicFramePr>
+              <p:nvPr>
+                <p:extLst>
+                  <p:ext uri="{D42A27DB-BD31-4B8C-83A1-F6EECF244321}">
+                    <p14:modId xmlns:p14="http://schemas.microsoft.com/office/powerpoint/2010/main" val="2710711036"/>
+                  </p:ext>
+                </p:extLst>
+              </p:nvPr>
+            </p:nvGraphicFramePr>
+            <p:xfrm>
+              <a:off x="442291" y="1992274"/>
+              <a:ext cx="11511170" cy="4043248"/>
+            </p:xfrm>
+            <a:graphic>
+              <a:graphicData uri="http://schemas.openxmlformats.org/drawingml/2006/table">
+                <a:tbl>
+                  <a:tblPr bandRow="1">
+                    <a:tableStyleId>{5C22544A-7EE6-4342-B048-85BDC9FD1C3A}</a:tableStyleId>
+                  </a:tblPr>
+                  <a:tblGrid>
+                    <a:gridCol w="2700341">
+                      <a:extLst>
+                        <a:ext uri="{9D8B030D-6E8A-4147-A177-3AD203B41FA5}">
+                          <a16:colId xmlns:a16="http://schemas.microsoft.com/office/drawing/2014/main" val="3416681741"/>
+                        </a:ext>
+                      </a:extLst>
+                    </a:gridCol>
+                    <a:gridCol w="1522133">
+                      <a:extLst>
+                        <a:ext uri="{9D8B030D-6E8A-4147-A177-3AD203B41FA5}">
+                          <a16:colId xmlns:a16="http://schemas.microsoft.com/office/drawing/2014/main" val="3260499319"/>
+                        </a:ext>
+                      </a:extLst>
+                    </a:gridCol>
+                    <a:gridCol w="4009128">
+                      <a:extLst>
+                        <a:ext uri="{9D8B030D-6E8A-4147-A177-3AD203B41FA5}">
+                          <a16:colId xmlns:a16="http://schemas.microsoft.com/office/drawing/2014/main" val="1498540713"/>
+                        </a:ext>
+                      </a:extLst>
+                    </a:gridCol>
+                    <a:gridCol w="1553574">
+                      <a:extLst>
+                        <a:ext uri="{9D8B030D-6E8A-4147-A177-3AD203B41FA5}">
+                          <a16:colId xmlns:a16="http://schemas.microsoft.com/office/drawing/2014/main" val="2916445189"/>
+                        </a:ext>
+                      </a:extLst>
+                    </a:gridCol>
+                    <a:gridCol w="1725994">
+                      <a:extLst>
+                        <a:ext uri="{9D8B030D-6E8A-4147-A177-3AD203B41FA5}">
+                          <a16:colId xmlns:a16="http://schemas.microsoft.com/office/drawing/2014/main" val="2948990329"/>
+                        </a:ext>
+                      </a:extLst>
+                    </a:gridCol>
+                  </a:tblGrid>
+                  <a:tr h="914400">
+                    <a:tc rowSpan="4">
+                      <a:txBody>
+                        <a:bodyPr/>
+                        <a:lstStyle/>
+                        <a:p>
+                          <a:r>
+                            <a:rPr lang="en-US" b="1" dirty="0"/>
+                            <a:t>Config:</a:t>
+                          </a:r>
+                        </a:p>
+                        <a:p>
+                          <a:pPr marL="285750" indent="-285750">
+                            <a:lnSpc>
+                              <a:spcPct val="150000"/>
+                            </a:lnSpc>
+                            <a:buFontTx/>
+                            <a:buChar char="-"/>
+                          </a:pPr>
+                          <a:r>
+                            <a:rPr lang="en-US" dirty="0"/>
+                            <a:t>Adam optimizer</a:t>
+                          </a:r>
+                        </a:p>
+                        <a:p>
+                          <a:pPr marL="285750" indent="-285750">
+                            <a:lnSpc>
+                              <a:spcPct val="150000"/>
+                            </a:lnSpc>
+                            <a:buFontTx/>
+                            <a:buChar char="-"/>
+                          </a:pPr>
+                          <a:r>
+                            <a:rPr lang="en-US" dirty="0"/>
+                            <a:t>EfficientnetB0</a:t>
+                          </a:r>
+                        </a:p>
+                        <a:p>
+                          <a:pPr marL="285750" indent="-285750">
+                            <a:lnSpc>
+                              <a:spcPct val="150000"/>
+                            </a:lnSpc>
+                            <a:buFontTx/>
+                            <a:buChar char="-"/>
+                          </a:pPr>
+                          <a:r>
+                            <a:rPr lang="en-US" dirty="0"/>
+                            <a:t>ReduceLROnPlateau-1e-4</a:t>
+                          </a:r>
+                        </a:p>
+                      </a:txBody>
+                      <a:tcPr/>
+                    </a:tc>
+                    <a:tc>
+                      <a:txBody>
+                        <a:bodyPr/>
+                        <a:lstStyle/>
+                        <a:p>
+                          <a:r>
+                            <a:rPr lang="en-US" b="1" dirty="0"/>
+                            <a:t>Loss Function</a:t>
+                          </a:r>
+                        </a:p>
+                      </a:txBody>
+                      <a:tcPr/>
+                    </a:tc>
+                    <a:tc>
+                      <a:txBody>
+                        <a:bodyPr/>
+                        <a:lstStyle/>
+                        <a:p>
+                          <a:r>
+                            <a:rPr lang="en-US" b="1" dirty="0"/>
+                            <a:t>Formula (binary segmentation)</a:t>
+                          </a:r>
+                        </a:p>
+                      </a:txBody>
+                      <a:tcPr/>
+                    </a:tc>
+                    <a:tc>
+                      <a:txBody>
+                        <a:bodyPr/>
+                        <a:lstStyle/>
+                        <a:p>
+                          <a:pPr marL="0" marR="0" lvl="0" indent="0" algn="l" defTabSz="914400" rtl="0" eaLnBrk="1" fontAlgn="auto" latinLnBrk="0" hangingPunct="1">
+                            <a:lnSpc>
+                              <a:spcPct val="100000"/>
+                            </a:lnSpc>
+                            <a:spcBef>
+                              <a:spcPts val="0"/>
+                            </a:spcBef>
+                            <a:spcAft>
+                              <a:spcPts val="0"/>
+                            </a:spcAft>
+                            <a:buClrTx/>
+                            <a:buSzTx/>
+                            <a:buFontTx/>
+                            <a:buNone/>
+                            <a:tabLst/>
+                            <a:defRPr/>
+                          </a:pPr>
+                          <a:r>
+                            <a:rPr lang="en-US" b="1" dirty="0" err="1"/>
+                            <a:t>BrainTumor</a:t>
+                          </a:r>
+                          <a:r>
+                            <a:rPr lang="en-US" b="1" dirty="0"/>
+                            <a:t> Dataset:</a:t>
+                          </a:r>
+                        </a:p>
+                        <a:p>
+                          <a:endParaRPr lang="en-US" b="1" dirty="0"/>
+                        </a:p>
+                      </a:txBody>
+                      <a:tcPr/>
+                    </a:tc>
+                    <a:tc>
+                      <a:txBody>
+                        <a:bodyPr/>
+                        <a:lstStyle/>
+                        <a:p>
+                          <a:pPr marL="0" marR="0" lvl="0" indent="0" algn="l" defTabSz="914400" rtl="0" eaLnBrk="1" fontAlgn="auto" latinLnBrk="0" hangingPunct="1">
+                            <a:lnSpc>
+                              <a:spcPct val="100000"/>
+                            </a:lnSpc>
+                            <a:spcBef>
+                              <a:spcPts val="0"/>
+                            </a:spcBef>
+                            <a:spcAft>
+                              <a:spcPts val="0"/>
+                            </a:spcAft>
+                            <a:buClrTx/>
+                            <a:buSzTx/>
+                            <a:buFontTx/>
+                            <a:buNone/>
+                            <a:tabLst/>
+                            <a:defRPr/>
+                          </a:pPr>
+                          <a:r>
+                            <a:rPr lang="en-US" b="1" dirty="0"/>
+                            <a:t>Pneumothorax Dataset</a:t>
+                          </a:r>
+                        </a:p>
+                        <a:p>
+                          <a:endParaRPr lang="en-US" b="1" dirty="0"/>
+                        </a:p>
+                      </a:txBody>
+                      <a:tcPr/>
+                    </a:tc>
+                    <a:extLst>
+                      <a:ext uri="{0D108BD9-81ED-4DB2-BD59-A6C34878D82A}">
+                        <a16:rowId xmlns:a16="http://schemas.microsoft.com/office/drawing/2014/main" val="1504969892"/>
+                      </a:ext>
+                    </a:extLst>
+                  </a:tr>
+                  <a:tr h="1379318">
+                    <a:tc vMerge="1">
+                      <a:txBody>
+                        <a:bodyPr/>
+                        <a:lstStyle/>
+                        <a:p>
+                          <a:endParaRPr lang="en-US" dirty="0"/>
+                        </a:p>
+                      </a:txBody>
+                      <a:tcPr/>
+                    </a:tc>
+                    <a:tc>
+                      <a:txBody>
+                        <a:bodyPr/>
+                        <a:lstStyle/>
+                        <a:p>
+                          <a:r>
+                            <a:rPr lang="en-US" dirty="0" err="1"/>
+                            <a:t>CrossEntropy</a:t>
+                          </a:r>
+                          <a:endParaRPr lang="en-US" dirty="0"/>
+                        </a:p>
+                      </a:txBody>
+                      <a:tcPr/>
+                    </a:tc>
+                    <a:tc>
+                      <a:txBody>
+                        <a:bodyPr/>
+                        <a:lstStyle/>
+                        <a:p>
+                          <a:endParaRPr lang="en-US"/>
+                        </a:p>
+                      </a:txBody>
+                      <a:tcPr>
+                        <a:blipFill>
+                          <a:blip r:embed="rId2"/>
+                          <a:stretch>
+                            <a:fillRect l="-105471" t="-68282" r="-82067" b="-127753"/>
+                          </a:stretch>
+                        </a:blipFill>
+                      </a:tcPr>
+                    </a:tc>
+                    <a:tc>
+                      <a:txBody>
+                        <a:bodyPr/>
+                        <a:lstStyle/>
+                        <a:p>
+                          <a:pPr marL="0" marR="0" lvl="0" indent="0" algn="l" defTabSz="914400" rtl="0" eaLnBrk="1" fontAlgn="auto" latinLnBrk="0" hangingPunct="1">
+                            <a:lnSpc>
+                              <a:spcPct val="100000"/>
+                            </a:lnSpc>
+                            <a:spcBef>
+                              <a:spcPts val="0"/>
+                            </a:spcBef>
+                            <a:spcAft>
+                              <a:spcPts val="0"/>
+                            </a:spcAft>
+                            <a:buClrTx/>
+                            <a:buSzTx/>
+                            <a:buFontTx/>
+                            <a:buNone/>
+                            <a:tabLst/>
+                            <a:defRPr/>
+                          </a:pPr>
+                          <a:r>
+                            <a:rPr lang="en-US" dirty="0"/>
+                            <a:t>0.8015</a:t>
+                          </a:r>
+                        </a:p>
+                        <a:p>
+                          <a:endParaRPr lang="en-US" dirty="0"/>
+                        </a:p>
+                      </a:txBody>
+                      <a:tcPr/>
+                    </a:tc>
+                    <a:tc>
+                      <a:txBody>
+                        <a:bodyPr/>
+                        <a:lstStyle/>
+                        <a:p>
+                          <a:endParaRPr lang="en-US" dirty="0"/>
+                        </a:p>
+                      </a:txBody>
+                      <a:tcPr/>
+                    </a:tc>
+                    <a:extLst>
+                      <a:ext uri="{0D108BD9-81ED-4DB2-BD59-A6C34878D82A}">
+                        <a16:rowId xmlns:a16="http://schemas.microsoft.com/office/drawing/2014/main" val="3351530658"/>
+                      </a:ext>
+                    </a:extLst>
+                  </a:tr>
+                  <a:tr h="776073">
+                    <a:tc vMerge="1">
+                      <a:txBody>
+                        <a:bodyPr/>
+                        <a:lstStyle/>
+                        <a:p>
+                          <a:endParaRPr lang="en-US" dirty="0"/>
+                        </a:p>
+                      </a:txBody>
+                      <a:tcPr/>
+                    </a:tc>
+                    <a:tc>
+                      <a:txBody>
+                        <a:bodyPr/>
+                        <a:lstStyle/>
+                        <a:p>
+                          <a:r>
+                            <a:rPr lang="en-US" dirty="0"/>
+                            <a:t>Focal loss</a:t>
+                          </a:r>
+                        </a:p>
+                      </a:txBody>
+                      <a:tcPr/>
+                    </a:tc>
+                    <a:tc>
+                      <a:txBody>
+                        <a:bodyPr/>
+                        <a:lstStyle/>
+                        <a:p>
+                          <a:endParaRPr lang="en-US"/>
+                        </a:p>
+                      </a:txBody>
+                      <a:tcPr>
+                        <a:blipFill>
+                          <a:blip r:embed="rId2"/>
+                          <a:stretch>
+                            <a:fillRect l="-105471" t="-298438" r="-82067" b="-126563"/>
+                          </a:stretch>
+                        </a:blipFill>
+                      </a:tcPr>
+                    </a:tc>
+                    <a:tc>
+                      <a:txBody>
+                        <a:bodyPr/>
+                        <a:lstStyle/>
+                        <a:p>
+                          <a:pPr marL="0" marR="0" lvl="0" indent="0" algn="l" defTabSz="914400" rtl="0" eaLnBrk="1" fontAlgn="auto" latinLnBrk="0" hangingPunct="1">
+                            <a:lnSpc>
+                              <a:spcPct val="100000"/>
+                            </a:lnSpc>
+                            <a:spcBef>
+                              <a:spcPts val="0"/>
+                            </a:spcBef>
+                            <a:spcAft>
+                              <a:spcPts val="0"/>
+                            </a:spcAft>
+                            <a:buClrTx/>
+                            <a:buSzTx/>
+                            <a:buFontTx/>
+                            <a:buNone/>
+                            <a:tabLst/>
+                            <a:defRPr/>
+                          </a:pPr>
+                          <a:r>
+                            <a:rPr lang="en-US" dirty="0"/>
+                            <a:t>0.7939</a:t>
+                          </a:r>
+                        </a:p>
+                        <a:p>
+                          <a:endParaRPr lang="en-US" dirty="0"/>
+                        </a:p>
+                      </a:txBody>
+                      <a:tcPr/>
+                    </a:tc>
+                    <a:tc>
+                      <a:txBody>
+                        <a:bodyPr/>
+                        <a:lstStyle/>
+                        <a:p>
+                          <a:r>
+                            <a:rPr lang="en-US" dirty="0"/>
+                            <a:t>0.7969</a:t>
+                          </a:r>
+                        </a:p>
+                        <a:p>
+                          <a:endParaRPr lang="en-US" dirty="0"/>
+                        </a:p>
+                      </a:txBody>
+                      <a:tcPr/>
+                    </a:tc>
+                    <a:extLst>
+                      <a:ext uri="{0D108BD9-81ED-4DB2-BD59-A6C34878D82A}">
+                        <a16:rowId xmlns:a16="http://schemas.microsoft.com/office/drawing/2014/main" val="2401624614"/>
+                      </a:ext>
+                    </a:extLst>
+                  </a:tr>
+                  <a:tr h="973457">
+                    <a:tc vMerge="1">
+                      <a:txBody>
+                        <a:bodyPr/>
+                        <a:lstStyle/>
+                        <a:p>
+                          <a:endParaRPr lang="en-US" dirty="0"/>
+                        </a:p>
+                      </a:txBody>
+                      <a:tcPr/>
+                    </a:tc>
+                    <a:tc>
+                      <a:txBody>
+                        <a:bodyPr/>
+                        <a:lstStyle/>
+                        <a:p>
+                          <a:r>
+                            <a:rPr lang="en-US" dirty="0"/>
+                            <a:t>Dice loss</a:t>
+                          </a:r>
+                        </a:p>
+                      </a:txBody>
+                      <a:tcPr/>
+                    </a:tc>
+                    <a:tc>
+                      <a:txBody>
+                        <a:bodyPr/>
+                        <a:lstStyle/>
+                        <a:p>
+                          <a:endParaRPr lang="en-US"/>
+                        </a:p>
+                      </a:txBody>
+                      <a:tcPr>
+                        <a:blipFill>
+                          <a:blip r:embed="rId2"/>
+                          <a:stretch>
+                            <a:fillRect l="-105471" t="-318750" r="-82067" b="-1250"/>
+                          </a:stretch>
+                        </a:blipFill>
+                      </a:tcPr>
+                    </a:tc>
+                    <a:tc>
+                      <a:txBody>
+                        <a:bodyPr/>
+                        <a:lstStyle/>
+                        <a:p>
+                          <a:pPr marL="0" marR="0" lvl="0" indent="0" algn="l" defTabSz="914400" rtl="0" eaLnBrk="1" fontAlgn="auto" latinLnBrk="0" hangingPunct="1">
+                            <a:lnSpc>
+                              <a:spcPct val="100000"/>
+                            </a:lnSpc>
+                            <a:spcBef>
+                              <a:spcPts val="0"/>
+                            </a:spcBef>
+                            <a:spcAft>
+                              <a:spcPts val="0"/>
+                            </a:spcAft>
+                            <a:buClrTx/>
+                            <a:buSzTx/>
+                            <a:buFontTx/>
+                            <a:buNone/>
+                            <a:tabLst/>
+                            <a:defRPr/>
+                          </a:pPr>
+                          <a:r>
+                            <a:rPr lang="en-US" dirty="0"/>
+                            <a:t>0.8073</a:t>
+                          </a:r>
+                        </a:p>
+                        <a:p>
+                          <a:pPr marL="0" marR="0" lvl="0" indent="0" algn="l" defTabSz="914400" rtl="0" eaLnBrk="1" fontAlgn="auto" latinLnBrk="0" hangingPunct="1">
+                            <a:lnSpc>
+                              <a:spcPct val="100000"/>
+                            </a:lnSpc>
+                            <a:spcBef>
+                              <a:spcPts val="0"/>
+                            </a:spcBef>
+                            <a:spcAft>
+                              <a:spcPts val="0"/>
+                            </a:spcAft>
+                            <a:buClrTx/>
+                            <a:buSzTx/>
+                            <a:buFontTx/>
+                            <a:buNone/>
+                            <a:tabLst/>
+                            <a:defRPr/>
+                          </a:pPr>
+                          <a:endParaRPr lang="en-US" dirty="0"/>
+                        </a:p>
+                      </a:txBody>
+                      <a:tcPr/>
+                    </a:tc>
+                    <a:tc>
+                      <a:txBody>
+                        <a:bodyPr/>
+                        <a:lstStyle/>
+                        <a:p>
+                          <a:pPr marL="0" marR="0" lvl="0" indent="0" algn="l" defTabSz="914400" rtl="0" eaLnBrk="1" fontAlgn="auto" latinLnBrk="0" hangingPunct="1">
+                            <a:lnSpc>
+                              <a:spcPct val="100000"/>
+                            </a:lnSpc>
+                            <a:spcBef>
+                              <a:spcPts val="0"/>
+                            </a:spcBef>
+                            <a:spcAft>
+                              <a:spcPts val="0"/>
+                            </a:spcAft>
+                            <a:buClrTx/>
+                            <a:buSzTx/>
+                            <a:buFontTx/>
+                            <a:buNone/>
+                            <a:tabLst/>
+                            <a:defRPr/>
+                          </a:pPr>
+                          <a:r>
+                            <a:rPr lang="en-US" dirty="0"/>
+                            <a:t>0.8091</a:t>
+                          </a:r>
+                        </a:p>
+                      </a:txBody>
+                      <a:tcPr/>
+                    </a:tc>
+                    <a:extLst>
+                      <a:ext uri="{0D108BD9-81ED-4DB2-BD59-A6C34878D82A}">
+                        <a16:rowId xmlns:a16="http://schemas.microsoft.com/office/drawing/2014/main" val="2748839980"/>
+                      </a:ext>
+                    </a:extLst>
+                  </a:tr>
+                </a:tbl>
+              </a:graphicData>
+            </a:graphic>
+          </p:graphicFrame>
+        </mc:Fallback>
+      </mc:AlternateContent>
+    </p:spTree>
+    <p:extLst>
+      <p:ext uri="{BB962C8B-B14F-4D97-AF65-F5344CB8AC3E}">
+        <p14:creationId xmlns:p14="http://schemas.microsoft.com/office/powerpoint/2010/main" val="3300764720"/>
+      </p:ext>
+    </p:extLst>
+  </p:cSld>
+  <p:clrMapOvr>
+    <a:masterClrMapping/>
+  </p:clrMapOvr>
+</p:sld>
+</file>
+
+<file path=ppt/slides/slide12.xml><?xml version="1.0" encoding="utf-8"?>
+<p:sld xmlns:a="http://schemas.openxmlformats.org/drawingml/2006/main" xmlns:r="http://schemas.openxmlformats.org/officeDocument/2006/relationships" xmlns:p="http://schemas.openxmlformats.org/presentationml/2006/main">
+  <p:cSld>
+    <p:spTree>
+      <p:nvGrpSpPr>
+        <p:cNvPr id="1" name=""/>
+        <p:cNvGrpSpPr/>
+        <p:nvPr/>
+      </p:nvGrpSpPr>
+      <p:grpSpPr>
+        <a:xfrm>
+          <a:off x="0" y="0"/>
+          <a:ext cx="0" cy="0"/>
+          <a:chOff x="0" y="0"/>
+          <a:chExt cx="0" cy="0"/>
+        </a:xfrm>
+      </p:grpSpPr>
+      <p:sp>
+        <p:nvSpPr>
+          <p:cNvPr id="2" name="Title 1">
+            <a:extLst>
+              <a:ext uri="{FF2B5EF4-FFF2-40B4-BE49-F238E27FC236}">
+                <a16:creationId xmlns:a16="http://schemas.microsoft.com/office/drawing/2014/main" id="{D19420A4-7649-4B7F-BAB4-68A12DC6CDDB}"/>
+              </a:ext>
+            </a:extLst>
+          </p:cNvPr>
+          <p:cNvSpPr>
+            <a:spLocks noGrp="1"/>
+          </p:cNvSpPr>
+          <p:nvPr>
+            <p:ph type="title"/>
+          </p:nvPr>
+        </p:nvSpPr>
+        <p:spPr>
+          <a:xfrm>
+            <a:off x="838200" y="678466"/>
+            <a:ext cx="10515600" cy="1325563"/>
+          </a:xfrm>
+        </p:spPr>
+        <p:txBody>
+          <a:bodyPr/>
+          <a:lstStyle/>
+          <a:p>
+            <a:r>
+              <a:rPr lang="vi-VN" dirty="0"/>
+              <a:t>Segmentation problem</a:t>
+            </a:r>
+            <a:endParaRPr lang="en-US" dirty="0"/>
+          </a:p>
+        </p:txBody>
+      </p:sp>
+      <p:sp>
+        <p:nvSpPr>
+          <p:cNvPr id="3" name="Content Placeholder 2">
+            <a:extLst>
+              <a:ext uri="{FF2B5EF4-FFF2-40B4-BE49-F238E27FC236}">
+                <a16:creationId xmlns:a16="http://schemas.microsoft.com/office/drawing/2014/main" id="{5E792892-6E21-4A0F-8522-D2633EA3B1CB}"/>
+              </a:ext>
+            </a:extLst>
+          </p:cNvPr>
+          <p:cNvSpPr>
+            <a:spLocks noGrp="1"/>
+          </p:cNvSpPr>
+          <p:nvPr>
+            <p:ph sz="half" idx="1"/>
+          </p:nvPr>
+        </p:nvSpPr>
+        <p:spPr>
+          <a:xfrm>
+            <a:off x="838200" y="916398"/>
+            <a:ext cx="5181600" cy="4351338"/>
+          </a:xfrm>
+        </p:spPr>
+        <p:txBody>
+          <a:bodyPr/>
+          <a:lstStyle/>
+          <a:p>
+            <a:pPr marL="0" indent="0">
+              <a:buNone/>
+            </a:pPr>
+            <a:r>
+              <a:rPr lang="en-US" dirty="0"/>
+              <a:t>Some other techniques:</a:t>
+            </a:r>
+          </a:p>
+          <a:p>
+            <a:pPr fontAlgn="b"/>
+            <a:r>
+              <a:rPr lang="en-US" dirty="0">
+                <a:solidFill>
+                  <a:srgbClr val="000000"/>
+                </a:solidFill>
+                <a:latin typeface="Calibri" panose="020F0502020204030204" pitchFamily="34" charset="0"/>
+              </a:rPr>
+              <a:t>Bilinear </a:t>
+            </a:r>
+            <a:r>
+              <a:rPr lang="en-US" dirty="0" err="1">
+                <a:solidFill>
+                  <a:srgbClr val="000000"/>
+                </a:solidFill>
+                <a:latin typeface="Calibri" panose="020F0502020204030204" pitchFamily="34" charset="0"/>
+              </a:rPr>
+              <a:t>upsampling</a:t>
+            </a:r>
+            <a:endParaRPr lang="en-US" dirty="0">
+              <a:solidFill>
+                <a:srgbClr val="000000"/>
+              </a:solidFill>
+              <a:latin typeface="Calibri" panose="020F0502020204030204" pitchFamily="34" charset="0"/>
+            </a:endParaRPr>
+          </a:p>
+          <a:p>
+            <a:pPr lvl="1" fontAlgn="b"/>
+            <a:endParaRPr lang="en-US" dirty="0">
+              <a:solidFill>
+                <a:srgbClr val="000000"/>
+              </a:solidFill>
+              <a:latin typeface="Calibri" panose="020F0502020204030204" pitchFamily="34" charset="0"/>
+            </a:endParaRPr>
+          </a:p>
+          <a:p>
+            <a:pPr lvl="1" fontAlgn="b"/>
+            <a:endParaRPr lang="en-US" dirty="0">
+              <a:solidFill>
+                <a:srgbClr val="000000"/>
+              </a:solidFill>
+              <a:latin typeface="Calibri" panose="020F0502020204030204" pitchFamily="34" charset="0"/>
+            </a:endParaRPr>
+          </a:p>
+          <a:p>
+            <a:pPr lvl="1" fontAlgn="b"/>
+            <a:endParaRPr lang="en-US" dirty="0">
+              <a:solidFill>
+                <a:srgbClr val="000000"/>
+              </a:solidFill>
+              <a:latin typeface="Calibri" panose="020F0502020204030204" pitchFamily="34" charset="0"/>
+            </a:endParaRPr>
+          </a:p>
+          <a:p>
+            <a:pPr lvl="1" fontAlgn="b"/>
+            <a:endParaRPr lang="en-US" dirty="0">
+              <a:solidFill>
+                <a:srgbClr val="000000"/>
+              </a:solidFill>
+              <a:latin typeface="Calibri" panose="020F0502020204030204" pitchFamily="34" charset="0"/>
+            </a:endParaRPr>
+          </a:p>
+          <a:p>
+            <a:pPr lvl="1" fontAlgn="b"/>
+            <a:endParaRPr lang="en-US" dirty="0">
+              <a:solidFill>
+                <a:srgbClr val="000000"/>
+              </a:solidFill>
+              <a:latin typeface="Calibri" panose="020F0502020204030204" pitchFamily="34" charset="0"/>
+            </a:endParaRPr>
+          </a:p>
+          <a:p>
+            <a:endParaRPr lang="en-US" dirty="0">
+              <a:solidFill>
+                <a:srgbClr val="000000"/>
+              </a:solidFill>
+              <a:latin typeface="Calibri" panose="020F0502020204030204" pitchFamily="34" charset="0"/>
+            </a:endParaRPr>
+          </a:p>
+          <a:p>
+            <a:pPr lvl="1"/>
+            <a:endParaRPr lang="en-US" dirty="0">
+              <a:solidFill>
+                <a:srgbClr val="000000"/>
+              </a:solidFill>
+              <a:latin typeface="Calibri" panose="020F0502020204030204" pitchFamily="34" charset="0"/>
+            </a:endParaRPr>
+          </a:p>
+          <a:p>
+            <a:pPr>
+              <a:buFontTx/>
+              <a:buChar char="-"/>
+            </a:pPr>
+            <a:endParaRPr lang="en-US" dirty="0"/>
+          </a:p>
+          <a:p>
+            <a:pPr>
+              <a:buFontTx/>
+              <a:buChar char="-"/>
+            </a:pPr>
+            <a:endParaRPr lang="en-US" dirty="0"/>
+          </a:p>
+          <a:p>
+            <a:pPr>
+              <a:buFontTx/>
+              <a:buChar char="-"/>
+            </a:pPr>
+            <a:endParaRPr lang="en-US" dirty="0"/>
+          </a:p>
+          <a:p>
+            <a:pPr>
+              <a:buFontTx/>
+              <a:buChar char="-"/>
+            </a:pPr>
+            <a:endParaRPr lang="en-US" dirty="0"/>
+          </a:p>
+        </p:txBody>
+      </p:sp>
+      <p:sp>
+        <p:nvSpPr>
+          <p:cNvPr id="6" name="Content Placeholder 5">
+            <a:extLst>
+              <a:ext uri="{FF2B5EF4-FFF2-40B4-BE49-F238E27FC236}">
+                <a16:creationId xmlns:a16="http://schemas.microsoft.com/office/drawing/2014/main" id="{AB6F778B-A051-4D20-BC30-4AD591648664}"/>
+              </a:ext>
+            </a:extLst>
+          </p:cNvPr>
+          <p:cNvSpPr>
+            <a:spLocks noGrp="1"/>
+          </p:cNvSpPr>
+          <p:nvPr>
+            <p:ph sz="half" idx="2"/>
+          </p:nvPr>
+        </p:nvSpPr>
+        <p:spPr>
+          <a:xfrm>
+            <a:off x="6172200" y="1426417"/>
+            <a:ext cx="5181600" cy="4351338"/>
+          </a:xfrm>
+        </p:spPr>
+        <p:txBody>
+          <a:bodyPr/>
+          <a:lstStyle/>
+          <a:p>
+            <a:r>
+              <a:rPr lang="en-US" dirty="0">
+                <a:solidFill>
+                  <a:srgbClr val="000000"/>
+                </a:solidFill>
+                <a:latin typeface="Calibri" panose="020F0502020204030204" pitchFamily="34" charset="0"/>
+              </a:rPr>
+              <a:t>Pixel Shuffle</a:t>
+            </a:r>
+          </a:p>
+          <a:p>
+            <a:endParaRPr lang="en-US" dirty="0"/>
+          </a:p>
+        </p:txBody>
+      </p:sp>
+      <p:sp>
+        <p:nvSpPr>
+          <p:cNvPr id="4" name="Footer Placeholder 3">
+            <a:extLst>
+              <a:ext uri="{FF2B5EF4-FFF2-40B4-BE49-F238E27FC236}">
+                <a16:creationId xmlns:a16="http://schemas.microsoft.com/office/drawing/2014/main" id="{3DD5C21A-E039-4E83-BC5F-A8B77C140E99}"/>
+              </a:ext>
+            </a:extLst>
+          </p:cNvPr>
+          <p:cNvSpPr>
+            <a:spLocks noGrp="1"/>
+          </p:cNvSpPr>
+          <p:nvPr>
+            <p:ph type="ftr" sz="quarter" idx="11"/>
+          </p:nvPr>
+        </p:nvSpPr>
+        <p:spPr/>
+        <p:txBody>
+          <a:bodyPr/>
+          <a:lstStyle/>
+          <a:p>
+            <a:r>
+              <a:rPr lang="en-US"/>
+              <a:t>Copyright©2020  VinBrain-Vingroup. All rights reserved.</a:t>
+            </a:r>
+            <a:endParaRPr lang="en-AU"/>
+          </a:p>
+        </p:txBody>
+      </p:sp>
+      <p:graphicFrame>
+        <p:nvGraphicFramePr>
+          <p:cNvPr id="5" name="Table 4">
+            <a:extLst>
+              <a:ext uri="{FF2B5EF4-FFF2-40B4-BE49-F238E27FC236}">
+                <a16:creationId xmlns:a16="http://schemas.microsoft.com/office/drawing/2014/main" id="{8E972834-0A2B-4A1A-8917-2944C9331CE2}"/>
+              </a:ext>
+            </a:extLst>
+          </p:cNvPr>
+          <p:cNvGraphicFramePr>
+            <a:graphicFrameLocks noGrp="1"/>
+          </p:cNvGraphicFramePr>
+          <p:nvPr>
+            <p:extLst>
+              <p:ext uri="{D42A27DB-BD31-4B8C-83A1-F6EECF244321}">
+                <p14:modId xmlns:p14="http://schemas.microsoft.com/office/powerpoint/2010/main" val="2951242987"/>
+              </p:ext>
+            </p:extLst>
+          </p:nvPr>
+        </p:nvGraphicFramePr>
+        <p:xfrm>
+          <a:off x="2408583" y="5155494"/>
+          <a:ext cx="6278217" cy="942975"/>
+        </p:xfrm>
+        <a:graphic>
+          <a:graphicData uri="http://schemas.openxmlformats.org/drawingml/2006/table">
+            <a:tbl>
+              <a:tblPr bandRow="1">
+                <a:tableStyleId>{7DF18680-E054-41AD-8BC1-D1AEF772440D}</a:tableStyleId>
+              </a:tblPr>
+              <a:tblGrid>
+                <a:gridCol w="2778214">
+                  <a:extLst>
+                    <a:ext uri="{9D8B030D-6E8A-4147-A177-3AD203B41FA5}">
+                      <a16:colId xmlns:a16="http://schemas.microsoft.com/office/drawing/2014/main" val="1019428410"/>
+                    </a:ext>
+                  </a:extLst>
+                </a:gridCol>
+                <a:gridCol w="2070147">
+                  <a:extLst>
+                    <a:ext uri="{9D8B030D-6E8A-4147-A177-3AD203B41FA5}">
+                      <a16:colId xmlns:a16="http://schemas.microsoft.com/office/drawing/2014/main" val="3813440982"/>
+                    </a:ext>
+                  </a:extLst>
+                </a:gridCol>
+                <a:gridCol w="1429856">
+                  <a:extLst>
+                    <a:ext uri="{9D8B030D-6E8A-4147-A177-3AD203B41FA5}">
+                      <a16:colId xmlns:a16="http://schemas.microsoft.com/office/drawing/2014/main" val="2992551261"/>
+                    </a:ext>
+                  </a:extLst>
+                </a:gridCol>
+              </a:tblGrid>
+              <a:tr h="260708">
+                <a:tc gridSpan="2">
+                  <a:txBody>
+                    <a:bodyPr/>
+                    <a:lstStyle/>
+                    <a:p>
+                      <a:pPr algn="ctr" fontAlgn="b"/>
+                      <a:r>
+                        <a:rPr lang="en-US" sz="2000" u="none" strike="noStrike" dirty="0">
+                          <a:effectLst/>
+                        </a:rPr>
+                        <a:t>Model</a:t>
+                      </a:r>
+                      <a:endParaRPr lang="en-US" sz="2000" b="0" i="0" u="none" strike="noStrike" dirty="0">
+                        <a:solidFill>
+                          <a:srgbClr val="000000"/>
+                        </a:solidFill>
+                        <a:effectLst/>
+                        <a:latin typeface="Calibri" panose="020F0502020204030204" pitchFamily="34" charset="0"/>
+                      </a:endParaRPr>
+                    </a:p>
+                  </a:txBody>
+                  <a:tcPr marL="9525" marR="9525" marT="9525" marB="0" anchor="b"/>
+                </a:tc>
+                <a:tc hMerge="1">
+                  <a:txBody>
+                    <a:bodyPr/>
+                    <a:lstStyle/>
+                    <a:p>
+                      <a:endParaRPr lang="en-US"/>
+                    </a:p>
+                  </a:txBody>
+                  <a:tcPr/>
+                </a:tc>
+                <a:tc>
+                  <a:txBody>
+                    <a:bodyPr/>
+                    <a:lstStyle/>
+                    <a:p>
+                      <a:pPr algn="l" fontAlgn="b"/>
+                      <a:r>
+                        <a:rPr lang="en-US" sz="2000" u="none" strike="noStrike">
+                          <a:effectLst/>
+                        </a:rPr>
+                        <a:t>Dice score</a:t>
+                      </a:r>
+                      <a:endParaRPr lang="en-US" sz="2000" b="0" i="0" u="none" strike="noStrike">
+                        <a:solidFill>
+                          <a:srgbClr val="000000"/>
+                        </a:solidFill>
+                        <a:effectLst/>
+                        <a:latin typeface="Calibri" panose="020F0502020204030204" pitchFamily="34" charset="0"/>
+                      </a:endParaRPr>
+                    </a:p>
+                  </a:txBody>
+                  <a:tcPr marL="9525" marR="9525" marT="9525" marB="0" anchor="b"/>
+                </a:tc>
+                <a:extLst>
+                  <a:ext uri="{0D108BD9-81ED-4DB2-BD59-A6C34878D82A}">
+                    <a16:rowId xmlns:a16="http://schemas.microsoft.com/office/drawing/2014/main" val="1103329326"/>
+                  </a:ext>
+                </a:extLst>
+              </a:tr>
+              <a:tr h="244259">
+                <a:tc rowSpan="2">
+                  <a:txBody>
+                    <a:bodyPr/>
+                    <a:lstStyle/>
+                    <a:p>
+                      <a:pPr algn="ctr" fontAlgn="ctr"/>
+                      <a:r>
+                        <a:rPr lang="en-US" sz="2000" u="none" strike="noStrike" dirty="0">
+                          <a:effectLst/>
+                        </a:rPr>
+                        <a:t>Resnet18-Resnet18</a:t>
+                      </a:r>
+                      <a:endParaRPr lang="en-US" sz="2000" b="0" i="0" u="none" strike="noStrike" dirty="0">
+                        <a:solidFill>
+                          <a:srgbClr val="000000"/>
+                        </a:solidFill>
+                        <a:effectLst/>
+                        <a:latin typeface="Calibri" panose="020F0502020204030204" pitchFamily="34" charset="0"/>
+                      </a:endParaRPr>
+                    </a:p>
+                  </a:txBody>
+                  <a:tcPr/>
+                </a:tc>
+                <a:tc>
+                  <a:txBody>
+                    <a:bodyPr/>
+                    <a:lstStyle/>
+                    <a:p>
+                      <a:pPr algn="l" fontAlgn="b"/>
+                      <a:r>
+                        <a:rPr lang="en-US" sz="2000" u="none" strike="noStrike" dirty="0">
+                          <a:effectLst/>
+                        </a:rPr>
+                        <a:t>Bilinear </a:t>
+                      </a:r>
+                      <a:r>
+                        <a:rPr lang="en-US" sz="2000" u="none" strike="noStrike" dirty="0" err="1">
+                          <a:effectLst/>
+                        </a:rPr>
+                        <a:t>upsampling</a:t>
+                      </a:r>
+                      <a:endParaRPr lang="en-US" sz="2000" b="0" i="0" u="none" strike="noStrike" dirty="0">
+                        <a:solidFill>
+                          <a:srgbClr val="000000"/>
+                        </a:solidFill>
+                        <a:effectLst/>
+                        <a:latin typeface="Calibri" panose="020F0502020204030204" pitchFamily="34" charset="0"/>
+                      </a:endParaRPr>
+                    </a:p>
+                  </a:txBody>
+                  <a:tcPr marL="9525" marR="9525" marT="9525" marB="0" anchor="b"/>
+                </a:tc>
+                <a:tc>
+                  <a:txBody>
+                    <a:bodyPr/>
+                    <a:lstStyle/>
+                    <a:p>
+                      <a:pPr algn="r" fontAlgn="b"/>
+                      <a:r>
+                        <a:rPr lang="en-US" sz="2000" u="none" strike="noStrike" dirty="0">
+                          <a:effectLst/>
+                        </a:rPr>
+                        <a:t>78.19</a:t>
+                      </a:r>
+                      <a:endParaRPr lang="en-US" sz="2000" b="0" i="0" u="none" strike="noStrike" dirty="0">
+                        <a:solidFill>
+                          <a:srgbClr val="000000"/>
+                        </a:solidFill>
+                        <a:effectLst/>
+                        <a:latin typeface="Calibri" panose="020F0502020204030204" pitchFamily="34" charset="0"/>
+                      </a:endParaRPr>
+                    </a:p>
+                  </a:txBody>
+                  <a:tcPr marL="9525" marR="9525" marT="9525" marB="0" anchor="b"/>
+                </a:tc>
+                <a:extLst>
+                  <a:ext uri="{0D108BD9-81ED-4DB2-BD59-A6C34878D82A}">
+                    <a16:rowId xmlns:a16="http://schemas.microsoft.com/office/drawing/2014/main" val="2063250722"/>
+                  </a:ext>
+                </a:extLst>
+              </a:tr>
+              <a:tr h="244259">
+                <a:tc vMerge="1">
+                  <a:txBody>
+                    <a:bodyPr/>
+                    <a:lstStyle/>
+                    <a:p>
+                      <a:pPr algn="ctr" fontAlgn="ctr"/>
+                      <a:endParaRPr lang="en-US" sz="2000" b="0" i="0" u="none" strike="noStrike" dirty="0">
+                        <a:solidFill>
+                          <a:srgbClr val="000000"/>
+                        </a:solidFill>
+                        <a:effectLst/>
+                        <a:latin typeface="Calibri" panose="020F0502020204030204" pitchFamily="34" charset="0"/>
+                      </a:endParaRPr>
+                    </a:p>
+                  </a:txBody>
+                  <a:tcPr/>
+                </a:tc>
+                <a:tc>
+                  <a:txBody>
+                    <a:bodyPr/>
+                    <a:lstStyle/>
+                    <a:p>
+                      <a:pPr algn="l" fontAlgn="b"/>
+                      <a:r>
+                        <a:rPr lang="en-US" sz="2000" b="0" i="0" u="none" strike="noStrike" dirty="0">
+                          <a:solidFill>
+                            <a:srgbClr val="000000"/>
+                          </a:solidFill>
+                          <a:effectLst/>
+                          <a:latin typeface="Calibri" panose="020F0502020204030204" pitchFamily="34" charset="0"/>
+                        </a:rPr>
+                        <a:t>Pixel Shuffle</a:t>
+                      </a:r>
+                    </a:p>
+                  </a:txBody>
+                  <a:tcPr marL="9525" marR="9525" marT="9525" marB="0" anchor="b"/>
+                </a:tc>
+                <a:tc>
+                  <a:txBody>
+                    <a:bodyPr/>
+                    <a:lstStyle/>
+                    <a:p>
+                      <a:pPr algn="r" fontAlgn="b"/>
+                      <a:r>
+                        <a:rPr lang="en-US" sz="2000" b="0" i="0" u="none" strike="noStrike" dirty="0">
+                          <a:solidFill>
+                            <a:srgbClr val="000000"/>
+                          </a:solidFill>
+                          <a:effectLst/>
+                          <a:latin typeface="Calibri" panose="020F0502020204030204" pitchFamily="34" charset="0"/>
+                        </a:rPr>
+                        <a:t>80</a:t>
+                      </a:r>
+                    </a:p>
+                  </a:txBody>
+                  <a:tcPr marL="9525" marR="9525" marT="9525" marB="0" anchor="b"/>
+                </a:tc>
+                <a:extLst>
+                  <a:ext uri="{0D108BD9-81ED-4DB2-BD59-A6C34878D82A}">
+                    <a16:rowId xmlns:a16="http://schemas.microsoft.com/office/drawing/2014/main" val="3111677753"/>
+                  </a:ext>
+                </a:extLst>
+              </a:tr>
+            </a:tbl>
+          </a:graphicData>
+        </a:graphic>
+      </p:graphicFrame>
+      <p:pic>
+        <p:nvPicPr>
+          <p:cNvPr id="4102" name="Picture 6">
+            <a:extLst>
+              <a:ext uri="{FF2B5EF4-FFF2-40B4-BE49-F238E27FC236}">
+                <a16:creationId xmlns:a16="http://schemas.microsoft.com/office/drawing/2014/main" id="{F1FC1AE2-E355-4689-B554-74FE21258CC9}"/>
+              </a:ext>
+            </a:extLst>
+          </p:cNvPr>
+          <p:cNvPicPr>
+            <a:picLocks noChangeAspect="1" noChangeArrowheads="1"/>
+          </p:cNvPicPr>
+          <p:nvPr/>
+        </p:nvPicPr>
+        <p:blipFill>
+          <a:blip r:embed="rId2">
+            <a:extLst>
+              <a:ext uri="{28A0092B-C50C-407E-A947-70E740481C1C}">
+                <a14:useLocalDpi xmlns:a14="http://schemas.microsoft.com/office/drawing/2010/main" val="0"/>
+              </a:ext>
+            </a:extLst>
+          </a:blip>
+          <a:srcRect/>
+          <a:stretch>
+            <a:fillRect/>
+          </a:stretch>
+        </p:blipFill>
+        <p:spPr bwMode="auto">
+          <a:xfrm>
+            <a:off x="1149626" y="2546789"/>
+            <a:ext cx="4029075" cy="2114550"/>
+          </a:xfrm>
+          <a:prstGeom prst="rect">
+            <a:avLst/>
+          </a:prstGeom>
+          <a:noFill/>
+          <a:extLst>
+            <a:ext uri="{909E8E84-426E-40DD-AFC4-6F175D3DCCD1}">
+              <a14:hiddenFill xmlns:a14="http://schemas.microsoft.com/office/drawing/2010/main">
+                <a:solidFill>
+                  <a:srgbClr val="FFFFFF"/>
+                </a:solidFill>
+              </a14:hiddenFill>
+            </a:ext>
+          </a:extLst>
+        </p:spPr>
+      </p:pic>
+      <p:sp>
+        <p:nvSpPr>
+          <p:cNvPr id="9" name="AutoShape 14" descr="pixel shuffle">
+            <a:extLst>
+              <a:ext uri="{FF2B5EF4-FFF2-40B4-BE49-F238E27FC236}">
+                <a16:creationId xmlns:a16="http://schemas.microsoft.com/office/drawing/2014/main" id="{B7331AE6-7D0E-46E5-BEA3-60603747CBB9}"/>
+              </a:ext>
+            </a:extLst>
+          </p:cNvPr>
+          <p:cNvSpPr>
+            <a:spLocks noChangeAspect="1" noChangeArrowheads="1"/>
+          </p:cNvSpPr>
+          <p:nvPr/>
+        </p:nvSpPr>
+        <p:spPr bwMode="auto">
+          <a:xfrm>
+            <a:off x="5943600" y="3276600"/>
+            <a:ext cx="304800" cy="304800"/>
+          </a:xfrm>
+          <a:prstGeom prst="rect">
+            <a:avLst/>
+          </a:prstGeom>
+          <a:noFill/>
+          <a:extLst>
+            <a:ext uri="{909E8E84-426E-40DD-AFC4-6F175D3DCCD1}">
+              <a14:hiddenFill xmlns:a14="http://schemas.microsoft.com/office/drawing/2010/main">
+                <a:solidFill>
+                  <a:srgbClr val="FFFFFF"/>
+                </a:solidFill>
+              </a14:hiddenFill>
+            </a:ext>
+          </a:extLst>
+        </p:spPr>
+        <p:txBody>
+          <a:bodyPr vert="horz" wrap="square" lIns="91440" tIns="45720" rIns="91440" bIns="45720" numCol="1" anchor="t" anchorCtr="0" compatLnSpc="1">
+            <a:prstTxWarp prst="textNoShape">
+              <a:avLst/>
+            </a:prstTxWarp>
+          </a:bodyPr>
+          <a:lstStyle/>
+          <a:p>
+            <a:endParaRPr lang="en-US"/>
+          </a:p>
+        </p:txBody>
+      </p:sp>
+      <p:pic>
+        <p:nvPicPr>
+          <p:cNvPr id="10" name="Picture 9">
+            <a:extLst>
+              <a:ext uri="{FF2B5EF4-FFF2-40B4-BE49-F238E27FC236}">
+                <a16:creationId xmlns:a16="http://schemas.microsoft.com/office/drawing/2014/main" id="{BBFFE6D1-3E26-4D5A-88C0-F932F1539EC1}"/>
+              </a:ext>
+            </a:extLst>
+          </p:cNvPr>
+          <p:cNvPicPr>
+            <a:picLocks noChangeAspect="1"/>
+          </p:cNvPicPr>
+          <p:nvPr/>
+        </p:nvPicPr>
+        <p:blipFill>
+          <a:blip r:embed="rId3"/>
+          <a:stretch>
+            <a:fillRect/>
+          </a:stretch>
+        </p:blipFill>
+        <p:spPr>
+          <a:xfrm>
+            <a:off x="6784699" y="2125998"/>
+            <a:ext cx="4346300" cy="2535341"/>
+          </a:xfrm>
+          <a:prstGeom prst="rect">
+            <a:avLst/>
+          </a:prstGeom>
+        </p:spPr>
+      </p:pic>
+      <p:sp>
+        <p:nvSpPr>
+          <p:cNvPr id="16" name="Title 1">
+            <a:extLst>
+              <a:ext uri="{FF2B5EF4-FFF2-40B4-BE49-F238E27FC236}">
+                <a16:creationId xmlns:a16="http://schemas.microsoft.com/office/drawing/2014/main" id="{ECC85ADD-5567-4C9D-BBD2-AD9F74253BD3}"/>
+              </a:ext>
+            </a:extLst>
+          </p:cNvPr>
+          <p:cNvSpPr txBox="1">
+            <a:spLocks/>
+          </p:cNvSpPr>
+          <p:nvPr/>
+        </p:nvSpPr>
+        <p:spPr>
+          <a:xfrm>
+            <a:off x="838200" y="19844"/>
+            <a:ext cx="10515600" cy="814766"/>
+          </a:xfrm>
+          <a:prstGeom prst="rect">
+            <a:avLst/>
+          </a:prstGeom>
+        </p:spPr>
+        <p:txBody>
+          <a:bodyPr vert="horz" lIns="91440" tIns="45720" rIns="91440" bIns="45720" rtlCol="0" anchor="ctr">
+            <a:noAutofit/>
+          </a:bodyPr>
+          <a:lstStyle>
+            <a:lvl1pPr algn="l" defTabSz="914400" rtl="0" eaLnBrk="1" latinLnBrk="0" hangingPunct="1">
+              <a:lnSpc>
+                <a:spcPct val="90000"/>
+              </a:lnSpc>
+              <a:spcBef>
+                <a:spcPct val="0"/>
+              </a:spcBef>
+              <a:buNone/>
+              <a:defRPr sz="4000" kern="1200">
+                <a:solidFill>
+                  <a:schemeClr val="bg1"/>
+                </a:solidFill>
+                <a:latin typeface="Arial" panose="020B0604020202020204" pitchFamily="34" charset="0"/>
+                <a:ea typeface="+mj-ea"/>
+                <a:cs typeface="Arial" panose="020B0604020202020204" pitchFamily="34" charset="0"/>
+              </a:defRPr>
+            </a:lvl1pPr>
+          </a:lstStyle>
+          <a:p>
+            <a:r>
+              <a:rPr lang="vi-VN"/>
+              <a:t>Segmentation problem</a:t>
+            </a:r>
+            <a:endParaRPr lang="en-US" dirty="0"/>
+          </a:p>
+        </p:txBody>
+      </p:sp>
+    </p:spTree>
+    <p:extLst>
+      <p:ext uri="{BB962C8B-B14F-4D97-AF65-F5344CB8AC3E}">
+        <p14:creationId xmlns:p14="http://schemas.microsoft.com/office/powerpoint/2010/main" val="1520454584"/>
+      </p:ext>
+    </p:extLst>
+  </p:cSld>
+  <p:clrMapOvr>
+    <a:masterClrMapping/>
+  </p:clrMapOvr>
+</p:sld>
+</file>
+
+<file path=ppt/slides/slide13.xml><?xml version="1.0" encoding="utf-8"?>
+<p:sld xmlns:a="http://schemas.openxmlformats.org/drawingml/2006/main" xmlns:r="http://schemas.openxmlformats.org/officeDocument/2006/relationships" xmlns:p="http://schemas.openxmlformats.org/presentationml/2006/main">
+  <p:cSld>
+    <p:spTree>
+      <p:nvGrpSpPr>
+        <p:cNvPr id="1" name=""/>
+        <p:cNvGrpSpPr/>
+        <p:nvPr/>
+      </p:nvGrpSpPr>
+      <p:grpSpPr>
+        <a:xfrm>
+          <a:off x="0" y="0"/>
+          <a:ext cx="0" cy="0"/>
+          <a:chOff x="0" y="0"/>
+          <a:chExt cx="0" cy="0"/>
+        </a:xfrm>
+      </p:grpSpPr>
+      <p:sp>
+        <p:nvSpPr>
+          <p:cNvPr id="2" name="Title 1">
+            <a:extLst>
+              <a:ext uri="{FF2B5EF4-FFF2-40B4-BE49-F238E27FC236}">
+                <a16:creationId xmlns:a16="http://schemas.microsoft.com/office/drawing/2014/main" id="{D19420A4-7649-4B7F-BAB4-68A12DC6CDDB}"/>
+              </a:ext>
+            </a:extLst>
+          </p:cNvPr>
+          <p:cNvSpPr>
+            <a:spLocks noGrp="1"/>
+          </p:cNvSpPr>
+          <p:nvPr>
+            <p:ph type="title"/>
+          </p:nvPr>
+        </p:nvSpPr>
+        <p:spPr/>
+        <p:txBody>
+          <a:bodyPr/>
+          <a:lstStyle/>
+          <a:p>
+            <a:r>
+              <a:rPr lang="vi-VN" dirty="0"/>
+              <a:t>Segmentation problem</a:t>
+            </a:r>
+            <a:endParaRPr lang="en-US" dirty="0"/>
+          </a:p>
+        </p:txBody>
+      </p:sp>
+      <p:sp>
+        <p:nvSpPr>
+          <p:cNvPr id="3" name="Content Placeholder 2">
+            <a:extLst>
+              <a:ext uri="{FF2B5EF4-FFF2-40B4-BE49-F238E27FC236}">
+                <a16:creationId xmlns:a16="http://schemas.microsoft.com/office/drawing/2014/main" id="{5E792892-6E21-4A0F-8522-D2633EA3B1CB}"/>
+              </a:ext>
+            </a:extLst>
+          </p:cNvPr>
+          <p:cNvSpPr>
+            <a:spLocks noGrp="1"/>
+          </p:cNvSpPr>
+          <p:nvPr>
+            <p:ph idx="1"/>
+          </p:nvPr>
+        </p:nvSpPr>
+        <p:spPr/>
+        <p:txBody>
+          <a:bodyPr/>
+          <a:lstStyle/>
+          <a:p>
+            <a:pPr marL="0" indent="0">
+              <a:buNone/>
+            </a:pPr>
+            <a:r>
+              <a:rPr lang="en-US" dirty="0"/>
+              <a:t>Some other techniques:</a:t>
+            </a:r>
+          </a:p>
+          <a:p>
+            <a:pPr>
+              <a:buFontTx/>
+              <a:buChar char="-"/>
+            </a:pPr>
+            <a:r>
+              <a:rPr lang="en-US" dirty="0"/>
+              <a:t>Augmentation</a:t>
+            </a:r>
+          </a:p>
+          <a:p>
+            <a:pPr lvl="1"/>
+            <a:r>
+              <a:rPr lang="en-US" dirty="0"/>
+              <a:t>Random flip, crop, blur, brightness</a:t>
+            </a:r>
+          </a:p>
+          <a:p>
+            <a:pPr lvl="1"/>
+            <a:endParaRPr lang="en-US" dirty="0"/>
+          </a:p>
+          <a:p>
+            <a:endParaRPr lang="en-US" dirty="0"/>
+          </a:p>
+          <a:p>
+            <a:pPr>
+              <a:buFontTx/>
+              <a:buChar char="-"/>
+            </a:pPr>
+            <a:endParaRPr lang="en-US" dirty="0"/>
+          </a:p>
+          <a:p>
+            <a:pPr>
+              <a:buFontTx/>
+              <a:buChar char="-"/>
+            </a:pPr>
+            <a:endParaRPr lang="en-US" dirty="0"/>
+          </a:p>
+          <a:p>
+            <a:pPr>
+              <a:buFontTx/>
+              <a:buChar char="-"/>
+            </a:pPr>
+            <a:endParaRPr lang="en-US" dirty="0"/>
+          </a:p>
+          <a:p>
+            <a:pPr>
+              <a:buFontTx/>
+              <a:buChar char="-"/>
+            </a:pPr>
+            <a:endParaRPr lang="en-US" dirty="0"/>
+          </a:p>
+          <a:p>
+            <a:pPr>
+              <a:buFontTx/>
+              <a:buChar char="-"/>
+            </a:pPr>
+            <a:endParaRPr lang="en-US" dirty="0"/>
+          </a:p>
+          <a:p>
+            <a:pPr>
+              <a:buFontTx/>
+              <a:buChar char="-"/>
+            </a:pPr>
+            <a:endParaRPr lang="en-US" dirty="0"/>
+          </a:p>
+        </p:txBody>
+      </p:sp>
+      <p:sp>
+        <p:nvSpPr>
+          <p:cNvPr id="4" name="Footer Placeholder 3">
+            <a:extLst>
+              <a:ext uri="{FF2B5EF4-FFF2-40B4-BE49-F238E27FC236}">
+                <a16:creationId xmlns:a16="http://schemas.microsoft.com/office/drawing/2014/main" id="{3DD5C21A-E039-4E83-BC5F-A8B77C140E99}"/>
+              </a:ext>
+            </a:extLst>
+          </p:cNvPr>
+          <p:cNvSpPr>
+            <a:spLocks noGrp="1"/>
+          </p:cNvSpPr>
+          <p:nvPr>
+            <p:ph type="ftr" sz="quarter" idx="11"/>
+          </p:nvPr>
+        </p:nvSpPr>
+        <p:spPr/>
+        <p:txBody>
+          <a:bodyPr/>
+          <a:lstStyle/>
+          <a:p>
+            <a:r>
+              <a:rPr lang="en-US"/>
+              <a:t>Copyright©2020  VinBrain-Vingroup. All rights reserved.</a:t>
+            </a:r>
+            <a:endParaRPr lang="en-AU"/>
+          </a:p>
+        </p:txBody>
+      </p:sp>
+      <p:graphicFrame>
+        <p:nvGraphicFramePr>
+          <p:cNvPr id="5" name="Table 4">
+            <a:extLst>
+              <a:ext uri="{FF2B5EF4-FFF2-40B4-BE49-F238E27FC236}">
+                <a16:creationId xmlns:a16="http://schemas.microsoft.com/office/drawing/2014/main" id="{8E972834-0A2B-4A1A-8917-2944C9331CE2}"/>
+              </a:ext>
+            </a:extLst>
+          </p:cNvPr>
+          <p:cNvGraphicFramePr>
+            <a:graphicFrameLocks noGrp="1"/>
+          </p:cNvGraphicFramePr>
+          <p:nvPr>
+            <p:extLst>
+              <p:ext uri="{D42A27DB-BD31-4B8C-83A1-F6EECF244321}">
+                <p14:modId xmlns:p14="http://schemas.microsoft.com/office/powerpoint/2010/main" val="3062802548"/>
+              </p:ext>
+            </p:extLst>
+          </p:nvPr>
+        </p:nvGraphicFramePr>
+        <p:xfrm>
+          <a:off x="2835965" y="2521719"/>
+          <a:ext cx="6109251" cy="2828925"/>
+        </p:xfrm>
+        <a:graphic>
+          <a:graphicData uri="http://schemas.openxmlformats.org/drawingml/2006/table">
+            <a:tbl>
+              <a:tblPr bandRow="1">
+                <a:tableStyleId>{7DF18680-E054-41AD-8BC1-D1AEF772440D}</a:tableStyleId>
+              </a:tblPr>
+              <a:tblGrid>
+                <a:gridCol w="3166575">
+                  <a:extLst>
+                    <a:ext uri="{9D8B030D-6E8A-4147-A177-3AD203B41FA5}">
+                      <a16:colId xmlns:a16="http://schemas.microsoft.com/office/drawing/2014/main" val="1019428410"/>
+                    </a:ext>
+                  </a:extLst>
+                </a:gridCol>
+                <a:gridCol w="1551302">
+                  <a:extLst>
+                    <a:ext uri="{9D8B030D-6E8A-4147-A177-3AD203B41FA5}">
+                      <a16:colId xmlns:a16="http://schemas.microsoft.com/office/drawing/2014/main" val="3813440982"/>
+                    </a:ext>
+                  </a:extLst>
+                </a:gridCol>
+                <a:gridCol w="1391374">
+                  <a:extLst>
+                    <a:ext uri="{9D8B030D-6E8A-4147-A177-3AD203B41FA5}">
+                      <a16:colId xmlns:a16="http://schemas.microsoft.com/office/drawing/2014/main" val="2992551261"/>
+                    </a:ext>
+                  </a:extLst>
+                </a:gridCol>
+              </a:tblGrid>
+              <a:tr h="260708">
+                <a:tc gridSpan="2">
+                  <a:txBody>
+                    <a:bodyPr/>
+                    <a:lstStyle/>
+                    <a:p>
+                      <a:pPr algn="ctr" fontAlgn="b"/>
+                      <a:r>
+                        <a:rPr lang="en-US" sz="2000" u="none" strike="noStrike" dirty="0">
+                          <a:effectLst/>
+                        </a:rPr>
+                        <a:t>Model - backbone</a:t>
+                      </a:r>
+                      <a:endParaRPr lang="en-US" sz="2000" b="0" i="0" u="none" strike="noStrike" dirty="0">
+                        <a:solidFill>
+                          <a:srgbClr val="000000"/>
+                        </a:solidFill>
+                        <a:effectLst/>
+                        <a:latin typeface="Calibri" panose="020F0502020204030204" pitchFamily="34" charset="0"/>
+                      </a:endParaRPr>
+                    </a:p>
+                  </a:txBody>
+                  <a:tcPr marL="9525" marR="9525" marT="9525" marB="0" anchor="b"/>
+                </a:tc>
+                <a:tc hMerge="1">
+                  <a:txBody>
+                    <a:bodyPr/>
+                    <a:lstStyle/>
+                    <a:p>
+                      <a:endParaRPr lang="en-US"/>
+                    </a:p>
+                  </a:txBody>
+                  <a:tcPr/>
+                </a:tc>
+                <a:tc>
+                  <a:txBody>
+                    <a:bodyPr/>
+                    <a:lstStyle/>
+                    <a:p>
+                      <a:pPr algn="l" fontAlgn="b"/>
+                      <a:r>
+                        <a:rPr lang="en-US" sz="2000" u="none" strike="noStrike">
+                          <a:effectLst/>
+                        </a:rPr>
+                        <a:t>Dice score</a:t>
+                      </a:r>
+                      <a:endParaRPr lang="en-US" sz="2000" b="0" i="0" u="none" strike="noStrike">
+                        <a:solidFill>
+                          <a:srgbClr val="000000"/>
+                        </a:solidFill>
+                        <a:effectLst/>
+                        <a:latin typeface="Calibri" panose="020F0502020204030204" pitchFamily="34" charset="0"/>
+                      </a:endParaRPr>
+                    </a:p>
+                  </a:txBody>
+                  <a:tcPr marL="9525" marR="9525" marT="9525" marB="0" anchor="b"/>
+                </a:tc>
+                <a:extLst>
+                  <a:ext uri="{0D108BD9-81ED-4DB2-BD59-A6C34878D82A}">
+                    <a16:rowId xmlns:a16="http://schemas.microsoft.com/office/drawing/2014/main" val="1103329326"/>
+                  </a:ext>
+                </a:extLst>
+              </a:tr>
+              <a:tr h="244259">
+                <a:tc rowSpan="4">
+                  <a:txBody>
+                    <a:bodyPr/>
+                    <a:lstStyle/>
+                    <a:p>
+                      <a:pPr algn="ctr" fontAlgn="ctr"/>
+                      <a:r>
+                        <a:rPr lang="en-US" sz="2000" u="none" strike="noStrike" dirty="0">
+                          <a:effectLst/>
+                        </a:rPr>
+                        <a:t>No augmentation</a:t>
+                      </a:r>
+                      <a:endParaRPr lang="en-US" sz="2000" b="0" i="0" u="none" strike="noStrike" dirty="0">
+                        <a:solidFill>
+                          <a:srgbClr val="000000"/>
+                        </a:solidFill>
+                        <a:effectLst/>
+                        <a:latin typeface="Calibri" panose="020F0502020204030204" pitchFamily="34" charset="0"/>
+                      </a:endParaRPr>
+                    </a:p>
+                  </a:txBody>
+                  <a:tcPr/>
+                </a:tc>
+                <a:tc>
+                  <a:txBody>
+                    <a:bodyPr/>
+                    <a:lstStyle/>
+                    <a:p>
+                      <a:pPr algn="l" fontAlgn="b"/>
+                      <a:r>
+                        <a:rPr lang="en-US" sz="2000" u="none" strike="noStrike" dirty="0">
+                          <a:effectLst/>
+                        </a:rPr>
+                        <a:t>VGG16</a:t>
+                      </a:r>
+                      <a:endParaRPr lang="en-US" sz="2000" b="0" i="0" u="none" strike="noStrike" dirty="0">
+                        <a:solidFill>
+                          <a:srgbClr val="000000"/>
+                        </a:solidFill>
+                        <a:effectLst/>
+                        <a:latin typeface="Calibri" panose="020F0502020204030204" pitchFamily="34" charset="0"/>
+                      </a:endParaRPr>
+                    </a:p>
+                  </a:txBody>
+                  <a:tcPr marL="9525" marR="9525" marT="9525" marB="0" anchor="b"/>
+                </a:tc>
+                <a:tc>
+                  <a:txBody>
+                    <a:bodyPr/>
+                    <a:lstStyle/>
+                    <a:p>
+                      <a:pPr algn="r" fontAlgn="b"/>
+                      <a:r>
+                        <a:rPr lang="en-US" sz="2000" u="none" strike="noStrike" dirty="0">
+                          <a:effectLst/>
+                        </a:rPr>
+                        <a:t>78.57</a:t>
+                      </a:r>
+                      <a:endParaRPr lang="en-US" sz="2000" b="0" i="0" u="none" strike="noStrike" dirty="0">
+                        <a:solidFill>
+                          <a:srgbClr val="000000"/>
+                        </a:solidFill>
+                        <a:effectLst/>
+                        <a:latin typeface="Calibri" panose="020F0502020204030204" pitchFamily="34" charset="0"/>
+                      </a:endParaRPr>
+                    </a:p>
+                  </a:txBody>
+                  <a:tcPr marL="9525" marR="9525" marT="9525" marB="0" anchor="b"/>
+                </a:tc>
+                <a:extLst>
+                  <a:ext uri="{0D108BD9-81ED-4DB2-BD59-A6C34878D82A}">
+                    <a16:rowId xmlns:a16="http://schemas.microsoft.com/office/drawing/2014/main" val="2063250722"/>
+                  </a:ext>
+                </a:extLst>
+              </a:tr>
+              <a:tr h="244259">
+                <a:tc vMerge="1">
+                  <a:txBody>
+                    <a:bodyPr/>
+                    <a:lstStyle/>
+                    <a:p>
+                      <a:endParaRPr lang="en-US"/>
+                    </a:p>
+                  </a:txBody>
+                  <a:tcPr/>
+                </a:tc>
+                <a:tc>
+                  <a:txBody>
+                    <a:bodyPr/>
+                    <a:lstStyle/>
+                    <a:p>
+                      <a:pPr algn="l" fontAlgn="b"/>
+                      <a:r>
+                        <a:rPr lang="en-US" sz="2000" u="none" strike="noStrike" dirty="0">
+                          <a:effectLst/>
+                        </a:rPr>
+                        <a:t>Resnet18</a:t>
+                      </a:r>
+                      <a:endParaRPr lang="en-US" sz="2000" b="0" i="0" u="none" strike="noStrike" dirty="0">
+                        <a:solidFill>
+                          <a:srgbClr val="000000"/>
+                        </a:solidFill>
+                        <a:effectLst/>
+                        <a:latin typeface="Calibri" panose="020F0502020204030204" pitchFamily="34" charset="0"/>
+                      </a:endParaRPr>
+                    </a:p>
+                  </a:txBody>
+                  <a:tcPr marL="9525" marR="9525" marT="9525" marB="0" anchor="b"/>
+                </a:tc>
+                <a:tc>
+                  <a:txBody>
+                    <a:bodyPr/>
+                    <a:lstStyle/>
+                    <a:p>
+                      <a:pPr algn="r" fontAlgn="b"/>
+                      <a:r>
+                        <a:rPr lang="en-US" sz="2000" u="none" strike="noStrike">
+                          <a:effectLst/>
+                        </a:rPr>
+                        <a:t>79.59</a:t>
+                      </a:r>
+                      <a:endParaRPr lang="en-US" sz="2000" b="0" i="0" u="none" strike="noStrike">
+                        <a:solidFill>
+                          <a:srgbClr val="000000"/>
+                        </a:solidFill>
+                        <a:effectLst/>
+                        <a:latin typeface="Calibri" panose="020F0502020204030204" pitchFamily="34" charset="0"/>
+                      </a:endParaRPr>
+                    </a:p>
+                  </a:txBody>
+                  <a:tcPr marL="9525" marR="9525" marT="9525" marB="0" anchor="b"/>
+                </a:tc>
+                <a:extLst>
+                  <a:ext uri="{0D108BD9-81ED-4DB2-BD59-A6C34878D82A}">
+                    <a16:rowId xmlns:a16="http://schemas.microsoft.com/office/drawing/2014/main" val="2305090134"/>
+                  </a:ext>
+                </a:extLst>
+              </a:tr>
+              <a:tr h="244259">
+                <a:tc vMerge="1">
+                  <a:txBody>
+                    <a:bodyPr/>
+                    <a:lstStyle/>
+                    <a:p>
+                      <a:endParaRPr lang="en-US"/>
+                    </a:p>
+                  </a:txBody>
+                  <a:tcPr/>
+                </a:tc>
+                <a:tc>
+                  <a:txBody>
+                    <a:bodyPr/>
+                    <a:lstStyle/>
+                    <a:p>
+                      <a:pPr algn="l" fontAlgn="b"/>
+                      <a:r>
+                        <a:rPr lang="en-US" sz="2000" u="none" strike="noStrike">
+                          <a:effectLst/>
+                        </a:rPr>
+                        <a:t>densenet121</a:t>
+                      </a:r>
+                      <a:endParaRPr lang="en-US" sz="2000" b="0" i="0" u="none" strike="noStrike">
+                        <a:solidFill>
+                          <a:srgbClr val="000000"/>
+                        </a:solidFill>
+                        <a:effectLst/>
+                        <a:latin typeface="Calibri" panose="020F0502020204030204" pitchFamily="34" charset="0"/>
+                      </a:endParaRPr>
+                    </a:p>
+                  </a:txBody>
+                  <a:tcPr marL="9525" marR="9525" marT="9525" marB="0" anchor="b"/>
+                </a:tc>
+                <a:tc>
+                  <a:txBody>
+                    <a:bodyPr/>
+                    <a:lstStyle/>
+                    <a:p>
+                      <a:pPr algn="r" fontAlgn="b"/>
+                      <a:r>
+                        <a:rPr lang="en-US" sz="2000" u="none" strike="noStrike">
+                          <a:effectLst/>
+                        </a:rPr>
+                        <a:t>80.4</a:t>
+                      </a:r>
+                      <a:endParaRPr lang="en-US" sz="2000" b="0" i="0" u="none" strike="noStrike">
+                        <a:solidFill>
+                          <a:srgbClr val="000000"/>
+                        </a:solidFill>
+                        <a:effectLst/>
+                        <a:latin typeface="Calibri" panose="020F0502020204030204" pitchFamily="34" charset="0"/>
+                      </a:endParaRPr>
+                    </a:p>
+                  </a:txBody>
+                  <a:tcPr marL="9525" marR="9525" marT="9525" marB="0" anchor="b"/>
+                </a:tc>
+                <a:extLst>
+                  <a:ext uri="{0D108BD9-81ED-4DB2-BD59-A6C34878D82A}">
+                    <a16:rowId xmlns:a16="http://schemas.microsoft.com/office/drawing/2014/main" val="2615707170"/>
+                  </a:ext>
+                </a:extLst>
+              </a:tr>
+              <a:tr h="244259">
+                <a:tc vMerge="1">
+                  <a:txBody>
+                    <a:bodyPr/>
+                    <a:lstStyle/>
+                    <a:p>
+                      <a:endParaRPr lang="en-US"/>
+                    </a:p>
+                  </a:txBody>
+                  <a:tcPr/>
+                </a:tc>
+                <a:tc>
+                  <a:txBody>
+                    <a:bodyPr/>
+                    <a:lstStyle/>
+                    <a:p>
+                      <a:pPr algn="l" fontAlgn="b"/>
+                      <a:r>
+                        <a:rPr lang="en-US" sz="2000" u="none" strike="noStrike">
+                          <a:effectLst/>
+                        </a:rPr>
+                        <a:t>efficientnetB0</a:t>
+                      </a:r>
+                      <a:endParaRPr lang="en-US" sz="2000" b="0" i="0" u="none" strike="noStrike">
+                        <a:solidFill>
+                          <a:srgbClr val="000000"/>
+                        </a:solidFill>
+                        <a:effectLst/>
+                        <a:latin typeface="Calibri" panose="020F0502020204030204" pitchFamily="34" charset="0"/>
+                      </a:endParaRPr>
+                    </a:p>
+                  </a:txBody>
+                  <a:tcPr marL="9525" marR="9525" marT="9525" marB="0" anchor="b"/>
+                </a:tc>
+                <a:tc>
+                  <a:txBody>
+                    <a:bodyPr/>
+                    <a:lstStyle/>
+                    <a:p>
+                      <a:pPr algn="r" fontAlgn="b"/>
+                      <a:r>
+                        <a:rPr lang="en-US" sz="2000" u="none" strike="noStrike" dirty="0">
+                          <a:effectLst/>
+                        </a:rPr>
+                        <a:t>80.73</a:t>
+                      </a:r>
+                      <a:endParaRPr lang="en-US" sz="2000" b="0" i="0" u="none" strike="noStrike" dirty="0">
+                        <a:solidFill>
+                          <a:srgbClr val="000000"/>
+                        </a:solidFill>
+                        <a:effectLst/>
+                        <a:latin typeface="Calibri" panose="020F0502020204030204" pitchFamily="34" charset="0"/>
+                      </a:endParaRPr>
+                    </a:p>
+                  </a:txBody>
+                  <a:tcPr marL="9525" marR="9525" marT="9525" marB="0" anchor="b"/>
+                </a:tc>
+                <a:extLst>
+                  <a:ext uri="{0D108BD9-81ED-4DB2-BD59-A6C34878D82A}">
+                    <a16:rowId xmlns:a16="http://schemas.microsoft.com/office/drawing/2014/main" val="1851621635"/>
+                  </a:ext>
+                </a:extLst>
+              </a:tr>
+              <a:tr h="244259">
+                <a:tc rowSpan="4">
+                  <a:txBody>
+                    <a:bodyPr/>
+                    <a:lstStyle/>
+                    <a:p>
+                      <a:pPr algn="ctr" fontAlgn="ctr"/>
+                      <a:r>
+                        <a:rPr lang="en-US" sz="2000" u="none" strike="noStrike" dirty="0">
+                          <a:effectLst/>
+                        </a:rPr>
+                        <a:t>Augmentation</a:t>
+                      </a:r>
+                      <a:endParaRPr lang="en-US" sz="2000" b="0" i="0" u="none" strike="noStrike" dirty="0">
+                        <a:solidFill>
+                          <a:srgbClr val="000000"/>
+                        </a:solidFill>
+                        <a:effectLst/>
+                        <a:latin typeface="Calibri" panose="020F0502020204030204" pitchFamily="34" charset="0"/>
+                      </a:endParaRPr>
+                    </a:p>
+                  </a:txBody>
+                  <a:tcPr/>
+                </a:tc>
+                <a:tc>
+                  <a:txBody>
+                    <a:bodyPr/>
+                    <a:lstStyle/>
+                    <a:p>
+                      <a:pPr algn="l" fontAlgn="b"/>
+                      <a:r>
+                        <a:rPr lang="en-US" sz="2000" u="none" strike="noStrike">
+                          <a:effectLst/>
+                        </a:rPr>
+                        <a:t>VGG16</a:t>
+                      </a:r>
+                      <a:endParaRPr lang="en-US" sz="2000" b="0" i="0" u="none" strike="noStrike">
+                        <a:solidFill>
+                          <a:srgbClr val="000000"/>
+                        </a:solidFill>
+                        <a:effectLst/>
+                        <a:latin typeface="Calibri" panose="020F0502020204030204" pitchFamily="34" charset="0"/>
+                      </a:endParaRPr>
+                    </a:p>
+                  </a:txBody>
+                  <a:tcPr marL="9525" marR="9525" marT="9525" marB="0" anchor="b"/>
+                </a:tc>
+                <a:tc>
+                  <a:txBody>
+                    <a:bodyPr/>
+                    <a:lstStyle/>
+                    <a:p>
+                      <a:pPr algn="r" fontAlgn="b"/>
+                      <a:r>
+                        <a:rPr lang="en-US" sz="2000" u="none" strike="noStrike" dirty="0">
+                          <a:effectLst/>
+                        </a:rPr>
+                        <a:t>78.49</a:t>
+                      </a:r>
+                      <a:endParaRPr lang="en-US" sz="2000" b="0" i="0" u="none" strike="noStrike" dirty="0">
+                        <a:solidFill>
+                          <a:srgbClr val="000000"/>
+                        </a:solidFill>
+                        <a:effectLst/>
+                        <a:latin typeface="Calibri" panose="020F0502020204030204" pitchFamily="34" charset="0"/>
+                      </a:endParaRPr>
+                    </a:p>
+                  </a:txBody>
+                  <a:tcPr marL="9525" marR="9525" marT="9525" marB="0" anchor="b"/>
+                </a:tc>
+                <a:extLst>
+                  <a:ext uri="{0D108BD9-81ED-4DB2-BD59-A6C34878D82A}">
+                    <a16:rowId xmlns:a16="http://schemas.microsoft.com/office/drawing/2014/main" val="1859859513"/>
+                  </a:ext>
+                </a:extLst>
+              </a:tr>
+              <a:tr h="244259">
+                <a:tc vMerge="1">
+                  <a:txBody>
+                    <a:bodyPr/>
+                    <a:lstStyle/>
+                    <a:p>
+                      <a:endParaRPr lang="en-US"/>
+                    </a:p>
+                  </a:txBody>
+                  <a:tcPr/>
+                </a:tc>
+                <a:tc>
+                  <a:txBody>
+                    <a:bodyPr/>
+                    <a:lstStyle/>
+                    <a:p>
+                      <a:pPr algn="l" fontAlgn="b"/>
+                      <a:r>
+                        <a:rPr lang="en-US" sz="2000" u="none" strike="noStrike">
+                          <a:effectLst/>
+                        </a:rPr>
+                        <a:t>Resnet18</a:t>
+                      </a:r>
+                      <a:endParaRPr lang="en-US" sz="2000" b="0" i="0" u="none" strike="noStrike">
+                        <a:solidFill>
+                          <a:srgbClr val="000000"/>
+                        </a:solidFill>
+                        <a:effectLst/>
+                        <a:latin typeface="Calibri" panose="020F0502020204030204" pitchFamily="34" charset="0"/>
+                      </a:endParaRPr>
+                    </a:p>
+                  </a:txBody>
+                  <a:tcPr marL="9525" marR="9525" marT="9525" marB="0" anchor="b"/>
+                </a:tc>
+                <a:tc>
+                  <a:txBody>
+                    <a:bodyPr/>
+                    <a:lstStyle/>
+                    <a:p>
+                      <a:pPr algn="r" fontAlgn="b"/>
+                      <a:r>
+                        <a:rPr lang="en-US" sz="2000" u="none" strike="noStrike">
+                          <a:effectLst/>
+                        </a:rPr>
+                        <a:t>82.24</a:t>
+                      </a:r>
+                      <a:endParaRPr lang="en-US" sz="2000" b="0" i="0" u="none" strike="noStrike">
+                        <a:solidFill>
+                          <a:srgbClr val="000000"/>
+                        </a:solidFill>
+                        <a:effectLst/>
+                        <a:latin typeface="Calibri" panose="020F0502020204030204" pitchFamily="34" charset="0"/>
+                      </a:endParaRPr>
+                    </a:p>
+                  </a:txBody>
+                  <a:tcPr marL="9525" marR="9525" marT="9525" marB="0" anchor="b"/>
+                </a:tc>
+                <a:extLst>
+                  <a:ext uri="{0D108BD9-81ED-4DB2-BD59-A6C34878D82A}">
+                    <a16:rowId xmlns:a16="http://schemas.microsoft.com/office/drawing/2014/main" val="321923609"/>
+                  </a:ext>
+                </a:extLst>
+              </a:tr>
+              <a:tr h="244259">
+                <a:tc vMerge="1">
+                  <a:txBody>
+                    <a:bodyPr/>
+                    <a:lstStyle/>
+                    <a:p>
+                      <a:endParaRPr lang="en-US"/>
+                    </a:p>
+                  </a:txBody>
+                  <a:tcPr/>
+                </a:tc>
+                <a:tc>
+                  <a:txBody>
+                    <a:bodyPr/>
+                    <a:lstStyle/>
+                    <a:p>
+                      <a:pPr algn="l" fontAlgn="b"/>
+                      <a:r>
+                        <a:rPr lang="en-US" sz="2000" u="none" strike="noStrike">
+                          <a:effectLst/>
+                        </a:rPr>
+                        <a:t>densenet121</a:t>
+                      </a:r>
+                      <a:endParaRPr lang="en-US" sz="2000" b="0" i="0" u="none" strike="noStrike">
+                        <a:solidFill>
+                          <a:srgbClr val="000000"/>
+                        </a:solidFill>
+                        <a:effectLst/>
+                        <a:latin typeface="Calibri" panose="020F0502020204030204" pitchFamily="34" charset="0"/>
+                      </a:endParaRPr>
+                    </a:p>
+                  </a:txBody>
+                  <a:tcPr marL="9525" marR="9525" marT="9525" marB="0" anchor="b"/>
+                </a:tc>
+                <a:tc>
+                  <a:txBody>
+                    <a:bodyPr/>
+                    <a:lstStyle/>
+                    <a:p>
+                      <a:pPr algn="r" fontAlgn="b"/>
+                      <a:r>
+                        <a:rPr lang="en-US" sz="2000" u="none" strike="noStrike" dirty="0">
+                          <a:effectLst/>
+                        </a:rPr>
+                        <a:t>82.41</a:t>
+                      </a:r>
+                      <a:endParaRPr lang="en-US" sz="2000" b="0" i="0" u="none" strike="noStrike" dirty="0">
+                        <a:solidFill>
+                          <a:srgbClr val="000000"/>
+                        </a:solidFill>
+                        <a:effectLst/>
+                        <a:latin typeface="Calibri" panose="020F0502020204030204" pitchFamily="34" charset="0"/>
+                      </a:endParaRPr>
+                    </a:p>
+                  </a:txBody>
+                  <a:tcPr marL="9525" marR="9525" marT="9525" marB="0" anchor="b"/>
+                </a:tc>
+                <a:extLst>
+                  <a:ext uri="{0D108BD9-81ED-4DB2-BD59-A6C34878D82A}">
+                    <a16:rowId xmlns:a16="http://schemas.microsoft.com/office/drawing/2014/main" val="2988167385"/>
+                  </a:ext>
+                </a:extLst>
+              </a:tr>
+              <a:tr h="244259">
+                <a:tc vMerge="1">
+                  <a:txBody>
+                    <a:bodyPr/>
+                    <a:lstStyle/>
+                    <a:p>
+                      <a:endParaRPr lang="en-US"/>
+                    </a:p>
+                  </a:txBody>
+                  <a:tcPr/>
+                </a:tc>
+                <a:tc>
+                  <a:txBody>
+                    <a:bodyPr/>
+                    <a:lstStyle/>
+                    <a:p>
+                      <a:pPr algn="l" fontAlgn="b"/>
+                      <a:r>
+                        <a:rPr lang="en-US" sz="2000" u="none" strike="noStrike">
+                          <a:effectLst/>
+                        </a:rPr>
+                        <a:t>efficientnetB0</a:t>
+                      </a:r>
+                      <a:endParaRPr lang="en-US" sz="2000" b="0" i="0" u="none" strike="noStrike">
+                        <a:solidFill>
+                          <a:srgbClr val="000000"/>
+                        </a:solidFill>
+                        <a:effectLst/>
+                        <a:latin typeface="Calibri" panose="020F0502020204030204" pitchFamily="34" charset="0"/>
+                      </a:endParaRPr>
+                    </a:p>
+                  </a:txBody>
+                  <a:tcPr marL="9525" marR="9525" marT="9525" marB="0" anchor="b"/>
+                </a:tc>
+                <a:tc>
+                  <a:txBody>
+                    <a:bodyPr/>
+                    <a:lstStyle/>
+                    <a:p>
+                      <a:pPr algn="r" fontAlgn="b"/>
+                      <a:r>
+                        <a:rPr lang="en-US" sz="2000" b="1" u="none" strike="noStrike" dirty="0">
+                          <a:effectLst/>
+                        </a:rPr>
+                        <a:t>83.65</a:t>
+                      </a:r>
+                      <a:endParaRPr lang="en-US" sz="2000" b="1" i="0" u="none" strike="noStrike" dirty="0">
+                        <a:solidFill>
+                          <a:srgbClr val="000000"/>
+                        </a:solidFill>
+                        <a:effectLst/>
+                        <a:latin typeface="Calibri" panose="020F0502020204030204" pitchFamily="34" charset="0"/>
+                      </a:endParaRPr>
+                    </a:p>
+                  </a:txBody>
+                  <a:tcPr marL="9525" marR="9525" marT="9525" marB="0" anchor="b"/>
+                </a:tc>
+                <a:extLst>
+                  <a:ext uri="{0D108BD9-81ED-4DB2-BD59-A6C34878D82A}">
+                    <a16:rowId xmlns:a16="http://schemas.microsoft.com/office/drawing/2014/main" val="2796440258"/>
+                  </a:ext>
+                </a:extLst>
+              </a:tr>
+            </a:tbl>
+          </a:graphicData>
+        </a:graphic>
+      </p:graphicFrame>
+    </p:spTree>
+    <p:extLst>
+      <p:ext uri="{BB962C8B-B14F-4D97-AF65-F5344CB8AC3E}">
+        <p14:creationId xmlns:p14="http://schemas.microsoft.com/office/powerpoint/2010/main" val="3325447184"/>
+      </p:ext>
+    </p:extLst>
+  </p:cSld>
+  <p:clrMapOvr>
+    <a:masterClrMapping/>
+  </p:clrMapOvr>
+</p:sld>
+</file>
+
+<file path=ppt/slides/slide14.xml><?xml version="1.0" encoding="utf-8"?>
+<p:sld xmlns:a="http://schemas.openxmlformats.org/drawingml/2006/main" xmlns:r="http://schemas.openxmlformats.org/officeDocument/2006/relationships" xmlns:p="http://schemas.openxmlformats.org/presentationml/2006/main">
+  <p:cSld>
+    <p:spTree>
+      <p:nvGrpSpPr>
+        <p:cNvPr id="1" name=""/>
+        <p:cNvGrpSpPr/>
+        <p:nvPr/>
+      </p:nvGrpSpPr>
+      <p:grpSpPr>
+        <a:xfrm>
+          <a:off x="0" y="0"/>
+          <a:ext cx="0" cy="0"/>
+          <a:chOff x="0" y="0"/>
+          <a:chExt cx="0" cy="0"/>
+        </a:xfrm>
+      </p:grpSpPr>
+      <p:sp>
+        <p:nvSpPr>
+          <p:cNvPr id="2" name="Title 1">
+            <a:extLst>
+              <a:ext uri="{FF2B5EF4-FFF2-40B4-BE49-F238E27FC236}">
+                <a16:creationId xmlns:a16="http://schemas.microsoft.com/office/drawing/2014/main" id="{D19420A4-7649-4B7F-BAB4-68A12DC6CDDB}"/>
+              </a:ext>
+            </a:extLst>
+          </p:cNvPr>
+          <p:cNvSpPr>
+            <a:spLocks noGrp="1"/>
+          </p:cNvSpPr>
+          <p:nvPr>
+            <p:ph type="title"/>
+          </p:nvPr>
+        </p:nvSpPr>
+        <p:spPr/>
+        <p:txBody>
+          <a:bodyPr/>
+          <a:lstStyle/>
+          <a:p>
+            <a:r>
+              <a:rPr lang="vi-VN" dirty="0"/>
+              <a:t>Segmentation problem</a:t>
+            </a:r>
+            <a:endParaRPr lang="en-US" dirty="0"/>
+          </a:p>
+        </p:txBody>
+      </p:sp>
+      <p:sp>
+        <p:nvSpPr>
+          <p:cNvPr id="3" name="Content Placeholder 2">
+            <a:extLst>
+              <a:ext uri="{FF2B5EF4-FFF2-40B4-BE49-F238E27FC236}">
+                <a16:creationId xmlns:a16="http://schemas.microsoft.com/office/drawing/2014/main" id="{5E792892-6E21-4A0F-8522-D2633EA3B1CB}"/>
+              </a:ext>
+            </a:extLst>
+          </p:cNvPr>
+          <p:cNvSpPr>
+            <a:spLocks noGrp="1"/>
+          </p:cNvSpPr>
+          <p:nvPr>
+            <p:ph sz="half" idx="1"/>
+          </p:nvPr>
+        </p:nvSpPr>
+        <p:spPr>
+          <a:xfrm>
+            <a:off x="675860" y="1073149"/>
+            <a:ext cx="5181600" cy="4351338"/>
+          </a:xfrm>
+        </p:spPr>
+        <p:txBody>
+          <a:bodyPr/>
+          <a:lstStyle/>
+          <a:p>
+            <a:pPr marL="0" indent="0">
+              <a:buNone/>
+            </a:pPr>
+            <a:r>
+              <a:rPr lang="en-US" dirty="0"/>
+              <a:t>Visualize class</a:t>
+            </a:r>
+          </a:p>
+          <a:p>
+            <a:pPr marL="0" indent="0">
+              <a:buNone/>
+            </a:pPr>
+            <a:r>
+              <a:rPr lang="en-US" sz="2400" dirty="0" err="1"/>
+              <a:t>Visualuze</a:t>
+            </a:r>
+            <a:r>
+              <a:rPr lang="en-US" sz="2400" dirty="0"/>
+              <a:t> learning curb</a:t>
+            </a:r>
+            <a:endParaRPr lang="en-US" dirty="0"/>
+          </a:p>
+          <a:p>
+            <a:pPr>
+              <a:buFontTx/>
+              <a:buChar char="-"/>
+            </a:pPr>
+            <a:endParaRPr lang="en-US" dirty="0"/>
+          </a:p>
+          <a:p>
+            <a:pPr>
+              <a:buFontTx/>
+              <a:buChar char="-"/>
+            </a:pPr>
+            <a:endParaRPr lang="en-US" dirty="0"/>
+          </a:p>
+          <a:p>
+            <a:pPr>
+              <a:buFontTx/>
+              <a:buChar char="-"/>
+            </a:pPr>
+            <a:endParaRPr lang="en-US" dirty="0"/>
+          </a:p>
+          <a:p>
+            <a:pPr>
+              <a:buFontTx/>
+              <a:buChar char="-"/>
+            </a:pPr>
+            <a:endParaRPr lang="en-US" dirty="0"/>
+          </a:p>
+        </p:txBody>
+      </p:sp>
+      <p:sp>
+        <p:nvSpPr>
+          <p:cNvPr id="5" name="Content Placeholder 4">
+            <a:extLst>
+              <a:ext uri="{FF2B5EF4-FFF2-40B4-BE49-F238E27FC236}">
+                <a16:creationId xmlns:a16="http://schemas.microsoft.com/office/drawing/2014/main" id="{BD0D8F1F-DEFE-4A59-90A5-AB733DF32BAB}"/>
+              </a:ext>
+            </a:extLst>
+          </p:cNvPr>
+          <p:cNvSpPr>
+            <a:spLocks noGrp="1"/>
+          </p:cNvSpPr>
+          <p:nvPr>
+            <p:ph sz="half" idx="2"/>
+          </p:nvPr>
+        </p:nvSpPr>
+        <p:spPr>
+          <a:xfrm>
+            <a:off x="6096000" y="1604398"/>
+            <a:ext cx="5181600" cy="4351338"/>
+          </a:xfrm>
+        </p:spPr>
+        <p:txBody>
+          <a:bodyPr/>
+          <a:lstStyle/>
+          <a:p>
+            <a:pPr marL="0" indent="0">
+              <a:buNone/>
+            </a:pPr>
+            <a:r>
+              <a:rPr lang="en-US" sz="2400" dirty="0"/>
+              <a:t>Visualize image</a:t>
+            </a:r>
+          </a:p>
+          <a:p>
+            <a:endParaRPr lang="en-US" dirty="0"/>
+          </a:p>
+        </p:txBody>
+      </p:sp>
+      <p:sp>
+        <p:nvSpPr>
+          <p:cNvPr id="4" name="Footer Placeholder 3">
+            <a:extLst>
+              <a:ext uri="{FF2B5EF4-FFF2-40B4-BE49-F238E27FC236}">
+                <a16:creationId xmlns:a16="http://schemas.microsoft.com/office/drawing/2014/main" id="{3DD5C21A-E039-4E83-BC5F-A8B77C140E99}"/>
+              </a:ext>
+            </a:extLst>
+          </p:cNvPr>
+          <p:cNvSpPr>
+            <a:spLocks noGrp="1"/>
+          </p:cNvSpPr>
+          <p:nvPr>
+            <p:ph type="ftr" sz="quarter" idx="11"/>
+          </p:nvPr>
+        </p:nvSpPr>
+        <p:spPr/>
+        <p:txBody>
+          <a:bodyPr/>
+          <a:lstStyle/>
+          <a:p>
+            <a:r>
+              <a:rPr lang="en-US"/>
+              <a:t>Copyright©2020  VinBrain-Vingroup. All rights reserved.</a:t>
+            </a:r>
+            <a:endParaRPr lang="en-AU"/>
+          </a:p>
+        </p:txBody>
+      </p:sp>
+      <p:pic>
+        <p:nvPicPr>
+          <p:cNvPr id="5122" name="Picture 2">
+            <a:extLst>
+              <a:ext uri="{FF2B5EF4-FFF2-40B4-BE49-F238E27FC236}">
+                <a16:creationId xmlns:a16="http://schemas.microsoft.com/office/drawing/2014/main" id="{140CF3AB-C542-420C-AD0A-C3A89A412E62}"/>
+              </a:ext>
+            </a:extLst>
+          </p:cNvPr>
+          <p:cNvPicPr>
+            <a:picLocks noChangeAspect="1" noChangeArrowheads="1"/>
+          </p:cNvPicPr>
+          <p:nvPr/>
+        </p:nvPicPr>
+        <p:blipFill>
+          <a:blip r:embed="rId2">
+            <a:extLst>
+              <a:ext uri="{28A0092B-C50C-407E-A947-70E740481C1C}">
+                <a14:useLocalDpi xmlns:a14="http://schemas.microsoft.com/office/drawing/2010/main" val="0"/>
+              </a:ext>
+            </a:extLst>
+          </a:blip>
+          <a:srcRect/>
+          <a:stretch>
+            <a:fillRect/>
+          </a:stretch>
+        </p:blipFill>
+        <p:spPr bwMode="auto">
+          <a:xfrm>
+            <a:off x="675860" y="2404619"/>
+            <a:ext cx="4529802" cy="3019868"/>
+          </a:xfrm>
+          <a:prstGeom prst="rect">
+            <a:avLst/>
+          </a:prstGeom>
+          <a:noFill/>
+          <a:extLst>
+            <a:ext uri="{909E8E84-426E-40DD-AFC4-6F175D3DCCD1}">
+              <a14:hiddenFill xmlns:a14="http://schemas.microsoft.com/office/drawing/2010/main">
+                <a:solidFill>
+                  <a:srgbClr val="FFFFFF"/>
+                </a:solidFill>
+              </a14:hiddenFill>
+            </a:ext>
+          </a:extLst>
+        </p:spPr>
+      </p:pic>
+      <p:pic>
+        <p:nvPicPr>
+          <p:cNvPr id="5124" name="Picture 4">
+            <a:extLst>
+              <a:ext uri="{FF2B5EF4-FFF2-40B4-BE49-F238E27FC236}">
+                <a16:creationId xmlns:a16="http://schemas.microsoft.com/office/drawing/2014/main" id="{F87218F5-DFB2-4DE5-945C-800DA0F3EC61}"/>
+              </a:ext>
+            </a:extLst>
+          </p:cNvPr>
+          <p:cNvPicPr>
+            <a:picLocks noChangeAspect="1" noChangeArrowheads="1"/>
+          </p:cNvPicPr>
+          <p:nvPr/>
+        </p:nvPicPr>
+        <p:blipFill>
+          <a:blip r:embed="rId3">
+            <a:extLst>
+              <a:ext uri="{28A0092B-C50C-407E-A947-70E740481C1C}">
+                <a14:useLocalDpi xmlns:a14="http://schemas.microsoft.com/office/drawing/2010/main" val="0"/>
+              </a:ext>
+            </a:extLst>
+          </a:blip>
+          <a:srcRect/>
+          <a:stretch>
+            <a:fillRect/>
+          </a:stretch>
+        </p:blipFill>
+        <p:spPr bwMode="auto">
+          <a:xfrm>
+            <a:off x="6326256" y="2404619"/>
+            <a:ext cx="4558748" cy="3039166"/>
+          </a:xfrm>
+          <a:prstGeom prst="rect">
+            <a:avLst/>
+          </a:prstGeom>
+          <a:noFill/>
+          <a:extLst>
+            <a:ext uri="{909E8E84-426E-40DD-AFC4-6F175D3DCCD1}">
+              <a14:hiddenFill xmlns:a14="http://schemas.microsoft.com/office/drawing/2010/main">
+                <a:solidFill>
+                  <a:srgbClr val="FFFFFF"/>
+                </a:solidFill>
+              </a14:hiddenFill>
+            </a:ext>
+          </a:extLst>
+        </p:spPr>
+      </p:pic>
+      <p:sp>
+        <p:nvSpPr>
+          <p:cNvPr id="8" name="Title 1">
+            <a:extLst>
+              <a:ext uri="{FF2B5EF4-FFF2-40B4-BE49-F238E27FC236}">
+                <a16:creationId xmlns:a16="http://schemas.microsoft.com/office/drawing/2014/main" id="{84DEBED7-4546-4DED-833D-FE8D9788C583}"/>
+              </a:ext>
+            </a:extLst>
+          </p:cNvPr>
+          <p:cNvSpPr txBox="1">
+            <a:spLocks/>
+          </p:cNvSpPr>
+          <p:nvPr/>
+        </p:nvSpPr>
+        <p:spPr>
+          <a:xfrm>
+            <a:off x="838200" y="19844"/>
+            <a:ext cx="10515600" cy="814766"/>
+          </a:xfrm>
+          <a:prstGeom prst="rect">
+            <a:avLst/>
+          </a:prstGeom>
+        </p:spPr>
+        <p:txBody>
+          <a:bodyPr vert="horz" lIns="91440" tIns="45720" rIns="91440" bIns="45720" rtlCol="0" anchor="ctr">
+            <a:noAutofit/>
+          </a:bodyPr>
+          <a:lstStyle>
+            <a:lvl1pPr algn="l" defTabSz="914400" rtl="0" eaLnBrk="1" latinLnBrk="0" hangingPunct="1">
+              <a:lnSpc>
+                <a:spcPct val="90000"/>
+              </a:lnSpc>
+              <a:spcBef>
+                <a:spcPct val="0"/>
+              </a:spcBef>
+              <a:buNone/>
+              <a:defRPr sz="4000" kern="1200">
+                <a:solidFill>
+                  <a:schemeClr val="bg1"/>
+                </a:solidFill>
+                <a:latin typeface="Arial" panose="020B0604020202020204" pitchFamily="34" charset="0"/>
+                <a:ea typeface="+mj-ea"/>
+                <a:cs typeface="Arial" panose="020B0604020202020204" pitchFamily="34" charset="0"/>
+              </a:defRPr>
+            </a:lvl1pPr>
+          </a:lstStyle>
+          <a:p>
+            <a:r>
+              <a:rPr lang="vi-VN"/>
+              <a:t>Segmentation problem</a:t>
+            </a:r>
+            <a:endParaRPr lang="en-US" dirty="0"/>
+          </a:p>
+        </p:txBody>
+      </p:sp>
+    </p:spTree>
+    <p:extLst>
+      <p:ext uri="{BB962C8B-B14F-4D97-AF65-F5344CB8AC3E}">
+        <p14:creationId xmlns:p14="http://schemas.microsoft.com/office/powerpoint/2010/main" val="4011712244"/>
+      </p:ext>
+    </p:extLst>
+  </p:cSld>
+  <p:clrMapOvr>
+    <a:masterClrMapping/>
+  </p:clrMapOvr>
+</p:sld>
+</file>
+
+<file path=ppt/slides/slide15.xml><?xml version="1.0" encoding="utf-8"?>
+<p:sld xmlns:a="http://schemas.openxmlformats.org/drawingml/2006/main" xmlns:r="http://schemas.openxmlformats.org/officeDocument/2006/relationships" xmlns:p="http://schemas.openxmlformats.org/presentationml/2006/main">
+  <p:cSld>
+    <p:spTree>
+      <p:nvGrpSpPr>
+        <p:cNvPr id="1" name=""/>
+        <p:cNvGrpSpPr/>
+        <p:nvPr/>
+      </p:nvGrpSpPr>
+      <p:grpSpPr>
+        <a:xfrm>
+          <a:off x="0" y="0"/>
+          <a:ext cx="0" cy="0"/>
+          <a:chOff x="0" y="0"/>
+          <a:chExt cx="0" cy="0"/>
+        </a:xfrm>
+      </p:grpSpPr>
+      <p:sp>
+        <p:nvSpPr>
+          <p:cNvPr id="2" name="Title 1">
+            <a:extLst>
+              <a:ext uri="{FF2B5EF4-FFF2-40B4-BE49-F238E27FC236}">
+                <a16:creationId xmlns:a16="http://schemas.microsoft.com/office/drawing/2014/main" id="{68A8E0B3-4EB6-472D-8E42-063DB692BE5A}"/>
+              </a:ext>
+            </a:extLst>
+          </p:cNvPr>
+          <p:cNvSpPr>
+            <a:spLocks noGrp="1"/>
+          </p:cNvSpPr>
+          <p:nvPr>
+            <p:ph type="title"/>
+          </p:nvPr>
+        </p:nvSpPr>
+        <p:spPr/>
+        <p:txBody>
+          <a:bodyPr/>
+          <a:lstStyle/>
+          <a:p>
+            <a:r>
+              <a:rPr lang="vi-VN" dirty="0"/>
+              <a:t>Classification problem</a:t>
+            </a:r>
+            <a:endParaRPr lang="en-US" dirty="0"/>
+          </a:p>
+        </p:txBody>
+      </p:sp>
+      <p:sp>
+        <p:nvSpPr>
+          <p:cNvPr id="3" name="Content Placeholder 2">
+            <a:extLst>
+              <a:ext uri="{FF2B5EF4-FFF2-40B4-BE49-F238E27FC236}">
+                <a16:creationId xmlns:a16="http://schemas.microsoft.com/office/drawing/2014/main" id="{AA6234FD-62E4-495D-8273-3FF712D363E6}"/>
+              </a:ext>
+            </a:extLst>
+          </p:cNvPr>
+          <p:cNvSpPr>
+            <a:spLocks noGrp="1"/>
+          </p:cNvSpPr>
+          <p:nvPr>
+            <p:ph idx="1"/>
+          </p:nvPr>
+        </p:nvSpPr>
+        <p:spPr/>
+        <p:txBody>
+          <a:bodyPr/>
+          <a:lstStyle/>
+          <a:p>
+            <a:pPr marL="0" indent="0">
+              <a:buNone/>
+            </a:pPr>
+            <a:r>
+              <a:rPr lang="en-US" dirty="0"/>
+              <a:t>Next steps?</a:t>
+            </a:r>
+            <a:endParaRPr lang="vi-VN" dirty="0"/>
+          </a:p>
+          <a:p>
+            <a:pPr>
+              <a:buFontTx/>
+              <a:buChar char="-"/>
+            </a:pPr>
+            <a:r>
+              <a:rPr lang="en-US" dirty="0"/>
+              <a:t>Attention</a:t>
+            </a:r>
+          </a:p>
+          <a:p>
+            <a:pPr>
+              <a:buFontTx/>
+              <a:buChar char="-"/>
+            </a:pPr>
+            <a:r>
+              <a:rPr lang="en-US" dirty="0"/>
+              <a:t>Other backbone</a:t>
+            </a:r>
+          </a:p>
+          <a:p>
+            <a:pPr>
+              <a:buFontTx/>
+              <a:buChar char="-"/>
+            </a:pPr>
+            <a:endParaRPr lang="en-US" dirty="0"/>
+          </a:p>
+          <a:p>
+            <a:pPr>
+              <a:buFontTx/>
+              <a:buChar char="-"/>
+            </a:pPr>
+            <a:endParaRPr lang="en-US" dirty="0"/>
+          </a:p>
+          <a:p>
+            <a:pPr>
+              <a:buFontTx/>
+              <a:buChar char="-"/>
+            </a:pPr>
+            <a:endParaRPr lang="vi-VN" dirty="0"/>
+          </a:p>
+          <a:p>
+            <a:pPr marL="0" indent="0">
+              <a:buNone/>
+            </a:pPr>
+            <a:endParaRPr lang="vi-VN" dirty="0"/>
+          </a:p>
+          <a:p>
+            <a:pPr lvl="1">
+              <a:buFontTx/>
+              <a:buChar char="-"/>
+            </a:pPr>
+            <a:endParaRPr lang="vi-VN" dirty="0"/>
+          </a:p>
+          <a:p>
+            <a:pPr marL="0" indent="0">
+              <a:buNone/>
+            </a:pPr>
+            <a:endParaRPr lang="vi-VN" dirty="0"/>
+          </a:p>
+        </p:txBody>
+      </p:sp>
+      <p:sp>
+        <p:nvSpPr>
+          <p:cNvPr id="4" name="Footer Placeholder 3">
+            <a:extLst>
+              <a:ext uri="{FF2B5EF4-FFF2-40B4-BE49-F238E27FC236}">
+                <a16:creationId xmlns:a16="http://schemas.microsoft.com/office/drawing/2014/main" id="{3B26542C-4623-445E-AF92-C0B5043AE483}"/>
+              </a:ext>
+            </a:extLst>
+          </p:cNvPr>
+          <p:cNvSpPr>
+            <a:spLocks noGrp="1"/>
+          </p:cNvSpPr>
+          <p:nvPr>
+            <p:ph type="ftr" sz="quarter" idx="11"/>
+          </p:nvPr>
+        </p:nvSpPr>
+        <p:spPr/>
+        <p:txBody>
+          <a:bodyPr/>
+          <a:lstStyle/>
+          <a:p>
+            <a:r>
+              <a:rPr lang="en-US"/>
+              <a:t>Copyright©2020  VinBrain-Vingroup. All rights reserved.</a:t>
+            </a:r>
+            <a:endParaRPr lang="en-AU"/>
+          </a:p>
+        </p:txBody>
+      </p:sp>
+    </p:spTree>
+    <p:extLst>
+      <p:ext uri="{BB962C8B-B14F-4D97-AF65-F5344CB8AC3E}">
+        <p14:creationId xmlns:p14="http://schemas.microsoft.com/office/powerpoint/2010/main" val="147865014"/>
+      </p:ext>
+    </p:extLst>
+  </p:cSld>
+  <p:clrMapOvr>
+    <a:masterClrMapping/>
+  </p:clrMapOvr>
+</p:sld>
+</file>
+
 <file path=ppt/slides/slide2.xml><?xml version="1.0" encoding="utf-8"?>
 <p:sld xmlns:a="http://schemas.openxmlformats.org/drawingml/2006/main" xmlns:r="http://schemas.openxmlformats.org/officeDocument/2006/relationships" xmlns:p="http://schemas.openxmlformats.org/presentationml/2006/main">
   <p:cSld>
@@ -4086,7 +8463,7 @@
         <p:spPr/>
         <p:txBody>
           <a:bodyPr>
-            <a:normAutofit fontScale="70000" lnSpcReduction="20000"/>
+            <a:normAutofit/>
           </a:bodyPr>
           <a:lstStyle/>
           <a:p>
@@ -4094,7 +8471,7 @@
               <a:buNone/>
             </a:pPr>
             <a:r>
-              <a:rPr lang="vi-VN" dirty="0"/>
+              <a:rPr lang="vi-VN" sz="2000" dirty="0"/>
               <a:t>Classification problem</a:t>
             </a:r>
           </a:p>
@@ -4103,7 +8480,7 @@
               <a:buNone/>
             </a:pPr>
             <a:r>
-              <a:rPr lang="vi-VN" dirty="0"/>
+              <a:rPr lang="vi-VN" sz="2000" dirty="0"/>
               <a:t>Segmentation problems</a:t>
             </a:r>
           </a:p>
@@ -4112,7 +8489,7 @@
               <a:buNone/>
             </a:pPr>
             <a:r>
-              <a:rPr lang="vi-VN" dirty="0"/>
+              <a:rPr lang="vi-VN" sz="2000" dirty="0"/>
               <a:t>Architecture</a:t>
             </a:r>
           </a:p>
@@ -4121,7 +8498,7 @@
               <a:buNone/>
             </a:pPr>
             <a:r>
-              <a:rPr lang="vi-VN" dirty="0"/>
+              <a:rPr lang="vi-VN" sz="2000" dirty="0"/>
               <a:t>Loss function</a:t>
             </a:r>
           </a:p>
@@ -4130,24 +8507,10 @@
               <a:buNone/>
             </a:pPr>
             <a:r>
-              <a:rPr lang="vi-VN" dirty="0"/>
-              <a:t>Optimizer</a:t>
-            </a:r>
-          </a:p>
-          <a:p>
-            <a:pPr marL="0" indent="0">
-              <a:buNone/>
-            </a:pPr>
-            <a:r>
-              <a:rPr lang="vi-VN" dirty="0"/>
-              <a:t>Result</a:t>
-            </a:r>
-          </a:p>
-          <a:p>
-            <a:pPr marL="0" indent="0">
-              <a:buNone/>
-            </a:pPr>
-            <a:endParaRPr lang="en-AU" dirty="0"/>
+              <a:rPr lang="en-US" sz="2000" dirty="0"/>
+              <a:t>Some Techniques to improved results</a:t>
+            </a:r>
+            <a:endParaRPr lang="vi-VN" sz="2000" dirty="0"/>
           </a:p>
         </p:txBody>
       </p:sp>
@@ -4351,18 +8714,15 @@
               <a:buChar char="-"/>
             </a:pPr>
             <a:r>
+              <a:rPr lang="en-US" dirty="0">
+                <a:latin typeface="Arial" panose="020B0604020202020204" pitchFamily="34" charset="0"/>
+                <a:cs typeface="Arial" panose="020B0604020202020204" pitchFamily="34" charset="0"/>
+              </a:rPr>
+              <a:t>m</a:t>
+            </a:r>
+            <a:r>
               <a:rPr lang="vi-VN" dirty="0"/>
-              <a:t>model</a:t>
-            </a:r>
-          </a:p>
-          <a:p>
-            <a:pPr marL="285750" indent="-285750">
-              <a:buFontTx/>
-              <a:buChar char="-"/>
-            </a:pPr>
-            <a:r>
-              <a:rPr lang="vi-VN" dirty="0"/>
-              <a:t>lr_scheduler</a:t>
+              <a:t>odel</a:t>
             </a:r>
           </a:p>
           <a:p>
@@ -5702,30 +10062,6 @@
             <a:endParaRPr lang="vi-VN" dirty="0"/>
           </a:p>
           <a:p>
-            <a:pPr>
-              <a:buFontTx/>
-              <a:buChar char="-"/>
-            </a:pPr>
-            <a:r>
-              <a:rPr lang="en-US" dirty="0"/>
-              <a:t>Results:</a:t>
-            </a:r>
-          </a:p>
-          <a:p>
-            <a:pPr>
-              <a:buFontTx/>
-              <a:buChar char="-"/>
-            </a:pPr>
-            <a:endParaRPr lang="vi-VN" dirty="0"/>
-          </a:p>
-          <a:p>
-            <a:pPr lvl="1">
-              <a:buFontTx/>
-              <a:buChar char="-"/>
-            </a:pPr>
-            <a:endParaRPr lang="vi-VN" dirty="0"/>
-          </a:p>
-          <a:p>
             <a:pPr marL="0" indent="0">
               <a:buNone/>
             </a:pPr>
@@ -5777,14 +10113,14 @@
           <p:nvPr>
             <p:extLst>
               <p:ext uri="{D42A27DB-BD31-4B8C-83A1-F6EECF244321}">
-                <p14:modId xmlns:p14="http://schemas.microsoft.com/office/powerpoint/2010/main" val="332918326"/>
+                <p14:modId xmlns:p14="http://schemas.microsoft.com/office/powerpoint/2010/main" val="4132917483"/>
               </p:ext>
             </p:extLst>
           </p:nvPr>
         </p:nvGraphicFramePr>
         <p:xfrm>
-          <a:off x="2694609" y="3813629"/>
-          <a:ext cx="8127999" cy="2595880"/>
+          <a:off x="2032000" y="2336521"/>
+          <a:ext cx="8128000" cy="3403600"/>
         </p:xfrm>
         <a:graphic>
           <a:graphicData uri="http://schemas.openxmlformats.org/drawingml/2006/table">
@@ -5793,21 +10129,28 @@
                 <a:tableStyleId>{5C22544A-7EE6-4342-B048-85BDC9FD1C3A}</a:tableStyleId>
               </a:tblPr>
               <a:tblGrid>
-                <a:gridCol w="2709333">
+                <a:gridCol w="2032000">
+                  <a:extLst>
+                    <a:ext uri="{9D8B030D-6E8A-4147-A177-3AD203B41FA5}">
+                      <a16:colId xmlns:a16="http://schemas.microsoft.com/office/drawing/2014/main" val="3009263798"/>
+                    </a:ext>
+                  </a:extLst>
+                </a:gridCol>
+                <a:gridCol w="2032000">
                   <a:extLst>
                     <a:ext uri="{9D8B030D-6E8A-4147-A177-3AD203B41FA5}">
                       <a16:colId xmlns:a16="http://schemas.microsoft.com/office/drawing/2014/main" val="513575297"/>
                     </a:ext>
                   </a:extLst>
                 </a:gridCol>
-                <a:gridCol w="2709333">
+                <a:gridCol w="2032000">
                   <a:extLst>
                     <a:ext uri="{9D8B030D-6E8A-4147-A177-3AD203B41FA5}">
                       <a16:colId xmlns:a16="http://schemas.microsoft.com/office/drawing/2014/main" val="510886131"/>
                     </a:ext>
                   </a:extLst>
                 </a:gridCol>
-                <a:gridCol w="2709333">
+                <a:gridCol w="2032000">
                   <a:extLst>
                     <a:ext uri="{9D8B030D-6E8A-4147-A177-3AD203B41FA5}">
                       <a16:colId xmlns:a16="http://schemas.microsoft.com/office/drawing/2014/main" val="518169098"/>
@@ -5816,6 +10159,140 @@
                 </a:gridCol>
               </a:tblGrid>
               <a:tr h="370840">
+                <a:tc rowSpan="7">
+                  <a:txBody>
+                    <a:bodyPr/>
+                    <a:lstStyle/>
+                    <a:p>
+                      <a:pPr marL="0" marR="0" lvl="0" indent="0" algn="l" defTabSz="914400" rtl="0" eaLnBrk="1" fontAlgn="auto" latinLnBrk="0" hangingPunct="1">
+                        <a:lnSpc>
+                          <a:spcPct val="100000"/>
+                        </a:lnSpc>
+                        <a:spcBef>
+                          <a:spcPts val="0"/>
+                        </a:spcBef>
+                        <a:spcAft>
+                          <a:spcPts val="0"/>
+                        </a:spcAft>
+                        <a:buClrTx/>
+                        <a:buSzTx/>
+                        <a:buFontTx/>
+                        <a:buNone/>
+                        <a:tabLst/>
+                        <a:defRPr/>
+                      </a:pPr>
+                      <a:r>
+                        <a:rPr lang="vi-VN" dirty="0"/>
+                        <a:t>Dataset:</a:t>
+                      </a:r>
+                    </a:p>
+                    <a:p>
+                      <a:pPr marL="285750" marR="0" lvl="0" indent="-285750" algn="l" defTabSz="914400" rtl="0" eaLnBrk="1" fontAlgn="auto" latinLnBrk="0" hangingPunct="1">
+                        <a:lnSpc>
+                          <a:spcPct val="100000"/>
+                        </a:lnSpc>
+                        <a:spcBef>
+                          <a:spcPts val="0"/>
+                        </a:spcBef>
+                        <a:spcAft>
+                          <a:spcPts val="0"/>
+                        </a:spcAft>
+                        <a:buClrTx/>
+                        <a:buSzTx/>
+                        <a:buFontTx/>
+                        <a:buChar char="-"/>
+                        <a:tabLst/>
+                        <a:defRPr/>
+                      </a:pPr>
+                      <a:r>
+                        <a:rPr lang="vi-VN" dirty="0"/>
+                        <a:t>Cifar</a:t>
+                      </a:r>
+                      <a:r>
+                        <a:rPr lang="en-US" dirty="0"/>
+                        <a:t>10 dataset</a:t>
+                      </a:r>
+                    </a:p>
+                    <a:p>
+                      <a:pPr marL="285750" marR="0" lvl="0" indent="-285750" algn="l" defTabSz="914400" rtl="0" eaLnBrk="1" fontAlgn="auto" latinLnBrk="0" hangingPunct="1">
+                        <a:lnSpc>
+                          <a:spcPct val="100000"/>
+                        </a:lnSpc>
+                        <a:spcBef>
+                          <a:spcPts val="0"/>
+                        </a:spcBef>
+                        <a:spcAft>
+                          <a:spcPts val="0"/>
+                        </a:spcAft>
+                        <a:buClrTx/>
+                        <a:buSzTx/>
+                        <a:buFontTx/>
+                        <a:buChar char="-"/>
+                        <a:tabLst/>
+                        <a:defRPr/>
+                      </a:pPr>
+                      <a:r>
+                        <a:rPr lang="en-US" dirty="0" err="1"/>
+                        <a:t>CrossEntropy</a:t>
+                      </a:r>
+                      <a:r>
+                        <a:rPr lang="en-US" dirty="0"/>
+                        <a:t> loss</a:t>
+                      </a:r>
+                    </a:p>
+                    <a:p>
+                      <a:pPr marL="285750" marR="0" lvl="0" indent="-285750" algn="l" defTabSz="914400" rtl="0" eaLnBrk="1" fontAlgn="auto" latinLnBrk="0" hangingPunct="1">
+                        <a:lnSpc>
+                          <a:spcPct val="100000"/>
+                        </a:lnSpc>
+                        <a:spcBef>
+                          <a:spcPts val="0"/>
+                        </a:spcBef>
+                        <a:spcAft>
+                          <a:spcPts val="0"/>
+                        </a:spcAft>
+                        <a:buClrTx/>
+                        <a:buSzTx/>
+                        <a:buFontTx/>
+                        <a:buChar char="-"/>
+                        <a:tabLst/>
+                        <a:defRPr/>
+                      </a:pPr>
+                      <a:r>
+                        <a:rPr lang="en-US" dirty="0"/>
+                        <a:t>SGD Optimizer</a:t>
+                      </a:r>
+                    </a:p>
+                    <a:p>
+                      <a:pPr marL="285750" marR="0" lvl="0" indent="-285750" algn="l" defTabSz="914400" rtl="0" eaLnBrk="1" fontAlgn="auto" latinLnBrk="0" hangingPunct="1">
+                        <a:lnSpc>
+                          <a:spcPct val="100000"/>
+                        </a:lnSpc>
+                        <a:spcBef>
+                          <a:spcPts val="0"/>
+                        </a:spcBef>
+                        <a:spcAft>
+                          <a:spcPts val="0"/>
+                        </a:spcAft>
+                        <a:buClrTx/>
+                        <a:buSzTx/>
+                        <a:buFontTx/>
+                        <a:buChar char="-"/>
+                        <a:tabLst/>
+                        <a:defRPr/>
+                      </a:pPr>
+                      <a:r>
+                        <a:rPr lang="en-US" dirty="0" err="1"/>
+                        <a:t>LRStep</a:t>
+                      </a:r>
+                      <a:endParaRPr lang="en-US" dirty="0"/>
+                    </a:p>
+                    <a:p>
+                      <a:endParaRPr lang="en-US" dirty="0"/>
+                    </a:p>
+                  </a:txBody>
+                  <a:tcPr/>
+                </a:tc>
                 <a:tc>
                   <a:txBody>
                     <a:bodyPr/>
@@ -5862,6 +10339,16 @@
                 </a:extLst>
               </a:tr>
               <a:tr h="370840">
+                <a:tc vMerge="1">
+                  <a:txBody>
+                    <a:bodyPr/>
+                    <a:lstStyle/>
+                    <a:p>
+                      <a:endParaRPr lang="en-US" dirty="0"/>
+                    </a:p>
+                  </a:txBody>
+                  <a:tcPr/>
+                </a:tc>
                 <a:tc>
                   <a:txBody>
                     <a:bodyPr/>
@@ -5926,6 +10413,16 @@
                 </a:extLst>
               </a:tr>
               <a:tr h="370840">
+                <a:tc vMerge="1">
+                  <a:txBody>
+                    <a:bodyPr/>
+                    <a:lstStyle/>
+                    <a:p>
+                      <a:endParaRPr lang="en-US" dirty="0"/>
+                    </a:p>
+                  </a:txBody>
+                  <a:tcPr/>
+                </a:tc>
                 <a:tc>
                   <a:txBody>
                     <a:bodyPr/>
@@ -5979,6 +10476,16 @@
                 </a:extLst>
               </a:tr>
               <a:tr h="370840">
+                <a:tc vMerge="1">
+                  <a:txBody>
+                    <a:bodyPr/>
+                    <a:lstStyle/>
+                    <a:p>
+                      <a:endParaRPr lang="en-US" dirty="0"/>
+                    </a:p>
+                  </a:txBody>
+                  <a:tcPr/>
+                </a:tc>
                 <a:tc>
                   <a:txBody>
                     <a:bodyPr/>
@@ -6048,6 +10555,16 @@
                 </a:extLst>
               </a:tr>
               <a:tr h="370840">
+                <a:tc vMerge="1">
+                  <a:txBody>
+                    <a:bodyPr/>
+                    <a:lstStyle/>
+                    <a:p>
+                      <a:endParaRPr lang="en-US" dirty="0"/>
+                    </a:p>
+                  </a:txBody>
+                  <a:tcPr/>
+                </a:tc>
                 <a:tc>
                   <a:txBody>
                     <a:bodyPr/>
@@ -6101,6 +10618,16 @@
                 </a:extLst>
               </a:tr>
               <a:tr h="370840">
+                <a:tc vMerge="1">
+                  <a:txBody>
+                    <a:bodyPr/>
+                    <a:lstStyle/>
+                    <a:p>
+                      <a:endParaRPr lang="en-US" dirty="0"/>
+                    </a:p>
+                  </a:txBody>
+                  <a:tcPr/>
+                </a:tc>
                 <a:tc>
                   <a:txBody>
                     <a:bodyPr/>
@@ -6154,6 +10681,16 @@
                 </a:extLst>
               </a:tr>
               <a:tr h="370840">
+                <a:tc vMerge="1">
+                  <a:txBody>
+                    <a:bodyPr/>
+                    <a:lstStyle/>
+                    <a:p>
+                      <a:endParaRPr lang="en-US" dirty="0"/>
+                    </a:p>
+                  </a:txBody>
+                  <a:tcPr/>
+                </a:tc>
                 <a:tc>
                   <a:txBody>
                     <a:bodyPr/>
@@ -6203,201 +10740,6 @@
                 <a:extLst>
                   <a:ext uri="{0D108BD9-81ED-4DB2-BD59-A6C34878D82A}">
                     <a16:rowId xmlns:a16="http://schemas.microsoft.com/office/drawing/2014/main" val="1415138621"/>
-                  </a:ext>
-                </a:extLst>
-              </a:tr>
-            </a:tbl>
-          </a:graphicData>
-        </a:graphic>
-      </p:graphicFrame>
-      <p:graphicFrame>
-        <p:nvGraphicFramePr>
-          <p:cNvPr id="6" name="Table 6">
-            <a:extLst>
-              <a:ext uri="{FF2B5EF4-FFF2-40B4-BE49-F238E27FC236}">
-                <a16:creationId xmlns:a16="http://schemas.microsoft.com/office/drawing/2014/main" id="{1BBBD0FF-FFCB-4840-86C7-B1D2D242BD9E}"/>
-              </a:ext>
-            </a:extLst>
-          </p:cNvPr>
-          <p:cNvGraphicFramePr>
-            <a:graphicFrameLocks noGrp="1"/>
-          </p:cNvGraphicFramePr>
-          <p:nvPr>
-            <p:extLst>
-              <p:ext uri="{D42A27DB-BD31-4B8C-83A1-F6EECF244321}">
-                <p14:modId xmlns:p14="http://schemas.microsoft.com/office/powerpoint/2010/main" val="1255443537"/>
-              </p:ext>
-            </p:extLst>
-          </p:nvPr>
-        </p:nvGraphicFramePr>
-        <p:xfrm>
-          <a:off x="2694609" y="1621177"/>
-          <a:ext cx="8128000" cy="1483360"/>
-        </p:xfrm>
-        <a:graphic>
-          <a:graphicData uri="http://schemas.openxmlformats.org/drawingml/2006/table">
-            <a:tbl>
-              <a:tblPr bandRow="1">
-                <a:tableStyleId>{5C22544A-7EE6-4342-B048-85BDC9FD1C3A}</a:tableStyleId>
-              </a:tblPr>
-              <a:tblGrid>
-                <a:gridCol w="4064000">
-                  <a:extLst>
-                    <a:ext uri="{9D8B030D-6E8A-4147-A177-3AD203B41FA5}">
-                      <a16:colId xmlns:a16="http://schemas.microsoft.com/office/drawing/2014/main" val="3034186728"/>
-                    </a:ext>
-                  </a:extLst>
-                </a:gridCol>
-                <a:gridCol w="4064000">
-                  <a:extLst>
-                    <a:ext uri="{9D8B030D-6E8A-4147-A177-3AD203B41FA5}">
-                      <a16:colId xmlns:a16="http://schemas.microsoft.com/office/drawing/2014/main" val="81547844"/>
-                    </a:ext>
-                  </a:extLst>
-                </a:gridCol>
-              </a:tblGrid>
-              <a:tr h="370840">
-                <a:tc>
-                  <a:txBody>
-                    <a:bodyPr/>
-                    <a:lstStyle/>
-                    <a:p>
-                      <a:pPr lvl="0">
-                        <a:buFontTx/>
-                        <a:buNone/>
-                      </a:pPr>
-                      <a:r>
-                        <a:rPr lang="vi-VN" dirty="0"/>
-                        <a:t>Dataset:</a:t>
-                      </a:r>
-                    </a:p>
-                  </a:txBody>
-                  <a:tcPr/>
-                </a:tc>
-                <a:tc>
-                  <a:txBody>
-                    <a:bodyPr/>
-                    <a:lstStyle/>
-                    <a:p>
-                      <a:r>
-                        <a:rPr lang="vi-VN" dirty="0"/>
-                        <a:t>Cifar</a:t>
-                      </a:r>
-                      <a:r>
-                        <a:rPr lang="en-US" dirty="0"/>
-                        <a:t>10</a:t>
-                      </a:r>
-                    </a:p>
-                  </a:txBody>
-                  <a:tcPr/>
-                </a:tc>
-                <a:extLst>
-                  <a:ext uri="{0D108BD9-81ED-4DB2-BD59-A6C34878D82A}">
-                    <a16:rowId xmlns:a16="http://schemas.microsoft.com/office/drawing/2014/main" val="3885764556"/>
-                  </a:ext>
-                </a:extLst>
-              </a:tr>
-              <a:tr h="370840">
-                <a:tc>
-                  <a:txBody>
-                    <a:bodyPr/>
-                    <a:lstStyle/>
-                    <a:p>
-                      <a:r>
-                        <a:rPr lang="en-US" dirty="0"/>
-                        <a:t>Loss function</a:t>
-                      </a:r>
-                    </a:p>
-                  </a:txBody>
-                  <a:tcPr/>
-                </a:tc>
-                <a:tc>
-                  <a:txBody>
-                    <a:bodyPr/>
-                    <a:lstStyle/>
-                    <a:p>
-                      <a:r>
-                        <a:rPr lang="en-US" dirty="0" err="1"/>
-                        <a:t>CrossEntropy</a:t>
-                      </a:r>
-                      <a:endParaRPr lang="en-US" dirty="0"/>
-                    </a:p>
-                  </a:txBody>
-                  <a:tcPr/>
-                </a:tc>
-                <a:extLst>
-                  <a:ext uri="{0D108BD9-81ED-4DB2-BD59-A6C34878D82A}">
-                    <a16:rowId xmlns:a16="http://schemas.microsoft.com/office/drawing/2014/main" val="3781261324"/>
-                  </a:ext>
-                </a:extLst>
-              </a:tr>
-              <a:tr h="370840">
-                <a:tc>
-                  <a:txBody>
-                    <a:bodyPr/>
-                    <a:lstStyle/>
-                    <a:p>
-                      <a:r>
-                        <a:rPr lang="en-US" dirty="0"/>
-                        <a:t>Lr-scheduler</a:t>
-                      </a:r>
-                    </a:p>
-                  </a:txBody>
-                  <a:tcPr/>
-                </a:tc>
-                <a:tc>
-                  <a:txBody>
-                    <a:bodyPr/>
-                    <a:lstStyle/>
-                    <a:p>
-                      <a:r>
-                        <a:rPr lang="en-US" dirty="0" err="1"/>
-                        <a:t>LRStep</a:t>
-                      </a:r>
-                      <a:r>
-                        <a:rPr lang="en-US" dirty="0"/>
-                        <a:t> </a:t>
-                      </a:r>
-                    </a:p>
-                  </a:txBody>
-                  <a:tcPr/>
-                </a:tc>
-                <a:extLst>
-                  <a:ext uri="{0D108BD9-81ED-4DB2-BD59-A6C34878D82A}">
-                    <a16:rowId xmlns:a16="http://schemas.microsoft.com/office/drawing/2014/main" val="2385582500"/>
-                  </a:ext>
-                </a:extLst>
-              </a:tr>
-              <a:tr h="370840">
-                <a:tc>
-                  <a:txBody>
-                    <a:bodyPr/>
-                    <a:lstStyle/>
-                    <a:p>
-                      <a:r>
-                        <a:rPr lang="en-US" dirty="0"/>
-                        <a:t>Optimizer</a:t>
-                      </a:r>
-                    </a:p>
-                  </a:txBody>
-                  <a:tcPr/>
-                </a:tc>
-                <a:tc>
-                  <a:txBody>
-                    <a:bodyPr/>
-                    <a:lstStyle/>
-                    <a:p>
-                      <a:r>
-                        <a:rPr lang="en-US" dirty="0"/>
-                        <a:t>SGD – lr:1e-2</a:t>
-                      </a:r>
-                    </a:p>
-                  </a:txBody>
-                  <a:tcPr/>
-                </a:tc>
-                <a:extLst>
-                  <a:ext uri="{0D108BD9-81ED-4DB2-BD59-A6C34878D82A}">
-                    <a16:rowId xmlns:a16="http://schemas.microsoft.com/office/drawing/2014/main" val="249842114"/>
                   </a:ext>
                 </a:extLst>
               </a:tr>
@@ -6489,27 +10831,9 @@
               <a:buNone/>
             </a:pPr>
             <a:r>
-              <a:rPr lang="vi-VN" dirty="0"/>
-              <a:t>Optimizer</a:t>
-            </a:r>
-            <a:endParaRPr lang="en-US" dirty="0"/>
-          </a:p>
-          <a:p>
-            <a:pPr>
-              <a:buFontTx/>
-              <a:buChar char="-"/>
-            </a:pPr>
-            <a:r>
               <a:rPr lang="en-US" dirty="0"/>
-              <a:t>Config:</a:t>
-            </a:r>
-          </a:p>
-          <a:p>
-            <a:pPr>
-              <a:buFontTx/>
-              <a:buChar char="-"/>
-            </a:pPr>
-            <a:endParaRPr lang="en-US" dirty="0"/>
+              <a:t>Lr scheduler</a:t>
+            </a:r>
           </a:p>
           <a:p>
             <a:pPr marL="0" indent="0">
@@ -6548,8 +10872,617 @@
           </a:p>
         </p:txBody>
       </p:sp>
-      <mc:AlternateContent xmlns:mc="http://schemas.openxmlformats.org/markup-compatibility/2006">
-        <mc:Choice xmlns:a14="http://schemas.microsoft.com/office/drawing/2010/main" Requires="a14">
+      <p:graphicFrame>
+        <p:nvGraphicFramePr>
+          <p:cNvPr id="6" name="Table 6">
+            <a:extLst>
+              <a:ext uri="{FF2B5EF4-FFF2-40B4-BE49-F238E27FC236}">
+                <a16:creationId xmlns:a16="http://schemas.microsoft.com/office/drawing/2014/main" id="{A3CB9A89-6C9B-43FB-9BF1-E465A84F76E7}"/>
+              </a:ext>
+            </a:extLst>
+          </p:cNvPr>
+          <p:cNvGraphicFramePr>
+            <a:graphicFrameLocks noGrp="1"/>
+          </p:cNvGraphicFramePr>
+          <p:nvPr>
+            <p:extLst>
+              <p:ext uri="{D42A27DB-BD31-4B8C-83A1-F6EECF244321}">
+                <p14:modId xmlns:p14="http://schemas.microsoft.com/office/powerpoint/2010/main" val="4251332726"/>
+              </p:ext>
+            </p:extLst>
+          </p:nvPr>
+        </p:nvGraphicFramePr>
+        <p:xfrm>
+          <a:off x="659295" y="2041563"/>
+          <a:ext cx="10515598" cy="3367821"/>
+        </p:xfrm>
+        <a:graphic>
+          <a:graphicData uri="http://schemas.openxmlformats.org/drawingml/2006/table">
+            <a:tbl>
+              <a:tblPr bandRow="1">
+                <a:tableStyleId>{5C22544A-7EE6-4342-B048-85BDC9FD1C3A}</a:tableStyleId>
+              </a:tblPr>
+              <a:tblGrid>
+                <a:gridCol w="2219176">
+                  <a:extLst>
+                    <a:ext uri="{9D8B030D-6E8A-4147-A177-3AD203B41FA5}">
+                      <a16:colId xmlns:a16="http://schemas.microsoft.com/office/drawing/2014/main" val="2608943350"/>
+                    </a:ext>
+                  </a:extLst>
+                </a:gridCol>
+                <a:gridCol w="2219176">
+                  <a:extLst>
+                    <a:ext uri="{9D8B030D-6E8A-4147-A177-3AD203B41FA5}">
+                      <a16:colId xmlns:a16="http://schemas.microsoft.com/office/drawing/2014/main" val="3260499319"/>
+                    </a:ext>
+                  </a:extLst>
+                </a:gridCol>
+                <a:gridCol w="3199377">
+                  <a:extLst>
+                    <a:ext uri="{9D8B030D-6E8A-4147-A177-3AD203B41FA5}">
+                      <a16:colId xmlns:a16="http://schemas.microsoft.com/office/drawing/2014/main" val="1498540713"/>
+                    </a:ext>
+                  </a:extLst>
+                </a:gridCol>
+                <a:gridCol w="2877869">
+                  <a:extLst>
+                    <a:ext uri="{9D8B030D-6E8A-4147-A177-3AD203B41FA5}">
+                      <a16:colId xmlns:a16="http://schemas.microsoft.com/office/drawing/2014/main" val="2916445189"/>
+                    </a:ext>
+                  </a:extLst>
+                </a:gridCol>
+              </a:tblGrid>
+              <a:tr h="951690">
+                <a:tc rowSpan="5">
+                  <a:txBody>
+                    <a:bodyPr/>
+                    <a:lstStyle/>
+                    <a:p>
+                      <a:r>
+                        <a:rPr lang="en-US" b="1" dirty="0"/>
+                        <a:t>Config:</a:t>
+                      </a:r>
+                    </a:p>
+                    <a:p>
+                      <a:pPr marL="285750" marR="0" lvl="0" indent="-285750" algn="l" defTabSz="914400" rtl="0" eaLnBrk="1" fontAlgn="auto" latinLnBrk="0" hangingPunct="1">
+                        <a:lnSpc>
+                          <a:spcPct val="100000"/>
+                        </a:lnSpc>
+                        <a:spcBef>
+                          <a:spcPts val="0"/>
+                        </a:spcBef>
+                        <a:spcAft>
+                          <a:spcPts val="0"/>
+                        </a:spcAft>
+                        <a:buClrTx/>
+                        <a:buSzTx/>
+                        <a:buFontTx/>
+                        <a:buChar char="-"/>
+                        <a:tabLst/>
+                        <a:defRPr/>
+                      </a:pPr>
+                      <a:r>
+                        <a:rPr lang="en-US" b="0" dirty="0" err="1"/>
+                        <a:t>MenWomen</a:t>
+                      </a:r>
+                      <a:endParaRPr lang="en-US" b="0" dirty="0"/>
+                    </a:p>
+                    <a:p>
+                      <a:pPr marL="285750" marR="0" lvl="0" indent="-285750" algn="l" defTabSz="914400" rtl="0" eaLnBrk="1" fontAlgn="auto" latinLnBrk="0" hangingPunct="1">
+                        <a:lnSpc>
+                          <a:spcPct val="100000"/>
+                        </a:lnSpc>
+                        <a:spcBef>
+                          <a:spcPts val="0"/>
+                        </a:spcBef>
+                        <a:spcAft>
+                          <a:spcPts val="0"/>
+                        </a:spcAft>
+                        <a:buClrTx/>
+                        <a:buSzTx/>
+                        <a:buFontTx/>
+                        <a:buChar char="-"/>
+                        <a:tabLst/>
+                        <a:defRPr/>
+                      </a:pPr>
+                      <a:r>
+                        <a:rPr lang="en-US" dirty="0"/>
+                        <a:t>Densenet121</a:t>
+                      </a:r>
+                      <a:endParaRPr lang="en-US" b="0" dirty="0"/>
+                    </a:p>
+                    <a:p>
+                      <a:pPr marL="285750" indent="-285750">
+                        <a:buFontTx/>
+                        <a:buChar char="-"/>
+                      </a:pPr>
+                      <a:r>
+                        <a:rPr lang="en-US" dirty="0"/>
+                        <a:t>Adam optimizer</a:t>
+                      </a:r>
+                    </a:p>
+                    <a:p>
+                      <a:pPr marL="285750" indent="-285750">
+                        <a:buFontTx/>
+                        <a:buChar char="-"/>
+                      </a:pPr>
+                      <a:r>
+                        <a:rPr lang="en-US" dirty="0" err="1"/>
+                        <a:t>Img_size</a:t>
+                      </a:r>
+                      <a:r>
+                        <a:rPr lang="en-US" dirty="0"/>
+                        <a:t>: 256</a:t>
+                      </a:r>
+                    </a:p>
+                    <a:p>
+                      <a:pPr marL="285750" indent="-285750">
+                        <a:buFontTx/>
+                        <a:buChar char="-"/>
+                      </a:pPr>
+                      <a:r>
+                        <a:rPr lang="en-US" dirty="0" err="1"/>
+                        <a:t>Batch_size</a:t>
+                      </a:r>
+                      <a:r>
+                        <a:rPr lang="en-US" dirty="0"/>
+                        <a:t>: 16</a:t>
+                      </a:r>
+                    </a:p>
+                    <a:p>
+                      <a:pPr marL="0" indent="0">
+                        <a:buNone/>
+                      </a:pPr>
+                      <a:r>
+                        <a:rPr lang="en-US" dirty="0"/>
+                        <a:t>- </a:t>
+                      </a:r>
+                    </a:p>
+                  </a:txBody>
+                  <a:tcPr/>
+                </a:tc>
+                <a:tc>
+                  <a:txBody>
+                    <a:bodyPr/>
+                    <a:lstStyle/>
+                    <a:p>
+                      <a:pPr marL="0" indent="0">
+                        <a:buNone/>
+                      </a:pPr>
+                      <a:r>
+                        <a:rPr lang="en-US" b="1" dirty="0"/>
+                        <a:t>Lr scheduler</a:t>
+                      </a:r>
+                    </a:p>
+                  </a:txBody>
+                  <a:tcPr/>
+                </a:tc>
+                <a:tc>
+                  <a:txBody>
+                    <a:bodyPr/>
+                    <a:lstStyle/>
+                    <a:p>
+                      <a:r>
+                        <a:rPr lang="en-US" b="1" dirty="0"/>
+                        <a:t>Description</a:t>
+                      </a:r>
+                    </a:p>
+                  </a:txBody>
+                  <a:tcPr/>
+                </a:tc>
+                <a:tc>
+                  <a:txBody>
+                    <a:bodyPr/>
+                    <a:lstStyle/>
+                    <a:p>
+                      <a:r>
+                        <a:rPr lang="en-US" b="1" dirty="0"/>
+                        <a:t>Result</a:t>
+                      </a:r>
+                    </a:p>
+                  </a:txBody>
+                  <a:tcPr/>
+                </a:tc>
+                <a:extLst>
+                  <a:ext uri="{0D108BD9-81ED-4DB2-BD59-A6C34878D82A}">
+                    <a16:rowId xmlns:a16="http://schemas.microsoft.com/office/drawing/2014/main" val="1504969892"/>
+                  </a:ext>
+                </a:extLst>
+              </a:tr>
+              <a:tr h="612069">
+                <a:tc vMerge="1">
+                  <a:txBody>
+                    <a:bodyPr/>
+                    <a:lstStyle/>
+                    <a:p>
+                      <a:endParaRPr lang="en-US" dirty="0"/>
+                    </a:p>
+                  </a:txBody>
+                  <a:tcPr/>
+                </a:tc>
+                <a:tc>
+                  <a:txBody>
+                    <a:bodyPr/>
+                    <a:lstStyle/>
+                    <a:p>
+                      <a:r>
+                        <a:rPr lang="en-US" dirty="0" err="1"/>
+                        <a:t>StepLR</a:t>
+                      </a:r>
+                      <a:endParaRPr lang="en-US" dirty="0"/>
+                    </a:p>
+                  </a:txBody>
+                  <a:tcPr/>
+                </a:tc>
+                <a:tc>
+                  <a:txBody>
+                    <a:bodyPr/>
+                    <a:lstStyle/>
+                    <a:p>
+                      <a:pPr marL="285750" indent="-285750">
+                        <a:buFont typeface="Arial" panose="020B0604020202020204" pitchFamily="34" charset="0"/>
+                        <a:buChar char="•"/>
+                      </a:pPr>
+                      <a:endParaRPr lang="en-US" dirty="0"/>
+                    </a:p>
+                  </a:txBody>
+                  <a:tcPr/>
+                </a:tc>
+                <a:tc>
+                  <a:txBody>
+                    <a:bodyPr/>
+                    <a:lstStyle/>
+                    <a:p>
+                      <a:r>
+                        <a:rPr lang="en-US" dirty="0"/>
+                        <a:t>TODO</a:t>
+                      </a:r>
+                    </a:p>
+                  </a:txBody>
+                  <a:tcPr/>
+                </a:tc>
+                <a:extLst>
+                  <a:ext uri="{0D108BD9-81ED-4DB2-BD59-A6C34878D82A}">
+                    <a16:rowId xmlns:a16="http://schemas.microsoft.com/office/drawing/2014/main" val="3351530658"/>
+                  </a:ext>
+                </a:extLst>
+              </a:tr>
+              <a:tr h="653256">
+                <a:tc vMerge="1">
+                  <a:txBody>
+                    <a:bodyPr/>
+                    <a:lstStyle/>
+                    <a:p>
+                      <a:endParaRPr lang="en-US" dirty="0"/>
+                    </a:p>
+                  </a:txBody>
+                  <a:tcPr/>
+                </a:tc>
+                <a:tc>
+                  <a:txBody>
+                    <a:bodyPr/>
+                    <a:lstStyle/>
+                    <a:p>
+                      <a:r>
+                        <a:rPr lang="en-US" dirty="0" err="1"/>
+                        <a:t>ReduceLROnPlateau</a:t>
+                      </a:r>
+                      <a:endParaRPr lang="en-US" dirty="0"/>
+                    </a:p>
+                  </a:txBody>
+                  <a:tcPr/>
+                </a:tc>
+                <a:tc>
+                  <a:txBody>
+                    <a:bodyPr/>
+                    <a:lstStyle/>
+                    <a:p>
+                      <a:pPr marL="285750" marR="0" lvl="0" indent="-285750" algn="dist" defTabSz="914400" rtl="0" eaLnBrk="1" fontAlgn="auto" latinLnBrk="0" hangingPunct="1">
+                        <a:lnSpc>
+                          <a:spcPct val="100000"/>
+                        </a:lnSpc>
+                        <a:spcBef>
+                          <a:spcPts val="0"/>
+                        </a:spcBef>
+                        <a:spcAft>
+                          <a:spcPts val="0"/>
+                        </a:spcAft>
+                        <a:buClrTx/>
+                        <a:buSzTx/>
+                        <a:buFont typeface="Arial" panose="020B0604020202020204" pitchFamily="34" charset="0"/>
+                        <a:buChar char="•"/>
+                        <a:tabLst/>
+                        <a:defRPr/>
+                      </a:pPr>
+                      <a:endParaRPr lang="en-US" dirty="0"/>
+                    </a:p>
+                  </a:txBody>
+                  <a:tcPr/>
+                </a:tc>
+                <a:tc>
+                  <a:txBody>
+                    <a:bodyPr/>
+                    <a:lstStyle/>
+                    <a:p>
+                      <a:endParaRPr lang="en-US" dirty="0"/>
+                    </a:p>
+                  </a:txBody>
+                  <a:tcPr/>
+                </a:tc>
+                <a:extLst>
+                  <a:ext uri="{0D108BD9-81ED-4DB2-BD59-A6C34878D82A}">
+                    <a16:rowId xmlns:a16="http://schemas.microsoft.com/office/drawing/2014/main" val="2401624614"/>
+                  </a:ext>
+                </a:extLst>
+              </a:tr>
+              <a:tr h="510726">
+                <a:tc vMerge="1">
+                  <a:txBody>
+                    <a:bodyPr/>
+                    <a:lstStyle/>
+                    <a:p>
+                      <a:endParaRPr lang="en-US" dirty="0"/>
+                    </a:p>
+                  </a:txBody>
+                  <a:tcPr/>
+                </a:tc>
+                <a:tc>
+                  <a:txBody>
+                    <a:bodyPr/>
+                    <a:lstStyle/>
+                    <a:p>
+                      <a:r>
+                        <a:rPr lang="en-US" dirty="0" err="1"/>
+                        <a:t>OneCycle</a:t>
+                      </a:r>
+                      <a:endParaRPr lang="en-US" dirty="0"/>
+                    </a:p>
+                  </a:txBody>
+                  <a:tcPr/>
+                </a:tc>
+                <a:tc>
+                  <a:txBody>
+                    <a:bodyPr/>
+                    <a:lstStyle/>
+                    <a:p>
+                      <a:pPr marL="285750" marR="0" lvl="0" indent="-285750" algn="dist" defTabSz="914400" rtl="0" eaLnBrk="1" fontAlgn="auto" latinLnBrk="0" hangingPunct="1">
+                        <a:lnSpc>
+                          <a:spcPct val="100000"/>
+                        </a:lnSpc>
+                        <a:spcBef>
+                          <a:spcPts val="0"/>
+                        </a:spcBef>
+                        <a:spcAft>
+                          <a:spcPts val="0"/>
+                        </a:spcAft>
+                        <a:buClrTx/>
+                        <a:buSzTx/>
+                        <a:buFont typeface="Arial" panose="020B0604020202020204" pitchFamily="34" charset="0"/>
+                        <a:buChar char="•"/>
+                        <a:tabLst/>
+                        <a:defRPr/>
+                      </a:pPr>
+                      <a:endParaRPr lang="en-US" dirty="0"/>
+                    </a:p>
+                  </a:txBody>
+                  <a:tcPr/>
+                </a:tc>
+                <a:tc>
+                  <a:txBody>
+                    <a:bodyPr/>
+                    <a:lstStyle/>
+                    <a:p>
+                      <a:endParaRPr lang="en-US" dirty="0"/>
+                    </a:p>
+                  </a:txBody>
+                  <a:tcPr/>
+                </a:tc>
+                <a:extLst>
+                  <a:ext uri="{0D108BD9-81ED-4DB2-BD59-A6C34878D82A}">
+                    <a16:rowId xmlns:a16="http://schemas.microsoft.com/office/drawing/2014/main" val="2748839980"/>
+                  </a:ext>
+                </a:extLst>
+              </a:tr>
+              <a:tr h="510726">
+                <a:tc vMerge="1">
+                  <a:txBody>
+                    <a:bodyPr/>
+                    <a:lstStyle/>
+                    <a:p>
+                      <a:endParaRPr lang="en-US" dirty="0"/>
+                    </a:p>
+                  </a:txBody>
+                  <a:tcPr/>
+                </a:tc>
+                <a:tc>
+                  <a:txBody>
+                    <a:bodyPr/>
+                    <a:lstStyle/>
+                    <a:p>
+                      <a:r>
+                        <a:rPr lang="en-US" dirty="0" err="1"/>
+                        <a:t>CosineAnnealingWarmStart</a:t>
+                      </a:r>
+                      <a:endParaRPr lang="en-US" dirty="0"/>
+                    </a:p>
+                  </a:txBody>
+                  <a:tcPr/>
+                </a:tc>
+                <a:tc>
+                  <a:txBody>
+                    <a:bodyPr/>
+                    <a:lstStyle/>
+                    <a:p>
+                      <a:pPr marL="285750" marR="0" lvl="0" indent="-285750" algn="dist" defTabSz="914400" rtl="0" eaLnBrk="1" fontAlgn="auto" latinLnBrk="0" hangingPunct="1">
+                        <a:lnSpc>
+                          <a:spcPct val="100000"/>
+                        </a:lnSpc>
+                        <a:spcBef>
+                          <a:spcPts val="0"/>
+                        </a:spcBef>
+                        <a:spcAft>
+                          <a:spcPts val="0"/>
+                        </a:spcAft>
+                        <a:buClrTx/>
+                        <a:buSzTx/>
+                        <a:buFont typeface="Arial" panose="020B0604020202020204" pitchFamily="34" charset="0"/>
+                        <a:buChar char="•"/>
+                        <a:tabLst/>
+                        <a:defRPr/>
+                      </a:pPr>
+                      <a:endParaRPr lang="en-US" dirty="0"/>
+                    </a:p>
+                  </a:txBody>
+                  <a:tcPr/>
+                </a:tc>
+                <a:tc>
+                  <a:txBody>
+                    <a:bodyPr/>
+                    <a:lstStyle/>
+                    <a:p>
+                      <a:endParaRPr lang="en-US" dirty="0"/>
+                    </a:p>
+                  </a:txBody>
+                  <a:tcPr/>
+                </a:tc>
+                <a:extLst>
+                  <a:ext uri="{0D108BD9-81ED-4DB2-BD59-A6C34878D82A}">
+                    <a16:rowId xmlns:a16="http://schemas.microsoft.com/office/drawing/2014/main" val="2333451268"/>
+                  </a:ext>
+                </a:extLst>
+              </a:tr>
+            </a:tbl>
+          </a:graphicData>
+        </a:graphic>
+      </p:graphicFrame>
+    </p:spTree>
+    <p:extLst>
+      <p:ext uri="{BB962C8B-B14F-4D97-AF65-F5344CB8AC3E}">
+        <p14:creationId xmlns:p14="http://schemas.microsoft.com/office/powerpoint/2010/main" val="1464325330"/>
+      </p:ext>
+    </p:extLst>
+  </p:cSld>
+  <p:clrMapOvr>
+    <a:masterClrMapping/>
+  </p:clrMapOvr>
+</p:sld>
+</file>
+
+<file path=ppt/slides/slide6.xml><?xml version="1.0" encoding="utf-8"?>
+<p:sld xmlns:a="http://schemas.openxmlformats.org/drawingml/2006/main" xmlns:r="http://schemas.openxmlformats.org/officeDocument/2006/relationships" xmlns:p="http://schemas.openxmlformats.org/presentationml/2006/main">
+  <p:cSld>
+    <p:spTree>
+      <p:nvGrpSpPr>
+        <p:cNvPr id="1" name=""/>
+        <p:cNvGrpSpPr/>
+        <p:nvPr/>
+      </p:nvGrpSpPr>
+      <p:grpSpPr>
+        <a:xfrm>
+          <a:off x="0" y="0"/>
+          <a:ext cx="0" cy="0"/>
+          <a:chOff x="0" y="0"/>
+          <a:chExt cx="0" cy="0"/>
+        </a:xfrm>
+      </p:grpSpPr>
+      <p:sp>
+        <p:nvSpPr>
+          <p:cNvPr id="2" name="Title 1">
+            <a:extLst>
+              <a:ext uri="{FF2B5EF4-FFF2-40B4-BE49-F238E27FC236}">
+                <a16:creationId xmlns:a16="http://schemas.microsoft.com/office/drawing/2014/main" id="{68A8E0B3-4EB6-472D-8E42-063DB692BE5A}"/>
+              </a:ext>
+            </a:extLst>
+          </p:cNvPr>
+          <p:cNvSpPr>
+            <a:spLocks noGrp="1"/>
+          </p:cNvSpPr>
+          <p:nvPr>
+            <p:ph type="title"/>
+          </p:nvPr>
+        </p:nvSpPr>
+        <p:spPr/>
+        <p:txBody>
+          <a:bodyPr/>
+          <a:lstStyle/>
+          <a:p>
+            <a:r>
+              <a:rPr lang="vi-VN" dirty="0"/>
+              <a:t>Classification problem</a:t>
+            </a:r>
+            <a:endParaRPr lang="en-US" dirty="0"/>
+          </a:p>
+        </p:txBody>
+      </p:sp>
+      <p:sp>
+        <p:nvSpPr>
+          <p:cNvPr id="3" name="Content Placeholder 2">
+            <a:extLst>
+              <a:ext uri="{FF2B5EF4-FFF2-40B4-BE49-F238E27FC236}">
+                <a16:creationId xmlns:a16="http://schemas.microsoft.com/office/drawing/2014/main" id="{AA6234FD-62E4-495D-8273-3FF712D363E6}"/>
+              </a:ext>
+            </a:extLst>
+          </p:cNvPr>
+          <p:cNvSpPr>
+            <a:spLocks noGrp="1"/>
+          </p:cNvSpPr>
+          <p:nvPr>
+            <p:ph idx="1"/>
+          </p:nvPr>
+        </p:nvSpPr>
+        <p:spPr/>
+        <p:txBody>
+          <a:bodyPr/>
+          <a:lstStyle/>
+          <a:p>
+            <a:pPr marL="0" indent="0">
+              <a:buNone/>
+            </a:pPr>
+            <a:r>
+              <a:rPr lang="vi-VN" dirty="0"/>
+              <a:t>Optimizer</a:t>
+            </a:r>
+            <a:endParaRPr lang="en-US" dirty="0"/>
+          </a:p>
+          <a:p>
+            <a:pPr marL="0" indent="0">
+              <a:buNone/>
+            </a:pPr>
+            <a:endParaRPr lang="vi-VN" dirty="0"/>
+          </a:p>
+        </p:txBody>
+      </p:sp>
+      <p:sp>
+        <p:nvSpPr>
+          <p:cNvPr id="4" name="Footer Placeholder 3">
+            <a:extLst>
+              <a:ext uri="{FF2B5EF4-FFF2-40B4-BE49-F238E27FC236}">
+                <a16:creationId xmlns:a16="http://schemas.microsoft.com/office/drawing/2014/main" id="{3B26542C-4623-445E-AF92-C0B5043AE483}"/>
+              </a:ext>
+            </a:extLst>
+          </p:cNvPr>
+          <p:cNvSpPr>
+            <a:spLocks noGrp="1"/>
+          </p:cNvSpPr>
+          <p:nvPr>
+            <p:ph type="ftr" sz="quarter" idx="11"/>
+          </p:nvPr>
+        </p:nvSpPr>
+        <p:spPr/>
+        <p:txBody>
+          <a:bodyPr/>
+          <a:lstStyle/>
+          <a:p>
+            <a:r>
+              <a:rPr lang="en-US"/>
+              <a:t>Copyright©2020  VinBrain-Vingroup. All rights reserved.</a:t>
+            </a:r>
+            <a:endParaRPr lang="en-AU"/>
+          </a:p>
+        </p:txBody>
+      </p:sp>
+      <mc:AlternateContent xmlns:mc="http://schemas.openxmlformats.org/markup-compatibility/2006" xmlns:a14="http://schemas.microsoft.com/office/drawing/2010/main">
+        <mc:Choice Requires="a14">
           <p:graphicFrame>
             <p:nvGraphicFramePr>
               <p:cNvPr id="6" name="Table 6">
@@ -6565,37 +11498,44 @@
               <p:nvPr>
                 <p:extLst>
                   <p:ext uri="{D42A27DB-BD31-4B8C-83A1-F6EECF244321}">
-                    <p14:modId xmlns:p14="http://schemas.microsoft.com/office/powerpoint/2010/main" val="3393461101"/>
+                    <p14:modId xmlns:p14="http://schemas.microsoft.com/office/powerpoint/2010/main" val="4118576352"/>
                   </p:ext>
                 </p:extLst>
               </p:nvPr>
             </p:nvGraphicFramePr>
             <p:xfrm>
-              <a:off x="659295" y="2186606"/>
-              <a:ext cx="10515599" cy="4124555"/>
+              <a:off x="619539" y="1723012"/>
+              <a:ext cx="11307419" cy="4222903"/>
             </p:xfrm>
             <a:graphic>
               <a:graphicData uri="http://schemas.openxmlformats.org/drawingml/2006/table">
                 <a:tbl>
-                  <a:tblPr firstCol="1" bandRow="1">
+                  <a:tblPr bandRow="1">
                     <a:tableStyleId>{5C22544A-7EE6-4342-B048-85BDC9FD1C3A}</a:tableStyleId>
                   </a:tblPr>
                   <a:tblGrid>
-                    <a:gridCol w="2217183">
+                    <a:gridCol w="2640496">
+                      <a:extLst>
+                        <a:ext uri="{9D8B030D-6E8A-4147-A177-3AD203B41FA5}">
+                          <a16:colId xmlns:a16="http://schemas.microsoft.com/office/drawing/2014/main" val="3416681741"/>
+                        </a:ext>
+                      </a:extLst>
+                    </a:gridCol>
+                    <a:gridCol w="1961322">
                       <a:extLst>
                         <a:ext uri="{9D8B030D-6E8A-4147-A177-3AD203B41FA5}">
                           <a16:colId xmlns:a16="http://schemas.microsoft.com/office/drawing/2014/main" val="3260499319"/>
                         </a:ext>
                       </a:extLst>
                     </a:gridCol>
-                    <a:gridCol w="4650757">
+                    <a:gridCol w="4731026">
                       <a:extLst>
                         <a:ext uri="{9D8B030D-6E8A-4147-A177-3AD203B41FA5}">
                           <a16:colId xmlns:a16="http://schemas.microsoft.com/office/drawing/2014/main" val="1498540713"/>
                         </a:ext>
                       </a:extLst>
                     </a:gridCol>
-                    <a:gridCol w="3647659">
+                    <a:gridCol w="1974575">
                       <a:extLst>
                         <a:ext uri="{9D8B030D-6E8A-4147-A177-3AD203B41FA5}">
                           <a16:colId xmlns:a16="http://schemas.microsoft.com/office/drawing/2014/main" val="2916445189"/>
@@ -6603,7 +11543,48 @@
                       </a:extLst>
                     </a:gridCol>
                   </a:tblGrid>
-                  <a:tr h="951690">
+                  <a:tr h="974383">
+                    <a:tc rowSpan="5">
+                      <a:txBody>
+                        <a:bodyPr/>
+                        <a:lstStyle/>
+                        <a:p>
+                          <a:r>
+                            <a:rPr lang="en-US" dirty="0"/>
+                            <a:t>Config:</a:t>
+                          </a:r>
+                        </a:p>
+                        <a:p>
+                          <a:pPr marL="285750" indent="-285750">
+                            <a:buFontTx/>
+                            <a:buChar char="-"/>
+                          </a:pPr>
+                          <a:r>
+                            <a:rPr lang="en-US" dirty="0" err="1"/>
+                            <a:t>MenWoman</a:t>
+                          </a:r>
+                          <a:r>
+                            <a:rPr lang="en-US" dirty="0"/>
+                            <a:t> dataset</a:t>
+                          </a:r>
+                        </a:p>
+                        <a:p>
+                          <a:pPr marL="285750" indent="-285750">
+                            <a:buFontTx/>
+                            <a:buChar char="-"/>
+                          </a:pPr>
+                          <a:endParaRPr lang="en-US" dirty="0"/>
+                        </a:p>
+                        <a:p>
+                          <a:pPr marL="285750" indent="-285750">
+                            <a:buFontTx/>
+                            <a:buChar char="-"/>
+                          </a:pPr>
+                          <a:endParaRPr lang="en-US" dirty="0"/>
+                        </a:p>
+                      </a:txBody>
+                      <a:tcPr/>
+                    </a:tc>
                     <a:tc>
                       <a:txBody>
                         <a:bodyPr/>
@@ -6640,27 +11621,6 @@
                             <a:t>Result</a:t>
                           </a:r>
                         </a:p>
-                        <a:p>
-                          <a:pPr marL="285750" indent="-285750">
-                            <a:buFontTx/>
-                            <a:buChar char="-"/>
-                          </a:pPr>
-                          <a:r>
-                            <a:rPr lang="en-US" dirty="0" err="1"/>
-                            <a:t>MenWomanDataset</a:t>
-                          </a:r>
-                          <a:endParaRPr lang="en-US" dirty="0"/>
-                        </a:p>
-                        <a:p>
-                          <a:pPr marL="285750" indent="-285750">
-                            <a:buFontTx/>
-                            <a:buChar char="-"/>
-                          </a:pPr>
-                          <a:r>
-                            <a:rPr lang="en-US" dirty="0"/>
-                            <a:t>Dense121</a:t>
-                          </a:r>
-                        </a:p>
                       </a:txBody>
                       <a:tcPr/>
                     </a:tc>
@@ -6670,7 +11630,17 @@
                       </a:ext>
                     </a:extLst>
                   </a:tr>
-                  <a:tr h="612069">
+                  <a:tr h="626663">
+                    <a:tc vMerge="1">
+                      <a:txBody>
+                        <a:bodyPr/>
+                        <a:lstStyle/>
+                        <a:p>
+                          <a:endParaRPr lang="en-US" dirty="0"/>
+                        </a:p>
+                      </a:txBody>
+                      <a:tcPr/>
+                    </a:tc>
                     <a:tc>
                       <a:txBody>
                         <a:bodyPr/>
@@ -6793,7 +11763,10 @@
                         <a:bodyPr/>
                         <a:lstStyle/>
                         <a:p>
-                          <a:endParaRPr lang="en-US" dirty="0"/>
+                          <a:r>
+                            <a:rPr lang="en-US" dirty="0"/>
+                            <a:t>TODO</a:t>
+                          </a:r>
                         </a:p>
                       </a:txBody>
                       <a:tcPr/>
@@ -6804,7 +11777,17 @@
                       </a:ext>
                     </a:extLst>
                   </a:tr>
-                  <a:tr h="653256">
+                  <a:tr h="668833">
+                    <a:tc vMerge="1">
+                      <a:txBody>
+                        <a:bodyPr/>
+                        <a:lstStyle/>
+                        <a:p>
+                          <a:endParaRPr lang="en-US" dirty="0"/>
+                        </a:p>
+                      </a:txBody>
+                      <a:tcPr/>
+                    </a:tc>
                     <a:tc>
                       <a:txBody>
                         <a:bodyPr/>
@@ -7103,7 +12086,17 @@
                       </a:ext>
                     </a:extLst>
                   </a:tr>
-                  <a:tr h="510726">
+                  <a:tr h="838942">
+                    <a:tc vMerge="1">
+                      <a:txBody>
+                        <a:bodyPr/>
+                        <a:lstStyle/>
+                        <a:p>
+                          <a:endParaRPr lang="en-US" dirty="0"/>
+                        </a:p>
+                      </a:txBody>
+                      <a:tcPr/>
+                    </a:tc>
                     <a:tc>
                       <a:txBody>
                         <a:bodyPr/>
@@ -7469,7 +12462,17 @@
                       </a:ext>
                     </a:extLst>
                   </a:tr>
-                  <a:tr h="510726">
+                  <a:tr h="1114082">
+                    <a:tc vMerge="1">
+                      <a:txBody>
+                        <a:bodyPr/>
+                        <a:lstStyle/>
+                        <a:p>
+                          <a:endParaRPr lang="en-US" dirty="0"/>
+                        </a:p>
+                      </a:txBody>
+                      <a:tcPr/>
+                    </a:tc>
                     <a:tc>
                       <a:txBody>
                         <a:bodyPr/>
@@ -7992,7 +12995,7 @@
             </a:graphic>
           </p:graphicFrame>
         </mc:Choice>
-        <mc:Fallback>
+        <mc:Fallback xmlns="">
           <p:graphicFrame>
             <p:nvGraphicFramePr>
               <p:cNvPr id="6" name="Table 6">
@@ -8008,37 +13011,44 @@
               <p:nvPr>
                 <p:extLst>
                   <p:ext uri="{D42A27DB-BD31-4B8C-83A1-F6EECF244321}">
-                    <p14:modId xmlns:p14="http://schemas.microsoft.com/office/powerpoint/2010/main" val="3393461101"/>
+                    <p14:modId xmlns:p14="http://schemas.microsoft.com/office/powerpoint/2010/main" val="4118576352"/>
                   </p:ext>
                 </p:extLst>
               </p:nvPr>
             </p:nvGraphicFramePr>
             <p:xfrm>
-              <a:off x="659295" y="2186606"/>
-              <a:ext cx="10515599" cy="4124555"/>
+              <a:off x="619539" y="1723012"/>
+              <a:ext cx="11307419" cy="4222903"/>
             </p:xfrm>
             <a:graphic>
               <a:graphicData uri="http://schemas.openxmlformats.org/drawingml/2006/table">
                 <a:tbl>
-                  <a:tblPr firstCol="1" bandRow="1">
+                  <a:tblPr bandRow="1">
                     <a:tableStyleId>{5C22544A-7EE6-4342-B048-85BDC9FD1C3A}</a:tableStyleId>
                   </a:tblPr>
                   <a:tblGrid>
-                    <a:gridCol w="2217183">
+                    <a:gridCol w="2640496">
+                      <a:extLst>
+                        <a:ext uri="{9D8B030D-6E8A-4147-A177-3AD203B41FA5}">
+                          <a16:colId xmlns:a16="http://schemas.microsoft.com/office/drawing/2014/main" val="3416681741"/>
+                        </a:ext>
+                      </a:extLst>
+                    </a:gridCol>
+                    <a:gridCol w="1961322">
                       <a:extLst>
                         <a:ext uri="{9D8B030D-6E8A-4147-A177-3AD203B41FA5}">
                           <a16:colId xmlns:a16="http://schemas.microsoft.com/office/drawing/2014/main" val="3260499319"/>
                         </a:ext>
                       </a:extLst>
                     </a:gridCol>
-                    <a:gridCol w="4650757">
+                    <a:gridCol w="4731026">
                       <a:extLst>
                         <a:ext uri="{9D8B030D-6E8A-4147-A177-3AD203B41FA5}">
                           <a16:colId xmlns:a16="http://schemas.microsoft.com/office/drawing/2014/main" val="1498540713"/>
                         </a:ext>
                       </a:extLst>
                     </a:gridCol>
-                    <a:gridCol w="3647659">
+                    <a:gridCol w="1974575">
                       <a:extLst>
                         <a:ext uri="{9D8B030D-6E8A-4147-A177-3AD203B41FA5}">
                           <a16:colId xmlns:a16="http://schemas.microsoft.com/office/drawing/2014/main" val="2916445189"/>
@@ -8046,7 +13056,48 @@
                       </a:extLst>
                     </a:gridCol>
                   </a:tblGrid>
-                  <a:tr h="951690">
+                  <a:tr h="974383">
+                    <a:tc rowSpan="5">
+                      <a:txBody>
+                        <a:bodyPr/>
+                        <a:lstStyle/>
+                        <a:p>
+                          <a:r>
+                            <a:rPr lang="en-US" dirty="0"/>
+                            <a:t>Config:</a:t>
+                          </a:r>
+                        </a:p>
+                        <a:p>
+                          <a:pPr marL="285750" indent="-285750">
+                            <a:buFontTx/>
+                            <a:buChar char="-"/>
+                          </a:pPr>
+                          <a:r>
+                            <a:rPr lang="en-US" dirty="0" err="1"/>
+                            <a:t>MenWoman</a:t>
+                          </a:r>
+                          <a:r>
+                            <a:rPr lang="en-US" dirty="0"/>
+                            <a:t> dataset</a:t>
+                          </a:r>
+                        </a:p>
+                        <a:p>
+                          <a:pPr marL="285750" indent="-285750">
+                            <a:buFontTx/>
+                            <a:buChar char="-"/>
+                          </a:pPr>
+                          <a:endParaRPr lang="en-US" dirty="0"/>
+                        </a:p>
+                        <a:p>
+                          <a:pPr marL="285750" indent="-285750">
+                            <a:buFontTx/>
+                            <a:buChar char="-"/>
+                          </a:pPr>
+                          <a:endParaRPr lang="en-US" dirty="0"/>
+                        </a:p>
+                      </a:txBody>
+                      <a:tcPr/>
+                    </a:tc>
                     <a:tc>
                       <a:txBody>
                         <a:bodyPr/>
@@ -8083,27 +13134,6 @@
                             <a:t>Result</a:t>
                           </a:r>
                         </a:p>
-                        <a:p>
-                          <a:pPr marL="285750" indent="-285750">
-                            <a:buFontTx/>
-                            <a:buChar char="-"/>
-                          </a:pPr>
-                          <a:r>
-                            <a:rPr lang="en-US" dirty="0" err="1"/>
-                            <a:t>MenWomanDataset</a:t>
-                          </a:r>
-                          <a:endParaRPr lang="en-US" dirty="0"/>
-                        </a:p>
-                        <a:p>
-                          <a:pPr marL="285750" indent="-285750">
-                            <a:buFontTx/>
-                            <a:buChar char="-"/>
-                          </a:pPr>
-                          <a:r>
-                            <a:rPr lang="en-US" dirty="0"/>
-                            <a:t>Dense121</a:t>
-                          </a:r>
-                        </a:p>
                       </a:txBody>
                       <a:tcPr/>
                     </a:tc>
@@ -8113,7 +13143,17 @@
                       </a:ext>
                     </a:extLst>
                   </a:tr>
-                  <a:tr h="612069">
+                  <a:tr h="626663">
+                    <a:tc vMerge="1">
+                      <a:txBody>
+                        <a:bodyPr/>
+                        <a:lstStyle/>
+                        <a:p>
+                          <a:endParaRPr lang="en-US" dirty="0"/>
+                        </a:p>
+                      </a:txBody>
+                      <a:tcPr/>
+                    </a:tc>
                     <a:tc>
                       <a:txBody>
                         <a:bodyPr/>
@@ -8139,7 +13179,7 @@
                         <a:blipFill>
                           <a:blip r:embed="rId2"/>
                           <a:stretch>
-                            <a:fillRect l="-47837" t="-159406" r="-78768" b="-418812"/>
+                            <a:fillRect l="-97297" t="-160194" r="-41956" b="-420388"/>
                           </a:stretch>
                         </a:blipFill>
                       </a:tcPr>
@@ -8149,7 +13189,10 @@
                         <a:bodyPr/>
                         <a:lstStyle/>
                         <a:p>
-                          <a:endParaRPr lang="en-US" dirty="0"/>
+                          <a:r>
+                            <a:rPr lang="en-US" dirty="0"/>
+                            <a:t>TODO</a:t>
+                          </a:r>
                         </a:p>
                       </a:txBody>
                       <a:tcPr/>
@@ -8160,7 +13203,17 @@
                       </a:ext>
                     </a:extLst>
                   </a:tr>
-                  <a:tr h="653256">
+                  <a:tr h="668833">
+                    <a:tc vMerge="1">
+                      <a:txBody>
+                        <a:bodyPr/>
+                        <a:lstStyle/>
+                        <a:p>
+                          <a:endParaRPr lang="en-US" dirty="0"/>
+                        </a:p>
+                      </a:txBody>
+                      <a:tcPr/>
+                    </a:tc>
                     <a:tc>
                       <a:txBody>
                         <a:bodyPr/>
@@ -8186,7 +13239,7 @@
                         <a:blipFill>
                           <a:blip r:embed="rId2"/>
                           <a:stretch>
-                            <a:fillRect l="-47837" t="-244860" r="-78768" b="-295327"/>
+                            <a:fillRect l="-97297" t="-243636" r="-41956" b="-293636"/>
                           </a:stretch>
                         </a:blipFill>
                       </a:tcPr>
@@ -8207,7 +13260,17 @@
                       </a:ext>
                     </a:extLst>
                   </a:tr>
-                  <a:tr h="819404">
+                  <a:tr h="838942">
+                    <a:tc vMerge="1">
+                      <a:txBody>
+                        <a:bodyPr/>
+                        <a:lstStyle/>
+                        <a:p>
+                          <a:endParaRPr lang="en-US" dirty="0"/>
+                        </a:p>
+                      </a:txBody>
+                      <a:tcPr/>
+                    </a:tc>
                     <a:tc>
                       <a:txBody>
                         <a:bodyPr/>
@@ -8234,7 +13297,7 @@
                         <a:blipFill>
                           <a:blip r:embed="rId2"/>
                           <a:stretch>
-                            <a:fillRect l="-47837" t="-273333" r="-78768" b="-134074"/>
+                            <a:fillRect l="-97297" t="-273913" r="-41956" b="-134058"/>
                           </a:stretch>
                         </a:blipFill>
                       </a:tcPr>
@@ -8255,7 +13318,17 @@
                       </a:ext>
                     </a:extLst>
                   </a:tr>
-                  <a:tr h="1088136">
+                  <a:tr h="1114082">
+                    <a:tc vMerge="1">
+                      <a:txBody>
+                        <a:bodyPr/>
+                        <a:lstStyle/>
+                        <a:p>
+                          <a:endParaRPr lang="en-US" dirty="0"/>
+                        </a:p>
+                      </a:txBody>
+                      <a:tcPr/>
+                    </a:tc>
                     <a:tc>
                       <a:txBody>
                         <a:bodyPr/>
@@ -8281,7 +13354,7 @@
                         <a:blipFill>
                           <a:blip r:embed="rId2"/>
                           <a:stretch>
-                            <a:fillRect l="-47837" t="-281564" r="-78768" b="-1117"/>
+                            <a:fillRect l="-97297" t="-281967" r="-41956" b="-1093"/>
                           </a:stretch>
                         </a:blipFill>
                       </a:tcPr>
@@ -8321,7 +13394,7 @@
 </p:sld>
 </file>
 
-<file path=ppt/slides/slide6.xml><?xml version="1.0" encoding="utf-8"?>
+<file path=ppt/slides/slide7.xml><?xml version="1.0" encoding="utf-8"?>
 <p:sld xmlns:a="http://schemas.openxmlformats.org/drawingml/2006/main" xmlns:r="http://schemas.openxmlformats.org/officeDocument/2006/relationships" xmlns:p="http://schemas.openxmlformats.org/presentationml/2006/main">
   <p:cSld>
     <p:spTree>
@@ -8369,38 +13442,6 @@
       </p:sp>
       <p:sp>
         <p:nvSpPr>
-          <p:cNvPr id="3" name="Content Placeholder 2">
-            <a:extLst>
-              <a:ext uri="{FF2B5EF4-FFF2-40B4-BE49-F238E27FC236}">
-                <a16:creationId xmlns:a16="http://schemas.microsoft.com/office/drawing/2014/main" id="{904BF928-CA14-455E-9607-9C877E1503E2}"/>
-              </a:ext>
-            </a:extLst>
-          </p:cNvPr>
-          <p:cNvSpPr>
-            <a:spLocks noGrp="1"/>
-          </p:cNvSpPr>
-          <p:nvPr>
-            <p:ph idx="1"/>
-          </p:nvPr>
-        </p:nvSpPr>
-        <p:spPr/>
-        <p:txBody>
-          <a:bodyPr/>
-          <a:lstStyle/>
-          <a:p>
-            <a:pPr marL="0" indent="0">
-              <a:buNone/>
-            </a:pPr>
-            <a:r>
-              <a:rPr lang="vi-VN" dirty="0"/>
-              <a:t>Dataset</a:t>
-            </a:r>
-            <a:endParaRPr lang="en-US" dirty="0"/>
-          </a:p>
-        </p:txBody>
-      </p:sp>
-      <p:sp>
-        <p:nvSpPr>
           <p:cNvPr id="4" name="Footer Placeholder 3">
             <a:extLst>
               <a:ext uri="{FF2B5EF4-FFF2-40B4-BE49-F238E27FC236}">
@@ -8428,130 +13469,349 @@
           </a:p>
         </p:txBody>
       </p:sp>
+      <p:sp>
+        <p:nvSpPr>
+          <p:cNvPr id="8" name="Content Placeholder 2">
+            <a:extLst>
+              <a:ext uri="{FF2B5EF4-FFF2-40B4-BE49-F238E27FC236}">
+                <a16:creationId xmlns:a16="http://schemas.microsoft.com/office/drawing/2014/main" id="{4732540E-1652-4671-B9EB-69E6805C344D}"/>
+              </a:ext>
+            </a:extLst>
+          </p:cNvPr>
+          <p:cNvSpPr txBox="1">
+            <a:spLocks/>
+          </p:cNvSpPr>
+          <p:nvPr/>
+        </p:nvSpPr>
+        <p:spPr>
+          <a:xfrm>
+            <a:off x="990600" y="1064485"/>
+            <a:ext cx="10515600" cy="5497424"/>
+          </a:xfrm>
+          <a:prstGeom prst="rect">
+            <a:avLst/>
+          </a:prstGeom>
+        </p:spPr>
+        <p:txBody>
+          <a:bodyPr vert="horz" lIns="91440" tIns="45720" rIns="91440" bIns="45720" rtlCol="0">
+            <a:normAutofit/>
+          </a:bodyPr>
+          <a:lstStyle>
+            <a:lvl1pPr marL="228600" indent="-228600" algn="l" defTabSz="914400" rtl="0" eaLnBrk="1" latinLnBrk="0" hangingPunct="1">
+              <a:lnSpc>
+                <a:spcPct val="90000"/>
+              </a:lnSpc>
+              <a:spcBef>
+                <a:spcPts val="1000"/>
+              </a:spcBef>
+              <a:buFont typeface="Arial" panose="020B0604020202020204" pitchFamily="34" charset="0"/>
+              <a:buChar char="•"/>
+              <a:defRPr sz="2800" kern="1200">
+                <a:solidFill>
+                  <a:schemeClr val="bg2">
+                    <a:lumMod val="25000"/>
+                  </a:schemeClr>
+                </a:solidFill>
+                <a:latin typeface="Arial" panose="020B0604020202020204" pitchFamily="34" charset="0"/>
+                <a:ea typeface="+mn-ea"/>
+                <a:cs typeface="Arial" panose="020B0604020202020204" pitchFamily="34" charset="0"/>
+              </a:defRPr>
+            </a:lvl1pPr>
+            <a:lvl2pPr marL="685800" indent="-228600" algn="l" defTabSz="914400" rtl="0" eaLnBrk="1" latinLnBrk="0" hangingPunct="1">
+              <a:lnSpc>
+                <a:spcPct val="90000"/>
+              </a:lnSpc>
+              <a:spcBef>
+                <a:spcPts val="500"/>
+              </a:spcBef>
+              <a:buFont typeface="Arial" panose="020B0604020202020204" pitchFamily="34" charset="0"/>
+              <a:buChar char="•"/>
+              <a:defRPr sz="2400" kern="1200">
+                <a:solidFill>
+                  <a:schemeClr val="bg2">
+                    <a:lumMod val="25000"/>
+                  </a:schemeClr>
+                </a:solidFill>
+                <a:latin typeface="Arial" panose="020B0604020202020204" pitchFamily="34" charset="0"/>
+                <a:ea typeface="+mn-ea"/>
+                <a:cs typeface="Arial" panose="020B0604020202020204" pitchFamily="34" charset="0"/>
+              </a:defRPr>
+            </a:lvl2pPr>
+            <a:lvl3pPr marL="1143000" indent="-228600" algn="l" defTabSz="914400" rtl="0" eaLnBrk="1" latinLnBrk="0" hangingPunct="1">
+              <a:lnSpc>
+                <a:spcPct val="90000"/>
+              </a:lnSpc>
+              <a:spcBef>
+                <a:spcPts val="500"/>
+              </a:spcBef>
+              <a:buFont typeface="Arial" panose="020B0604020202020204" pitchFamily="34" charset="0"/>
+              <a:buChar char="•"/>
+              <a:defRPr sz="2000" kern="1200">
+                <a:solidFill>
+                  <a:schemeClr val="bg2">
+                    <a:lumMod val="25000"/>
+                  </a:schemeClr>
+                </a:solidFill>
+                <a:latin typeface="Arial" panose="020B0604020202020204" pitchFamily="34" charset="0"/>
+                <a:ea typeface="+mn-ea"/>
+                <a:cs typeface="Arial" panose="020B0604020202020204" pitchFamily="34" charset="0"/>
+              </a:defRPr>
+            </a:lvl3pPr>
+            <a:lvl4pPr marL="1600200" indent="-228600" algn="l" defTabSz="914400" rtl="0" eaLnBrk="1" latinLnBrk="0" hangingPunct="1">
+              <a:lnSpc>
+                <a:spcPct val="90000"/>
+              </a:lnSpc>
+              <a:spcBef>
+                <a:spcPts val="500"/>
+              </a:spcBef>
+              <a:buFont typeface="Arial" panose="020B0604020202020204" pitchFamily="34" charset="0"/>
+              <a:buChar char="•"/>
+              <a:defRPr sz="1800" kern="1200">
+                <a:solidFill>
+                  <a:schemeClr val="bg2">
+                    <a:lumMod val="25000"/>
+                  </a:schemeClr>
+                </a:solidFill>
+                <a:latin typeface="Arial" panose="020B0604020202020204" pitchFamily="34" charset="0"/>
+                <a:ea typeface="+mn-ea"/>
+                <a:cs typeface="Arial" panose="020B0604020202020204" pitchFamily="34" charset="0"/>
+              </a:defRPr>
+            </a:lvl4pPr>
+            <a:lvl5pPr marL="2057400" indent="-228600" algn="l" defTabSz="914400" rtl="0" eaLnBrk="1" latinLnBrk="0" hangingPunct="1">
+              <a:lnSpc>
+                <a:spcPct val="90000"/>
+              </a:lnSpc>
+              <a:spcBef>
+                <a:spcPts val="500"/>
+              </a:spcBef>
+              <a:buFont typeface="Arial" panose="020B0604020202020204" pitchFamily="34" charset="0"/>
+              <a:buChar char="•"/>
+              <a:defRPr sz="1800" kern="1200">
+                <a:solidFill>
+                  <a:schemeClr val="bg2">
+                    <a:lumMod val="25000"/>
+                  </a:schemeClr>
+                </a:solidFill>
+                <a:latin typeface="Arial" panose="020B0604020202020204" pitchFamily="34" charset="0"/>
+                <a:ea typeface="+mn-ea"/>
+                <a:cs typeface="Arial" panose="020B0604020202020204" pitchFamily="34" charset="0"/>
+              </a:defRPr>
+            </a:lvl5pPr>
+            <a:lvl6pPr marL="2514600" indent="-228600" algn="l" defTabSz="914400" rtl="0" eaLnBrk="1" latinLnBrk="0" hangingPunct="1">
+              <a:lnSpc>
+                <a:spcPct val="90000"/>
+              </a:lnSpc>
+              <a:spcBef>
+                <a:spcPts val="500"/>
+              </a:spcBef>
+              <a:buFont typeface="Arial" panose="020B0604020202020204" pitchFamily="34" charset="0"/>
+              <a:buChar char="•"/>
+              <a:defRPr sz="1800" kern="1200">
+                <a:solidFill>
+                  <a:schemeClr val="tx1"/>
+                </a:solidFill>
+                <a:latin typeface="+mn-lt"/>
+                <a:ea typeface="+mn-ea"/>
+                <a:cs typeface="+mn-cs"/>
+              </a:defRPr>
+            </a:lvl6pPr>
+            <a:lvl7pPr marL="2971800" indent="-228600" algn="l" defTabSz="914400" rtl="0" eaLnBrk="1" latinLnBrk="0" hangingPunct="1">
+              <a:lnSpc>
+                <a:spcPct val="90000"/>
+              </a:lnSpc>
+              <a:spcBef>
+                <a:spcPts val="500"/>
+              </a:spcBef>
+              <a:buFont typeface="Arial" panose="020B0604020202020204" pitchFamily="34" charset="0"/>
+              <a:buChar char="•"/>
+              <a:defRPr sz="1800" kern="1200">
+                <a:solidFill>
+                  <a:schemeClr val="tx1"/>
+                </a:solidFill>
+                <a:latin typeface="+mn-lt"/>
+                <a:ea typeface="+mn-ea"/>
+                <a:cs typeface="+mn-cs"/>
+              </a:defRPr>
+            </a:lvl7pPr>
+            <a:lvl8pPr marL="3429000" indent="-228600" algn="l" defTabSz="914400" rtl="0" eaLnBrk="1" latinLnBrk="0" hangingPunct="1">
+              <a:lnSpc>
+                <a:spcPct val="90000"/>
+              </a:lnSpc>
+              <a:spcBef>
+                <a:spcPts val="500"/>
+              </a:spcBef>
+              <a:buFont typeface="Arial" panose="020B0604020202020204" pitchFamily="34" charset="0"/>
+              <a:buChar char="•"/>
+              <a:defRPr sz="1800" kern="1200">
+                <a:solidFill>
+                  <a:schemeClr val="tx1"/>
+                </a:solidFill>
+                <a:latin typeface="+mn-lt"/>
+                <a:ea typeface="+mn-ea"/>
+                <a:cs typeface="+mn-cs"/>
+              </a:defRPr>
+            </a:lvl8pPr>
+            <a:lvl9pPr marL="3886200" indent="-228600" algn="l" defTabSz="914400" rtl="0" eaLnBrk="1" latinLnBrk="0" hangingPunct="1">
+              <a:lnSpc>
+                <a:spcPct val="90000"/>
+              </a:lnSpc>
+              <a:spcBef>
+                <a:spcPts val="500"/>
+              </a:spcBef>
+              <a:buFont typeface="Arial" panose="020B0604020202020204" pitchFamily="34" charset="0"/>
+              <a:buChar char="•"/>
+              <a:defRPr sz="1800" kern="1200">
+                <a:solidFill>
+                  <a:schemeClr val="tx1"/>
+                </a:solidFill>
+                <a:latin typeface="+mn-lt"/>
+                <a:ea typeface="+mn-ea"/>
+                <a:cs typeface="+mn-cs"/>
+              </a:defRPr>
+            </a:lvl9pPr>
+          </a:lstStyle>
+          <a:p>
+            <a:pPr marL="0" indent="0">
+              <a:buNone/>
+            </a:pPr>
+            <a:r>
+              <a:rPr lang="en-US" dirty="0" err="1"/>
+              <a:t>BrainTumor</a:t>
+            </a:r>
+            <a:r>
+              <a:rPr lang="en-US" dirty="0"/>
+              <a:t> Dataset:</a:t>
+            </a:r>
+          </a:p>
+          <a:p>
+            <a:endParaRPr lang="en-US" dirty="0"/>
+          </a:p>
+          <a:p>
+            <a:r>
+              <a:rPr lang="en-US" sz="2400" dirty="0"/>
+              <a:t>Training: 2144 images</a:t>
+            </a:r>
+          </a:p>
+          <a:p>
+            <a:pPr lvl="0">
+              <a:defRPr/>
+            </a:pPr>
+            <a:r>
+              <a:rPr lang="en-US" sz="2400" dirty="0"/>
+              <a:t>Valid: 307 images</a:t>
+            </a:r>
+          </a:p>
+          <a:p>
+            <a:pPr lvl="0">
+              <a:defRPr/>
+            </a:pPr>
+            <a:r>
+              <a:rPr lang="en-US" sz="2400" dirty="0"/>
+              <a:t>Testing: 613 images</a:t>
+            </a:r>
+          </a:p>
+          <a:p>
+            <a:pPr lvl="0">
+              <a:defRPr/>
+            </a:pPr>
+            <a:endParaRPr lang="en-US" sz="2400" dirty="0"/>
+          </a:p>
+          <a:p>
+            <a:pPr marL="0" indent="0">
+              <a:buNone/>
+            </a:pPr>
+            <a:r>
+              <a:rPr lang="en-US" sz="2400" dirty="0"/>
+              <a:t>No negative images</a:t>
+            </a:r>
+          </a:p>
+          <a:p>
+            <a:pPr marL="0" indent="0">
+              <a:buNone/>
+            </a:pPr>
+            <a:endParaRPr lang="en-US" dirty="0"/>
+          </a:p>
+          <a:p>
+            <a:endParaRPr lang="en-US" dirty="0"/>
+          </a:p>
+        </p:txBody>
+      </p:sp>
+      <p:pic>
+        <p:nvPicPr>
+          <p:cNvPr id="18" name="Picture 17">
+            <a:extLst>
+              <a:ext uri="{FF2B5EF4-FFF2-40B4-BE49-F238E27FC236}">
+                <a16:creationId xmlns:a16="http://schemas.microsoft.com/office/drawing/2014/main" id="{874E69BD-8ECB-4695-BBD4-100D86BAC5E3}"/>
+              </a:ext>
+            </a:extLst>
+          </p:cNvPr>
+          <p:cNvPicPr>
+            <a:picLocks noChangeAspect="1"/>
+          </p:cNvPicPr>
+          <p:nvPr/>
+        </p:nvPicPr>
+        <p:blipFill>
+          <a:blip r:embed="rId2">
+            <a:extLst>
+              <a:ext uri="{28A0092B-C50C-407E-A947-70E740481C1C}">
+                <a14:useLocalDpi xmlns:a14="http://schemas.microsoft.com/office/drawing/2010/main" val="0"/>
+              </a:ext>
+            </a:extLst>
+          </a:blip>
+          <a:stretch>
+            <a:fillRect/>
+          </a:stretch>
+        </p:blipFill>
+        <p:spPr>
+          <a:xfrm>
+            <a:off x="8610600" y="1800857"/>
+            <a:ext cx="2552899" cy="2552899"/>
+          </a:xfrm>
+          <a:prstGeom prst="rect">
+            <a:avLst/>
+          </a:prstGeom>
+        </p:spPr>
+      </p:pic>
+      <p:pic>
+        <p:nvPicPr>
+          <p:cNvPr id="20" name="Picture 19">
+            <a:extLst>
+              <a:ext uri="{FF2B5EF4-FFF2-40B4-BE49-F238E27FC236}">
+                <a16:creationId xmlns:a16="http://schemas.microsoft.com/office/drawing/2014/main" id="{F43D8B60-8AC3-4B1F-8D00-3AA546428671}"/>
+              </a:ext>
+            </a:extLst>
+          </p:cNvPr>
+          <p:cNvPicPr>
+            <a:picLocks noChangeAspect="1"/>
+          </p:cNvPicPr>
+          <p:nvPr/>
+        </p:nvPicPr>
+        <p:blipFill>
+          <a:blip r:embed="rId3">
+            <a:extLst>
+              <a:ext uri="{28A0092B-C50C-407E-A947-70E740481C1C}">
+                <a14:useLocalDpi xmlns:a14="http://schemas.microsoft.com/office/drawing/2010/main" val="0"/>
+              </a:ext>
+            </a:extLst>
+          </a:blip>
+          <a:stretch>
+            <a:fillRect/>
+          </a:stretch>
+        </p:blipFill>
+        <p:spPr>
+          <a:xfrm>
+            <a:off x="5397211" y="1800857"/>
+            <a:ext cx="2552898" cy="2552898"/>
+          </a:xfrm>
+          <a:prstGeom prst="rect">
+            <a:avLst/>
+          </a:prstGeom>
+        </p:spPr>
+      </p:pic>
     </p:spTree>
     <p:extLst>
       <p:ext uri="{BB962C8B-B14F-4D97-AF65-F5344CB8AC3E}">
         <p14:creationId xmlns:p14="http://schemas.microsoft.com/office/powerpoint/2010/main" val="203365228"/>
-      </p:ext>
-    </p:extLst>
-  </p:cSld>
-  <p:clrMapOvr>
-    <a:masterClrMapping/>
-  </p:clrMapOvr>
-</p:sld>
-</file>
-
-<file path=ppt/slides/slide7.xml><?xml version="1.0" encoding="utf-8"?>
-<p:sld xmlns:a="http://schemas.openxmlformats.org/drawingml/2006/main" xmlns:r="http://schemas.openxmlformats.org/officeDocument/2006/relationships" xmlns:p="http://schemas.openxmlformats.org/presentationml/2006/main">
-  <p:cSld>
-    <p:spTree>
-      <p:nvGrpSpPr>
-        <p:cNvPr id="1" name=""/>
-        <p:cNvGrpSpPr/>
-        <p:nvPr/>
-      </p:nvGrpSpPr>
-      <p:grpSpPr>
-        <a:xfrm>
-          <a:off x="0" y="0"/>
-          <a:ext cx="0" cy="0"/>
-          <a:chOff x="0" y="0"/>
-          <a:chExt cx="0" cy="0"/>
-        </a:xfrm>
-      </p:grpSpPr>
-      <p:sp>
-        <p:nvSpPr>
-          <p:cNvPr id="2" name="Title 1">
-            <a:extLst>
-              <a:ext uri="{FF2B5EF4-FFF2-40B4-BE49-F238E27FC236}">
-                <a16:creationId xmlns:a16="http://schemas.microsoft.com/office/drawing/2014/main" id="{DDF789BF-FED4-4DEC-B318-9D244E602799}"/>
-              </a:ext>
-            </a:extLst>
-          </p:cNvPr>
-          <p:cNvSpPr>
-            <a:spLocks noGrp="1"/>
-          </p:cNvSpPr>
-          <p:nvPr>
-            <p:ph type="title"/>
-          </p:nvPr>
-        </p:nvSpPr>
-        <p:spPr/>
-        <p:txBody>
-          <a:bodyPr/>
-          <a:lstStyle/>
-          <a:p>
-            <a:r>
-              <a:rPr lang="vi-VN" dirty="0"/>
-              <a:t>Segmentation problem</a:t>
-            </a:r>
-            <a:endParaRPr lang="en-US" dirty="0"/>
-          </a:p>
-        </p:txBody>
-      </p:sp>
-      <p:sp>
-        <p:nvSpPr>
-          <p:cNvPr id="3" name="Content Placeholder 2">
-            <a:extLst>
-              <a:ext uri="{FF2B5EF4-FFF2-40B4-BE49-F238E27FC236}">
-                <a16:creationId xmlns:a16="http://schemas.microsoft.com/office/drawing/2014/main" id="{0E136A1A-BAEE-4F9F-8398-73997E5295B4}"/>
-              </a:ext>
-            </a:extLst>
-          </p:cNvPr>
-          <p:cNvSpPr>
-            <a:spLocks noGrp="1"/>
-          </p:cNvSpPr>
-          <p:nvPr>
-            <p:ph idx="1"/>
-          </p:nvPr>
-        </p:nvSpPr>
-        <p:spPr/>
-        <p:txBody>
-          <a:bodyPr/>
-          <a:lstStyle/>
-          <a:p>
-            <a:pPr marL="0" indent="0">
-              <a:buNone/>
-            </a:pPr>
-            <a:r>
-              <a:rPr lang="vi-VN" dirty="0"/>
-              <a:t>Loss function</a:t>
-            </a:r>
-            <a:endParaRPr lang="en-US" dirty="0"/>
-          </a:p>
-        </p:txBody>
-      </p:sp>
-      <p:sp>
-        <p:nvSpPr>
-          <p:cNvPr id="4" name="Footer Placeholder 3">
-            <a:extLst>
-              <a:ext uri="{FF2B5EF4-FFF2-40B4-BE49-F238E27FC236}">
-                <a16:creationId xmlns:a16="http://schemas.microsoft.com/office/drawing/2014/main" id="{2B0C34DB-DE1A-4582-B96E-1BC98DBDC3E5}"/>
-              </a:ext>
-            </a:extLst>
-          </p:cNvPr>
-          <p:cNvSpPr>
-            <a:spLocks noGrp="1"/>
-          </p:cNvSpPr>
-          <p:nvPr>
-            <p:ph type="ftr" sz="quarter" idx="11"/>
-          </p:nvPr>
-        </p:nvSpPr>
-        <p:spPr/>
-        <p:txBody>
-          <a:bodyPr/>
-          <a:lstStyle/>
-          <a:p>
-            <a:r>
-              <a:rPr lang="en-US"/>
-              <a:t>Copyright©2020  VinBrain-Vingroup. All rights reserved.</a:t>
-            </a:r>
-            <a:endParaRPr lang="en-AU"/>
-          </a:p>
-        </p:txBody>
-      </p:sp>
-    </p:spTree>
-    <p:extLst>
-      <p:ext uri="{BB962C8B-B14F-4D97-AF65-F5344CB8AC3E}">
-        <p14:creationId xmlns:p14="http://schemas.microsoft.com/office/powerpoint/2010/main" val="3300764720"/>
       </p:ext>
     </p:extLst>
   </p:cSld>
@@ -8583,7 +13843,7 @@
           <p:cNvPr id="2" name="Title 1">
             <a:extLst>
               <a:ext uri="{FF2B5EF4-FFF2-40B4-BE49-F238E27FC236}">
-                <a16:creationId xmlns:a16="http://schemas.microsoft.com/office/drawing/2014/main" id="{D19420A4-7649-4B7F-BAB4-68A12DC6CDDB}"/>
+                <a16:creationId xmlns:a16="http://schemas.microsoft.com/office/drawing/2014/main" id="{68A8E0B3-4EB6-472D-8E42-063DB692BE5A}"/>
               </a:ext>
             </a:extLst>
           </p:cNvPr>
@@ -8601,7 +13861,7 @@
           <a:p>
             <a:r>
               <a:rPr lang="vi-VN" dirty="0"/>
-              <a:t>Segmentation problem</a:t>
+              <a:t>Classification problem</a:t>
             </a:r>
             <a:endParaRPr lang="en-US" dirty="0"/>
           </a:p>
@@ -8612,7 +13872,7 @@
           <p:cNvPr id="3" name="Content Placeholder 2">
             <a:extLst>
               <a:ext uri="{FF2B5EF4-FFF2-40B4-BE49-F238E27FC236}">
-                <a16:creationId xmlns:a16="http://schemas.microsoft.com/office/drawing/2014/main" id="{5E792892-6E21-4A0F-8522-D2633EA3B1CB}"/>
+                <a16:creationId xmlns:a16="http://schemas.microsoft.com/office/drawing/2014/main" id="{AA6234FD-62E4-495D-8273-3FF712D363E6}"/>
               </a:ext>
             </a:extLst>
           </p:cNvPr>
@@ -8632,9 +13892,63 @@
               <a:buNone/>
             </a:pPr>
             <a:r>
-              <a:rPr lang="vi-VN" dirty="0"/>
-              <a:t>Augmentation</a:t>
-            </a:r>
+              <a:rPr lang="en-US" dirty="0"/>
+              <a:t>Architecture</a:t>
+            </a:r>
+          </a:p>
+          <a:p>
+            <a:pPr marL="0" indent="0">
+              <a:buNone/>
+            </a:pPr>
+            <a:r>
+              <a:rPr lang="en-US" dirty="0"/>
+              <a:t>- </a:t>
+            </a:r>
+            <a:r>
+              <a:rPr lang="en-US" dirty="0" err="1"/>
+              <a:t>Unet</a:t>
+            </a:r>
+            <a:endParaRPr lang="vi-VN" dirty="0"/>
+          </a:p>
+          <a:p>
+            <a:pPr>
+              <a:buFontTx/>
+              <a:buChar char="-"/>
+            </a:pPr>
+            <a:endParaRPr lang="en-US" dirty="0"/>
+          </a:p>
+          <a:p>
+            <a:pPr>
+              <a:buFontTx/>
+              <a:buChar char="-"/>
+            </a:pPr>
+            <a:endParaRPr lang="en-US" dirty="0"/>
+          </a:p>
+          <a:p>
+            <a:pPr>
+              <a:buFontTx/>
+              <a:buChar char="-"/>
+            </a:pPr>
+            <a:endParaRPr lang="vi-VN" dirty="0"/>
+          </a:p>
+          <a:p>
+            <a:pPr marL="0" indent="0">
+              <a:buNone/>
+            </a:pPr>
+            <a:endParaRPr lang="vi-VN" dirty="0"/>
+          </a:p>
+          <a:p>
+            <a:pPr lvl="1">
+              <a:buFontTx/>
+              <a:buChar char="-"/>
+            </a:pPr>
+            <a:endParaRPr lang="vi-VN" dirty="0"/>
+          </a:p>
+          <a:p>
+            <a:pPr marL="0" indent="0">
+              <a:buNone/>
+            </a:pPr>
+            <a:endParaRPr lang="vi-VN" dirty="0"/>
           </a:p>
         </p:txBody>
       </p:sp>
@@ -8643,7 +13957,7 @@
           <p:cNvPr id="4" name="Footer Placeholder 3">
             <a:extLst>
               <a:ext uri="{FF2B5EF4-FFF2-40B4-BE49-F238E27FC236}">
-                <a16:creationId xmlns:a16="http://schemas.microsoft.com/office/drawing/2014/main" id="{3DD5C21A-E039-4E83-BC5F-A8B77C140E99}"/>
+                <a16:creationId xmlns:a16="http://schemas.microsoft.com/office/drawing/2014/main" id="{3B26542C-4623-445E-AF92-C0B5043AE483}"/>
               </a:ext>
             </a:extLst>
           </p:cNvPr>
@@ -8667,10 +13981,57 @@
           </a:p>
         </p:txBody>
       </p:sp>
+      <p:pic>
+        <p:nvPicPr>
+          <p:cNvPr id="1030" name="Picture 6">
+            <a:extLst>
+              <a:ext uri="{FF2B5EF4-FFF2-40B4-BE49-F238E27FC236}">
+                <a16:creationId xmlns:a16="http://schemas.microsoft.com/office/drawing/2014/main" id="{0FDA5FFA-BF7E-4B69-9B1F-191E8D80B642}"/>
+              </a:ext>
+            </a:extLst>
+          </p:cNvPr>
+          <p:cNvPicPr>
+            <a:picLocks noChangeAspect="1" noChangeArrowheads="1"/>
+          </p:cNvPicPr>
+          <p:nvPr/>
+        </p:nvPicPr>
+        <p:blipFill>
+          <a:blip r:embed="rId2">
+            <a:extLst>
+              <a:ext uri="{28A0092B-C50C-407E-A947-70E740481C1C}">
+                <a14:useLocalDpi xmlns:a14="http://schemas.microsoft.com/office/drawing/2010/main" val="0"/>
+              </a:ext>
+            </a:extLst>
+          </a:blip>
+          <a:srcRect/>
+          <a:stretch>
+            <a:fillRect/>
+          </a:stretch>
+        </p:blipFill>
+        <p:spPr bwMode="auto">
+          <a:xfrm>
+            <a:off x="2308157" y="1601198"/>
+            <a:ext cx="6988224" cy="4653828"/>
+          </a:xfrm>
+          <a:prstGeom prst="rect">
+            <a:avLst/>
+          </a:prstGeom>
+          <a:noFill/>
+          <a:extLst>
+            <a:ext uri="{909E8E84-426E-40DD-AFC4-6F175D3DCCD1}">
+              <a14:hiddenFill xmlns:a14="http://schemas.microsoft.com/office/drawing/2010/main">
+                <a:solidFill>
+                  <a:srgbClr val="FFFFFF"/>
+                </a:solidFill>
+              </a14:hiddenFill>
+            </a:ext>
+          </a:extLst>
+        </p:spPr>
+      </p:pic>
     </p:spTree>
     <p:extLst>
       <p:ext uri="{BB962C8B-B14F-4D97-AF65-F5344CB8AC3E}">
-        <p14:creationId xmlns:p14="http://schemas.microsoft.com/office/powerpoint/2010/main" val="3325447184"/>
+        <p14:creationId xmlns:p14="http://schemas.microsoft.com/office/powerpoint/2010/main" val="1663817495"/>
       </p:ext>
     </p:extLst>
   </p:cSld>
@@ -8702,7 +14063,7 @@
           <p:cNvPr id="2" name="Title 1">
             <a:extLst>
               <a:ext uri="{FF2B5EF4-FFF2-40B4-BE49-F238E27FC236}">
-                <a16:creationId xmlns:a16="http://schemas.microsoft.com/office/drawing/2014/main" id="{F7D5386F-A4C2-41A9-A87C-DEB7CB79F4B9}"/>
+                <a16:creationId xmlns:a16="http://schemas.microsoft.com/office/drawing/2014/main" id="{68A8E0B3-4EB6-472D-8E42-063DB692BE5A}"/>
               </a:ext>
             </a:extLst>
           </p:cNvPr>
@@ -8720,7 +14081,7 @@
           <a:p>
             <a:r>
               <a:rPr lang="vi-VN" dirty="0"/>
-              <a:t>Segmentation problem</a:t>
+              <a:t>Classification problem</a:t>
             </a:r>
             <a:endParaRPr lang="en-US" dirty="0"/>
           </a:p>
@@ -8731,7 +14092,7 @@
           <p:cNvPr id="3" name="Content Placeholder 2">
             <a:extLst>
               <a:ext uri="{FF2B5EF4-FFF2-40B4-BE49-F238E27FC236}">
-                <a16:creationId xmlns:a16="http://schemas.microsoft.com/office/drawing/2014/main" id="{8FB3FB57-75DB-4910-99AA-ACEBCD28CE08}"/>
+                <a16:creationId xmlns:a16="http://schemas.microsoft.com/office/drawing/2014/main" id="{AA6234FD-62E4-495D-8273-3FF712D363E6}"/>
               </a:ext>
             </a:extLst>
           </p:cNvPr>
@@ -8751,9 +14112,53 @@
               <a:buNone/>
             </a:pPr>
             <a:r>
-              <a:rPr lang="vi-VN" dirty="0"/>
-              <a:t>Experiments and results</a:t>
-            </a:r>
+              <a:rPr lang="en-US" dirty="0"/>
+              <a:t>Architecture</a:t>
+            </a:r>
+            <a:endParaRPr lang="vi-VN" dirty="0"/>
+          </a:p>
+          <a:p>
+            <a:pPr>
+              <a:buFontTx/>
+              <a:buChar char="-"/>
+            </a:pPr>
+            <a:r>
+              <a:rPr lang="en-US" dirty="0"/>
+              <a:t>Experiments</a:t>
+            </a:r>
+          </a:p>
+          <a:p>
+            <a:pPr>
+              <a:buFontTx/>
+              <a:buChar char="-"/>
+            </a:pPr>
+            <a:endParaRPr lang="en-US" dirty="0"/>
+          </a:p>
+          <a:p>
+            <a:pPr>
+              <a:buFontTx/>
+              <a:buChar char="-"/>
+            </a:pPr>
+            <a:endParaRPr lang="vi-VN" dirty="0"/>
+          </a:p>
+          <a:p>
+            <a:pPr marL="0" indent="0">
+              <a:buNone/>
+            </a:pPr>
+            <a:endParaRPr lang="vi-VN" dirty="0"/>
+          </a:p>
+          <a:p>
+            <a:pPr lvl="1">
+              <a:buFontTx/>
+              <a:buChar char="-"/>
+            </a:pPr>
+            <a:endParaRPr lang="vi-VN" dirty="0"/>
+          </a:p>
+          <a:p>
+            <a:pPr marL="0" indent="0">
+              <a:buNone/>
+            </a:pPr>
+            <a:endParaRPr lang="vi-VN" dirty="0"/>
           </a:p>
         </p:txBody>
       </p:sp>
@@ -8762,7 +14167,7 @@
           <p:cNvPr id="4" name="Footer Placeholder 3">
             <a:extLst>
               <a:ext uri="{FF2B5EF4-FFF2-40B4-BE49-F238E27FC236}">
-                <a16:creationId xmlns:a16="http://schemas.microsoft.com/office/drawing/2014/main" id="{DF871B27-0EF3-4D9D-AF72-0D727710FE07}"/>
+                <a16:creationId xmlns:a16="http://schemas.microsoft.com/office/drawing/2014/main" id="{3B26542C-4623-445E-AF92-C0B5043AE483}"/>
               </a:ext>
             </a:extLst>
           </p:cNvPr>
@@ -8786,10 +14191,482 @@
           </a:p>
         </p:txBody>
       </p:sp>
+      <p:graphicFrame>
+        <p:nvGraphicFramePr>
+          <p:cNvPr id="6" name="Table 6">
+            <a:extLst>
+              <a:ext uri="{FF2B5EF4-FFF2-40B4-BE49-F238E27FC236}">
+                <a16:creationId xmlns:a16="http://schemas.microsoft.com/office/drawing/2014/main" id="{04FFD2BC-AAF5-41B5-B4BB-D75813389549}"/>
+              </a:ext>
+            </a:extLst>
+          </p:cNvPr>
+          <p:cNvGraphicFramePr>
+            <a:graphicFrameLocks noGrp="1"/>
+          </p:cNvGraphicFramePr>
+          <p:nvPr>
+            <p:extLst>
+              <p:ext uri="{D42A27DB-BD31-4B8C-83A1-F6EECF244321}">
+                <p14:modId xmlns:p14="http://schemas.microsoft.com/office/powerpoint/2010/main" val="4090900937"/>
+              </p:ext>
+            </p:extLst>
+          </p:nvPr>
+        </p:nvGraphicFramePr>
+        <p:xfrm>
+          <a:off x="2244587" y="2046923"/>
+          <a:ext cx="8131865" cy="3275597"/>
+        </p:xfrm>
+        <a:graphic>
+          <a:graphicData uri="http://schemas.openxmlformats.org/drawingml/2006/table">
+            <a:tbl>
+              <a:tblPr bandRow="1">
+                <a:tableStyleId>{5C22544A-7EE6-4342-B048-85BDC9FD1C3A}</a:tableStyleId>
+              </a:tblPr>
+              <a:tblGrid>
+                <a:gridCol w="3347830">
+                  <a:extLst>
+                    <a:ext uri="{9D8B030D-6E8A-4147-A177-3AD203B41FA5}">
+                      <a16:colId xmlns:a16="http://schemas.microsoft.com/office/drawing/2014/main" val="3416681741"/>
+                    </a:ext>
+                  </a:extLst>
+                </a:gridCol>
+                <a:gridCol w="2902227">
+                  <a:extLst>
+                    <a:ext uri="{9D8B030D-6E8A-4147-A177-3AD203B41FA5}">
+                      <a16:colId xmlns:a16="http://schemas.microsoft.com/office/drawing/2014/main" val="3260499319"/>
+                    </a:ext>
+                  </a:extLst>
+                </a:gridCol>
+                <a:gridCol w="1881808">
+                  <a:extLst>
+                    <a:ext uri="{9D8B030D-6E8A-4147-A177-3AD203B41FA5}">
+                      <a16:colId xmlns:a16="http://schemas.microsoft.com/office/drawing/2014/main" val="1498540713"/>
+                    </a:ext>
+                  </a:extLst>
+                </a:gridCol>
+              </a:tblGrid>
+              <a:tr h="630461">
+                <a:tc rowSpan="6">
+                  <a:txBody>
+                    <a:bodyPr/>
+                    <a:lstStyle/>
+                    <a:p>
+                      <a:r>
+                        <a:rPr lang="en-US" b="1" dirty="0"/>
+                        <a:t>Config:</a:t>
+                      </a:r>
+                    </a:p>
+                    <a:p>
+                      <a:pPr marL="285750" indent="-285750">
+                        <a:buFontTx/>
+                        <a:buChar char="-"/>
+                      </a:pPr>
+                      <a:r>
+                        <a:rPr lang="en-US" dirty="0" err="1"/>
+                        <a:t>BrainTumor</a:t>
+                      </a:r>
+                      <a:r>
+                        <a:rPr lang="en-US" dirty="0"/>
+                        <a:t> Dataset</a:t>
+                      </a:r>
+                    </a:p>
+                    <a:p>
+                      <a:pPr marL="285750" indent="-285750">
+                        <a:buFontTx/>
+                        <a:buChar char="-"/>
+                      </a:pPr>
+                      <a:r>
+                        <a:rPr lang="en-US" dirty="0"/>
+                        <a:t>Adam optimizer</a:t>
+                      </a:r>
+                    </a:p>
+                    <a:p>
+                      <a:pPr marL="285750" indent="-285750">
+                        <a:buFontTx/>
+                        <a:buChar char="-"/>
+                      </a:pPr>
+                      <a:r>
+                        <a:rPr lang="en-US" dirty="0"/>
+                        <a:t>ReduceLROnPlateau-1e-4</a:t>
+                      </a:r>
+                    </a:p>
+                    <a:p>
+                      <a:pPr marL="285750" indent="-285750">
+                        <a:buFontTx/>
+                        <a:buChar char="-"/>
+                      </a:pPr>
+                      <a:r>
+                        <a:rPr lang="en-US" dirty="0" err="1"/>
+                        <a:t>Img_size</a:t>
+                      </a:r>
+                      <a:r>
+                        <a:rPr lang="en-US" dirty="0"/>
+                        <a:t>: 256</a:t>
+                      </a:r>
+                    </a:p>
+                    <a:p>
+                      <a:pPr marL="285750" indent="-285750">
+                        <a:buFontTx/>
+                        <a:buChar char="-"/>
+                      </a:pPr>
+                      <a:r>
+                        <a:rPr lang="en-US" dirty="0" err="1"/>
+                        <a:t>Batch_size</a:t>
+                      </a:r>
+                      <a:r>
+                        <a:rPr lang="en-US" dirty="0"/>
+                        <a:t>: 16</a:t>
+                      </a:r>
+                    </a:p>
+                    <a:p>
+                      <a:pPr marL="285750" indent="-285750">
+                        <a:buFontTx/>
+                        <a:buChar char="-"/>
+                      </a:pPr>
+                      <a:endParaRPr lang="en-US" dirty="0"/>
+                    </a:p>
+                  </a:txBody>
+                  <a:tcPr/>
+                </a:tc>
+                <a:tc>
+                  <a:txBody>
+                    <a:bodyPr/>
+                    <a:lstStyle/>
+                    <a:p>
+                      <a:r>
+                        <a:rPr lang="en-US" b="1" dirty="0"/>
+                        <a:t>Backbone</a:t>
+                      </a:r>
+                    </a:p>
+                  </a:txBody>
+                  <a:tcPr/>
+                </a:tc>
+                <a:tc>
+                  <a:txBody>
+                    <a:bodyPr/>
+                    <a:lstStyle/>
+                    <a:p>
+                      <a:r>
+                        <a:rPr lang="en-US" b="1" dirty="0"/>
+                        <a:t>Result</a:t>
+                      </a:r>
+                    </a:p>
+                  </a:txBody>
+                  <a:tcPr/>
+                </a:tc>
+                <a:extLst>
+                  <a:ext uri="{0D108BD9-81ED-4DB2-BD59-A6C34878D82A}">
+                    <a16:rowId xmlns:a16="http://schemas.microsoft.com/office/drawing/2014/main" val="1504969892"/>
+                  </a:ext>
+                </a:extLst>
+              </a:tr>
+              <a:tr h="413266">
+                <a:tc vMerge="1">
+                  <a:txBody>
+                    <a:bodyPr/>
+                    <a:lstStyle/>
+                    <a:p>
+                      <a:endParaRPr lang="en-US" dirty="0"/>
+                    </a:p>
+                  </a:txBody>
+                  <a:tcPr/>
+                </a:tc>
+                <a:tc>
+                  <a:txBody>
+                    <a:bodyPr/>
+                    <a:lstStyle/>
+                    <a:p>
+                      <a:r>
+                        <a:rPr lang="en-US" dirty="0"/>
+                        <a:t>VGG16 - VGG16 </a:t>
+                      </a:r>
+                    </a:p>
+                  </a:txBody>
+                  <a:tcPr/>
+                </a:tc>
+                <a:tc>
+                  <a:txBody>
+                    <a:bodyPr/>
+                    <a:lstStyle/>
+                    <a:p>
+                      <a:pPr marL="0" indent="0">
+                        <a:buFont typeface="Arial" panose="020B0604020202020204" pitchFamily="34" charset="0"/>
+                        <a:buNone/>
+                      </a:pPr>
+                      <a:r>
+                        <a:rPr lang="en-US" dirty="0"/>
+                        <a:t>76.58</a:t>
+                      </a:r>
+                    </a:p>
+                  </a:txBody>
+                  <a:tcPr/>
+                </a:tc>
+                <a:extLst>
+                  <a:ext uri="{0D108BD9-81ED-4DB2-BD59-A6C34878D82A}">
+                    <a16:rowId xmlns:a16="http://schemas.microsoft.com/office/drawing/2014/main" val="3351530658"/>
+                  </a:ext>
+                </a:extLst>
+              </a:tr>
+              <a:tr h="397566">
+                <a:tc vMerge="1">
+                  <a:txBody>
+                    <a:bodyPr/>
+                    <a:lstStyle/>
+                    <a:p>
+                      <a:endParaRPr lang="en-US" dirty="0"/>
+                    </a:p>
+                  </a:txBody>
+                  <a:tcPr/>
+                </a:tc>
+                <a:tc>
+                  <a:txBody>
+                    <a:bodyPr/>
+                    <a:lstStyle/>
+                    <a:p>
+                      <a:r>
+                        <a:rPr lang="en-US" dirty="0"/>
+                        <a:t>Resnet18 -Resnet18</a:t>
+                      </a:r>
+                    </a:p>
+                  </a:txBody>
+                  <a:tcPr/>
+                </a:tc>
+                <a:tc>
+                  <a:txBody>
+                    <a:bodyPr/>
+                    <a:lstStyle/>
+                    <a:p>
+                      <a:pPr marL="0" marR="0" lvl="0" indent="0" algn="l" defTabSz="914400" rtl="0" eaLnBrk="1" fontAlgn="auto" latinLnBrk="0" hangingPunct="1">
+                        <a:lnSpc>
+                          <a:spcPct val="100000"/>
+                        </a:lnSpc>
+                        <a:spcBef>
+                          <a:spcPts val="0"/>
+                        </a:spcBef>
+                        <a:spcAft>
+                          <a:spcPts val="0"/>
+                        </a:spcAft>
+                        <a:buClrTx/>
+                        <a:buSzTx/>
+                        <a:buFont typeface="Arial" panose="020B0604020202020204" pitchFamily="34" charset="0"/>
+                        <a:buNone/>
+                        <a:tabLst/>
+                        <a:defRPr/>
+                      </a:pPr>
+                      <a:r>
+                        <a:rPr lang="en-US" dirty="0"/>
+                        <a:t>78.19</a:t>
+                      </a:r>
+                    </a:p>
+                  </a:txBody>
+                  <a:tcPr/>
+                </a:tc>
+                <a:extLst>
+                  <a:ext uri="{0D108BD9-81ED-4DB2-BD59-A6C34878D82A}">
+                    <a16:rowId xmlns:a16="http://schemas.microsoft.com/office/drawing/2014/main" val="2401624614"/>
+                  </a:ext>
+                </a:extLst>
+              </a:tr>
+              <a:tr h="437321">
+                <a:tc vMerge="1">
+                  <a:txBody>
+                    <a:bodyPr/>
+                    <a:lstStyle/>
+                    <a:p>
+                      <a:endParaRPr lang="en-US" dirty="0"/>
+                    </a:p>
+                  </a:txBody>
+                  <a:tcPr/>
+                </a:tc>
+                <a:tc>
+                  <a:txBody>
+                    <a:bodyPr/>
+                    <a:lstStyle/>
+                    <a:p>
+                      <a:r>
+                        <a:rPr lang="en-US" dirty="0"/>
+                        <a:t>Resnet18 - Dynamic </a:t>
+                      </a:r>
+                      <a:r>
+                        <a:rPr lang="en-US" dirty="0" err="1"/>
+                        <a:t>unet</a:t>
+                      </a:r>
+                      <a:endParaRPr lang="en-US" dirty="0"/>
+                    </a:p>
+                  </a:txBody>
+                  <a:tcPr/>
+                </a:tc>
+                <a:tc>
+                  <a:txBody>
+                    <a:bodyPr/>
+                    <a:lstStyle/>
+                    <a:p>
+                      <a:pPr marL="0" marR="0" lvl="0" indent="0" algn="l" defTabSz="914400" rtl="0" eaLnBrk="1" fontAlgn="auto" latinLnBrk="0" hangingPunct="1">
+                        <a:lnSpc>
+                          <a:spcPct val="100000"/>
+                        </a:lnSpc>
+                        <a:spcBef>
+                          <a:spcPts val="0"/>
+                        </a:spcBef>
+                        <a:spcAft>
+                          <a:spcPts val="0"/>
+                        </a:spcAft>
+                        <a:buClrTx/>
+                        <a:buSzTx/>
+                        <a:buFont typeface="Arial" panose="020B0604020202020204" pitchFamily="34" charset="0"/>
+                        <a:buNone/>
+                        <a:tabLst/>
+                        <a:defRPr/>
+                      </a:pPr>
+                      <a:r>
+                        <a:rPr lang="en-US" dirty="0"/>
+                        <a:t>77.87</a:t>
+                      </a:r>
+                    </a:p>
+                  </a:txBody>
+                  <a:tcPr/>
+                </a:tc>
+                <a:extLst>
+                  <a:ext uri="{0D108BD9-81ED-4DB2-BD59-A6C34878D82A}">
+                    <a16:rowId xmlns:a16="http://schemas.microsoft.com/office/drawing/2014/main" val="2748839980"/>
+                  </a:ext>
+                </a:extLst>
+              </a:tr>
+              <a:tr h="423526">
+                <a:tc vMerge="1">
+                  <a:txBody>
+                    <a:bodyPr/>
+                    <a:lstStyle/>
+                    <a:p>
+                      <a:pPr marL="285750" indent="-285750">
+                        <a:buFontTx/>
+                        <a:buChar char="-"/>
+                      </a:pPr>
+                      <a:endParaRPr lang="en-US" dirty="0"/>
+                    </a:p>
+                  </a:txBody>
+                  <a:tcPr/>
+                </a:tc>
+                <a:tc>
+                  <a:txBody>
+                    <a:bodyPr/>
+                    <a:lstStyle/>
+                    <a:p>
+                      <a:r>
+                        <a:rPr lang="en-US" dirty="0"/>
+                        <a:t>Resnet18-VGG</a:t>
+                      </a:r>
+                    </a:p>
+                  </a:txBody>
+                  <a:tcPr/>
+                </a:tc>
+                <a:tc>
+                  <a:txBody>
+                    <a:bodyPr/>
+                    <a:lstStyle/>
+                    <a:p>
+                      <a:pPr marL="0" marR="0" lvl="0" indent="0" algn="l" defTabSz="914400" rtl="0" eaLnBrk="1" fontAlgn="auto" latinLnBrk="0" hangingPunct="1">
+                        <a:lnSpc>
+                          <a:spcPct val="100000"/>
+                        </a:lnSpc>
+                        <a:spcBef>
+                          <a:spcPts val="0"/>
+                        </a:spcBef>
+                        <a:spcAft>
+                          <a:spcPts val="0"/>
+                        </a:spcAft>
+                        <a:buClrTx/>
+                        <a:buSzTx/>
+                        <a:buFont typeface="Arial" panose="020B0604020202020204" pitchFamily="34" charset="0"/>
+                        <a:buNone/>
+                        <a:tabLst/>
+                        <a:defRPr/>
+                      </a:pPr>
+                      <a:r>
+                        <a:rPr lang="en-US" dirty="0"/>
+                        <a:t>77.63</a:t>
+                      </a:r>
+                    </a:p>
+                  </a:txBody>
+                  <a:tcPr/>
+                </a:tc>
+                <a:extLst>
+                  <a:ext uri="{0D108BD9-81ED-4DB2-BD59-A6C34878D82A}">
+                    <a16:rowId xmlns:a16="http://schemas.microsoft.com/office/drawing/2014/main" val="4244224966"/>
+                  </a:ext>
+                </a:extLst>
+              </a:tr>
+              <a:tr h="973457">
+                <a:tc vMerge="1">
+                  <a:txBody>
+                    <a:bodyPr/>
+                    <a:lstStyle/>
+                    <a:p>
+                      <a:pPr marL="285750" indent="-285750">
+                        <a:buFontTx/>
+                        <a:buChar char="-"/>
+                      </a:pPr>
+                      <a:endParaRPr lang="en-US" dirty="0"/>
+                    </a:p>
+                  </a:txBody>
+                  <a:tcPr/>
+                </a:tc>
+                <a:tc>
+                  <a:txBody>
+                    <a:bodyPr/>
+                    <a:lstStyle/>
+                    <a:p>
+                      <a:r>
+                        <a:rPr lang="en-US" dirty="0"/>
+                        <a:t>EfficientnetB0-VGG16</a:t>
+                      </a:r>
+                    </a:p>
+                  </a:txBody>
+                  <a:tcPr/>
+                </a:tc>
+                <a:tc>
+                  <a:txBody>
+                    <a:bodyPr/>
+                    <a:lstStyle/>
+                    <a:p>
+                      <a:pPr marL="0" marR="0" lvl="0" indent="0" algn="l" defTabSz="914400" rtl="0" eaLnBrk="1" fontAlgn="auto" latinLnBrk="0" hangingPunct="1">
+                        <a:lnSpc>
+                          <a:spcPct val="100000"/>
+                        </a:lnSpc>
+                        <a:spcBef>
+                          <a:spcPts val="0"/>
+                        </a:spcBef>
+                        <a:spcAft>
+                          <a:spcPts val="0"/>
+                        </a:spcAft>
+                        <a:buClrTx/>
+                        <a:buSzTx/>
+                        <a:buFont typeface="Arial" panose="020B0604020202020204" pitchFamily="34" charset="0"/>
+                        <a:buNone/>
+                        <a:tabLst/>
+                        <a:defRPr/>
+                      </a:pPr>
+                      <a:r>
+                        <a:rPr lang="en-US" dirty="0"/>
+                        <a:t>80.98</a:t>
+                      </a:r>
+                    </a:p>
+                  </a:txBody>
+                  <a:tcPr/>
+                </a:tc>
+                <a:extLst>
+                  <a:ext uri="{0D108BD9-81ED-4DB2-BD59-A6C34878D82A}">
+                    <a16:rowId xmlns:a16="http://schemas.microsoft.com/office/drawing/2014/main" val="172299217"/>
+                  </a:ext>
+                </a:extLst>
+              </a:tr>
+            </a:tbl>
+          </a:graphicData>
+        </a:graphic>
+      </p:graphicFrame>
     </p:spTree>
     <p:extLst>
       <p:ext uri="{BB962C8B-B14F-4D97-AF65-F5344CB8AC3E}">
-        <p14:creationId xmlns:p14="http://schemas.microsoft.com/office/powerpoint/2010/main" val="564670563"/>
+        <p14:creationId xmlns:p14="http://schemas.microsoft.com/office/powerpoint/2010/main" val="503433807"/>
       </p:ext>
     </p:extLst>
   </p:cSld>

--- a/mid_term/mid_term.pptx
+++ b/mid_term/mid_term.pptx
@@ -5,7 +5,7 @@
     <p:sldMasterId id="2147483648" r:id="rId4"/>
   </p:sldMasterIdLst>
   <p:notesMasterIdLst>
-    <p:notesMasterId r:id="rId19"/>
+    <p:notesMasterId r:id="rId21"/>
   </p:notesMasterIdLst>
   <p:sldIdLst>
     <p:sldId id="256" r:id="rId5"/>
@@ -18,10 +18,12 @@
     <p:sldId id="287" r:id="rId12"/>
     <p:sldId id="263" r:id="rId13"/>
     <p:sldId id="282" r:id="rId14"/>
-    <p:sldId id="266" r:id="rId15"/>
-    <p:sldId id="289" r:id="rId16"/>
-    <p:sldId id="267" r:id="rId17"/>
-    <p:sldId id="288" r:id="rId18"/>
+    <p:sldId id="291" r:id="rId15"/>
+    <p:sldId id="290" r:id="rId16"/>
+    <p:sldId id="266" r:id="rId17"/>
+    <p:sldId id="289" r:id="rId18"/>
+    <p:sldId id="267" r:id="rId19"/>
+    <p:sldId id="288" r:id="rId20"/>
   </p:sldIdLst>
   <p:sldSz cx="12192000" cy="6858000"/>
   <p:notesSz cx="6858000" cy="9144000"/>
@@ -808,6 +810,90 @@
     <p:extLst>
       <p:ext uri="{BB962C8B-B14F-4D97-AF65-F5344CB8AC3E}">
         <p14:creationId xmlns:p14="http://schemas.microsoft.com/office/powerpoint/2010/main" val="3042147044"/>
+      </p:ext>
+    </p:extLst>
+  </p:cSld>
+  <p:clrMapOvr>
+    <a:masterClrMapping/>
+  </p:clrMapOvr>
+</p:notes>
+</file>
+
+<file path=ppt/notesSlides/notesSlide5.xml><?xml version="1.0" encoding="utf-8"?>
+<p:notes xmlns:a="http://schemas.openxmlformats.org/drawingml/2006/main" xmlns:r="http://schemas.openxmlformats.org/officeDocument/2006/relationships" xmlns:p="http://schemas.openxmlformats.org/presentationml/2006/main">
+  <p:cSld>
+    <p:spTree>
+      <p:nvGrpSpPr>
+        <p:cNvPr id="1" name=""/>
+        <p:cNvGrpSpPr/>
+        <p:nvPr/>
+      </p:nvGrpSpPr>
+      <p:grpSpPr>
+        <a:xfrm>
+          <a:off x="0" y="0"/>
+          <a:ext cx="0" cy="0"/>
+          <a:chOff x="0" y="0"/>
+          <a:chExt cx="0" cy="0"/>
+        </a:xfrm>
+      </p:grpSpPr>
+      <p:sp>
+        <p:nvSpPr>
+          <p:cNvPr id="2" name="Slide Image Placeholder 1"/>
+          <p:cNvSpPr>
+            <a:spLocks noGrp="1" noRot="1" noChangeAspect="1"/>
+          </p:cNvSpPr>
+          <p:nvPr>
+            <p:ph type="sldImg"/>
+          </p:nvPr>
+        </p:nvSpPr>
+        <p:spPr/>
+      </p:sp>
+      <p:sp>
+        <p:nvSpPr>
+          <p:cNvPr id="3" name="Notes Placeholder 2"/>
+          <p:cNvSpPr>
+            <a:spLocks noGrp="1"/>
+          </p:cNvSpPr>
+          <p:nvPr>
+            <p:ph type="body" idx="1"/>
+          </p:nvPr>
+        </p:nvSpPr>
+        <p:spPr/>
+        <p:txBody>
+          <a:bodyPr/>
+          <a:lstStyle/>
+          <a:p>
+            <a:endParaRPr lang="en-US" dirty="0"/>
+          </a:p>
+        </p:txBody>
+      </p:sp>
+      <p:sp>
+        <p:nvSpPr>
+          <p:cNvPr id="4" name="Slide Number Placeholder 3"/>
+          <p:cNvSpPr>
+            <a:spLocks noGrp="1"/>
+          </p:cNvSpPr>
+          <p:nvPr>
+            <p:ph type="sldNum" sz="quarter" idx="5"/>
+          </p:nvPr>
+        </p:nvSpPr>
+        <p:spPr/>
+        <p:txBody>
+          <a:bodyPr/>
+          <a:lstStyle/>
+          <a:p>
+            <a:fld id="{5AF365AE-F120-4C61-823E-9704E9511997}" type="slidenum">
+              <a:rPr lang="en-AU" smtClean="0"/>
+              <a:t>11</a:t>
+            </a:fld>
+            <a:endParaRPr lang="en-AU"/>
+          </a:p>
+        </p:txBody>
+      </p:sp>
+    </p:spTree>
+    <p:extLst>
+      <p:ext uri="{BB962C8B-B14F-4D97-AF65-F5344CB8AC3E}">
+        <p14:creationId xmlns:p14="http://schemas.microsoft.com/office/powerpoint/2010/main" val="3068596312"/>
       </p:ext>
     </p:extLst>
   </p:cSld>
@@ -4448,14 +4534,14 @@
           <p:nvPr>
             <p:extLst>
               <p:ext uri="{D42A27DB-BD31-4B8C-83A1-F6EECF244321}">
-                <p14:modId xmlns:p14="http://schemas.microsoft.com/office/powerpoint/2010/main" val="2543680880"/>
+                <p14:modId xmlns:p14="http://schemas.microsoft.com/office/powerpoint/2010/main" val="1963960248"/>
               </p:ext>
             </p:extLst>
           </p:nvPr>
         </p:nvGraphicFramePr>
         <p:xfrm>
-          <a:off x="2130474" y="2533972"/>
-          <a:ext cx="8128000" cy="2778257"/>
+          <a:off x="1905390" y="2187262"/>
+          <a:ext cx="8870463" cy="3510153"/>
         </p:xfrm>
         <a:graphic>
           <a:graphicData uri="http://schemas.openxmlformats.org/drawingml/2006/table">
@@ -4464,28 +4550,28 @@
                 <a:tableStyleId>{5C22544A-7EE6-4342-B048-85BDC9FD1C3A}</a:tableStyleId>
               </a:tblPr>
               <a:tblGrid>
-                <a:gridCol w="2032000">
+                <a:gridCol w="2217616">
                   <a:extLst>
                     <a:ext uri="{9D8B030D-6E8A-4147-A177-3AD203B41FA5}">
                       <a16:colId xmlns:a16="http://schemas.microsoft.com/office/drawing/2014/main" val="3009263798"/>
                     </a:ext>
                   </a:extLst>
                 </a:gridCol>
-                <a:gridCol w="2519680">
+                <a:gridCol w="2749843">
                   <a:extLst>
                     <a:ext uri="{9D8B030D-6E8A-4147-A177-3AD203B41FA5}">
                       <a16:colId xmlns:a16="http://schemas.microsoft.com/office/drawing/2014/main" val="513575297"/>
                     </a:ext>
                   </a:extLst>
                 </a:gridCol>
-                <a:gridCol w="1544320">
+                <a:gridCol w="1685388">
                   <a:extLst>
                     <a:ext uri="{9D8B030D-6E8A-4147-A177-3AD203B41FA5}">
                       <a16:colId xmlns:a16="http://schemas.microsoft.com/office/drawing/2014/main" val="510886131"/>
                     </a:ext>
                   </a:extLst>
                 </a:gridCol>
-                <a:gridCol w="2032000">
+                <a:gridCol w="2217616">
                   <a:extLst>
                     <a:ext uri="{9D8B030D-6E8A-4147-A177-3AD203B41FA5}">
                       <a16:colId xmlns:a16="http://schemas.microsoft.com/office/drawing/2014/main" val="518169098"/>
@@ -4493,7 +4579,7 @@
                   </a:extLst>
                 </a:gridCol>
               </a:tblGrid>
-              <a:tr h="370840">
+              <a:tr h="468533">
                 <a:tc rowSpan="7">
                   <a:txBody>
                     <a:bodyPr/>
@@ -4673,7 +4759,7 @@
                   </a:ext>
                 </a:extLst>
               </a:tr>
-              <a:tr h="370840">
+              <a:tr h="468533">
                 <a:tc vMerge="1">
                   <a:txBody>
                     <a:bodyPr/>
@@ -4747,7 +4833,7 @@
                   </a:ext>
                 </a:extLst>
               </a:tr>
-              <a:tr h="370840">
+              <a:tr h="468533">
                 <a:tc vMerge="1">
                   <a:txBody>
                     <a:bodyPr/>
@@ -4810,7 +4896,7 @@
                   </a:ext>
                 </a:extLst>
               </a:tr>
-              <a:tr h="370840">
+              <a:tr h="468533">
                 <a:tc vMerge="1">
                   <a:txBody>
                     <a:bodyPr/>
@@ -4889,7 +4975,7 @@
                   </a:ext>
                 </a:extLst>
               </a:tr>
-              <a:tr h="553217">
+              <a:tr h="698955">
                 <a:tc vMerge="1">
                   <a:txBody>
                     <a:bodyPr/>
@@ -4952,7 +5038,7 @@
                   </a:ext>
                 </a:extLst>
               </a:tr>
-              <a:tr h="370840">
+              <a:tr h="468533">
                 <a:tc vMerge="1">
                   <a:txBody>
                     <a:bodyPr/>
@@ -5015,7 +5101,7 @@
                   </a:ext>
                 </a:extLst>
               </a:tr>
-              <a:tr h="370840">
+              <a:tr h="468533">
                 <a:tc vMerge="1">
                   <a:txBody>
                     <a:bodyPr/>
@@ -5210,8 +5296,768 @@
           </a:p>
         </p:txBody>
       </p:sp>
-      <mc:AlternateContent xmlns:mc="http://schemas.openxmlformats.org/markup-compatibility/2006">
-        <mc:Choice xmlns:a14="http://schemas.microsoft.com/office/drawing/2010/main" Requires="a14">
+      <p:sp>
+        <p:nvSpPr>
+          <p:cNvPr id="10" name="Content Placeholder 6">
+            <a:extLst>
+              <a:ext uri="{FF2B5EF4-FFF2-40B4-BE49-F238E27FC236}">
+                <a16:creationId xmlns:a16="http://schemas.microsoft.com/office/drawing/2014/main" id="{51F135C9-2AC1-4491-95EA-03B3B6BC98FE}"/>
+              </a:ext>
+            </a:extLst>
+          </p:cNvPr>
+          <p:cNvSpPr>
+            <a:spLocks noGrp="1"/>
+          </p:cNvSpPr>
+          <p:nvPr>
+            <p:ph idx="1"/>
+          </p:nvPr>
+        </p:nvSpPr>
+        <p:spPr>
+          <a:xfrm>
+            <a:off x="838200" y="912085"/>
+            <a:ext cx="10515600" cy="5497424"/>
+          </a:xfrm>
+        </p:spPr>
+        <p:txBody>
+          <a:bodyPr/>
+          <a:lstStyle/>
+          <a:p>
+            <a:r>
+              <a:rPr lang="en-US" dirty="0"/>
+              <a:t>Experiments</a:t>
+            </a:r>
+          </a:p>
+          <a:p>
+            <a:pPr lvl="1"/>
+            <a:r>
+              <a:rPr lang="en-US" dirty="0" err="1"/>
+              <a:t>MenWomen</a:t>
+            </a:r>
+            <a:r>
+              <a:rPr lang="en-US" dirty="0"/>
+              <a:t> dataset</a:t>
+            </a:r>
+          </a:p>
+          <a:p>
+            <a:pPr lvl="1"/>
+            <a:endParaRPr lang="en-US" dirty="0"/>
+          </a:p>
+        </p:txBody>
+      </p:sp>
+      <p:graphicFrame>
+        <p:nvGraphicFramePr>
+          <p:cNvPr id="3" name="Table 5">
+            <a:extLst>
+              <a:ext uri="{FF2B5EF4-FFF2-40B4-BE49-F238E27FC236}">
+                <a16:creationId xmlns:a16="http://schemas.microsoft.com/office/drawing/2014/main" id="{616C0A47-503D-45C0-911A-3BA363B381A4}"/>
+              </a:ext>
+            </a:extLst>
+          </p:cNvPr>
+          <p:cNvGraphicFramePr>
+            <a:graphicFrameLocks noGrp="1"/>
+          </p:cNvGraphicFramePr>
+          <p:nvPr/>
+        </p:nvGraphicFramePr>
+        <p:xfrm>
+          <a:off x="489246" y="1998755"/>
+          <a:ext cx="5789634" cy="3947160"/>
+        </p:xfrm>
+        <a:graphic>
+          <a:graphicData uri="http://schemas.openxmlformats.org/drawingml/2006/table">
+            <a:tbl>
+              <a:tblPr bandRow="1">
+                <a:tableStyleId>{5C22544A-7EE6-4342-B048-85BDC9FD1C3A}</a:tableStyleId>
+              </a:tblPr>
+              <a:tblGrid>
+                <a:gridCol w="1929878">
+                  <a:extLst>
+                    <a:ext uri="{9D8B030D-6E8A-4147-A177-3AD203B41FA5}">
+                      <a16:colId xmlns:a16="http://schemas.microsoft.com/office/drawing/2014/main" val="1886076112"/>
+                    </a:ext>
+                  </a:extLst>
+                </a:gridCol>
+                <a:gridCol w="1929878">
+                  <a:extLst>
+                    <a:ext uri="{9D8B030D-6E8A-4147-A177-3AD203B41FA5}">
+                      <a16:colId xmlns:a16="http://schemas.microsoft.com/office/drawing/2014/main" val="3056220406"/>
+                    </a:ext>
+                  </a:extLst>
+                </a:gridCol>
+                <a:gridCol w="1929878">
+                  <a:extLst>
+                    <a:ext uri="{9D8B030D-6E8A-4147-A177-3AD203B41FA5}">
+                      <a16:colId xmlns:a16="http://schemas.microsoft.com/office/drawing/2014/main" val="1856223577"/>
+                    </a:ext>
+                  </a:extLst>
+                </a:gridCol>
+              </a:tblGrid>
+              <a:tr h="370840">
+                <a:tc gridSpan="2">
+                  <a:txBody>
+                    <a:bodyPr/>
+                    <a:lstStyle/>
+                    <a:p>
+                      <a:r>
+                        <a:rPr lang="en-US" dirty="0" err="1"/>
+                        <a:t>Numer</a:t>
+                      </a:r>
+                      <a:r>
+                        <a:rPr lang="en-US" dirty="0"/>
+                        <a:t> class</a:t>
+                      </a:r>
+                    </a:p>
+                  </a:txBody>
+                  <a:tcPr/>
+                </a:tc>
+                <a:tc hMerge="1">
+                  <a:txBody>
+                    <a:bodyPr/>
+                    <a:lstStyle/>
+                    <a:p>
+                      <a:endParaRPr lang="en-US" dirty="0"/>
+                    </a:p>
+                  </a:txBody>
+                  <a:tcPr/>
+                </a:tc>
+                <a:tc>
+                  <a:txBody>
+                    <a:bodyPr/>
+                    <a:lstStyle/>
+                    <a:p>
+                      <a:r>
+                        <a:rPr lang="en-US" dirty="0"/>
+                        <a:t>10</a:t>
+                      </a:r>
+                    </a:p>
+                  </a:txBody>
+                  <a:tcPr/>
+                </a:tc>
+                <a:extLst>
+                  <a:ext uri="{0D108BD9-81ED-4DB2-BD59-A6C34878D82A}">
+                    <a16:rowId xmlns:a16="http://schemas.microsoft.com/office/drawing/2014/main" val="23439611"/>
+                  </a:ext>
+                </a:extLst>
+              </a:tr>
+              <a:tr h="370840">
+                <a:tc rowSpan="2">
+                  <a:txBody>
+                    <a:bodyPr/>
+                    <a:lstStyle/>
+                    <a:p>
+                      <a:r>
+                        <a:rPr lang="en-US" dirty="0"/>
+                        <a:t>Train</a:t>
+                      </a:r>
+                    </a:p>
+                  </a:txBody>
+                  <a:tcPr/>
+                </a:tc>
+                <a:tc>
+                  <a:txBody>
+                    <a:bodyPr/>
+                    <a:lstStyle/>
+                    <a:p>
+                      <a:pPr marL="0" marR="0" lvl="0" indent="0" algn="l" defTabSz="914400" rtl="0" eaLnBrk="1" fontAlgn="auto" latinLnBrk="0" hangingPunct="1">
+                        <a:lnSpc>
+                          <a:spcPct val="100000"/>
+                        </a:lnSpc>
+                        <a:spcBef>
+                          <a:spcPts val="0"/>
+                        </a:spcBef>
+                        <a:spcAft>
+                          <a:spcPts val="0"/>
+                        </a:spcAft>
+                        <a:buClrTx/>
+                        <a:buSzTx/>
+                        <a:buFontTx/>
+                        <a:buNone/>
+                        <a:tabLst/>
+                        <a:defRPr/>
+                      </a:pPr>
+                      <a:r>
+                        <a:rPr lang="en-US" dirty="0"/>
+                        <a:t>Number images per class</a:t>
+                      </a:r>
+                    </a:p>
+                    <a:p>
+                      <a:endParaRPr lang="en-US" dirty="0"/>
+                    </a:p>
+                  </a:txBody>
+                  <a:tcPr/>
+                </a:tc>
+                <a:tc>
+                  <a:txBody>
+                    <a:bodyPr/>
+                    <a:lstStyle/>
+                    <a:p>
+                      <a:r>
+                        <a:rPr lang="en-US" dirty="0"/>
+                        <a:t>3500</a:t>
+                      </a:r>
+                    </a:p>
+                  </a:txBody>
+                  <a:tcPr/>
+                </a:tc>
+                <a:extLst>
+                  <a:ext uri="{0D108BD9-81ED-4DB2-BD59-A6C34878D82A}">
+                    <a16:rowId xmlns:a16="http://schemas.microsoft.com/office/drawing/2014/main" val="790809538"/>
+                  </a:ext>
+                </a:extLst>
+              </a:tr>
+              <a:tr h="370840">
+                <a:tc vMerge="1">
+                  <a:txBody>
+                    <a:bodyPr/>
+                    <a:lstStyle/>
+                    <a:p>
+                      <a:endParaRPr lang="en-US" dirty="0"/>
+                    </a:p>
+                  </a:txBody>
+                  <a:tcPr/>
+                </a:tc>
+                <a:tc>
+                  <a:txBody>
+                    <a:bodyPr/>
+                    <a:lstStyle/>
+                    <a:p>
+                      <a:pPr marL="0" marR="0" lvl="0" indent="0" algn="l" defTabSz="914400" rtl="0" eaLnBrk="1" fontAlgn="auto" latinLnBrk="0" hangingPunct="1">
+                        <a:lnSpc>
+                          <a:spcPct val="100000"/>
+                        </a:lnSpc>
+                        <a:spcBef>
+                          <a:spcPts val="0"/>
+                        </a:spcBef>
+                        <a:spcAft>
+                          <a:spcPts val="0"/>
+                        </a:spcAft>
+                        <a:buClrTx/>
+                        <a:buSzTx/>
+                        <a:buFontTx/>
+                        <a:buNone/>
+                        <a:tabLst/>
+                        <a:defRPr/>
+                      </a:pPr>
+                      <a:r>
+                        <a:rPr lang="en-US" dirty="0" err="1"/>
+                        <a:t>Numer</a:t>
+                      </a:r>
+                      <a:r>
+                        <a:rPr lang="en-US" dirty="0"/>
+                        <a:t> image</a:t>
+                      </a:r>
+                    </a:p>
+                    <a:p>
+                      <a:endParaRPr lang="en-US" dirty="0"/>
+                    </a:p>
+                  </a:txBody>
+                  <a:tcPr/>
+                </a:tc>
+                <a:tc>
+                  <a:txBody>
+                    <a:bodyPr/>
+                    <a:lstStyle/>
+                    <a:p>
+                      <a:r>
+                        <a:rPr lang="en-US" dirty="0"/>
+                        <a:t>35000</a:t>
+                      </a:r>
+                    </a:p>
+                  </a:txBody>
+                  <a:tcPr/>
+                </a:tc>
+                <a:extLst>
+                  <a:ext uri="{0D108BD9-81ED-4DB2-BD59-A6C34878D82A}">
+                    <a16:rowId xmlns:a16="http://schemas.microsoft.com/office/drawing/2014/main" val="1884251935"/>
+                  </a:ext>
+                </a:extLst>
+              </a:tr>
+              <a:tr h="370840">
+                <a:tc rowSpan="2">
+                  <a:txBody>
+                    <a:bodyPr/>
+                    <a:lstStyle/>
+                    <a:p>
+                      <a:r>
+                        <a:rPr lang="en-US" dirty="0"/>
+                        <a:t>Valid</a:t>
+                      </a:r>
+                    </a:p>
+                  </a:txBody>
+                  <a:tcPr/>
+                </a:tc>
+                <a:tc>
+                  <a:txBody>
+                    <a:bodyPr/>
+                    <a:lstStyle/>
+                    <a:p>
+                      <a:pPr marL="0" marR="0" lvl="0" indent="0" algn="l" defTabSz="914400" rtl="0" eaLnBrk="1" fontAlgn="auto" latinLnBrk="0" hangingPunct="1">
+                        <a:lnSpc>
+                          <a:spcPct val="100000"/>
+                        </a:lnSpc>
+                        <a:spcBef>
+                          <a:spcPts val="0"/>
+                        </a:spcBef>
+                        <a:spcAft>
+                          <a:spcPts val="0"/>
+                        </a:spcAft>
+                        <a:buClrTx/>
+                        <a:buSzTx/>
+                        <a:buFontTx/>
+                        <a:buNone/>
+                        <a:tabLst/>
+                        <a:defRPr/>
+                      </a:pPr>
+                      <a:r>
+                        <a:rPr lang="en-US" dirty="0"/>
+                        <a:t>Number images per class</a:t>
+                      </a:r>
+                    </a:p>
+                  </a:txBody>
+                  <a:tcPr/>
+                </a:tc>
+                <a:tc>
+                  <a:txBody>
+                    <a:bodyPr/>
+                    <a:lstStyle/>
+                    <a:p>
+                      <a:r>
+                        <a:rPr lang="en-US" dirty="0"/>
+                        <a:t>1500</a:t>
+                      </a:r>
+                    </a:p>
+                  </a:txBody>
+                  <a:tcPr/>
+                </a:tc>
+                <a:extLst>
+                  <a:ext uri="{0D108BD9-81ED-4DB2-BD59-A6C34878D82A}">
+                    <a16:rowId xmlns:a16="http://schemas.microsoft.com/office/drawing/2014/main" val="1851472678"/>
+                  </a:ext>
+                </a:extLst>
+              </a:tr>
+              <a:tr h="370840">
+                <a:tc vMerge="1">
+                  <a:txBody>
+                    <a:bodyPr/>
+                    <a:lstStyle/>
+                    <a:p>
+                      <a:endParaRPr lang="en-US" dirty="0"/>
+                    </a:p>
+                  </a:txBody>
+                  <a:tcPr/>
+                </a:tc>
+                <a:tc>
+                  <a:txBody>
+                    <a:bodyPr/>
+                    <a:lstStyle/>
+                    <a:p>
+                      <a:pPr marL="0" marR="0" lvl="0" indent="0" algn="l" defTabSz="914400" rtl="0" eaLnBrk="1" fontAlgn="auto" latinLnBrk="0" hangingPunct="1">
+                        <a:lnSpc>
+                          <a:spcPct val="100000"/>
+                        </a:lnSpc>
+                        <a:spcBef>
+                          <a:spcPts val="0"/>
+                        </a:spcBef>
+                        <a:spcAft>
+                          <a:spcPts val="0"/>
+                        </a:spcAft>
+                        <a:buClrTx/>
+                        <a:buSzTx/>
+                        <a:buFontTx/>
+                        <a:buNone/>
+                        <a:tabLst/>
+                        <a:defRPr/>
+                      </a:pPr>
+                      <a:r>
+                        <a:rPr lang="en-US" dirty="0" err="1"/>
+                        <a:t>Numer</a:t>
+                      </a:r>
+                      <a:r>
+                        <a:rPr lang="en-US" dirty="0"/>
+                        <a:t> image</a:t>
+                      </a:r>
+                    </a:p>
+                  </a:txBody>
+                  <a:tcPr/>
+                </a:tc>
+                <a:tc>
+                  <a:txBody>
+                    <a:bodyPr/>
+                    <a:lstStyle/>
+                    <a:p>
+                      <a:r>
+                        <a:rPr lang="en-US" dirty="0"/>
+                        <a:t>15000</a:t>
+                      </a:r>
+                    </a:p>
+                  </a:txBody>
+                  <a:tcPr/>
+                </a:tc>
+                <a:extLst>
+                  <a:ext uri="{0D108BD9-81ED-4DB2-BD59-A6C34878D82A}">
+                    <a16:rowId xmlns:a16="http://schemas.microsoft.com/office/drawing/2014/main" val="2210063749"/>
+                  </a:ext>
+                </a:extLst>
+              </a:tr>
+              <a:tr h="370840">
+                <a:tc rowSpan="2">
+                  <a:txBody>
+                    <a:bodyPr/>
+                    <a:lstStyle/>
+                    <a:p>
+                      <a:r>
+                        <a:rPr lang="en-US" dirty="0"/>
+                        <a:t>Test</a:t>
+                      </a:r>
+                    </a:p>
+                  </a:txBody>
+                  <a:tcPr/>
+                </a:tc>
+                <a:tc>
+                  <a:txBody>
+                    <a:bodyPr/>
+                    <a:lstStyle/>
+                    <a:p>
+                      <a:pPr marL="0" marR="0" lvl="0" indent="0" algn="l" defTabSz="914400" rtl="0" eaLnBrk="1" fontAlgn="auto" latinLnBrk="0" hangingPunct="1">
+                        <a:lnSpc>
+                          <a:spcPct val="100000"/>
+                        </a:lnSpc>
+                        <a:spcBef>
+                          <a:spcPts val="0"/>
+                        </a:spcBef>
+                        <a:spcAft>
+                          <a:spcPts val="0"/>
+                        </a:spcAft>
+                        <a:buClrTx/>
+                        <a:buSzTx/>
+                        <a:buFontTx/>
+                        <a:buNone/>
+                        <a:tabLst/>
+                        <a:defRPr/>
+                      </a:pPr>
+                      <a:r>
+                        <a:rPr lang="en-US" dirty="0"/>
+                        <a:t>Number images per class</a:t>
+                      </a:r>
+                    </a:p>
+                  </a:txBody>
+                  <a:tcPr/>
+                </a:tc>
+                <a:tc>
+                  <a:txBody>
+                    <a:bodyPr/>
+                    <a:lstStyle/>
+                    <a:p>
+                      <a:r>
+                        <a:rPr lang="en-US" dirty="0"/>
+                        <a:t>100</a:t>
+                      </a:r>
+                    </a:p>
+                  </a:txBody>
+                  <a:tcPr/>
+                </a:tc>
+                <a:extLst>
+                  <a:ext uri="{0D108BD9-81ED-4DB2-BD59-A6C34878D82A}">
+                    <a16:rowId xmlns:a16="http://schemas.microsoft.com/office/drawing/2014/main" val="3252479224"/>
+                  </a:ext>
+                </a:extLst>
+              </a:tr>
+              <a:tr h="370840">
+                <a:tc vMerge="1">
+                  <a:txBody>
+                    <a:bodyPr/>
+                    <a:lstStyle/>
+                    <a:p>
+                      <a:endParaRPr lang="en-US" dirty="0"/>
+                    </a:p>
+                  </a:txBody>
+                  <a:tcPr/>
+                </a:tc>
+                <a:tc>
+                  <a:txBody>
+                    <a:bodyPr/>
+                    <a:lstStyle/>
+                    <a:p>
+                      <a:pPr marL="0" marR="0" lvl="0" indent="0" algn="l" defTabSz="914400" rtl="0" eaLnBrk="1" fontAlgn="auto" latinLnBrk="0" hangingPunct="1">
+                        <a:lnSpc>
+                          <a:spcPct val="100000"/>
+                        </a:lnSpc>
+                        <a:spcBef>
+                          <a:spcPts val="0"/>
+                        </a:spcBef>
+                        <a:spcAft>
+                          <a:spcPts val="0"/>
+                        </a:spcAft>
+                        <a:buClrTx/>
+                        <a:buSzTx/>
+                        <a:buFontTx/>
+                        <a:buNone/>
+                        <a:tabLst/>
+                        <a:defRPr/>
+                      </a:pPr>
+                      <a:r>
+                        <a:rPr lang="en-US" dirty="0" err="1"/>
+                        <a:t>Numer</a:t>
+                      </a:r>
+                      <a:r>
+                        <a:rPr lang="en-US" dirty="0"/>
+                        <a:t> image</a:t>
+                      </a:r>
+                    </a:p>
+                  </a:txBody>
+                  <a:tcPr/>
+                </a:tc>
+                <a:tc>
+                  <a:txBody>
+                    <a:bodyPr/>
+                    <a:lstStyle/>
+                    <a:p>
+                      <a:r>
+                        <a:rPr lang="en-US" dirty="0"/>
+                        <a:t>1000</a:t>
+                      </a:r>
+                    </a:p>
+                  </a:txBody>
+                  <a:tcPr/>
+                </a:tc>
+                <a:extLst>
+                  <a:ext uri="{0D108BD9-81ED-4DB2-BD59-A6C34878D82A}">
+                    <a16:rowId xmlns:a16="http://schemas.microsoft.com/office/drawing/2014/main" val="3331803769"/>
+                  </a:ext>
+                </a:extLst>
+              </a:tr>
+            </a:tbl>
+          </a:graphicData>
+        </a:graphic>
+      </p:graphicFrame>
+      <p:pic>
+        <p:nvPicPr>
+          <p:cNvPr id="6" name="Picture 5">
+            <a:extLst>
+              <a:ext uri="{FF2B5EF4-FFF2-40B4-BE49-F238E27FC236}">
+                <a16:creationId xmlns:a16="http://schemas.microsoft.com/office/drawing/2014/main" id="{499FB492-140D-4C28-AA32-B8F3FA4B5BBA}"/>
+              </a:ext>
+            </a:extLst>
+          </p:cNvPr>
+          <p:cNvPicPr>
+            <a:picLocks noChangeAspect="1"/>
+          </p:cNvPicPr>
+          <p:nvPr/>
+        </p:nvPicPr>
+        <p:blipFill>
+          <a:blip r:embed="rId3"/>
+          <a:stretch>
+            <a:fillRect/>
+          </a:stretch>
+        </p:blipFill>
+        <p:spPr>
+          <a:xfrm>
+            <a:off x="6627834" y="1998755"/>
+            <a:ext cx="5365493" cy="4054669"/>
+          </a:xfrm>
+          <a:prstGeom prst="rect">
+            <a:avLst/>
+          </a:prstGeom>
+        </p:spPr>
+      </p:pic>
+    </p:spTree>
+    <p:extLst>
+      <p:ext uri="{BB962C8B-B14F-4D97-AF65-F5344CB8AC3E}">
+        <p14:creationId xmlns:p14="http://schemas.microsoft.com/office/powerpoint/2010/main" val="2328952613"/>
+      </p:ext>
+    </p:extLst>
+  </p:cSld>
+  <p:clrMapOvr>
+    <a:masterClrMapping/>
+  </p:clrMapOvr>
+</p:sld>
+</file>
+
+<file path=ppt/slides/slide12.xml><?xml version="1.0" encoding="utf-8"?>
+<p:sld xmlns:a="http://schemas.openxmlformats.org/drawingml/2006/main" xmlns:r="http://schemas.openxmlformats.org/officeDocument/2006/relationships" xmlns:p="http://schemas.openxmlformats.org/presentationml/2006/main">
+  <p:cSld>
+    <p:spTree>
+      <p:nvGrpSpPr>
+        <p:cNvPr id="1" name=""/>
+        <p:cNvGrpSpPr/>
+        <p:nvPr/>
+      </p:nvGrpSpPr>
+      <p:grpSpPr>
+        <a:xfrm>
+          <a:off x="0" y="0"/>
+          <a:ext cx="0" cy="0"/>
+          <a:chOff x="0" y="0"/>
+          <a:chExt cx="0" cy="0"/>
+        </a:xfrm>
+      </p:grpSpPr>
+      <p:sp>
+        <p:nvSpPr>
+          <p:cNvPr id="2" name="Title 1">
+            <a:extLst>
+              <a:ext uri="{FF2B5EF4-FFF2-40B4-BE49-F238E27FC236}">
+                <a16:creationId xmlns:a16="http://schemas.microsoft.com/office/drawing/2014/main" id="{66E6F2B4-D213-43BD-91B7-E1725CD94853}"/>
+              </a:ext>
+            </a:extLst>
+          </p:cNvPr>
+          <p:cNvSpPr>
+            <a:spLocks noGrp="1"/>
+          </p:cNvSpPr>
+          <p:nvPr>
+            <p:ph type="title"/>
+          </p:nvPr>
+        </p:nvSpPr>
+        <p:spPr/>
+        <p:txBody>
+          <a:bodyPr/>
+          <a:lstStyle/>
+          <a:p>
+            <a:endParaRPr lang="en-US"/>
+          </a:p>
+        </p:txBody>
+      </p:sp>
+      <p:sp>
+        <p:nvSpPr>
+          <p:cNvPr id="3" name="Content Placeholder 2">
+            <a:extLst>
+              <a:ext uri="{FF2B5EF4-FFF2-40B4-BE49-F238E27FC236}">
+                <a16:creationId xmlns:a16="http://schemas.microsoft.com/office/drawing/2014/main" id="{810C2767-344F-4656-8876-724E29111C65}"/>
+              </a:ext>
+            </a:extLst>
+          </p:cNvPr>
+          <p:cNvSpPr>
+            <a:spLocks noGrp="1"/>
+          </p:cNvSpPr>
+          <p:nvPr>
+            <p:ph idx="1"/>
+          </p:nvPr>
+        </p:nvSpPr>
+        <p:spPr/>
+        <p:txBody>
+          <a:bodyPr/>
+          <a:lstStyle/>
+          <a:p>
+            <a:endParaRPr lang="en-US"/>
+          </a:p>
+        </p:txBody>
+      </p:sp>
+      <p:sp>
+        <p:nvSpPr>
+          <p:cNvPr id="4" name="Footer Placeholder 3">
+            <a:extLst>
+              <a:ext uri="{FF2B5EF4-FFF2-40B4-BE49-F238E27FC236}">
+                <a16:creationId xmlns:a16="http://schemas.microsoft.com/office/drawing/2014/main" id="{B63FF0CF-DB69-4383-AF17-4BC028F385C6}"/>
+              </a:ext>
+            </a:extLst>
+          </p:cNvPr>
+          <p:cNvSpPr>
+            <a:spLocks noGrp="1"/>
+          </p:cNvSpPr>
+          <p:nvPr>
+            <p:ph type="ftr" sz="quarter" idx="11"/>
+          </p:nvPr>
+        </p:nvSpPr>
+        <p:spPr/>
+        <p:txBody>
+          <a:bodyPr/>
+          <a:lstStyle/>
+          <a:p>
+            <a:r>
+              <a:rPr lang="en-US"/>
+              <a:t>Copyright©2020  VinBrain-Vingroup. All rights reserved.</a:t>
+            </a:r>
+            <a:endParaRPr lang="en-AU"/>
+          </a:p>
+        </p:txBody>
+      </p:sp>
+    </p:spTree>
+    <p:extLst>
+      <p:ext uri="{BB962C8B-B14F-4D97-AF65-F5344CB8AC3E}">
+        <p14:creationId xmlns:p14="http://schemas.microsoft.com/office/powerpoint/2010/main" val="3326814182"/>
+      </p:ext>
+    </p:extLst>
+  </p:cSld>
+  <p:clrMapOvr>
+    <a:masterClrMapping/>
+  </p:clrMapOvr>
+</p:sld>
+</file>
+
+<file path=ppt/slides/slide13.xml><?xml version="1.0" encoding="utf-8"?>
+<p:sld xmlns:a="http://schemas.openxmlformats.org/drawingml/2006/main" xmlns:r="http://schemas.openxmlformats.org/officeDocument/2006/relationships" xmlns:p="http://schemas.openxmlformats.org/presentationml/2006/main">
+  <p:cSld>
+    <p:spTree>
+      <p:nvGrpSpPr>
+        <p:cNvPr id="1" name=""/>
+        <p:cNvGrpSpPr/>
+        <p:nvPr/>
+      </p:nvGrpSpPr>
+      <p:grpSpPr>
+        <a:xfrm>
+          <a:off x="0" y="0"/>
+          <a:ext cx="0" cy="0"/>
+          <a:chOff x="0" y="0"/>
+          <a:chExt cx="0" cy="0"/>
+        </a:xfrm>
+      </p:grpSpPr>
+      <p:sp>
+        <p:nvSpPr>
+          <p:cNvPr id="2" name="Title 1">
+            <a:extLst>
+              <a:ext uri="{FF2B5EF4-FFF2-40B4-BE49-F238E27FC236}">
+                <a16:creationId xmlns:a16="http://schemas.microsoft.com/office/drawing/2014/main" id="{68A8E0B3-4EB6-472D-8E42-063DB692BE5A}"/>
+              </a:ext>
+            </a:extLst>
+          </p:cNvPr>
+          <p:cNvSpPr>
+            <a:spLocks noGrp="1"/>
+          </p:cNvSpPr>
+          <p:nvPr>
+            <p:ph type="title"/>
+          </p:nvPr>
+        </p:nvSpPr>
+        <p:spPr/>
+        <p:txBody>
+          <a:bodyPr/>
+          <a:lstStyle/>
+          <a:p>
+            <a:r>
+              <a:rPr lang="vi-VN" dirty="0"/>
+              <a:t>Classification problem</a:t>
+            </a:r>
+            <a:endParaRPr lang="en-US" dirty="0"/>
+          </a:p>
+        </p:txBody>
+      </p:sp>
+      <p:sp>
+        <p:nvSpPr>
+          <p:cNvPr id="4" name="Footer Placeholder 3">
+            <a:extLst>
+              <a:ext uri="{FF2B5EF4-FFF2-40B4-BE49-F238E27FC236}">
+                <a16:creationId xmlns:a16="http://schemas.microsoft.com/office/drawing/2014/main" id="{3B26542C-4623-445E-AF92-C0B5043AE483}"/>
+              </a:ext>
+            </a:extLst>
+          </p:cNvPr>
+          <p:cNvSpPr>
+            <a:spLocks noGrp="1"/>
+          </p:cNvSpPr>
+          <p:nvPr>
+            <p:ph type="ftr" sz="quarter" idx="11"/>
+          </p:nvPr>
+        </p:nvSpPr>
+        <p:spPr/>
+        <p:txBody>
+          <a:bodyPr/>
+          <a:lstStyle/>
+          <a:p>
+            <a:r>
+              <a:rPr lang="en-US"/>
+              <a:t>Copyright©2020  VinBrain-Vingroup. All rights reserved.</a:t>
+            </a:r>
+            <a:endParaRPr lang="en-AU"/>
+          </a:p>
+        </p:txBody>
+      </p:sp>
+      <mc:AlternateContent xmlns:mc="http://schemas.openxmlformats.org/markup-compatibility/2006" xmlns:a14="http://schemas.microsoft.com/office/drawing/2010/main">
+        <mc:Choice Requires="a14">
           <p:graphicFrame>
             <p:nvGraphicFramePr>
               <p:cNvPr id="6" name="Table 6">
@@ -6724,7 +7570,7 @@
             </a:graphic>
           </p:graphicFrame>
         </mc:Choice>
-        <mc:Fallback>
+        <mc:Fallback xmlns="">
           <p:graphicFrame>
             <p:nvGraphicFramePr>
               <p:cNvPr id="6" name="Table 6">
@@ -7159,7 +8005,7 @@
 </p:sld>
 </file>
 
-<file path=ppt/slides/slide12.xml><?xml version="1.0" encoding="utf-8"?>
+<file path=ppt/slides/slide14.xml><?xml version="1.0" encoding="utf-8"?>
 <p:sld xmlns:a="http://schemas.openxmlformats.org/drawingml/2006/main" xmlns:r="http://schemas.openxmlformats.org/officeDocument/2006/relationships" xmlns:p="http://schemas.openxmlformats.org/presentationml/2006/main">
   <p:cSld>
     <p:spTree>
@@ -7234,8 +8080,8 @@
           </a:p>
         </p:txBody>
       </p:sp>
-      <mc:AlternateContent xmlns:mc="http://schemas.openxmlformats.org/markup-compatibility/2006">
-        <mc:Choice xmlns:a14="http://schemas.microsoft.com/office/drawing/2010/main" Requires="a14">
+      <mc:AlternateContent xmlns:mc="http://schemas.openxmlformats.org/markup-compatibility/2006" xmlns:a14="http://schemas.microsoft.com/office/drawing/2010/main">
+        <mc:Choice Requires="a14">
           <p:graphicFrame>
             <p:nvGraphicFramePr>
               <p:cNvPr id="6" name="Table 6">
@@ -8748,7 +9594,7 @@
             </a:graphic>
           </p:graphicFrame>
         </mc:Choice>
-        <mc:Fallback>
+        <mc:Fallback xmlns="">
           <p:graphicFrame>
             <p:nvGraphicFramePr>
               <p:cNvPr id="6" name="Table 6">
@@ -9187,7 +10033,7 @@
 </p:sld>
 </file>
 
-<file path=ppt/slides/slide13.xml><?xml version="1.0" encoding="utf-8"?>
+<file path=ppt/slides/slide15.xml><?xml version="1.0" encoding="utf-8"?>
 <p:sld xmlns:a="http://schemas.openxmlformats.org/drawingml/2006/main" xmlns:r="http://schemas.openxmlformats.org/officeDocument/2006/relationships" xmlns:p="http://schemas.openxmlformats.org/presentationml/2006/main">
   <p:cSld>
     <p:spTree>
@@ -9806,7 +10652,7 @@
 </p:sld>
 </file>
 
-<file path=ppt/slides/slide14.xml><?xml version="1.0" encoding="utf-8"?>
+<file path=ppt/slides/slide16.xml><?xml version="1.0" encoding="utf-8"?>
 <p:sld xmlns:a="http://schemas.openxmlformats.org/drawingml/2006/main" xmlns:r="http://schemas.openxmlformats.org/officeDocument/2006/relationships" xmlns:p="http://schemas.openxmlformats.org/presentationml/2006/main">
   <p:cSld>
     <p:spTree>
@@ -17613,13 +18459,537 @@
           <a:p>
             <a:pPr lvl="1"/>
             <a:r>
-              <a:rPr lang="en-US"/>
-              <a:t>Dataset</a:t>
+              <a:rPr lang="en-US" dirty="0"/>
+              <a:t>Cifar10 dataset</a:t>
             </a:r>
+          </a:p>
+          <a:p>
+            <a:pPr lvl="1"/>
             <a:endParaRPr lang="en-US" dirty="0"/>
           </a:p>
         </p:txBody>
       </p:sp>
+      <p:graphicFrame>
+        <p:nvGraphicFramePr>
+          <p:cNvPr id="3" name="Table 5">
+            <a:extLst>
+              <a:ext uri="{FF2B5EF4-FFF2-40B4-BE49-F238E27FC236}">
+                <a16:creationId xmlns:a16="http://schemas.microsoft.com/office/drawing/2014/main" id="{616C0A47-503D-45C0-911A-3BA363B381A4}"/>
+              </a:ext>
+            </a:extLst>
+          </p:cNvPr>
+          <p:cNvGraphicFramePr>
+            <a:graphicFrameLocks noGrp="1"/>
+          </p:cNvGraphicFramePr>
+          <p:nvPr>
+            <p:extLst>
+              <p:ext uri="{D42A27DB-BD31-4B8C-83A1-F6EECF244321}">
+                <p14:modId xmlns:p14="http://schemas.microsoft.com/office/powerpoint/2010/main" val="2167231597"/>
+              </p:ext>
+            </p:extLst>
+          </p:nvPr>
+        </p:nvGraphicFramePr>
+        <p:xfrm>
+          <a:off x="489246" y="1998755"/>
+          <a:ext cx="5789634" cy="3947160"/>
+        </p:xfrm>
+        <a:graphic>
+          <a:graphicData uri="http://schemas.openxmlformats.org/drawingml/2006/table">
+            <a:tbl>
+              <a:tblPr bandRow="1">
+                <a:tableStyleId>{5C22544A-7EE6-4342-B048-85BDC9FD1C3A}</a:tableStyleId>
+              </a:tblPr>
+              <a:tblGrid>
+                <a:gridCol w="1929878">
+                  <a:extLst>
+                    <a:ext uri="{9D8B030D-6E8A-4147-A177-3AD203B41FA5}">
+                      <a16:colId xmlns:a16="http://schemas.microsoft.com/office/drawing/2014/main" val="1886076112"/>
+                    </a:ext>
+                  </a:extLst>
+                </a:gridCol>
+                <a:gridCol w="1929878">
+                  <a:extLst>
+                    <a:ext uri="{9D8B030D-6E8A-4147-A177-3AD203B41FA5}">
+                      <a16:colId xmlns:a16="http://schemas.microsoft.com/office/drawing/2014/main" val="3056220406"/>
+                    </a:ext>
+                  </a:extLst>
+                </a:gridCol>
+                <a:gridCol w="1929878">
+                  <a:extLst>
+                    <a:ext uri="{9D8B030D-6E8A-4147-A177-3AD203B41FA5}">
+                      <a16:colId xmlns:a16="http://schemas.microsoft.com/office/drawing/2014/main" val="1856223577"/>
+                    </a:ext>
+                  </a:extLst>
+                </a:gridCol>
+              </a:tblGrid>
+              <a:tr h="370840">
+                <a:tc gridSpan="2">
+                  <a:txBody>
+                    <a:bodyPr/>
+                    <a:lstStyle/>
+                    <a:p>
+                      <a:r>
+                        <a:rPr lang="en-US" dirty="0" err="1"/>
+                        <a:t>Numer</a:t>
+                      </a:r>
+                      <a:r>
+                        <a:rPr lang="en-US" dirty="0"/>
+                        <a:t> class</a:t>
+                      </a:r>
+                    </a:p>
+                  </a:txBody>
+                  <a:tcPr/>
+                </a:tc>
+                <a:tc hMerge="1">
+                  <a:txBody>
+                    <a:bodyPr/>
+                    <a:lstStyle/>
+                    <a:p>
+                      <a:endParaRPr lang="en-US" dirty="0"/>
+                    </a:p>
+                  </a:txBody>
+                  <a:tcPr/>
+                </a:tc>
+                <a:tc>
+                  <a:txBody>
+                    <a:bodyPr/>
+                    <a:lstStyle/>
+                    <a:p>
+                      <a:r>
+                        <a:rPr lang="en-US" dirty="0"/>
+                        <a:t>10</a:t>
+                      </a:r>
+                    </a:p>
+                  </a:txBody>
+                  <a:tcPr/>
+                </a:tc>
+                <a:extLst>
+                  <a:ext uri="{0D108BD9-81ED-4DB2-BD59-A6C34878D82A}">
+                    <a16:rowId xmlns:a16="http://schemas.microsoft.com/office/drawing/2014/main" val="23439611"/>
+                  </a:ext>
+                </a:extLst>
+              </a:tr>
+              <a:tr h="370840">
+                <a:tc rowSpan="2">
+                  <a:txBody>
+                    <a:bodyPr/>
+                    <a:lstStyle/>
+                    <a:p>
+                      <a:r>
+                        <a:rPr lang="en-US" dirty="0"/>
+                        <a:t>Train</a:t>
+                      </a:r>
+                    </a:p>
+                  </a:txBody>
+                  <a:tcPr/>
+                </a:tc>
+                <a:tc>
+                  <a:txBody>
+                    <a:bodyPr/>
+                    <a:lstStyle/>
+                    <a:p>
+                      <a:pPr marL="0" marR="0" lvl="0" indent="0" algn="l" defTabSz="914400" rtl="0" eaLnBrk="1" fontAlgn="auto" latinLnBrk="0" hangingPunct="1">
+                        <a:lnSpc>
+                          <a:spcPct val="100000"/>
+                        </a:lnSpc>
+                        <a:spcBef>
+                          <a:spcPts val="0"/>
+                        </a:spcBef>
+                        <a:spcAft>
+                          <a:spcPts val="0"/>
+                        </a:spcAft>
+                        <a:buClrTx/>
+                        <a:buSzTx/>
+                        <a:buFontTx/>
+                        <a:buNone/>
+                        <a:tabLst/>
+                        <a:defRPr/>
+                      </a:pPr>
+                      <a:r>
+                        <a:rPr lang="en-US" dirty="0"/>
+                        <a:t>Number images per class</a:t>
+                      </a:r>
+                    </a:p>
+                    <a:p>
+                      <a:endParaRPr lang="en-US" dirty="0"/>
+                    </a:p>
+                  </a:txBody>
+                  <a:tcPr/>
+                </a:tc>
+                <a:tc>
+                  <a:txBody>
+                    <a:bodyPr/>
+                    <a:lstStyle/>
+                    <a:p>
+                      <a:r>
+                        <a:rPr lang="en-US" dirty="0"/>
+                        <a:t>3500</a:t>
+                      </a:r>
+                    </a:p>
+                  </a:txBody>
+                  <a:tcPr/>
+                </a:tc>
+                <a:extLst>
+                  <a:ext uri="{0D108BD9-81ED-4DB2-BD59-A6C34878D82A}">
+                    <a16:rowId xmlns:a16="http://schemas.microsoft.com/office/drawing/2014/main" val="790809538"/>
+                  </a:ext>
+                </a:extLst>
+              </a:tr>
+              <a:tr h="370840">
+                <a:tc vMerge="1">
+                  <a:txBody>
+                    <a:bodyPr/>
+                    <a:lstStyle/>
+                    <a:p>
+                      <a:endParaRPr lang="en-US" dirty="0"/>
+                    </a:p>
+                  </a:txBody>
+                  <a:tcPr/>
+                </a:tc>
+                <a:tc>
+                  <a:txBody>
+                    <a:bodyPr/>
+                    <a:lstStyle/>
+                    <a:p>
+                      <a:pPr marL="0" marR="0" lvl="0" indent="0" algn="l" defTabSz="914400" rtl="0" eaLnBrk="1" fontAlgn="auto" latinLnBrk="0" hangingPunct="1">
+                        <a:lnSpc>
+                          <a:spcPct val="100000"/>
+                        </a:lnSpc>
+                        <a:spcBef>
+                          <a:spcPts val="0"/>
+                        </a:spcBef>
+                        <a:spcAft>
+                          <a:spcPts val="0"/>
+                        </a:spcAft>
+                        <a:buClrTx/>
+                        <a:buSzTx/>
+                        <a:buFontTx/>
+                        <a:buNone/>
+                        <a:tabLst/>
+                        <a:defRPr/>
+                      </a:pPr>
+                      <a:r>
+                        <a:rPr lang="en-US" dirty="0" err="1"/>
+                        <a:t>Numer</a:t>
+                      </a:r>
+                      <a:r>
+                        <a:rPr lang="en-US" dirty="0"/>
+                        <a:t> image</a:t>
+                      </a:r>
+                    </a:p>
+                    <a:p>
+                      <a:endParaRPr lang="en-US" dirty="0"/>
+                    </a:p>
+                  </a:txBody>
+                  <a:tcPr/>
+                </a:tc>
+                <a:tc>
+                  <a:txBody>
+                    <a:bodyPr/>
+                    <a:lstStyle/>
+                    <a:p>
+                      <a:r>
+                        <a:rPr lang="en-US" dirty="0"/>
+                        <a:t>35000</a:t>
+                      </a:r>
+                    </a:p>
+                  </a:txBody>
+                  <a:tcPr/>
+                </a:tc>
+                <a:extLst>
+                  <a:ext uri="{0D108BD9-81ED-4DB2-BD59-A6C34878D82A}">
+                    <a16:rowId xmlns:a16="http://schemas.microsoft.com/office/drawing/2014/main" val="1884251935"/>
+                  </a:ext>
+                </a:extLst>
+              </a:tr>
+              <a:tr h="370840">
+                <a:tc rowSpan="2">
+                  <a:txBody>
+                    <a:bodyPr/>
+                    <a:lstStyle/>
+                    <a:p>
+                      <a:r>
+                        <a:rPr lang="en-US" dirty="0"/>
+                        <a:t>Valid</a:t>
+                      </a:r>
+                    </a:p>
+                  </a:txBody>
+                  <a:tcPr/>
+                </a:tc>
+                <a:tc>
+                  <a:txBody>
+                    <a:bodyPr/>
+                    <a:lstStyle/>
+                    <a:p>
+                      <a:pPr marL="0" marR="0" lvl="0" indent="0" algn="l" defTabSz="914400" rtl="0" eaLnBrk="1" fontAlgn="auto" latinLnBrk="0" hangingPunct="1">
+                        <a:lnSpc>
+                          <a:spcPct val="100000"/>
+                        </a:lnSpc>
+                        <a:spcBef>
+                          <a:spcPts val="0"/>
+                        </a:spcBef>
+                        <a:spcAft>
+                          <a:spcPts val="0"/>
+                        </a:spcAft>
+                        <a:buClrTx/>
+                        <a:buSzTx/>
+                        <a:buFontTx/>
+                        <a:buNone/>
+                        <a:tabLst/>
+                        <a:defRPr/>
+                      </a:pPr>
+                      <a:r>
+                        <a:rPr lang="en-US" dirty="0"/>
+                        <a:t>Number images per class</a:t>
+                      </a:r>
+                    </a:p>
+                  </a:txBody>
+                  <a:tcPr/>
+                </a:tc>
+                <a:tc>
+                  <a:txBody>
+                    <a:bodyPr/>
+                    <a:lstStyle/>
+                    <a:p>
+                      <a:r>
+                        <a:rPr lang="en-US" dirty="0"/>
+                        <a:t>1500</a:t>
+                      </a:r>
+                    </a:p>
+                  </a:txBody>
+                  <a:tcPr/>
+                </a:tc>
+                <a:extLst>
+                  <a:ext uri="{0D108BD9-81ED-4DB2-BD59-A6C34878D82A}">
+                    <a16:rowId xmlns:a16="http://schemas.microsoft.com/office/drawing/2014/main" val="1851472678"/>
+                  </a:ext>
+                </a:extLst>
+              </a:tr>
+              <a:tr h="370840">
+                <a:tc vMerge="1">
+                  <a:txBody>
+                    <a:bodyPr/>
+                    <a:lstStyle/>
+                    <a:p>
+                      <a:endParaRPr lang="en-US" dirty="0"/>
+                    </a:p>
+                  </a:txBody>
+                  <a:tcPr/>
+                </a:tc>
+                <a:tc>
+                  <a:txBody>
+                    <a:bodyPr/>
+                    <a:lstStyle/>
+                    <a:p>
+                      <a:pPr marL="0" marR="0" lvl="0" indent="0" algn="l" defTabSz="914400" rtl="0" eaLnBrk="1" fontAlgn="auto" latinLnBrk="0" hangingPunct="1">
+                        <a:lnSpc>
+                          <a:spcPct val="100000"/>
+                        </a:lnSpc>
+                        <a:spcBef>
+                          <a:spcPts val="0"/>
+                        </a:spcBef>
+                        <a:spcAft>
+                          <a:spcPts val="0"/>
+                        </a:spcAft>
+                        <a:buClrTx/>
+                        <a:buSzTx/>
+                        <a:buFontTx/>
+                        <a:buNone/>
+                        <a:tabLst/>
+                        <a:defRPr/>
+                      </a:pPr>
+                      <a:r>
+                        <a:rPr lang="en-US" dirty="0" err="1"/>
+                        <a:t>Numer</a:t>
+                      </a:r>
+                      <a:r>
+                        <a:rPr lang="en-US" dirty="0"/>
+                        <a:t> image</a:t>
+                      </a:r>
+                    </a:p>
+                  </a:txBody>
+                  <a:tcPr/>
+                </a:tc>
+                <a:tc>
+                  <a:txBody>
+                    <a:bodyPr/>
+                    <a:lstStyle/>
+                    <a:p>
+                      <a:r>
+                        <a:rPr lang="en-US" dirty="0"/>
+                        <a:t>15000</a:t>
+                      </a:r>
+                    </a:p>
+                  </a:txBody>
+                  <a:tcPr/>
+                </a:tc>
+                <a:extLst>
+                  <a:ext uri="{0D108BD9-81ED-4DB2-BD59-A6C34878D82A}">
+                    <a16:rowId xmlns:a16="http://schemas.microsoft.com/office/drawing/2014/main" val="2210063749"/>
+                  </a:ext>
+                </a:extLst>
+              </a:tr>
+              <a:tr h="370840">
+                <a:tc rowSpan="2">
+                  <a:txBody>
+                    <a:bodyPr/>
+                    <a:lstStyle/>
+                    <a:p>
+                      <a:r>
+                        <a:rPr lang="en-US" dirty="0"/>
+                        <a:t>Test</a:t>
+                      </a:r>
+                    </a:p>
+                  </a:txBody>
+                  <a:tcPr/>
+                </a:tc>
+                <a:tc>
+                  <a:txBody>
+                    <a:bodyPr/>
+                    <a:lstStyle/>
+                    <a:p>
+                      <a:pPr marL="0" marR="0" lvl="0" indent="0" algn="l" defTabSz="914400" rtl="0" eaLnBrk="1" fontAlgn="auto" latinLnBrk="0" hangingPunct="1">
+                        <a:lnSpc>
+                          <a:spcPct val="100000"/>
+                        </a:lnSpc>
+                        <a:spcBef>
+                          <a:spcPts val="0"/>
+                        </a:spcBef>
+                        <a:spcAft>
+                          <a:spcPts val="0"/>
+                        </a:spcAft>
+                        <a:buClrTx/>
+                        <a:buSzTx/>
+                        <a:buFontTx/>
+                        <a:buNone/>
+                        <a:tabLst/>
+                        <a:defRPr/>
+                      </a:pPr>
+                      <a:r>
+                        <a:rPr lang="en-US" dirty="0"/>
+                        <a:t>Number images per class</a:t>
+                      </a:r>
+                    </a:p>
+                  </a:txBody>
+                  <a:tcPr/>
+                </a:tc>
+                <a:tc>
+                  <a:txBody>
+                    <a:bodyPr/>
+                    <a:lstStyle/>
+                    <a:p>
+                      <a:r>
+                        <a:rPr lang="en-US" dirty="0"/>
+                        <a:t>100</a:t>
+                      </a:r>
+                    </a:p>
+                  </a:txBody>
+                  <a:tcPr/>
+                </a:tc>
+                <a:extLst>
+                  <a:ext uri="{0D108BD9-81ED-4DB2-BD59-A6C34878D82A}">
+                    <a16:rowId xmlns:a16="http://schemas.microsoft.com/office/drawing/2014/main" val="3252479224"/>
+                  </a:ext>
+                </a:extLst>
+              </a:tr>
+              <a:tr h="370840">
+                <a:tc vMerge="1">
+                  <a:txBody>
+                    <a:bodyPr/>
+                    <a:lstStyle/>
+                    <a:p>
+                      <a:endParaRPr lang="en-US" dirty="0"/>
+                    </a:p>
+                  </a:txBody>
+                  <a:tcPr/>
+                </a:tc>
+                <a:tc>
+                  <a:txBody>
+                    <a:bodyPr/>
+                    <a:lstStyle/>
+                    <a:p>
+                      <a:pPr marL="0" marR="0" lvl="0" indent="0" algn="l" defTabSz="914400" rtl="0" eaLnBrk="1" fontAlgn="auto" latinLnBrk="0" hangingPunct="1">
+                        <a:lnSpc>
+                          <a:spcPct val="100000"/>
+                        </a:lnSpc>
+                        <a:spcBef>
+                          <a:spcPts val="0"/>
+                        </a:spcBef>
+                        <a:spcAft>
+                          <a:spcPts val="0"/>
+                        </a:spcAft>
+                        <a:buClrTx/>
+                        <a:buSzTx/>
+                        <a:buFontTx/>
+                        <a:buNone/>
+                        <a:tabLst/>
+                        <a:defRPr/>
+                      </a:pPr>
+                      <a:r>
+                        <a:rPr lang="en-US" dirty="0" err="1"/>
+                        <a:t>Numer</a:t>
+                      </a:r>
+                      <a:r>
+                        <a:rPr lang="en-US" dirty="0"/>
+                        <a:t> image</a:t>
+                      </a:r>
+                    </a:p>
+                  </a:txBody>
+                  <a:tcPr/>
+                </a:tc>
+                <a:tc>
+                  <a:txBody>
+                    <a:bodyPr/>
+                    <a:lstStyle/>
+                    <a:p>
+                      <a:r>
+                        <a:rPr lang="en-US" dirty="0"/>
+                        <a:t>1000</a:t>
+                      </a:r>
+                    </a:p>
+                  </a:txBody>
+                  <a:tcPr/>
+                </a:tc>
+                <a:extLst>
+                  <a:ext uri="{0D108BD9-81ED-4DB2-BD59-A6C34878D82A}">
+                    <a16:rowId xmlns:a16="http://schemas.microsoft.com/office/drawing/2014/main" val="3331803769"/>
+                  </a:ext>
+                </a:extLst>
+              </a:tr>
+            </a:tbl>
+          </a:graphicData>
+        </a:graphic>
+      </p:graphicFrame>
+      <p:pic>
+        <p:nvPicPr>
+          <p:cNvPr id="6" name="Picture 5">
+            <a:extLst>
+              <a:ext uri="{FF2B5EF4-FFF2-40B4-BE49-F238E27FC236}">
+                <a16:creationId xmlns:a16="http://schemas.microsoft.com/office/drawing/2014/main" id="{499FB492-140D-4C28-AA32-B8F3FA4B5BBA}"/>
+              </a:ext>
+            </a:extLst>
+          </p:cNvPr>
+          <p:cNvPicPr>
+            <a:picLocks noChangeAspect="1"/>
+          </p:cNvPicPr>
+          <p:nvPr/>
+        </p:nvPicPr>
+        <p:blipFill>
+          <a:blip r:embed="rId3"/>
+          <a:stretch>
+            <a:fillRect/>
+          </a:stretch>
+        </p:blipFill>
+        <p:spPr>
+          <a:xfrm>
+            <a:off x="6627834" y="1998755"/>
+            <a:ext cx="5365493" cy="4054669"/>
+          </a:xfrm>
+          <a:prstGeom prst="rect">
+            <a:avLst/>
+          </a:prstGeom>
+        </p:spPr>
+      </p:pic>
     </p:spTree>
     <p:extLst>
       <p:ext uri="{BB962C8B-B14F-4D97-AF65-F5344CB8AC3E}">
@@ -18156,6 +19526,12 @@
 </file>
 
 <file path=customXml/item1.xml><?xml version="1.0" encoding="utf-8"?>
+<p:properties xmlns:p="http://schemas.microsoft.com/office/2006/metadata/properties" xmlns:xsi="http://www.w3.org/2001/XMLSchema-instance" xmlns:pc="http://schemas.microsoft.com/office/infopath/2007/PartnerControls">
+  <documentManagement/>
+</p:properties>
+</file>
+
+<file path=customXml/item2.xml><?xml version="1.0" encoding="utf-8"?>
 <ct:contentTypeSchema xmlns:ct="http://schemas.microsoft.com/office/2006/metadata/contentType" xmlns:ma="http://schemas.microsoft.com/office/2006/metadata/properties/metaAttributes" ct:_="" ma:_="" ma:contentTypeName="Document" ma:contentTypeID="0x010100CC9BB778C3ED994E9CF1DEB6485FADD8" ma:contentTypeVersion="13" ma:contentTypeDescription="Create a new document." ma:contentTypeScope="" ma:versionID="23a755765a2e15a7a45c4ef215dd2561">
   <xsd:schema xmlns:xsd="http://www.w3.org/2001/XMLSchema" xmlns:xs="http://www.w3.org/2001/XMLSchema" xmlns:p="http://schemas.microsoft.com/office/2006/metadata/properties" xmlns:ns3="f6771b06-986a-45d1-8bbc-0c4ebdddf3cc" xmlns:ns4="4437091e-0f9d-4737-ae57-4b535994870f" targetNamespace="http://schemas.microsoft.com/office/2006/metadata/properties" ma:root="true" ma:fieldsID="e14b1f6b541e2fe00d8243a17e866edb" ns3:_="" ns4:_="">
     <xsd:import namespace="f6771b06-986a-45d1-8bbc-0c4ebdddf3cc"/>
@@ -18378,12 +19754,6 @@
 </ct:contentTypeSchema>
 </file>
 
-<file path=customXml/item2.xml><?xml version="1.0" encoding="utf-8"?>
-<p:properties xmlns:p="http://schemas.microsoft.com/office/2006/metadata/properties" xmlns:xsi="http://www.w3.org/2001/XMLSchema-instance" xmlns:pc="http://schemas.microsoft.com/office/infopath/2007/PartnerControls">
-  <documentManagement/>
-</p:properties>
-</file>
-
 <file path=customXml/item3.xml><?xml version="1.0" encoding="utf-8"?>
 <?mso-contentType ?>
 <FormTemplates xmlns="http://schemas.microsoft.com/sharepoint/v3/contenttype/forms">
@@ -18394,6 +19764,23 @@
 </file>
 
 <file path=customXml/itemProps1.xml><?xml version="1.0" encoding="utf-8"?>
+<ds:datastoreItem xmlns:ds="http://schemas.openxmlformats.org/officeDocument/2006/customXml" ds:itemID="{88E843AD-9ECA-4187-8B56-4AFC8D3D63CD}">
+  <ds:schemaRefs>
+    <ds:schemaRef ds:uri="http://schemas.microsoft.com/office/2006/metadata/properties"/>
+    <ds:schemaRef ds:uri="http://schemas.microsoft.com/office/2006/documentManagement/types"/>
+    <ds:schemaRef ds:uri="http://schemas.microsoft.com/office/infopath/2007/PartnerControls"/>
+    <ds:schemaRef ds:uri="http://purl.org/dc/elements/1.1/"/>
+    <ds:schemaRef ds:uri="http://www.w3.org/XML/1998/namespace"/>
+    <ds:schemaRef ds:uri="http://schemas.openxmlformats.org/package/2006/metadata/core-properties"/>
+    <ds:schemaRef ds:uri="4437091e-0f9d-4737-ae57-4b535994870f"/>
+    <ds:schemaRef ds:uri="f6771b06-986a-45d1-8bbc-0c4ebdddf3cc"/>
+    <ds:schemaRef ds:uri="http://purl.org/dc/dcmitype/"/>
+    <ds:schemaRef ds:uri="http://purl.org/dc/terms/"/>
+  </ds:schemaRefs>
+</ds:datastoreItem>
+</file>
+
+<file path=customXml/itemProps2.xml><?xml version="1.0" encoding="utf-8"?>
 <ds:datastoreItem xmlns:ds="http://schemas.openxmlformats.org/officeDocument/2006/customXml" ds:itemID="{65DF6A79-0FFB-46A7-8D75-DBA9A890873F}">
   <ds:schemaRefs>
     <ds:schemaRef ds:uri="http://schemas.microsoft.com/office/2006/metadata/contentType"/>
@@ -18412,23 +19799,6 @@
 </ds:datastoreItem>
 </file>
 
-<file path=customXml/itemProps2.xml><?xml version="1.0" encoding="utf-8"?>
-<ds:datastoreItem xmlns:ds="http://schemas.openxmlformats.org/officeDocument/2006/customXml" ds:itemID="{88E843AD-9ECA-4187-8B56-4AFC8D3D63CD}">
-  <ds:schemaRefs>
-    <ds:schemaRef ds:uri="http://schemas.microsoft.com/office/2006/metadata/properties"/>
-    <ds:schemaRef ds:uri="http://schemas.microsoft.com/office/2006/documentManagement/types"/>
-    <ds:schemaRef ds:uri="http://schemas.microsoft.com/office/infopath/2007/PartnerControls"/>
-    <ds:schemaRef ds:uri="http://purl.org/dc/elements/1.1/"/>
-    <ds:schemaRef ds:uri="http://www.w3.org/XML/1998/namespace"/>
-    <ds:schemaRef ds:uri="http://schemas.openxmlformats.org/package/2006/metadata/core-properties"/>
-    <ds:schemaRef ds:uri="4437091e-0f9d-4737-ae57-4b535994870f"/>
-    <ds:schemaRef ds:uri="f6771b06-986a-45d1-8bbc-0c4ebdddf3cc"/>
-    <ds:schemaRef ds:uri="http://purl.org/dc/dcmitype/"/>
-    <ds:schemaRef ds:uri="http://purl.org/dc/terms/"/>
-  </ds:schemaRefs>
-</ds:datastoreItem>
-</file>
-
 <file path=customXml/itemProps3.xml><?xml version="1.0" encoding="utf-8"?>
 <ds:datastoreItem xmlns:ds="http://schemas.openxmlformats.org/officeDocument/2006/customXml" ds:itemID="{B1C738DB-F8D5-400E-A5D8-1494CFB71B4A}">
   <ds:schemaRefs>

--- a/mid_term/mid_term.pptx
+++ b/mid_term/mid_term.pptx
@@ -5356,11 +5356,17 @@
           <p:cNvGraphicFramePr>
             <a:graphicFrameLocks noGrp="1"/>
           </p:cNvGraphicFramePr>
-          <p:nvPr/>
+          <p:nvPr>
+            <p:extLst>
+              <p:ext uri="{D42A27DB-BD31-4B8C-83A1-F6EECF244321}">
+                <p14:modId xmlns:p14="http://schemas.microsoft.com/office/powerpoint/2010/main" val="4145396336"/>
+              </p:ext>
+            </p:extLst>
+          </p:nvPr>
         </p:nvGraphicFramePr>
         <p:xfrm>
           <a:off x="489246" y="1998755"/>
-          <a:ext cx="5789634" cy="3947160"/>
+          <a:ext cx="5365492" cy="4054669"/>
         </p:xfrm>
         <a:graphic>
           <a:graphicData uri="http://schemas.openxmlformats.org/drawingml/2006/table">
@@ -5369,21 +5375,21 @@
                 <a:tableStyleId>{5C22544A-7EE6-4342-B048-85BDC9FD1C3A}</a:tableStyleId>
               </a:tblPr>
               <a:tblGrid>
-                <a:gridCol w="1929878">
+                <a:gridCol w="1452096">
                   <a:extLst>
                     <a:ext uri="{9D8B030D-6E8A-4147-A177-3AD203B41FA5}">
                       <a16:colId xmlns:a16="http://schemas.microsoft.com/office/drawing/2014/main" val="1886076112"/>
                     </a:ext>
                   </a:extLst>
                 </a:gridCol>
-                <a:gridCol w="1929878">
+                <a:gridCol w="1983544">
                   <a:extLst>
                     <a:ext uri="{9D8B030D-6E8A-4147-A177-3AD203B41FA5}">
                       <a16:colId xmlns:a16="http://schemas.microsoft.com/office/drawing/2014/main" val="3056220406"/>
                     </a:ext>
                   </a:extLst>
                 </a:gridCol>
-                <a:gridCol w="1929878">
+                <a:gridCol w="1929852">
                   <a:extLst>
                     <a:ext uri="{9D8B030D-6E8A-4147-A177-3AD203B41FA5}">
                       <a16:colId xmlns:a16="http://schemas.microsoft.com/office/drawing/2014/main" val="1856223577"/>
@@ -5391,7 +5397,7 @@
                   </a:extLst>
                 </a:gridCol>
               </a:tblGrid>
-              <a:tr h="370840">
+              <a:tr h="410737">
                 <a:tc gridSpan="2">
                   <a:txBody>
                     <a:bodyPr/>
@@ -5426,7 +5432,7 @@
                     <a:p>
                       <a:r>
                         <a:rPr lang="en-US" dirty="0"/>
-                        <a:t>10</a:t>
+                        <a:t>2</a:t>
                       </a:r>
                     </a:p>
                   </a:txBody>
@@ -5438,7 +5444,7 @@
                   </a:ext>
                 </a:extLst>
               </a:tr>
-              <a:tr h="370840">
+              <a:tr h="708945">
                 <a:tc rowSpan="2">
                   <a:txBody>
                     <a:bodyPr/>
@@ -5447,6 +5453,12 @@
                       <a:r>
                         <a:rPr lang="en-US" dirty="0"/>
                         <a:t>Train</a:t>
+                      </a:r>
+                    </a:p>
+                    <a:p>
+                      <a:r>
+                        <a:rPr lang="en-US" dirty="0"/>
+                        <a:t>2097 images</a:t>
                       </a:r>
                     </a:p>
                   </a:txBody>
@@ -5476,7 +5488,7 @@
                       </a:pPr>
                       <a:r>
                         <a:rPr lang="en-US" dirty="0"/>
-                        <a:t>Number images per class</a:t>
+                        <a:t>Men</a:t>
                       </a:r>
                     </a:p>
                     <a:p>
@@ -5492,7 +5504,7 @@
                     <a:p>
                       <a:r>
                         <a:rPr lang="en-US" dirty="0"/>
-                        <a:t>3500</a:t>
+                        <a:t>890 (0.42%)</a:t>
                       </a:r>
                     </a:p>
                   </a:txBody>
@@ -5504,7 +5516,7 @@
                   </a:ext>
                 </a:extLst>
               </a:tr>
-              <a:tr h="370840">
+              <a:tr h="708945">
                 <a:tc vMerge="1">
                   <a:txBody>
                     <a:bodyPr/>
@@ -5538,12 +5550,8 @@
                         <a:defRPr/>
                       </a:pPr>
                       <a:r>
-                        <a:rPr lang="en-US" dirty="0" err="1"/>
-                        <a:t>Numer</a:t>
-                      </a:r>
-                      <a:r>
                         <a:rPr lang="en-US" dirty="0"/>
-                        <a:t> image</a:t>
+                        <a:t>Woman</a:t>
                       </a:r>
                     </a:p>
                     <a:p>
@@ -5559,7 +5567,7 @@
                     <a:p>
                       <a:r>
                         <a:rPr lang="en-US" dirty="0"/>
-                        <a:t>35000</a:t>
+                        <a:t>1207 (0.57%)</a:t>
                       </a:r>
                     </a:p>
                   </a:txBody>
@@ -5571,7 +5579,7 @@
                   </a:ext>
                 </a:extLst>
               </a:tr>
-              <a:tr h="370840">
+              <a:tr h="702284">
                 <a:tc rowSpan="2">
                   <a:txBody>
                     <a:bodyPr/>
@@ -5580,6 +5588,12 @@
                       <a:r>
                         <a:rPr lang="en-US" dirty="0"/>
                         <a:t>Valid</a:t>
+                      </a:r>
+                    </a:p>
+                    <a:p>
+                      <a:r>
+                        <a:rPr lang="en-US" dirty="0"/>
+                        <a:t>900 images</a:t>
                       </a:r>
                     </a:p>
                   </a:txBody>
@@ -5622,7 +5636,7 @@
                     <a:p>
                       <a:r>
                         <a:rPr lang="en-US" dirty="0"/>
-                        <a:t>1500</a:t>
+                        <a:t>518 (0.42%)</a:t>
                       </a:r>
                     </a:p>
                   </a:txBody>
@@ -5634,7 +5648,7 @@
                   </a:ext>
                 </a:extLst>
               </a:tr>
-              <a:tr h="370840">
+              <a:tr h="410737">
                 <a:tc vMerge="1">
                   <a:txBody>
                     <a:bodyPr/>
@@ -5686,7 +5700,7 @@
                     <a:p>
                       <a:r>
                         <a:rPr lang="en-US" dirty="0"/>
-                        <a:t>15000</a:t>
+                        <a:t>382 (0.57%)</a:t>
                       </a:r>
                     </a:p>
                   </a:txBody>
@@ -5698,7 +5712,7 @@
                   </a:ext>
                 </a:extLst>
               </a:tr>
-              <a:tr h="370840">
+              <a:tr h="702284">
                 <a:tc rowSpan="2">
                   <a:txBody>
                     <a:bodyPr/>
@@ -5749,7 +5763,7 @@
                     <a:p>
                       <a:r>
                         <a:rPr lang="en-US" dirty="0"/>
-                        <a:t>100</a:t>
+                        <a:t>146 (0.43%)</a:t>
                       </a:r>
                     </a:p>
                   </a:txBody>
@@ -5761,7 +5775,7 @@
                   </a:ext>
                 </a:extLst>
               </a:tr>
-              <a:tr h="370840">
+              <a:tr h="410737">
                 <a:tc vMerge="1">
                   <a:txBody>
                     <a:bodyPr/>
@@ -5813,7 +5827,7 @@
                     <a:p>
                       <a:r>
                         <a:rPr lang="en-US" dirty="0"/>
-                        <a:t>1000</a:t>
+                        <a:t>187 (0.56%)</a:t>
                       </a:r>
                     </a:p>
                   </a:txBody>
@@ -5831,32 +5845,96 @@
       </p:graphicFrame>
       <p:pic>
         <p:nvPicPr>
-          <p:cNvPr id="6" name="Picture 5">
+          <p:cNvPr id="1030" name="Picture 6">
             <a:extLst>
               <a:ext uri="{FF2B5EF4-FFF2-40B4-BE49-F238E27FC236}">
-                <a16:creationId xmlns:a16="http://schemas.microsoft.com/office/drawing/2014/main" id="{499FB492-140D-4C28-AA32-B8F3FA4B5BBA}"/>
+                <a16:creationId xmlns:a16="http://schemas.microsoft.com/office/drawing/2014/main" id="{2ABB7209-892D-4F34-BE70-690821A89737}"/>
               </a:ext>
             </a:extLst>
           </p:cNvPr>
           <p:cNvPicPr>
-            <a:picLocks noChangeAspect="1"/>
+            <a:picLocks noChangeAspect="1" noChangeArrowheads="1"/>
           </p:cNvPicPr>
           <p:nvPr/>
         </p:nvPicPr>
         <p:blipFill>
-          <a:blip r:embed="rId3"/>
+          <a:blip r:embed="rId3">
+            <a:extLst>
+              <a:ext uri="{28A0092B-C50C-407E-A947-70E740481C1C}">
+                <a14:useLocalDpi xmlns:a14="http://schemas.microsoft.com/office/drawing/2010/main" val="0"/>
+              </a:ext>
+            </a:extLst>
+          </a:blip>
+          <a:srcRect/>
           <a:stretch>
             <a:fillRect/>
           </a:stretch>
         </p:blipFill>
-        <p:spPr>
+        <p:spPr bwMode="auto">
           <a:xfrm>
-            <a:off x="6627834" y="1998755"/>
-            <a:ext cx="5365493" cy="4054669"/>
+            <a:off x="6096000" y="4129894"/>
+            <a:ext cx="5986376" cy="1680988"/>
           </a:xfrm>
           <a:prstGeom prst="rect">
             <a:avLst/>
           </a:prstGeom>
+          <a:noFill/>
+          <a:extLst>
+            <a:ext uri="{909E8E84-426E-40DD-AFC4-6F175D3DCCD1}">
+              <a14:hiddenFill xmlns:a14="http://schemas.microsoft.com/office/drawing/2010/main">
+                <a:solidFill>
+                  <a:srgbClr val="FFFFFF"/>
+                </a:solidFill>
+              </a14:hiddenFill>
+            </a:ext>
+          </a:extLst>
+        </p:spPr>
+      </p:pic>
+      <p:pic>
+        <p:nvPicPr>
+          <p:cNvPr id="1032" name="Picture 8">
+            <a:extLst>
+              <a:ext uri="{FF2B5EF4-FFF2-40B4-BE49-F238E27FC236}">
+                <a16:creationId xmlns:a16="http://schemas.microsoft.com/office/drawing/2014/main" id="{C154384E-AA8C-45E2-838C-97E05203F6F2}"/>
+              </a:ext>
+            </a:extLst>
+          </p:cNvPr>
+          <p:cNvPicPr>
+            <a:picLocks noChangeAspect="1" noChangeArrowheads="1"/>
+          </p:cNvPicPr>
+          <p:nvPr/>
+        </p:nvPicPr>
+        <p:blipFill>
+          <a:blip r:embed="rId4">
+            <a:extLst>
+              <a:ext uri="{28A0092B-C50C-407E-A947-70E740481C1C}">
+                <a14:useLocalDpi xmlns:a14="http://schemas.microsoft.com/office/drawing/2010/main" val="0"/>
+              </a:ext>
+            </a:extLst>
+          </a:blip>
+          <a:srcRect/>
+          <a:stretch>
+            <a:fillRect/>
+          </a:stretch>
+        </p:blipFill>
+        <p:spPr bwMode="auto">
+          <a:xfrm>
+            <a:off x="6205624" y="2077237"/>
+            <a:ext cx="5986376" cy="1680988"/>
+          </a:xfrm>
+          <a:prstGeom prst="rect">
+            <a:avLst/>
+          </a:prstGeom>
+          <a:noFill/>
+          <a:extLst>
+            <a:ext uri="{909E8E84-426E-40DD-AFC4-6F175D3DCCD1}">
+              <a14:hiddenFill xmlns:a14="http://schemas.microsoft.com/office/drawing/2010/main">
+                <a:solidFill>
+                  <a:srgbClr val="FFFFFF"/>
+                </a:solidFill>
+              </a14:hiddenFill>
+            </a:ext>
+          </a:extLst>
         </p:spPr>
       </p:pic>
     </p:spTree>

--- a/mid_term/mid_term.pptx
+++ b/mid_term/mid_term.pptx
@@ -5,7 +5,7 @@
     <p:sldMasterId id="2147483648" r:id="rId4"/>
   </p:sldMasterIdLst>
   <p:notesMasterIdLst>
-    <p:notesMasterId r:id="rId21"/>
+    <p:notesMasterId r:id="rId20"/>
   </p:notesMasterIdLst>
   <p:sldIdLst>
     <p:sldId id="256" r:id="rId5"/>
@@ -19,11 +19,10 @@
     <p:sldId id="263" r:id="rId13"/>
     <p:sldId id="282" r:id="rId14"/>
     <p:sldId id="291" r:id="rId15"/>
-    <p:sldId id="290" r:id="rId16"/>
-    <p:sldId id="266" r:id="rId17"/>
-    <p:sldId id="289" r:id="rId18"/>
-    <p:sldId id="267" r:id="rId19"/>
-    <p:sldId id="288" r:id="rId20"/>
+    <p:sldId id="266" r:id="rId16"/>
+    <p:sldId id="289" r:id="rId17"/>
+    <p:sldId id="267" r:id="rId18"/>
+    <p:sldId id="288" r:id="rId19"/>
   </p:sldIdLst>
   <p:sldSz cx="12192000" cy="6858000"/>
   <p:notesSz cx="6858000" cy="9144000"/>
@@ -5951,115 +5950,6 @@
 </file>
 
 <file path=ppt/slides/slide12.xml><?xml version="1.0" encoding="utf-8"?>
-<p:sld xmlns:a="http://schemas.openxmlformats.org/drawingml/2006/main" xmlns:r="http://schemas.openxmlformats.org/officeDocument/2006/relationships" xmlns:p="http://schemas.openxmlformats.org/presentationml/2006/main">
-  <p:cSld>
-    <p:spTree>
-      <p:nvGrpSpPr>
-        <p:cNvPr id="1" name=""/>
-        <p:cNvGrpSpPr/>
-        <p:nvPr/>
-      </p:nvGrpSpPr>
-      <p:grpSpPr>
-        <a:xfrm>
-          <a:off x="0" y="0"/>
-          <a:ext cx="0" cy="0"/>
-          <a:chOff x="0" y="0"/>
-          <a:chExt cx="0" cy="0"/>
-        </a:xfrm>
-      </p:grpSpPr>
-      <p:sp>
-        <p:nvSpPr>
-          <p:cNvPr id="2" name="Title 1">
-            <a:extLst>
-              <a:ext uri="{FF2B5EF4-FFF2-40B4-BE49-F238E27FC236}">
-                <a16:creationId xmlns:a16="http://schemas.microsoft.com/office/drawing/2014/main" id="{66E6F2B4-D213-43BD-91B7-E1725CD94853}"/>
-              </a:ext>
-            </a:extLst>
-          </p:cNvPr>
-          <p:cNvSpPr>
-            <a:spLocks noGrp="1"/>
-          </p:cNvSpPr>
-          <p:nvPr>
-            <p:ph type="title"/>
-          </p:nvPr>
-        </p:nvSpPr>
-        <p:spPr/>
-        <p:txBody>
-          <a:bodyPr/>
-          <a:lstStyle/>
-          <a:p>
-            <a:endParaRPr lang="en-US"/>
-          </a:p>
-        </p:txBody>
-      </p:sp>
-      <p:sp>
-        <p:nvSpPr>
-          <p:cNvPr id="3" name="Content Placeholder 2">
-            <a:extLst>
-              <a:ext uri="{FF2B5EF4-FFF2-40B4-BE49-F238E27FC236}">
-                <a16:creationId xmlns:a16="http://schemas.microsoft.com/office/drawing/2014/main" id="{810C2767-344F-4656-8876-724E29111C65}"/>
-              </a:ext>
-            </a:extLst>
-          </p:cNvPr>
-          <p:cNvSpPr>
-            <a:spLocks noGrp="1"/>
-          </p:cNvSpPr>
-          <p:nvPr>
-            <p:ph idx="1"/>
-          </p:nvPr>
-        </p:nvSpPr>
-        <p:spPr/>
-        <p:txBody>
-          <a:bodyPr/>
-          <a:lstStyle/>
-          <a:p>
-            <a:endParaRPr lang="en-US"/>
-          </a:p>
-        </p:txBody>
-      </p:sp>
-      <p:sp>
-        <p:nvSpPr>
-          <p:cNvPr id="4" name="Footer Placeholder 3">
-            <a:extLst>
-              <a:ext uri="{FF2B5EF4-FFF2-40B4-BE49-F238E27FC236}">
-                <a16:creationId xmlns:a16="http://schemas.microsoft.com/office/drawing/2014/main" id="{B63FF0CF-DB69-4383-AF17-4BC028F385C6}"/>
-              </a:ext>
-            </a:extLst>
-          </p:cNvPr>
-          <p:cNvSpPr>
-            <a:spLocks noGrp="1"/>
-          </p:cNvSpPr>
-          <p:nvPr>
-            <p:ph type="ftr" sz="quarter" idx="11"/>
-          </p:nvPr>
-        </p:nvSpPr>
-        <p:spPr/>
-        <p:txBody>
-          <a:bodyPr/>
-          <a:lstStyle/>
-          <a:p>
-            <a:r>
-              <a:rPr lang="en-US"/>
-              <a:t>Copyright©2020  VinBrain-Vingroup. All rights reserved.</a:t>
-            </a:r>
-            <a:endParaRPr lang="en-AU"/>
-          </a:p>
-        </p:txBody>
-      </p:sp>
-    </p:spTree>
-    <p:extLst>
-      <p:ext uri="{BB962C8B-B14F-4D97-AF65-F5344CB8AC3E}">
-        <p14:creationId xmlns:p14="http://schemas.microsoft.com/office/powerpoint/2010/main" val="3326814182"/>
-      </p:ext>
-    </p:extLst>
-  </p:cSld>
-  <p:clrMapOvr>
-    <a:masterClrMapping/>
-  </p:clrMapOvr>
-</p:sld>
-</file>
-
-<file path=ppt/slides/slide13.xml><?xml version="1.0" encoding="utf-8"?>
 <p:sld xmlns:a="http://schemas.openxmlformats.org/drawingml/2006/main" xmlns:r="http://schemas.openxmlformats.org/officeDocument/2006/relationships" xmlns:p="http://schemas.openxmlformats.org/presentationml/2006/main">
   <p:cSld>
     <p:spTree>
@@ -8083,7 +7973,7 @@
 </p:sld>
 </file>
 
-<file path=ppt/slides/slide14.xml><?xml version="1.0" encoding="utf-8"?>
+<file path=ppt/slides/slide13.xml><?xml version="1.0" encoding="utf-8"?>
 <p:sld xmlns:a="http://schemas.openxmlformats.org/drawingml/2006/main" xmlns:r="http://schemas.openxmlformats.org/officeDocument/2006/relationships" xmlns:p="http://schemas.openxmlformats.org/presentationml/2006/main">
   <p:cSld>
     <p:spTree>
@@ -10111,7 +10001,7 @@
 </p:sld>
 </file>
 
-<file path=ppt/slides/slide15.xml><?xml version="1.0" encoding="utf-8"?>
+<file path=ppt/slides/slide14.xml><?xml version="1.0" encoding="utf-8"?>
 <p:sld xmlns:a="http://schemas.openxmlformats.org/drawingml/2006/main" xmlns:r="http://schemas.openxmlformats.org/officeDocument/2006/relationships" xmlns:p="http://schemas.openxmlformats.org/presentationml/2006/main">
   <p:cSld>
     <p:spTree>
@@ -10730,7 +10620,7 @@
 </p:sld>
 </file>
 
-<file path=ppt/slides/slide16.xml><?xml version="1.0" encoding="utf-8"?>
+<file path=ppt/slides/slide15.xml><?xml version="1.0" encoding="utf-8"?>
 <p:sld xmlns:a="http://schemas.openxmlformats.org/drawingml/2006/main" xmlns:r="http://schemas.openxmlformats.org/officeDocument/2006/relationships" xmlns:p="http://schemas.openxmlformats.org/presentationml/2006/main">
   <p:cSld>
     <p:spTree>
